--- a/ComputerVision/Lecture 04 - Finding Components/Lecture 04 - Component Segmentation.pptx
+++ b/ComputerVision/Lecture 04 - Finding Components/Lecture 04 - Component Segmentation.pptx
@@ -8656,165 +8656,6 @@
           </a:p>
         </p:txBody>
       </p:sp>
-      <p:sp>
-        <p:nvSpPr>
-          <p:cNvPr id="2" name="CaixaDeTexto 1">
-            <a:extLst>
-              <a:ext uri="{FF2B5EF4-FFF2-40B4-BE49-F238E27FC236}">
-                <a16:creationId xmlns:a16="http://schemas.microsoft.com/office/drawing/2014/main" id="{D744B707-1B4A-5A5F-CC17-5C9D8382FBD9}"/>
-              </a:ext>
-            </a:extLst>
-          </p:cNvPr>
-          <p:cNvSpPr txBox="1"/>
-          <p:nvPr/>
-        </p:nvSpPr>
-        <p:spPr>
-          <a:xfrm>
-            <a:off x="200025" y="1689990"/>
-            <a:ext cx="9516375" cy="3139321"/>
-          </a:xfrm>
-          <a:prstGeom prst="rect">
-            <a:avLst/>
-          </a:prstGeom>
-          <a:noFill/>
-        </p:spPr>
-        <p:txBody>
-          <a:bodyPr wrap="square" rtlCol="0">
-            <a:spAutoFit/>
-          </a:bodyPr>
-          <a:lstStyle/>
-          <a:p>
-            <a:pPr marL="285750" indent="-285750">
-              <a:buFont typeface="Arial" panose="020B0604020202020204" pitchFamily="34" charset="0"/>
-              <a:buChar char="•"/>
-            </a:pPr>
-            <a:r>
-              <a:rPr lang="en-US" dirty="0">
-                <a:latin typeface="Calibri" panose="020F0502020204030204" pitchFamily="34" charset="0"/>
-                <a:cs typeface="Calibri" panose="020F0502020204030204" pitchFamily="34" charset="0"/>
-              </a:rPr>
-              <a:t>Sliding a connectivity kernel , row by row ( 2 passes)</a:t>
-            </a:r>
-          </a:p>
-          <a:p>
-            <a:pPr marL="742950" lvl="1" indent="-285750">
-              <a:buFont typeface="Arial" panose="020B0604020202020204" pitchFamily="34" charset="0"/>
-              <a:buChar char="•"/>
-            </a:pPr>
-            <a:r>
-              <a:rPr lang="en-US" dirty="0">
-                <a:latin typeface="Calibri" panose="020F0502020204030204" pitchFamily="34" charset="0"/>
-                <a:cs typeface="Calibri" panose="020F0502020204030204" pitchFamily="34" charset="0"/>
-              </a:rPr>
-              <a:t>If the center falls in a non-zero pixel, label it!</a:t>
-            </a:r>
-          </a:p>
-          <a:p>
-            <a:pPr marL="742950" lvl="1" indent="-285750">
-              <a:buFont typeface="Arial" panose="020B0604020202020204" pitchFamily="34" charset="0"/>
-              <a:buChar char="•"/>
-            </a:pPr>
-            <a:r>
-              <a:rPr lang="en-US" dirty="0">
-                <a:latin typeface="Calibri" panose="020F0502020204030204" pitchFamily="34" charset="0"/>
-                <a:cs typeface="Calibri" panose="020F0502020204030204" pitchFamily="34" charset="0"/>
-              </a:rPr>
-              <a:t>Labelling: </a:t>
-            </a:r>
-          </a:p>
-          <a:p>
-            <a:pPr marL="1200150" lvl="2" indent="-285750">
-              <a:buFont typeface="Arial" panose="020B0604020202020204" pitchFamily="34" charset="0"/>
-              <a:buChar char="•"/>
-            </a:pPr>
-            <a:r>
-              <a:rPr lang="en-US" dirty="0">
-                <a:latin typeface="Calibri" panose="020F0502020204030204" pitchFamily="34" charset="0"/>
-                <a:cs typeface="Calibri" panose="020F0502020204030204" pitchFamily="34" charset="0"/>
-              </a:rPr>
-              <a:t>If there no labeled pixels connected, attribute a new label</a:t>
-            </a:r>
-          </a:p>
-          <a:p>
-            <a:pPr marL="1200150" lvl="2" indent="-285750">
-              <a:buFont typeface="Arial" panose="020B0604020202020204" pitchFamily="34" charset="0"/>
-              <a:buChar char="•"/>
-            </a:pPr>
-            <a:r>
-              <a:rPr lang="en-US" dirty="0">
-                <a:latin typeface="Calibri" panose="020F0502020204030204" pitchFamily="34" charset="0"/>
-                <a:cs typeface="Calibri" panose="020F0502020204030204" pitchFamily="34" charset="0"/>
-              </a:rPr>
-              <a:t>Otherwise, attribute the label of its neighbor</a:t>
-            </a:r>
-          </a:p>
-          <a:p>
-            <a:pPr marL="742950" lvl="1" indent="-285750">
-              <a:buFont typeface="Arial" panose="020B0604020202020204" pitchFamily="34" charset="0"/>
-              <a:buChar char="•"/>
-            </a:pPr>
-            <a:r>
-              <a:rPr lang="en-US" dirty="0">
-                <a:latin typeface="Calibri" panose="020F0502020204030204" pitchFamily="34" charset="0"/>
-                <a:cs typeface="Calibri" panose="020F0502020204030204" pitchFamily="34" charset="0"/>
-              </a:rPr>
-              <a:t>Union-Find structures determines the labels connected</a:t>
-            </a:r>
-          </a:p>
-          <a:p>
-            <a:pPr marL="285750" indent="-285750">
-              <a:buFont typeface="Arial" panose="020B0604020202020204" pitchFamily="34" charset="0"/>
-              <a:buChar char="•"/>
-            </a:pPr>
-            <a:r>
-              <a:rPr lang="en-US" b="1" dirty="0">
-                <a:latin typeface="Calibri" panose="020F0502020204030204" pitchFamily="34" charset="0"/>
-                <a:cs typeface="Calibri" panose="020F0502020204030204" pitchFamily="34" charset="0"/>
-              </a:rPr>
-              <a:t>Pass #1: </a:t>
-            </a:r>
-          </a:p>
-          <a:p>
-            <a:pPr marL="742950" lvl="1" indent="-285750">
-              <a:buFont typeface="Arial" panose="020B0604020202020204" pitchFamily="34" charset="0"/>
-              <a:buChar char="•"/>
-            </a:pPr>
-            <a:r>
-              <a:rPr lang="en-US" b="1" dirty="0">
-                <a:latin typeface="Calibri" panose="020F0502020204030204" pitchFamily="34" charset="0"/>
-                <a:cs typeface="Calibri" panose="020F0502020204030204" pitchFamily="34" charset="0"/>
-              </a:rPr>
-              <a:t>ROW #2</a:t>
-            </a:r>
-          </a:p>
-          <a:p>
-            <a:pPr marL="742950" lvl="1" indent="-285750">
-              <a:buFont typeface="Arial" panose="020B0604020202020204" pitchFamily="34" charset="0"/>
-              <a:buChar char="•"/>
-            </a:pPr>
-            <a:endParaRPr lang="en-US" dirty="0">
-              <a:latin typeface="Calibri" panose="020F0502020204030204" pitchFamily="34" charset="0"/>
-              <a:cs typeface="Calibri" panose="020F0502020204030204" pitchFamily="34" charset="0"/>
-            </a:endParaRPr>
-          </a:p>
-          <a:p>
-            <a:pPr marL="742950" lvl="1" indent="-285750">
-              <a:buFont typeface="Arial" panose="020B0604020202020204" pitchFamily="34" charset="0"/>
-              <a:buChar char="•"/>
-            </a:pPr>
-            <a:endParaRPr lang="en-US" dirty="0">
-              <a:latin typeface="Calibri" panose="020F0502020204030204" pitchFamily="34" charset="0"/>
-              <a:cs typeface="Calibri" panose="020F0502020204030204" pitchFamily="34" charset="0"/>
-            </a:endParaRPr>
-          </a:p>
-          <a:p>
-            <a:endParaRPr lang="en-US" dirty="0">
-              <a:latin typeface="Calibri" panose="020F0502020204030204" pitchFamily="34" charset="0"/>
-              <a:cs typeface="Calibri" panose="020F0502020204030204" pitchFamily="34" charset="0"/>
-            </a:endParaRPr>
-          </a:p>
-        </p:txBody>
-      </p:sp>
       <p:pic>
         <p:nvPicPr>
           <p:cNvPr id="13" name="Picture 8" descr="8-Pixel-Connectivity">
@@ -8977,6 +8818,185 @@
           </a:extLst>
         </p:spPr>
       </p:pic>
+      <p:sp>
+        <p:nvSpPr>
+          <p:cNvPr id="14" name="CaixaDeTexto 13">
+            <a:extLst>
+              <a:ext uri="{FF2B5EF4-FFF2-40B4-BE49-F238E27FC236}">
+                <a16:creationId xmlns:a16="http://schemas.microsoft.com/office/drawing/2014/main" id="{FCAFE55C-1F16-59C1-8016-E376E44586FD}"/>
+              </a:ext>
+            </a:extLst>
+          </p:cNvPr>
+          <p:cNvSpPr txBox="1"/>
+          <p:nvPr/>
+        </p:nvSpPr>
+        <p:spPr>
+          <a:xfrm>
+            <a:off x="200025" y="1689990"/>
+            <a:ext cx="9516375" cy="3693319"/>
+          </a:xfrm>
+          <a:prstGeom prst="rect">
+            <a:avLst/>
+          </a:prstGeom>
+          <a:noFill/>
+        </p:spPr>
+        <p:txBody>
+          <a:bodyPr wrap="square" rtlCol="0">
+            <a:spAutoFit/>
+          </a:bodyPr>
+          <a:lstStyle/>
+          <a:p>
+            <a:pPr marL="285750" indent="-285750">
+              <a:buFont typeface="Arial" panose="020B0604020202020204" pitchFamily="34" charset="0"/>
+              <a:buChar char="•"/>
+            </a:pPr>
+            <a:r>
+              <a:rPr lang="en-US" dirty="0">
+                <a:latin typeface="Calibri" panose="020F0502020204030204" pitchFamily="34" charset="0"/>
+                <a:cs typeface="Calibri" panose="020F0502020204030204" pitchFamily="34" charset="0"/>
+              </a:rPr>
+              <a:t>Sliding a connectivity kernel , row by row ( 2 passes)</a:t>
+            </a:r>
+          </a:p>
+          <a:p>
+            <a:pPr marL="742950" lvl="1" indent="-285750">
+              <a:buFont typeface="Arial" panose="020B0604020202020204" pitchFamily="34" charset="0"/>
+              <a:buChar char="•"/>
+            </a:pPr>
+            <a:r>
+              <a:rPr lang="en-US" dirty="0">
+                <a:latin typeface="Calibri" panose="020F0502020204030204" pitchFamily="34" charset="0"/>
+                <a:cs typeface="Calibri" panose="020F0502020204030204" pitchFamily="34" charset="0"/>
+              </a:rPr>
+              <a:t>If the center falls in a non-zero pixel, label it!</a:t>
+            </a:r>
+          </a:p>
+          <a:p>
+            <a:pPr marL="742950" lvl="1" indent="-285750">
+              <a:buFont typeface="Arial" panose="020B0604020202020204" pitchFamily="34" charset="0"/>
+              <a:buChar char="•"/>
+            </a:pPr>
+            <a:r>
+              <a:rPr lang="en-US" dirty="0">
+                <a:latin typeface="Calibri" panose="020F0502020204030204" pitchFamily="34" charset="0"/>
+                <a:cs typeface="Calibri" panose="020F0502020204030204" pitchFamily="34" charset="0"/>
+              </a:rPr>
+              <a:t>Labeling: </a:t>
+            </a:r>
+          </a:p>
+          <a:p>
+            <a:pPr marL="1200150" lvl="2" indent="-285750">
+              <a:buFont typeface="Arial" panose="020B0604020202020204" pitchFamily="34" charset="0"/>
+              <a:buChar char="•"/>
+            </a:pPr>
+            <a:r>
+              <a:rPr lang="en-US" dirty="0">
+                <a:latin typeface="Calibri" panose="020F0502020204030204" pitchFamily="34" charset="0"/>
+                <a:cs typeface="Calibri" panose="020F0502020204030204" pitchFamily="34" charset="0"/>
+              </a:rPr>
+              <a:t>If there are no labeled pixels connected, attribute a new label</a:t>
+            </a:r>
+          </a:p>
+          <a:p>
+            <a:pPr marL="1200150" lvl="2" indent="-285750">
+              <a:buFont typeface="Arial" panose="020B0604020202020204" pitchFamily="34" charset="0"/>
+              <a:buChar char="•"/>
+            </a:pPr>
+            <a:r>
+              <a:rPr lang="en-US" dirty="0">
+                <a:latin typeface="Calibri" panose="020F0502020204030204" pitchFamily="34" charset="0"/>
+                <a:cs typeface="Calibri" panose="020F0502020204030204" pitchFamily="34" charset="0"/>
+              </a:rPr>
+              <a:t>Otherwise, attribute to it the neighbor´s label.</a:t>
+            </a:r>
+          </a:p>
+          <a:p>
+            <a:pPr marL="1200150" lvl="2" indent="-285750">
+              <a:buFont typeface="Arial" panose="020B0604020202020204" pitchFamily="34" charset="0"/>
+              <a:buChar char="•"/>
+            </a:pPr>
+            <a:r>
+              <a:rPr lang="en-US" dirty="0">
+                <a:latin typeface="Calibri" panose="020F0502020204030204" pitchFamily="34" charset="0"/>
+                <a:cs typeface="Calibri" panose="020F0502020204030204" pitchFamily="34" charset="0"/>
+              </a:rPr>
+              <a:t>A Union-Find structure control adjacent labels (Union-Find)</a:t>
+            </a:r>
+          </a:p>
+          <a:p>
+            <a:pPr marL="285750" indent="-285750">
+              <a:buFont typeface="Arial" panose="020B0604020202020204" pitchFamily="34" charset="0"/>
+              <a:buChar char="•"/>
+            </a:pPr>
+            <a:endParaRPr lang="en-US" b="1" dirty="0">
+              <a:latin typeface="Calibri" panose="020F0502020204030204" pitchFamily="34" charset="0"/>
+              <a:cs typeface="Calibri" panose="020F0502020204030204" pitchFamily="34" charset="0"/>
+            </a:endParaRPr>
+          </a:p>
+          <a:p>
+            <a:pPr marL="285750" indent="-285750">
+              <a:buFont typeface="Arial" panose="020B0604020202020204" pitchFamily="34" charset="0"/>
+              <a:buChar char="•"/>
+            </a:pPr>
+            <a:r>
+              <a:rPr lang="en-US" b="1" dirty="0">
+                <a:latin typeface="Calibri" panose="020F0502020204030204" pitchFamily="34" charset="0"/>
+                <a:cs typeface="Calibri" panose="020F0502020204030204" pitchFamily="34" charset="0"/>
+              </a:rPr>
+              <a:t>Pass #1:</a:t>
+            </a:r>
+          </a:p>
+          <a:p>
+            <a:pPr marL="742950" lvl="1" indent="-285750">
+              <a:buFont typeface="Arial" panose="020B0604020202020204" pitchFamily="34" charset="0"/>
+              <a:buChar char="•"/>
+            </a:pPr>
+            <a:endParaRPr lang="en-US" b="1" dirty="0">
+              <a:latin typeface="Calibri" panose="020F0502020204030204" pitchFamily="34" charset="0"/>
+              <a:cs typeface="Calibri" panose="020F0502020204030204" pitchFamily="34" charset="0"/>
+            </a:endParaRPr>
+          </a:p>
+          <a:p>
+            <a:pPr marL="742950" lvl="1" indent="-285750">
+              <a:buFont typeface="Arial" panose="020B0604020202020204" pitchFamily="34" charset="0"/>
+              <a:buChar char="•"/>
+            </a:pPr>
+            <a:r>
+              <a:rPr lang="en-US" b="1" dirty="0">
+                <a:latin typeface="Calibri" panose="020F0502020204030204" pitchFamily="34" charset="0"/>
+                <a:cs typeface="Calibri" panose="020F0502020204030204" pitchFamily="34" charset="0"/>
+              </a:rPr>
+              <a:t>Row #2</a:t>
+            </a:r>
+          </a:p>
+          <a:p>
+            <a:pPr marL="742950" lvl="1" indent="-285750">
+              <a:buFont typeface="Arial" panose="020B0604020202020204" pitchFamily="34" charset="0"/>
+              <a:buChar char="•"/>
+            </a:pPr>
+            <a:endParaRPr lang="en-US" dirty="0">
+              <a:latin typeface="Calibri" panose="020F0502020204030204" pitchFamily="34" charset="0"/>
+              <a:cs typeface="Calibri" panose="020F0502020204030204" pitchFamily="34" charset="0"/>
+            </a:endParaRPr>
+          </a:p>
+          <a:p>
+            <a:pPr marL="742950" lvl="1" indent="-285750">
+              <a:buFont typeface="Arial" panose="020B0604020202020204" pitchFamily="34" charset="0"/>
+              <a:buChar char="•"/>
+            </a:pPr>
+            <a:endParaRPr lang="en-US" dirty="0">
+              <a:latin typeface="Calibri" panose="020F0502020204030204" pitchFamily="34" charset="0"/>
+              <a:cs typeface="Calibri" panose="020F0502020204030204" pitchFamily="34" charset="0"/>
+            </a:endParaRPr>
+          </a:p>
+          <a:p>
+            <a:endParaRPr lang="en-US" dirty="0">
+              <a:latin typeface="Calibri" panose="020F0502020204030204" pitchFamily="34" charset="0"/>
+              <a:cs typeface="Calibri" panose="020F0502020204030204" pitchFamily="34" charset="0"/>
+            </a:endParaRPr>
+          </a:p>
+        </p:txBody>
+      </p:sp>
     </p:spTree>
     <p:extLst>
       <p:ext uri="{BB962C8B-B14F-4D97-AF65-F5344CB8AC3E}">
@@ -9228,165 +9248,6 @@
           </a:p>
         </p:txBody>
       </p:sp>
-      <p:sp>
-        <p:nvSpPr>
-          <p:cNvPr id="2" name="CaixaDeTexto 1">
-            <a:extLst>
-              <a:ext uri="{FF2B5EF4-FFF2-40B4-BE49-F238E27FC236}">
-                <a16:creationId xmlns:a16="http://schemas.microsoft.com/office/drawing/2014/main" id="{D744B707-1B4A-5A5F-CC17-5C9D8382FBD9}"/>
-              </a:ext>
-            </a:extLst>
-          </p:cNvPr>
-          <p:cNvSpPr txBox="1"/>
-          <p:nvPr/>
-        </p:nvSpPr>
-        <p:spPr>
-          <a:xfrm>
-            <a:off x="200025" y="1689990"/>
-            <a:ext cx="9516375" cy="3139321"/>
-          </a:xfrm>
-          <a:prstGeom prst="rect">
-            <a:avLst/>
-          </a:prstGeom>
-          <a:noFill/>
-        </p:spPr>
-        <p:txBody>
-          <a:bodyPr wrap="square" rtlCol="0">
-            <a:spAutoFit/>
-          </a:bodyPr>
-          <a:lstStyle/>
-          <a:p>
-            <a:pPr marL="285750" indent="-285750">
-              <a:buFont typeface="Arial" panose="020B0604020202020204" pitchFamily="34" charset="0"/>
-              <a:buChar char="•"/>
-            </a:pPr>
-            <a:r>
-              <a:rPr lang="en-US" dirty="0">
-                <a:latin typeface="Calibri" panose="020F0502020204030204" pitchFamily="34" charset="0"/>
-                <a:cs typeface="Calibri" panose="020F0502020204030204" pitchFamily="34" charset="0"/>
-              </a:rPr>
-              <a:t>Sliding a connectivity kernel , row by row ( 2 passes)</a:t>
-            </a:r>
-          </a:p>
-          <a:p>
-            <a:pPr marL="742950" lvl="1" indent="-285750">
-              <a:buFont typeface="Arial" panose="020B0604020202020204" pitchFamily="34" charset="0"/>
-              <a:buChar char="•"/>
-            </a:pPr>
-            <a:r>
-              <a:rPr lang="en-US" dirty="0">
-                <a:latin typeface="Calibri" panose="020F0502020204030204" pitchFamily="34" charset="0"/>
-                <a:cs typeface="Calibri" panose="020F0502020204030204" pitchFamily="34" charset="0"/>
-              </a:rPr>
-              <a:t>If the center falls in a non-zero pixel, label it!</a:t>
-            </a:r>
-          </a:p>
-          <a:p>
-            <a:pPr marL="742950" lvl="1" indent="-285750">
-              <a:buFont typeface="Arial" panose="020B0604020202020204" pitchFamily="34" charset="0"/>
-              <a:buChar char="•"/>
-            </a:pPr>
-            <a:r>
-              <a:rPr lang="en-US" dirty="0">
-                <a:latin typeface="Calibri" panose="020F0502020204030204" pitchFamily="34" charset="0"/>
-                <a:cs typeface="Calibri" panose="020F0502020204030204" pitchFamily="34" charset="0"/>
-              </a:rPr>
-              <a:t>Labelling: </a:t>
-            </a:r>
-          </a:p>
-          <a:p>
-            <a:pPr marL="1200150" lvl="2" indent="-285750">
-              <a:buFont typeface="Arial" panose="020B0604020202020204" pitchFamily="34" charset="0"/>
-              <a:buChar char="•"/>
-            </a:pPr>
-            <a:r>
-              <a:rPr lang="en-US" dirty="0">
-                <a:latin typeface="Calibri" panose="020F0502020204030204" pitchFamily="34" charset="0"/>
-                <a:cs typeface="Calibri" panose="020F0502020204030204" pitchFamily="34" charset="0"/>
-              </a:rPr>
-              <a:t>If there no labeled pixels connected, attribute a new label</a:t>
-            </a:r>
-          </a:p>
-          <a:p>
-            <a:pPr marL="1200150" lvl="2" indent="-285750">
-              <a:buFont typeface="Arial" panose="020B0604020202020204" pitchFamily="34" charset="0"/>
-              <a:buChar char="•"/>
-            </a:pPr>
-            <a:r>
-              <a:rPr lang="en-US" dirty="0">
-                <a:latin typeface="Calibri" panose="020F0502020204030204" pitchFamily="34" charset="0"/>
-                <a:cs typeface="Calibri" panose="020F0502020204030204" pitchFamily="34" charset="0"/>
-              </a:rPr>
-              <a:t>Otherwise, attribute the label of its neighbor</a:t>
-            </a:r>
-          </a:p>
-          <a:p>
-            <a:pPr marL="742950" lvl="1" indent="-285750">
-              <a:buFont typeface="Arial" panose="020B0604020202020204" pitchFamily="34" charset="0"/>
-              <a:buChar char="•"/>
-            </a:pPr>
-            <a:r>
-              <a:rPr lang="en-US" dirty="0">
-                <a:latin typeface="Calibri" panose="020F0502020204030204" pitchFamily="34" charset="0"/>
-                <a:cs typeface="Calibri" panose="020F0502020204030204" pitchFamily="34" charset="0"/>
-              </a:rPr>
-              <a:t>Union-Find structures determines the labels connected</a:t>
-            </a:r>
-          </a:p>
-          <a:p>
-            <a:pPr marL="285750" indent="-285750">
-              <a:buFont typeface="Arial" panose="020B0604020202020204" pitchFamily="34" charset="0"/>
-              <a:buChar char="•"/>
-            </a:pPr>
-            <a:r>
-              <a:rPr lang="en-US" b="1" dirty="0">
-                <a:latin typeface="Calibri" panose="020F0502020204030204" pitchFamily="34" charset="0"/>
-                <a:cs typeface="Calibri" panose="020F0502020204030204" pitchFamily="34" charset="0"/>
-              </a:rPr>
-              <a:t>Pass #1: </a:t>
-            </a:r>
-          </a:p>
-          <a:p>
-            <a:pPr marL="742950" lvl="1" indent="-285750">
-              <a:buFont typeface="Arial" panose="020B0604020202020204" pitchFamily="34" charset="0"/>
-              <a:buChar char="•"/>
-            </a:pPr>
-            <a:r>
-              <a:rPr lang="en-US" b="1" dirty="0">
-                <a:latin typeface="Calibri" panose="020F0502020204030204" pitchFamily="34" charset="0"/>
-                <a:cs typeface="Calibri" panose="020F0502020204030204" pitchFamily="34" charset="0"/>
-              </a:rPr>
-              <a:t>ROW #3</a:t>
-            </a:r>
-          </a:p>
-          <a:p>
-            <a:pPr marL="742950" lvl="1" indent="-285750">
-              <a:buFont typeface="Arial" panose="020B0604020202020204" pitchFamily="34" charset="0"/>
-              <a:buChar char="•"/>
-            </a:pPr>
-            <a:endParaRPr lang="en-US" dirty="0">
-              <a:latin typeface="Calibri" panose="020F0502020204030204" pitchFamily="34" charset="0"/>
-              <a:cs typeface="Calibri" panose="020F0502020204030204" pitchFamily="34" charset="0"/>
-            </a:endParaRPr>
-          </a:p>
-          <a:p>
-            <a:pPr marL="742950" lvl="1" indent="-285750">
-              <a:buFont typeface="Arial" panose="020B0604020202020204" pitchFamily="34" charset="0"/>
-              <a:buChar char="•"/>
-            </a:pPr>
-            <a:endParaRPr lang="en-US" dirty="0">
-              <a:latin typeface="Calibri" panose="020F0502020204030204" pitchFamily="34" charset="0"/>
-              <a:cs typeface="Calibri" panose="020F0502020204030204" pitchFamily="34" charset="0"/>
-            </a:endParaRPr>
-          </a:p>
-          <a:p>
-            <a:endParaRPr lang="en-US" dirty="0">
-              <a:latin typeface="Calibri" panose="020F0502020204030204" pitchFamily="34" charset="0"/>
-              <a:cs typeface="Calibri" panose="020F0502020204030204" pitchFamily="34" charset="0"/>
-            </a:endParaRPr>
-          </a:p>
-        </p:txBody>
-      </p:sp>
       <p:pic>
         <p:nvPicPr>
           <p:cNvPr id="13" name="Picture 8" descr="8-Pixel-Connectivity">
@@ -9690,6 +9551,276 @@
           <a:p>
             <a:pPr algn="ctr"/>
             <a:endParaRPr lang="pt-BR"/>
+          </a:p>
+        </p:txBody>
+      </p:sp>
+      <p:sp>
+        <p:nvSpPr>
+          <p:cNvPr id="5" name="Seta: para Baixo 4">
+            <a:extLst>
+              <a:ext uri="{FF2B5EF4-FFF2-40B4-BE49-F238E27FC236}">
+                <a16:creationId xmlns:a16="http://schemas.microsoft.com/office/drawing/2014/main" id="{AEBB9019-23B8-8DFB-811A-EF3289BE25FC}"/>
+              </a:ext>
+            </a:extLst>
+          </p:cNvPr>
+          <p:cNvSpPr/>
+          <p:nvPr/>
+        </p:nvSpPr>
+        <p:spPr>
+          <a:xfrm>
+            <a:off x="7971205" y="2885936"/>
+            <a:ext cx="260627" cy="369332"/>
+          </a:xfrm>
+          <a:prstGeom prst="downArrow">
+            <a:avLst/>
+          </a:prstGeom>
+        </p:spPr>
+        <p:style>
+          <a:lnRef idx="2">
+            <a:schemeClr val="accent1">
+              <a:shade val="50000"/>
+            </a:schemeClr>
+          </a:lnRef>
+          <a:fillRef idx="1">
+            <a:schemeClr val="accent1"/>
+          </a:fillRef>
+          <a:effectRef idx="0">
+            <a:schemeClr val="accent1"/>
+          </a:effectRef>
+          <a:fontRef idx="minor">
+            <a:schemeClr val="lt1"/>
+          </a:fontRef>
+        </p:style>
+        <p:txBody>
+          <a:bodyPr rtlCol="0" anchor="ctr"/>
+          <a:lstStyle/>
+          <a:p>
+            <a:pPr algn="ctr"/>
+            <a:endParaRPr lang="pt-BR"/>
+          </a:p>
+        </p:txBody>
+      </p:sp>
+      <p:sp>
+        <p:nvSpPr>
+          <p:cNvPr id="6" name="CaixaDeTexto 5">
+            <a:extLst>
+              <a:ext uri="{FF2B5EF4-FFF2-40B4-BE49-F238E27FC236}">
+                <a16:creationId xmlns:a16="http://schemas.microsoft.com/office/drawing/2014/main" id="{B970E73E-4EA2-8F76-B086-278B17E6DBE1}"/>
+              </a:ext>
+            </a:extLst>
+          </p:cNvPr>
+          <p:cNvSpPr txBox="1"/>
+          <p:nvPr/>
+        </p:nvSpPr>
+        <p:spPr>
+          <a:xfrm>
+            <a:off x="7176959" y="2358351"/>
+            <a:ext cx="1849120" cy="369332"/>
+          </a:xfrm>
+          <a:prstGeom prst="rect">
+            <a:avLst/>
+          </a:prstGeom>
+          <a:noFill/>
+        </p:spPr>
+        <p:txBody>
+          <a:bodyPr wrap="square" rtlCol="0">
+            <a:spAutoFit/>
+          </a:bodyPr>
+          <a:lstStyle/>
+          <a:p>
+            <a:r>
+              <a:rPr lang="en-US" dirty="0"/>
+              <a:t>Adjacent labels</a:t>
+            </a:r>
+          </a:p>
+        </p:txBody>
+      </p:sp>
+      <p:sp>
+        <p:nvSpPr>
+          <p:cNvPr id="16" name="CaixaDeTexto 15">
+            <a:extLst>
+              <a:ext uri="{FF2B5EF4-FFF2-40B4-BE49-F238E27FC236}">
+                <a16:creationId xmlns:a16="http://schemas.microsoft.com/office/drawing/2014/main" id="{598E6943-E5A0-31ED-BEC8-865D379FFD61}"/>
+              </a:ext>
+            </a:extLst>
+          </p:cNvPr>
+          <p:cNvSpPr txBox="1"/>
+          <p:nvPr/>
+        </p:nvSpPr>
+        <p:spPr>
+          <a:xfrm>
+            <a:off x="200025" y="1689990"/>
+            <a:ext cx="9516375" cy="3970318"/>
+          </a:xfrm>
+          <a:prstGeom prst="rect">
+            <a:avLst/>
+          </a:prstGeom>
+          <a:noFill/>
+        </p:spPr>
+        <p:txBody>
+          <a:bodyPr wrap="square" rtlCol="0">
+            <a:spAutoFit/>
+          </a:bodyPr>
+          <a:lstStyle/>
+          <a:p>
+            <a:pPr marL="285750" indent="-285750">
+              <a:buFont typeface="Arial" panose="020B0604020202020204" pitchFamily="34" charset="0"/>
+              <a:buChar char="•"/>
+            </a:pPr>
+            <a:r>
+              <a:rPr lang="en-US" dirty="0">
+                <a:latin typeface="Calibri" panose="020F0502020204030204" pitchFamily="34" charset="0"/>
+                <a:cs typeface="Calibri" panose="020F0502020204030204" pitchFamily="34" charset="0"/>
+              </a:rPr>
+              <a:t>Sliding a connectivity kernel , row by row ( 2 passes)</a:t>
+            </a:r>
+          </a:p>
+          <a:p>
+            <a:pPr marL="742950" lvl="1" indent="-285750">
+              <a:buFont typeface="Arial" panose="020B0604020202020204" pitchFamily="34" charset="0"/>
+              <a:buChar char="•"/>
+            </a:pPr>
+            <a:r>
+              <a:rPr lang="en-US" dirty="0">
+                <a:latin typeface="Calibri" panose="020F0502020204030204" pitchFamily="34" charset="0"/>
+                <a:cs typeface="Calibri" panose="020F0502020204030204" pitchFamily="34" charset="0"/>
+              </a:rPr>
+              <a:t>If the center falls in a non-zero pixel, label it!</a:t>
+            </a:r>
+          </a:p>
+          <a:p>
+            <a:pPr marL="742950" lvl="1" indent="-285750">
+              <a:buFont typeface="Arial" panose="020B0604020202020204" pitchFamily="34" charset="0"/>
+              <a:buChar char="•"/>
+            </a:pPr>
+            <a:r>
+              <a:rPr lang="en-US" dirty="0">
+                <a:latin typeface="Calibri" panose="020F0502020204030204" pitchFamily="34" charset="0"/>
+                <a:cs typeface="Calibri" panose="020F0502020204030204" pitchFamily="34" charset="0"/>
+              </a:rPr>
+              <a:t>Labeling: </a:t>
+            </a:r>
+          </a:p>
+          <a:p>
+            <a:pPr marL="1200150" lvl="2" indent="-285750">
+              <a:buFont typeface="Arial" panose="020B0604020202020204" pitchFamily="34" charset="0"/>
+              <a:buChar char="•"/>
+            </a:pPr>
+            <a:r>
+              <a:rPr lang="en-US" dirty="0">
+                <a:latin typeface="Calibri" panose="020F0502020204030204" pitchFamily="34" charset="0"/>
+                <a:cs typeface="Calibri" panose="020F0502020204030204" pitchFamily="34" charset="0"/>
+              </a:rPr>
+              <a:t>If there are no labeled pixels connected, attribute a new label</a:t>
+            </a:r>
+          </a:p>
+          <a:p>
+            <a:pPr marL="1200150" lvl="2" indent="-285750">
+              <a:buFont typeface="Arial" panose="020B0604020202020204" pitchFamily="34" charset="0"/>
+              <a:buChar char="•"/>
+            </a:pPr>
+            <a:r>
+              <a:rPr lang="en-US" dirty="0">
+                <a:latin typeface="Calibri" panose="020F0502020204030204" pitchFamily="34" charset="0"/>
+                <a:cs typeface="Calibri" panose="020F0502020204030204" pitchFamily="34" charset="0"/>
+              </a:rPr>
+              <a:t>Otherwise, attribute to it the neighbor´s label.</a:t>
+            </a:r>
+          </a:p>
+          <a:p>
+            <a:pPr marL="1200150" lvl="2" indent="-285750">
+              <a:buFont typeface="Arial" panose="020B0604020202020204" pitchFamily="34" charset="0"/>
+              <a:buChar char="•"/>
+            </a:pPr>
+            <a:r>
+              <a:rPr lang="en-US" dirty="0">
+                <a:latin typeface="Calibri" panose="020F0502020204030204" pitchFamily="34" charset="0"/>
+                <a:cs typeface="Calibri" panose="020F0502020204030204" pitchFamily="34" charset="0"/>
+              </a:rPr>
+              <a:t>A Union-Find structure control adjacent labels (Union-Find)</a:t>
+            </a:r>
+          </a:p>
+          <a:p>
+            <a:pPr marL="285750" indent="-285750">
+              <a:buFont typeface="Arial" panose="020B0604020202020204" pitchFamily="34" charset="0"/>
+              <a:buChar char="•"/>
+            </a:pPr>
+            <a:endParaRPr lang="en-US" b="1" dirty="0">
+              <a:latin typeface="Calibri" panose="020F0502020204030204" pitchFamily="34" charset="0"/>
+              <a:cs typeface="Calibri" panose="020F0502020204030204" pitchFamily="34" charset="0"/>
+            </a:endParaRPr>
+          </a:p>
+          <a:p>
+            <a:pPr marL="285750" indent="-285750">
+              <a:buFont typeface="Arial" panose="020B0604020202020204" pitchFamily="34" charset="0"/>
+              <a:buChar char="•"/>
+            </a:pPr>
+            <a:r>
+              <a:rPr lang="en-US" b="1" dirty="0">
+                <a:latin typeface="Calibri" panose="020F0502020204030204" pitchFamily="34" charset="0"/>
+                <a:cs typeface="Calibri" panose="020F0502020204030204" pitchFamily="34" charset="0"/>
+              </a:rPr>
+              <a:t>Pass #1:</a:t>
+            </a:r>
+          </a:p>
+          <a:p>
+            <a:pPr marL="742950" lvl="1" indent="-285750">
+              <a:buFont typeface="Arial" panose="020B0604020202020204" pitchFamily="34" charset="0"/>
+              <a:buChar char="•"/>
+            </a:pPr>
+            <a:endParaRPr lang="en-US" b="1" dirty="0">
+              <a:latin typeface="Calibri" panose="020F0502020204030204" pitchFamily="34" charset="0"/>
+              <a:cs typeface="Calibri" panose="020F0502020204030204" pitchFamily="34" charset="0"/>
+            </a:endParaRPr>
+          </a:p>
+          <a:p>
+            <a:pPr marL="742950" lvl="1" indent="-285750">
+              <a:buFont typeface="Arial" panose="020B0604020202020204" pitchFamily="34" charset="0"/>
+              <a:buChar char="•"/>
+            </a:pPr>
+            <a:endParaRPr lang="en-US" b="1" dirty="0">
+              <a:latin typeface="Calibri" panose="020F0502020204030204" pitchFamily="34" charset="0"/>
+              <a:cs typeface="Calibri" panose="020F0502020204030204" pitchFamily="34" charset="0"/>
+            </a:endParaRPr>
+          </a:p>
+          <a:p>
+            <a:pPr marL="742950" lvl="1" indent="-285750">
+              <a:buFont typeface="Arial" panose="020B0604020202020204" pitchFamily="34" charset="0"/>
+              <a:buChar char="•"/>
+            </a:pPr>
+            <a:r>
+              <a:rPr lang="en-US" b="1" dirty="0">
+                <a:latin typeface="Calibri" panose="020F0502020204030204" pitchFamily="34" charset="0"/>
+                <a:cs typeface="Calibri" panose="020F0502020204030204" pitchFamily="34" charset="0"/>
+              </a:rPr>
+              <a:t>Row #3</a:t>
+            </a:r>
+          </a:p>
+          <a:p>
+            <a:pPr marL="742950" lvl="1" indent="-285750">
+              <a:buFont typeface="Arial" panose="020B0604020202020204" pitchFamily="34" charset="0"/>
+              <a:buChar char="•"/>
+            </a:pPr>
+            <a:endParaRPr lang="en-US" dirty="0">
+              <a:latin typeface="Calibri" panose="020F0502020204030204" pitchFamily="34" charset="0"/>
+              <a:cs typeface="Calibri" panose="020F0502020204030204" pitchFamily="34" charset="0"/>
+            </a:endParaRPr>
+          </a:p>
+          <a:p>
+            <a:pPr marL="742950" lvl="1" indent="-285750">
+              <a:buFont typeface="Arial" panose="020B0604020202020204" pitchFamily="34" charset="0"/>
+              <a:buChar char="•"/>
+            </a:pPr>
+            <a:endParaRPr lang="en-US" dirty="0">
+              <a:latin typeface="Calibri" panose="020F0502020204030204" pitchFamily="34" charset="0"/>
+              <a:cs typeface="Calibri" panose="020F0502020204030204" pitchFamily="34" charset="0"/>
+            </a:endParaRPr>
+          </a:p>
+          <a:p>
+            <a:endParaRPr lang="en-US" dirty="0">
+              <a:latin typeface="Calibri" panose="020F0502020204030204" pitchFamily="34" charset="0"/>
+              <a:cs typeface="Calibri" panose="020F0502020204030204" pitchFamily="34" charset="0"/>
+            </a:endParaRPr>
           </a:p>
         </p:txBody>
       </p:sp>
@@ -9944,165 +10075,6 @@
           </a:p>
         </p:txBody>
       </p:sp>
-      <p:sp>
-        <p:nvSpPr>
-          <p:cNvPr id="2" name="CaixaDeTexto 1">
-            <a:extLst>
-              <a:ext uri="{FF2B5EF4-FFF2-40B4-BE49-F238E27FC236}">
-                <a16:creationId xmlns:a16="http://schemas.microsoft.com/office/drawing/2014/main" id="{D744B707-1B4A-5A5F-CC17-5C9D8382FBD9}"/>
-              </a:ext>
-            </a:extLst>
-          </p:cNvPr>
-          <p:cNvSpPr txBox="1"/>
-          <p:nvPr/>
-        </p:nvSpPr>
-        <p:spPr>
-          <a:xfrm>
-            <a:off x="200025" y="1689990"/>
-            <a:ext cx="9516375" cy="3139321"/>
-          </a:xfrm>
-          <a:prstGeom prst="rect">
-            <a:avLst/>
-          </a:prstGeom>
-          <a:noFill/>
-        </p:spPr>
-        <p:txBody>
-          <a:bodyPr wrap="square" rtlCol="0">
-            <a:spAutoFit/>
-          </a:bodyPr>
-          <a:lstStyle/>
-          <a:p>
-            <a:pPr marL="285750" indent="-285750">
-              <a:buFont typeface="Arial" panose="020B0604020202020204" pitchFamily="34" charset="0"/>
-              <a:buChar char="•"/>
-            </a:pPr>
-            <a:r>
-              <a:rPr lang="en-US" dirty="0">
-                <a:latin typeface="Calibri" panose="020F0502020204030204" pitchFamily="34" charset="0"/>
-                <a:cs typeface="Calibri" panose="020F0502020204030204" pitchFamily="34" charset="0"/>
-              </a:rPr>
-              <a:t>Sliding a connectivity kernel , row by row ( 2 passes)</a:t>
-            </a:r>
-          </a:p>
-          <a:p>
-            <a:pPr marL="742950" lvl="1" indent="-285750">
-              <a:buFont typeface="Arial" panose="020B0604020202020204" pitchFamily="34" charset="0"/>
-              <a:buChar char="•"/>
-            </a:pPr>
-            <a:r>
-              <a:rPr lang="en-US" dirty="0">
-                <a:latin typeface="Calibri" panose="020F0502020204030204" pitchFamily="34" charset="0"/>
-                <a:cs typeface="Calibri" panose="020F0502020204030204" pitchFamily="34" charset="0"/>
-              </a:rPr>
-              <a:t>If the center falls in a non-zero pixel, label it!</a:t>
-            </a:r>
-          </a:p>
-          <a:p>
-            <a:pPr marL="742950" lvl="1" indent="-285750">
-              <a:buFont typeface="Arial" panose="020B0604020202020204" pitchFamily="34" charset="0"/>
-              <a:buChar char="•"/>
-            </a:pPr>
-            <a:r>
-              <a:rPr lang="en-US" dirty="0">
-                <a:latin typeface="Calibri" panose="020F0502020204030204" pitchFamily="34" charset="0"/>
-                <a:cs typeface="Calibri" panose="020F0502020204030204" pitchFamily="34" charset="0"/>
-              </a:rPr>
-              <a:t>Labelling: </a:t>
-            </a:r>
-          </a:p>
-          <a:p>
-            <a:pPr marL="1200150" lvl="2" indent="-285750">
-              <a:buFont typeface="Arial" panose="020B0604020202020204" pitchFamily="34" charset="0"/>
-              <a:buChar char="•"/>
-            </a:pPr>
-            <a:r>
-              <a:rPr lang="en-US" dirty="0">
-                <a:latin typeface="Calibri" panose="020F0502020204030204" pitchFamily="34" charset="0"/>
-                <a:cs typeface="Calibri" panose="020F0502020204030204" pitchFamily="34" charset="0"/>
-              </a:rPr>
-              <a:t>If there no labeled pixels connected, attribute a new label</a:t>
-            </a:r>
-          </a:p>
-          <a:p>
-            <a:pPr marL="1200150" lvl="2" indent="-285750">
-              <a:buFont typeface="Arial" panose="020B0604020202020204" pitchFamily="34" charset="0"/>
-              <a:buChar char="•"/>
-            </a:pPr>
-            <a:r>
-              <a:rPr lang="en-US" dirty="0">
-                <a:latin typeface="Calibri" panose="020F0502020204030204" pitchFamily="34" charset="0"/>
-                <a:cs typeface="Calibri" panose="020F0502020204030204" pitchFamily="34" charset="0"/>
-              </a:rPr>
-              <a:t>Otherwise, attribute the label of its neighbor</a:t>
-            </a:r>
-          </a:p>
-          <a:p>
-            <a:pPr marL="742950" lvl="1" indent="-285750">
-              <a:buFont typeface="Arial" panose="020B0604020202020204" pitchFamily="34" charset="0"/>
-              <a:buChar char="•"/>
-            </a:pPr>
-            <a:r>
-              <a:rPr lang="en-US" dirty="0">
-                <a:latin typeface="Calibri" panose="020F0502020204030204" pitchFamily="34" charset="0"/>
-                <a:cs typeface="Calibri" panose="020F0502020204030204" pitchFamily="34" charset="0"/>
-              </a:rPr>
-              <a:t>Union-Find structures determines the labels connected</a:t>
-            </a:r>
-          </a:p>
-          <a:p>
-            <a:pPr marL="285750" indent="-285750">
-              <a:buFont typeface="Arial" panose="020B0604020202020204" pitchFamily="34" charset="0"/>
-              <a:buChar char="•"/>
-            </a:pPr>
-            <a:r>
-              <a:rPr lang="en-US" b="1" dirty="0">
-                <a:latin typeface="Calibri" panose="020F0502020204030204" pitchFamily="34" charset="0"/>
-                <a:cs typeface="Calibri" panose="020F0502020204030204" pitchFamily="34" charset="0"/>
-              </a:rPr>
-              <a:t>Pass #1: </a:t>
-            </a:r>
-          </a:p>
-          <a:p>
-            <a:pPr marL="742950" lvl="1" indent="-285750">
-              <a:buFont typeface="Arial" panose="020B0604020202020204" pitchFamily="34" charset="0"/>
-              <a:buChar char="•"/>
-            </a:pPr>
-            <a:r>
-              <a:rPr lang="en-US" b="1" dirty="0">
-                <a:latin typeface="Calibri" panose="020F0502020204030204" pitchFamily="34" charset="0"/>
-                <a:cs typeface="Calibri" panose="020F0502020204030204" pitchFamily="34" charset="0"/>
-              </a:rPr>
-              <a:t>ROW #4</a:t>
-            </a:r>
-          </a:p>
-          <a:p>
-            <a:pPr marL="742950" lvl="1" indent="-285750">
-              <a:buFont typeface="Arial" panose="020B0604020202020204" pitchFamily="34" charset="0"/>
-              <a:buChar char="•"/>
-            </a:pPr>
-            <a:endParaRPr lang="en-US" dirty="0">
-              <a:latin typeface="Calibri" panose="020F0502020204030204" pitchFamily="34" charset="0"/>
-              <a:cs typeface="Calibri" panose="020F0502020204030204" pitchFamily="34" charset="0"/>
-            </a:endParaRPr>
-          </a:p>
-          <a:p>
-            <a:pPr marL="742950" lvl="1" indent="-285750">
-              <a:buFont typeface="Arial" panose="020B0604020202020204" pitchFamily="34" charset="0"/>
-              <a:buChar char="•"/>
-            </a:pPr>
-            <a:endParaRPr lang="en-US" dirty="0">
-              <a:latin typeface="Calibri" panose="020F0502020204030204" pitchFamily="34" charset="0"/>
-              <a:cs typeface="Calibri" panose="020F0502020204030204" pitchFamily="34" charset="0"/>
-            </a:endParaRPr>
-          </a:p>
-          <a:p>
-            <a:endParaRPr lang="en-US" dirty="0">
-              <a:latin typeface="Calibri" panose="020F0502020204030204" pitchFamily="34" charset="0"/>
-              <a:cs typeface="Calibri" panose="020F0502020204030204" pitchFamily="34" charset="0"/>
-            </a:endParaRPr>
-          </a:p>
-        </p:txBody>
-      </p:sp>
       <p:pic>
         <p:nvPicPr>
           <p:cNvPr id="13" name="Picture 8" descr="8-Pixel-Connectivity">
@@ -10343,6 +10315,205 @@
               <a:t>Union-Find</a:t>
             </a:r>
             <a:endParaRPr lang="pt-BR" dirty="0"/>
+          </a:p>
+        </p:txBody>
+      </p:sp>
+      <p:sp>
+        <p:nvSpPr>
+          <p:cNvPr id="16" name="CaixaDeTexto 15">
+            <a:extLst>
+              <a:ext uri="{FF2B5EF4-FFF2-40B4-BE49-F238E27FC236}">
+                <a16:creationId xmlns:a16="http://schemas.microsoft.com/office/drawing/2014/main" id="{32A182AA-DF57-7D72-8E6B-C63228346C1D}"/>
+              </a:ext>
+            </a:extLst>
+          </p:cNvPr>
+          <p:cNvSpPr txBox="1"/>
+          <p:nvPr/>
+        </p:nvSpPr>
+        <p:spPr>
+          <a:xfrm>
+            <a:off x="200025" y="1689990"/>
+            <a:ext cx="9516375" cy="4247317"/>
+          </a:xfrm>
+          <a:prstGeom prst="rect">
+            <a:avLst/>
+          </a:prstGeom>
+          <a:noFill/>
+        </p:spPr>
+        <p:txBody>
+          <a:bodyPr wrap="square" rtlCol="0">
+            <a:spAutoFit/>
+          </a:bodyPr>
+          <a:lstStyle/>
+          <a:p>
+            <a:pPr marL="285750" indent="-285750">
+              <a:buFont typeface="Arial" panose="020B0604020202020204" pitchFamily="34" charset="0"/>
+              <a:buChar char="•"/>
+            </a:pPr>
+            <a:r>
+              <a:rPr lang="en-US" dirty="0">
+                <a:latin typeface="Calibri" panose="020F0502020204030204" pitchFamily="34" charset="0"/>
+                <a:cs typeface="Calibri" panose="020F0502020204030204" pitchFamily="34" charset="0"/>
+              </a:rPr>
+              <a:t>Sliding a connectivity kernel , row by row ( 2 passes)</a:t>
+            </a:r>
+          </a:p>
+          <a:p>
+            <a:pPr marL="742950" lvl="1" indent="-285750">
+              <a:buFont typeface="Arial" panose="020B0604020202020204" pitchFamily="34" charset="0"/>
+              <a:buChar char="•"/>
+            </a:pPr>
+            <a:r>
+              <a:rPr lang="en-US" dirty="0">
+                <a:latin typeface="Calibri" panose="020F0502020204030204" pitchFamily="34" charset="0"/>
+                <a:cs typeface="Calibri" panose="020F0502020204030204" pitchFamily="34" charset="0"/>
+              </a:rPr>
+              <a:t>If the center falls in a non-zero pixel, label it!</a:t>
+            </a:r>
+          </a:p>
+          <a:p>
+            <a:pPr marL="742950" lvl="1" indent="-285750">
+              <a:buFont typeface="Arial" panose="020B0604020202020204" pitchFamily="34" charset="0"/>
+              <a:buChar char="•"/>
+            </a:pPr>
+            <a:r>
+              <a:rPr lang="en-US" dirty="0">
+                <a:latin typeface="Calibri" panose="020F0502020204030204" pitchFamily="34" charset="0"/>
+                <a:cs typeface="Calibri" panose="020F0502020204030204" pitchFamily="34" charset="0"/>
+              </a:rPr>
+              <a:t>Labeling: </a:t>
+            </a:r>
+          </a:p>
+          <a:p>
+            <a:pPr marL="1200150" lvl="2" indent="-285750">
+              <a:buFont typeface="Arial" panose="020B0604020202020204" pitchFamily="34" charset="0"/>
+              <a:buChar char="•"/>
+            </a:pPr>
+            <a:r>
+              <a:rPr lang="en-US" dirty="0">
+                <a:latin typeface="Calibri" panose="020F0502020204030204" pitchFamily="34" charset="0"/>
+                <a:cs typeface="Calibri" panose="020F0502020204030204" pitchFamily="34" charset="0"/>
+              </a:rPr>
+              <a:t>If there are no labeled pixels connected, attribute a new label</a:t>
+            </a:r>
+          </a:p>
+          <a:p>
+            <a:pPr marL="1200150" lvl="2" indent="-285750">
+              <a:buFont typeface="Arial" panose="020B0604020202020204" pitchFamily="34" charset="0"/>
+              <a:buChar char="•"/>
+            </a:pPr>
+            <a:r>
+              <a:rPr lang="en-US" dirty="0">
+                <a:latin typeface="Calibri" panose="020F0502020204030204" pitchFamily="34" charset="0"/>
+                <a:cs typeface="Calibri" panose="020F0502020204030204" pitchFamily="34" charset="0"/>
+              </a:rPr>
+              <a:t>Otherwise, attribute to it the neighbor´s label.</a:t>
+            </a:r>
+          </a:p>
+          <a:p>
+            <a:pPr marL="1200150" lvl="2" indent="-285750">
+              <a:buFont typeface="Arial" panose="020B0604020202020204" pitchFamily="34" charset="0"/>
+              <a:buChar char="•"/>
+            </a:pPr>
+            <a:r>
+              <a:rPr lang="en-US" dirty="0">
+                <a:latin typeface="Calibri" panose="020F0502020204030204" pitchFamily="34" charset="0"/>
+                <a:cs typeface="Calibri" panose="020F0502020204030204" pitchFamily="34" charset="0"/>
+              </a:rPr>
+              <a:t>A Union-Find structure control adjacent labels (Union-Find)</a:t>
+            </a:r>
+          </a:p>
+          <a:p>
+            <a:pPr marL="285750" indent="-285750">
+              <a:buFont typeface="Arial" panose="020B0604020202020204" pitchFamily="34" charset="0"/>
+              <a:buChar char="•"/>
+            </a:pPr>
+            <a:endParaRPr lang="en-US" b="1" dirty="0">
+              <a:latin typeface="Calibri" panose="020F0502020204030204" pitchFamily="34" charset="0"/>
+              <a:cs typeface="Calibri" panose="020F0502020204030204" pitchFamily="34" charset="0"/>
+            </a:endParaRPr>
+          </a:p>
+          <a:p>
+            <a:pPr marL="285750" indent="-285750">
+              <a:buFont typeface="Arial" panose="020B0604020202020204" pitchFamily="34" charset="0"/>
+              <a:buChar char="•"/>
+            </a:pPr>
+            <a:r>
+              <a:rPr lang="en-US" b="1" dirty="0">
+                <a:latin typeface="Calibri" panose="020F0502020204030204" pitchFamily="34" charset="0"/>
+                <a:cs typeface="Calibri" panose="020F0502020204030204" pitchFamily="34" charset="0"/>
+              </a:rPr>
+              <a:t>Pass #1:</a:t>
+            </a:r>
+          </a:p>
+          <a:p>
+            <a:pPr marL="742950" lvl="1" indent="-285750">
+              <a:buFont typeface="Arial" panose="020B0604020202020204" pitchFamily="34" charset="0"/>
+              <a:buChar char="•"/>
+            </a:pPr>
+            <a:endParaRPr lang="en-US" b="1" dirty="0">
+              <a:latin typeface="Calibri" panose="020F0502020204030204" pitchFamily="34" charset="0"/>
+              <a:cs typeface="Calibri" panose="020F0502020204030204" pitchFamily="34" charset="0"/>
+            </a:endParaRPr>
+          </a:p>
+          <a:p>
+            <a:pPr marL="742950" lvl="1" indent="-285750">
+              <a:buFont typeface="Arial" panose="020B0604020202020204" pitchFamily="34" charset="0"/>
+              <a:buChar char="•"/>
+            </a:pPr>
+            <a:endParaRPr lang="en-US" b="1" dirty="0">
+              <a:latin typeface="Calibri" panose="020F0502020204030204" pitchFamily="34" charset="0"/>
+              <a:cs typeface="Calibri" panose="020F0502020204030204" pitchFamily="34" charset="0"/>
+            </a:endParaRPr>
+          </a:p>
+          <a:p>
+            <a:pPr marL="742950" lvl="1" indent="-285750">
+              <a:buFont typeface="Arial" panose="020B0604020202020204" pitchFamily="34" charset="0"/>
+              <a:buChar char="•"/>
+            </a:pPr>
+            <a:endParaRPr lang="en-US" b="1" dirty="0">
+              <a:latin typeface="Calibri" panose="020F0502020204030204" pitchFamily="34" charset="0"/>
+              <a:cs typeface="Calibri" panose="020F0502020204030204" pitchFamily="34" charset="0"/>
+            </a:endParaRPr>
+          </a:p>
+          <a:p>
+            <a:pPr marL="742950" lvl="1" indent="-285750">
+              <a:buFont typeface="Arial" panose="020B0604020202020204" pitchFamily="34" charset="0"/>
+              <a:buChar char="•"/>
+            </a:pPr>
+            <a:r>
+              <a:rPr lang="en-US" b="1" dirty="0">
+                <a:latin typeface="Calibri" panose="020F0502020204030204" pitchFamily="34" charset="0"/>
+                <a:cs typeface="Calibri" panose="020F0502020204030204" pitchFamily="34" charset="0"/>
+              </a:rPr>
+              <a:t>Row #4</a:t>
+            </a:r>
+          </a:p>
+          <a:p>
+            <a:pPr marL="742950" lvl="1" indent="-285750">
+              <a:buFont typeface="Arial" panose="020B0604020202020204" pitchFamily="34" charset="0"/>
+              <a:buChar char="•"/>
+            </a:pPr>
+            <a:endParaRPr lang="en-US" dirty="0">
+              <a:latin typeface="Calibri" panose="020F0502020204030204" pitchFamily="34" charset="0"/>
+              <a:cs typeface="Calibri" panose="020F0502020204030204" pitchFamily="34" charset="0"/>
+            </a:endParaRPr>
+          </a:p>
+          <a:p>
+            <a:pPr marL="742950" lvl="1" indent="-285750">
+              <a:buFont typeface="Arial" panose="020B0604020202020204" pitchFamily="34" charset="0"/>
+              <a:buChar char="•"/>
+            </a:pPr>
+            <a:endParaRPr lang="en-US" dirty="0">
+              <a:latin typeface="Calibri" panose="020F0502020204030204" pitchFamily="34" charset="0"/>
+              <a:cs typeface="Calibri" panose="020F0502020204030204" pitchFamily="34" charset="0"/>
+            </a:endParaRPr>
+          </a:p>
+          <a:p>
+            <a:endParaRPr lang="en-US" dirty="0">
+              <a:latin typeface="Calibri" panose="020F0502020204030204" pitchFamily="34" charset="0"/>
+              <a:cs typeface="Calibri" panose="020F0502020204030204" pitchFamily="34" charset="0"/>
+            </a:endParaRPr>
           </a:p>
         </p:txBody>
       </p:sp>
@@ -10597,165 +10768,6 @@
           </a:p>
         </p:txBody>
       </p:sp>
-      <p:sp>
-        <p:nvSpPr>
-          <p:cNvPr id="2" name="CaixaDeTexto 1">
-            <a:extLst>
-              <a:ext uri="{FF2B5EF4-FFF2-40B4-BE49-F238E27FC236}">
-                <a16:creationId xmlns:a16="http://schemas.microsoft.com/office/drawing/2014/main" id="{D744B707-1B4A-5A5F-CC17-5C9D8382FBD9}"/>
-              </a:ext>
-            </a:extLst>
-          </p:cNvPr>
-          <p:cNvSpPr txBox="1"/>
-          <p:nvPr/>
-        </p:nvSpPr>
-        <p:spPr>
-          <a:xfrm>
-            <a:off x="200025" y="1689990"/>
-            <a:ext cx="9516375" cy="3139321"/>
-          </a:xfrm>
-          <a:prstGeom prst="rect">
-            <a:avLst/>
-          </a:prstGeom>
-          <a:noFill/>
-        </p:spPr>
-        <p:txBody>
-          <a:bodyPr wrap="square" rtlCol="0">
-            <a:spAutoFit/>
-          </a:bodyPr>
-          <a:lstStyle/>
-          <a:p>
-            <a:pPr marL="285750" indent="-285750">
-              <a:buFont typeface="Arial" panose="020B0604020202020204" pitchFamily="34" charset="0"/>
-              <a:buChar char="•"/>
-            </a:pPr>
-            <a:r>
-              <a:rPr lang="en-US" dirty="0">
-                <a:latin typeface="Calibri" panose="020F0502020204030204" pitchFamily="34" charset="0"/>
-                <a:cs typeface="Calibri" panose="020F0502020204030204" pitchFamily="34" charset="0"/>
-              </a:rPr>
-              <a:t>Sliding a connectivity kernel , row by row ( 2 passes)</a:t>
-            </a:r>
-          </a:p>
-          <a:p>
-            <a:pPr marL="742950" lvl="1" indent="-285750">
-              <a:buFont typeface="Arial" panose="020B0604020202020204" pitchFamily="34" charset="0"/>
-              <a:buChar char="•"/>
-            </a:pPr>
-            <a:r>
-              <a:rPr lang="en-US" dirty="0">
-                <a:latin typeface="Calibri" panose="020F0502020204030204" pitchFamily="34" charset="0"/>
-                <a:cs typeface="Calibri" panose="020F0502020204030204" pitchFamily="34" charset="0"/>
-              </a:rPr>
-              <a:t>If the center falls in a non-zero pixel, label it!</a:t>
-            </a:r>
-          </a:p>
-          <a:p>
-            <a:pPr marL="742950" lvl="1" indent="-285750">
-              <a:buFont typeface="Arial" panose="020B0604020202020204" pitchFamily="34" charset="0"/>
-              <a:buChar char="•"/>
-            </a:pPr>
-            <a:r>
-              <a:rPr lang="en-US" dirty="0">
-                <a:latin typeface="Calibri" panose="020F0502020204030204" pitchFamily="34" charset="0"/>
-                <a:cs typeface="Calibri" panose="020F0502020204030204" pitchFamily="34" charset="0"/>
-              </a:rPr>
-              <a:t>Labelling: </a:t>
-            </a:r>
-          </a:p>
-          <a:p>
-            <a:pPr marL="1200150" lvl="2" indent="-285750">
-              <a:buFont typeface="Arial" panose="020B0604020202020204" pitchFamily="34" charset="0"/>
-              <a:buChar char="•"/>
-            </a:pPr>
-            <a:r>
-              <a:rPr lang="en-US" dirty="0">
-                <a:latin typeface="Calibri" panose="020F0502020204030204" pitchFamily="34" charset="0"/>
-                <a:cs typeface="Calibri" panose="020F0502020204030204" pitchFamily="34" charset="0"/>
-              </a:rPr>
-              <a:t>If there no labeled pixels connected, attribute a new label</a:t>
-            </a:r>
-          </a:p>
-          <a:p>
-            <a:pPr marL="1200150" lvl="2" indent="-285750">
-              <a:buFont typeface="Arial" panose="020B0604020202020204" pitchFamily="34" charset="0"/>
-              <a:buChar char="•"/>
-            </a:pPr>
-            <a:r>
-              <a:rPr lang="en-US" dirty="0">
-                <a:latin typeface="Calibri" panose="020F0502020204030204" pitchFamily="34" charset="0"/>
-                <a:cs typeface="Calibri" panose="020F0502020204030204" pitchFamily="34" charset="0"/>
-              </a:rPr>
-              <a:t>Otherwise, attribute the label of its neighbor</a:t>
-            </a:r>
-          </a:p>
-          <a:p>
-            <a:pPr marL="742950" lvl="1" indent="-285750">
-              <a:buFont typeface="Arial" panose="020B0604020202020204" pitchFamily="34" charset="0"/>
-              <a:buChar char="•"/>
-            </a:pPr>
-            <a:r>
-              <a:rPr lang="en-US" dirty="0">
-                <a:latin typeface="Calibri" panose="020F0502020204030204" pitchFamily="34" charset="0"/>
-                <a:cs typeface="Calibri" panose="020F0502020204030204" pitchFamily="34" charset="0"/>
-              </a:rPr>
-              <a:t>Union-Find structures determines the labels connected</a:t>
-            </a:r>
-          </a:p>
-          <a:p>
-            <a:pPr marL="285750" indent="-285750">
-              <a:buFont typeface="Arial" panose="020B0604020202020204" pitchFamily="34" charset="0"/>
-              <a:buChar char="•"/>
-            </a:pPr>
-            <a:r>
-              <a:rPr lang="en-US" b="1" dirty="0">
-                <a:latin typeface="Calibri" panose="020F0502020204030204" pitchFamily="34" charset="0"/>
-                <a:cs typeface="Calibri" panose="020F0502020204030204" pitchFamily="34" charset="0"/>
-              </a:rPr>
-              <a:t>Pass #1: </a:t>
-            </a:r>
-          </a:p>
-          <a:p>
-            <a:pPr marL="742950" lvl="1" indent="-285750">
-              <a:buFont typeface="Arial" panose="020B0604020202020204" pitchFamily="34" charset="0"/>
-              <a:buChar char="•"/>
-            </a:pPr>
-            <a:r>
-              <a:rPr lang="en-US" b="1" dirty="0">
-                <a:latin typeface="Calibri" panose="020F0502020204030204" pitchFamily="34" charset="0"/>
-                <a:cs typeface="Calibri" panose="020F0502020204030204" pitchFamily="34" charset="0"/>
-              </a:rPr>
-              <a:t>ROW #5</a:t>
-            </a:r>
-          </a:p>
-          <a:p>
-            <a:pPr marL="742950" lvl="1" indent="-285750">
-              <a:buFont typeface="Arial" panose="020B0604020202020204" pitchFamily="34" charset="0"/>
-              <a:buChar char="•"/>
-            </a:pPr>
-            <a:endParaRPr lang="en-US" dirty="0">
-              <a:latin typeface="Calibri" panose="020F0502020204030204" pitchFamily="34" charset="0"/>
-              <a:cs typeface="Calibri" panose="020F0502020204030204" pitchFamily="34" charset="0"/>
-            </a:endParaRPr>
-          </a:p>
-          <a:p>
-            <a:pPr marL="742950" lvl="1" indent="-285750">
-              <a:buFont typeface="Arial" panose="020B0604020202020204" pitchFamily="34" charset="0"/>
-              <a:buChar char="•"/>
-            </a:pPr>
-            <a:endParaRPr lang="en-US" dirty="0">
-              <a:latin typeface="Calibri" panose="020F0502020204030204" pitchFamily="34" charset="0"/>
-              <a:cs typeface="Calibri" panose="020F0502020204030204" pitchFamily="34" charset="0"/>
-            </a:endParaRPr>
-          </a:p>
-          <a:p>
-            <a:endParaRPr lang="en-US" dirty="0">
-              <a:latin typeface="Calibri" panose="020F0502020204030204" pitchFamily="34" charset="0"/>
-              <a:cs typeface="Calibri" panose="020F0502020204030204" pitchFamily="34" charset="0"/>
-            </a:endParaRPr>
-          </a:p>
-        </p:txBody>
-      </p:sp>
       <p:pic>
         <p:nvPicPr>
           <p:cNvPr id="13" name="Picture 8" descr="8-Pixel-Connectivity">
@@ -11026,6 +11038,225 @@
               <a:t>Union-Find</a:t>
             </a:r>
             <a:endParaRPr lang="pt-BR" dirty="0"/>
+          </a:p>
+        </p:txBody>
+      </p:sp>
+      <p:sp>
+        <p:nvSpPr>
+          <p:cNvPr id="17" name="CaixaDeTexto 16">
+            <a:extLst>
+              <a:ext uri="{FF2B5EF4-FFF2-40B4-BE49-F238E27FC236}">
+                <a16:creationId xmlns:a16="http://schemas.microsoft.com/office/drawing/2014/main" id="{4870DF35-E1BE-1399-038A-3BAFDE8E6F81}"/>
+              </a:ext>
+            </a:extLst>
+          </p:cNvPr>
+          <p:cNvSpPr txBox="1"/>
+          <p:nvPr/>
+        </p:nvSpPr>
+        <p:spPr>
+          <a:xfrm>
+            <a:off x="200025" y="1689990"/>
+            <a:ext cx="9516375" cy="4801314"/>
+          </a:xfrm>
+          <a:prstGeom prst="rect">
+            <a:avLst/>
+          </a:prstGeom>
+          <a:noFill/>
+        </p:spPr>
+        <p:txBody>
+          <a:bodyPr wrap="square" rtlCol="0">
+            <a:spAutoFit/>
+          </a:bodyPr>
+          <a:lstStyle/>
+          <a:p>
+            <a:pPr marL="285750" indent="-285750">
+              <a:buFont typeface="Arial" panose="020B0604020202020204" pitchFamily="34" charset="0"/>
+              <a:buChar char="•"/>
+            </a:pPr>
+            <a:r>
+              <a:rPr lang="en-US" dirty="0">
+                <a:latin typeface="Calibri" panose="020F0502020204030204" pitchFamily="34" charset="0"/>
+                <a:cs typeface="Calibri" panose="020F0502020204030204" pitchFamily="34" charset="0"/>
+              </a:rPr>
+              <a:t>Sliding a connectivity kernel , row by row ( 2 passes)</a:t>
+            </a:r>
+          </a:p>
+          <a:p>
+            <a:pPr marL="742950" lvl="1" indent="-285750">
+              <a:buFont typeface="Arial" panose="020B0604020202020204" pitchFamily="34" charset="0"/>
+              <a:buChar char="•"/>
+            </a:pPr>
+            <a:r>
+              <a:rPr lang="en-US" dirty="0">
+                <a:latin typeface="Calibri" panose="020F0502020204030204" pitchFamily="34" charset="0"/>
+                <a:cs typeface="Calibri" panose="020F0502020204030204" pitchFamily="34" charset="0"/>
+              </a:rPr>
+              <a:t>If the center falls in a non-zero pixel, label it!</a:t>
+            </a:r>
+          </a:p>
+          <a:p>
+            <a:pPr marL="742950" lvl="1" indent="-285750">
+              <a:buFont typeface="Arial" panose="020B0604020202020204" pitchFamily="34" charset="0"/>
+              <a:buChar char="•"/>
+            </a:pPr>
+            <a:r>
+              <a:rPr lang="en-US" dirty="0">
+                <a:latin typeface="Calibri" panose="020F0502020204030204" pitchFamily="34" charset="0"/>
+                <a:cs typeface="Calibri" panose="020F0502020204030204" pitchFamily="34" charset="0"/>
+              </a:rPr>
+              <a:t>Labeling: </a:t>
+            </a:r>
+          </a:p>
+          <a:p>
+            <a:pPr marL="1200150" lvl="2" indent="-285750">
+              <a:buFont typeface="Arial" panose="020B0604020202020204" pitchFamily="34" charset="0"/>
+              <a:buChar char="•"/>
+            </a:pPr>
+            <a:r>
+              <a:rPr lang="en-US" dirty="0">
+                <a:latin typeface="Calibri" panose="020F0502020204030204" pitchFamily="34" charset="0"/>
+                <a:cs typeface="Calibri" panose="020F0502020204030204" pitchFamily="34" charset="0"/>
+              </a:rPr>
+              <a:t>If there are no labeled pixels connected, attribute a new label</a:t>
+            </a:r>
+          </a:p>
+          <a:p>
+            <a:pPr marL="1200150" lvl="2" indent="-285750">
+              <a:buFont typeface="Arial" panose="020B0604020202020204" pitchFamily="34" charset="0"/>
+              <a:buChar char="•"/>
+            </a:pPr>
+            <a:r>
+              <a:rPr lang="en-US" dirty="0">
+                <a:latin typeface="Calibri" panose="020F0502020204030204" pitchFamily="34" charset="0"/>
+                <a:cs typeface="Calibri" panose="020F0502020204030204" pitchFamily="34" charset="0"/>
+              </a:rPr>
+              <a:t>Otherwise, attribute to it the neighbor´s label.</a:t>
+            </a:r>
+          </a:p>
+          <a:p>
+            <a:pPr marL="1200150" lvl="2" indent="-285750">
+              <a:buFont typeface="Arial" panose="020B0604020202020204" pitchFamily="34" charset="0"/>
+              <a:buChar char="•"/>
+            </a:pPr>
+            <a:r>
+              <a:rPr lang="en-US" dirty="0">
+                <a:latin typeface="Calibri" panose="020F0502020204030204" pitchFamily="34" charset="0"/>
+                <a:cs typeface="Calibri" panose="020F0502020204030204" pitchFamily="34" charset="0"/>
+              </a:rPr>
+              <a:t>A Union-Find structure control adjacent labels (Union-Find)</a:t>
+            </a:r>
+          </a:p>
+          <a:p>
+            <a:pPr marL="285750" indent="-285750">
+              <a:buFont typeface="Arial" panose="020B0604020202020204" pitchFamily="34" charset="0"/>
+              <a:buChar char="•"/>
+            </a:pPr>
+            <a:endParaRPr lang="en-US" b="1" dirty="0">
+              <a:latin typeface="Calibri" panose="020F0502020204030204" pitchFamily="34" charset="0"/>
+              <a:cs typeface="Calibri" panose="020F0502020204030204" pitchFamily="34" charset="0"/>
+            </a:endParaRPr>
+          </a:p>
+          <a:p>
+            <a:pPr marL="285750" indent="-285750">
+              <a:buFont typeface="Arial" panose="020B0604020202020204" pitchFamily="34" charset="0"/>
+              <a:buChar char="•"/>
+            </a:pPr>
+            <a:r>
+              <a:rPr lang="en-US" b="1" dirty="0">
+                <a:latin typeface="Calibri" panose="020F0502020204030204" pitchFamily="34" charset="0"/>
+                <a:cs typeface="Calibri" panose="020F0502020204030204" pitchFamily="34" charset="0"/>
+              </a:rPr>
+              <a:t>Pass #1:</a:t>
+            </a:r>
+          </a:p>
+          <a:p>
+            <a:pPr marL="742950" lvl="1" indent="-285750">
+              <a:buFont typeface="Arial" panose="020B0604020202020204" pitchFamily="34" charset="0"/>
+              <a:buChar char="•"/>
+            </a:pPr>
+            <a:endParaRPr lang="en-US" b="1" dirty="0">
+              <a:latin typeface="Calibri" panose="020F0502020204030204" pitchFamily="34" charset="0"/>
+              <a:cs typeface="Calibri" panose="020F0502020204030204" pitchFamily="34" charset="0"/>
+            </a:endParaRPr>
+          </a:p>
+          <a:p>
+            <a:pPr marL="742950" lvl="1" indent="-285750">
+              <a:buFont typeface="Arial" panose="020B0604020202020204" pitchFamily="34" charset="0"/>
+              <a:buChar char="•"/>
+            </a:pPr>
+            <a:endParaRPr lang="en-US" b="1" dirty="0">
+              <a:latin typeface="Calibri" panose="020F0502020204030204" pitchFamily="34" charset="0"/>
+              <a:cs typeface="Calibri" panose="020F0502020204030204" pitchFamily="34" charset="0"/>
+            </a:endParaRPr>
+          </a:p>
+          <a:p>
+            <a:pPr marL="742950" lvl="1" indent="-285750">
+              <a:buFont typeface="Arial" panose="020B0604020202020204" pitchFamily="34" charset="0"/>
+              <a:buChar char="•"/>
+            </a:pPr>
+            <a:endParaRPr lang="en-US" b="1" dirty="0">
+              <a:latin typeface="Calibri" panose="020F0502020204030204" pitchFamily="34" charset="0"/>
+              <a:cs typeface="Calibri" panose="020F0502020204030204" pitchFamily="34" charset="0"/>
+            </a:endParaRPr>
+          </a:p>
+          <a:p>
+            <a:pPr marL="742950" lvl="1" indent="-285750">
+              <a:buFont typeface="Arial" panose="020B0604020202020204" pitchFamily="34" charset="0"/>
+              <a:buChar char="•"/>
+            </a:pPr>
+            <a:endParaRPr lang="en-US" b="1" dirty="0">
+              <a:latin typeface="Calibri" panose="020F0502020204030204" pitchFamily="34" charset="0"/>
+              <a:cs typeface="Calibri" panose="020F0502020204030204" pitchFamily="34" charset="0"/>
+            </a:endParaRPr>
+          </a:p>
+          <a:p>
+            <a:pPr marL="742950" lvl="1" indent="-285750">
+              <a:buFont typeface="Arial" panose="020B0604020202020204" pitchFamily="34" charset="0"/>
+              <a:buChar char="•"/>
+            </a:pPr>
+            <a:endParaRPr lang="en-US" b="1" dirty="0">
+              <a:latin typeface="Calibri" panose="020F0502020204030204" pitchFamily="34" charset="0"/>
+              <a:cs typeface="Calibri" panose="020F0502020204030204" pitchFamily="34" charset="0"/>
+            </a:endParaRPr>
+          </a:p>
+          <a:p>
+            <a:pPr marL="742950" lvl="1" indent="-285750">
+              <a:buFont typeface="Arial" panose="020B0604020202020204" pitchFamily="34" charset="0"/>
+              <a:buChar char="•"/>
+            </a:pPr>
+            <a:r>
+              <a:rPr lang="en-US" b="1" dirty="0">
+                <a:latin typeface="Calibri" panose="020F0502020204030204" pitchFamily="34" charset="0"/>
+                <a:cs typeface="Calibri" panose="020F0502020204030204" pitchFamily="34" charset="0"/>
+              </a:rPr>
+              <a:t>Row #5</a:t>
+            </a:r>
+          </a:p>
+          <a:p>
+            <a:pPr marL="742950" lvl="1" indent="-285750">
+              <a:buFont typeface="Arial" panose="020B0604020202020204" pitchFamily="34" charset="0"/>
+              <a:buChar char="•"/>
+            </a:pPr>
+            <a:endParaRPr lang="en-US" dirty="0">
+              <a:latin typeface="Calibri" panose="020F0502020204030204" pitchFamily="34" charset="0"/>
+              <a:cs typeface="Calibri" panose="020F0502020204030204" pitchFamily="34" charset="0"/>
+            </a:endParaRPr>
+          </a:p>
+          <a:p>
+            <a:pPr marL="742950" lvl="1" indent="-285750">
+              <a:buFont typeface="Arial" panose="020B0604020202020204" pitchFamily="34" charset="0"/>
+              <a:buChar char="•"/>
+            </a:pPr>
+            <a:endParaRPr lang="en-US" dirty="0">
+              <a:latin typeface="Calibri" panose="020F0502020204030204" pitchFamily="34" charset="0"/>
+              <a:cs typeface="Calibri" panose="020F0502020204030204" pitchFamily="34" charset="0"/>
+            </a:endParaRPr>
+          </a:p>
+          <a:p>
+            <a:endParaRPr lang="en-US" dirty="0">
+              <a:latin typeface="Calibri" panose="020F0502020204030204" pitchFamily="34" charset="0"/>
+              <a:cs typeface="Calibri" panose="020F0502020204030204" pitchFamily="34" charset="0"/>
+            </a:endParaRPr>
           </a:p>
         </p:txBody>
       </p:sp>
@@ -11280,165 +11511,6 @@
           </a:p>
         </p:txBody>
       </p:sp>
-      <p:sp>
-        <p:nvSpPr>
-          <p:cNvPr id="2" name="CaixaDeTexto 1">
-            <a:extLst>
-              <a:ext uri="{FF2B5EF4-FFF2-40B4-BE49-F238E27FC236}">
-                <a16:creationId xmlns:a16="http://schemas.microsoft.com/office/drawing/2014/main" id="{D744B707-1B4A-5A5F-CC17-5C9D8382FBD9}"/>
-              </a:ext>
-            </a:extLst>
-          </p:cNvPr>
-          <p:cNvSpPr txBox="1"/>
-          <p:nvPr/>
-        </p:nvSpPr>
-        <p:spPr>
-          <a:xfrm>
-            <a:off x="200025" y="1689990"/>
-            <a:ext cx="9516375" cy="3139321"/>
-          </a:xfrm>
-          <a:prstGeom prst="rect">
-            <a:avLst/>
-          </a:prstGeom>
-          <a:noFill/>
-        </p:spPr>
-        <p:txBody>
-          <a:bodyPr wrap="square" rtlCol="0">
-            <a:spAutoFit/>
-          </a:bodyPr>
-          <a:lstStyle/>
-          <a:p>
-            <a:pPr marL="285750" indent="-285750">
-              <a:buFont typeface="Arial" panose="020B0604020202020204" pitchFamily="34" charset="0"/>
-              <a:buChar char="•"/>
-            </a:pPr>
-            <a:r>
-              <a:rPr lang="en-US" dirty="0">
-                <a:latin typeface="Calibri" panose="020F0502020204030204" pitchFamily="34" charset="0"/>
-                <a:cs typeface="Calibri" panose="020F0502020204030204" pitchFamily="34" charset="0"/>
-              </a:rPr>
-              <a:t>Sliding a connectivity kernel , row by row ( 2 passes)</a:t>
-            </a:r>
-          </a:p>
-          <a:p>
-            <a:pPr marL="742950" lvl="1" indent="-285750">
-              <a:buFont typeface="Arial" panose="020B0604020202020204" pitchFamily="34" charset="0"/>
-              <a:buChar char="•"/>
-            </a:pPr>
-            <a:r>
-              <a:rPr lang="en-US" dirty="0">
-                <a:latin typeface="Calibri" panose="020F0502020204030204" pitchFamily="34" charset="0"/>
-                <a:cs typeface="Calibri" panose="020F0502020204030204" pitchFamily="34" charset="0"/>
-              </a:rPr>
-              <a:t>If the center falls in a non-zero pixel, label it!</a:t>
-            </a:r>
-          </a:p>
-          <a:p>
-            <a:pPr marL="742950" lvl="1" indent="-285750">
-              <a:buFont typeface="Arial" panose="020B0604020202020204" pitchFamily="34" charset="0"/>
-              <a:buChar char="•"/>
-            </a:pPr>
-            <a:r>
-              <a:rPr lang="en-US" dirty="0">
-                <a:latin typeface="Calibri" panose="020F0502020204030204" pitchFamily="34" charset="0"/>
-                <a:cs typeface="Calibri" panose="020F0502020204030204" pitchFamily="34" charset="0"/>
-              </a:rPr>
-              <a:t>Labelling: </a:t>
-            </a:r>
-          </a:p>
-          <a:p>
-            <a:pPr marL="1200150" lvl="2" indent="-285750">
-              <a:buFont typeface="Arial" panose="020B0604020202020204" pitchFamily="34" charset="0"/>
-              <a:buChar char="•"/>
-            </a:pPr>
-            <a:r>
-              <a:rPr lang="en-US" dirty="0">
-                <a:latin typeface="Calibri" panose="020F0502020204030204" pitchFamily="34" charset="0"/>
-                <a:cs typeface="Calibri" panose="020F0502020204030204" pitchFamily="34" charset="0"/>
-              </a:rPr>
-              <a:t>If there no labeled pixels connected, attribute a new label</a:t>
-            </a:r>
-          </a:p>
-          <a:p>
-            <a:pPr marL="1200150" lvl="2" indent="-285750">
-              <a:buFont typeface="Arial" panose="020B0604020202020204" pitchFamily="34" charset="0"/>
-              <a:buChar char="•"/>
-            </a:pPr>
-            <a:r>
-              <a:rPr lang="en-US" dirty="0">
-                <a:latin typeface="Calibri" panose="020F0502020204030204" pitchFamily="34" charset="0"/>
-                <a:cs typeface="Calibri" panose="020F0502020204030204" pitchFamily="34" charset="0"/>
-              </a:rPr>
-              <a:t>Otherwise, attribute the label of its neighbor</a:t>
-            </a:r>
-          </a:p>
-          <a:p>
-            <a:pPr marL="742950" lvl="1" indent="-285750">
-              <a:buFont typeface="Arial" panose="020B0604020202020204" pitchFamily="34" charset="0"/>
-              <a:buChar char="•"/>
-            </a:pPr>
-            <a:r>
-              <a:rPr lang="en-US" dirty="0">
-                <a:latin typeface="Calibri" panose="020F0502020204030204" pitchFamily="34" charset="0"/>
-                <a:cs typeface="Calibri" panose="020F0502020204030204" pitchFamily="34" charset="0"/>
-              </a:rPr>
-              <a:t>Union-Find structures determines the labels connected</a:t>
-            </a:r>
-          </a:p>
-          <a:p>
-            <a:pPr marL="285750" indent="-285750">
-              <a:buFont typeface="Arial" panose="020B0604020202020204" pitchFamily="34" charset="0"/>
-              <a:buChar char="•"/>
-            </a:pPr>
-            <a:r>
-              <a:rPr lang="en-US" b="1" dirty="0">
-                <a:latin typeface="Calibri" panose="020F0502020204030204" pitchFamily="34" charset="0"/>
-                <a:cs typeface="Calibri" panose="020F0502020204030204" pitchFamily="34" charset="0"/>
-              </a:rPr>
-              <a:t>Pass #1: </a:t>
-            </a:r>
-          </a:p>
-          <a:p>
-            <a:pPr marL="742950" lvl="1" indent="-285750">
-              <a:buFont typeface="Arial" panose="020B0604020202020204" pitchFamily="34" charset="0"/>
-              <a:buChar char="•"/>
-            </a:pPr>
-            <a:r>
-              <a:rPr lang="en-US" b="1" dirty="0">
-                <a:latin typeface="Calibri" panose="020F0502020204030204" pitchFamily="34" charset="0"/>
-                <a:cs typeface="Calibri" panose="020F0502020204030204" pitchFamily="34" charset="0"/>
-              </a:rPr>
-              <a:t>ROW #6</a:t>
-            </a:r>
-          </a:p>
-          <a:p>
-            <a:pPr marL="742950" lvl="1" indent="-285750">
-              <a:buFont typeface="Arial" panose="020B0604020202020204" pitchFamily="34" charset="0"/>
-              <a:buChar char="•"/>
-            </a:pPr>
-            <a:endParaRPr lang="en-US" dirty="0">
-              <a:latin typeface="Calibri" panose="020F0502020204030204" pitchFamily="34" charset="0"/>
-              <a:cs typeface="Calibri" panose="020F0502020204030204" pitchFamily="34" charset="0"/>
-            </a:endParaRPr>
-          </a:p>
-          <a:p>
-            <a:pPr marL="742950" lvl="1" indent="-285750">
-              <a:buFont typeface="Arial" panose="020B0604020202020204" pitchFamily="34" charset="0"/>
-              <a:buChar char="•"/>
-            </a:pPr>
-            <a:endParaRPr lang="en-US" dirty="0">
-              <a:latin typeface="Calibri" panose="020F0502020204030204" pitchFamily="34" charset="0"/>
-              <a:cs typeface="Calibri" panose="020F0502020204030204" pitchFamily="34" charset="0"/>
-            </a:endParaRPr>
-          </a:p>
-          <a:p>
-            <a:endParaRPr lang="en-US" dirty="0">
-              <a:latin typeface="Calibri" panose="020F0502020204030204" pitchFamily="34" charset="0"/>
-              <a:cs typeface="Calibri" panose="020F0502020204030204" pitchFamily="34" charset="0"/>
-            </a:endParaRPr>
-          </a:p>
-        </p:txBody>
-      </p:sp>
       <p:pic>
         <p:nvPicPr>
           <p:cNvPr id="13" name="Picture 8" descr="8-Pixel-Connectivity">
@@ -11739,6 +11811,235 @@
               <a:t>Union-Find</a:t>
             </a:r>
             <a:endParaRPr lang="pt-BR" dirty="0"/>
+          </a:p>
+        </p:txBody>
+      </p:sp>
+      <p:sp>
+        <p:nvSpPr>
+          <p:cNvPr id="17" name="CaixaDeTexto 16">
+            <a:extLst>
+              <a:ext uri="{FF2B5EF4-FFF2-40B4-BE49-F238E27FC236}">
+                <a16:creationId xmlns:a16="http://schemas.microsoft.com/office/drawing/2014/main" id="{5A5344E2-995E-8530-CD48-678C2A76C37E}"/>
+              </a:ext>
+            </a:extLst>
+          </p:cNvPr>
+          <p:cNvSpPr txBox="1"/>
+          <p:nvPr/>
+        </p:nvSpPr>
+        <p:spPr>
+          <a:xfrm>
+            <a:off x="200025" y="1689990"/>
+            <a:ext cx="9516375" cy="5078313"/>
+          </a:xfrm>
+          <a:prstGeom prst="rect">
+            <a:avLst/>
+          </a:prstGeom>
+          <a:noFill/>
+        </p:spPr>
+        <p:txBody>
+          <a:bodyPr wrap="square" rtlCol="0">
+            <a:spAutoFit/>
+          </a:bodyPr>
+          <a:lstStyle/>
+          <a:p>
+            <a:pPr marL="285750" indent="-285750">
+              <a:buFont typeface="Arial" panose="020B0604020202020204" pitchFamily="34" charset="0"/>
+              <a:buChar char="•"/>
+            </a:pPr>
+            <a:r>
+              <a:rPr lang="en-US" dirty="0">
+                <a:latin typeface="Calibri" panose="020F0502020204030204" pitchFamily="34" charset="0"/>
+                <a:cs typeface="Calibri" panose="020F0502020204030204" pitchFamily="34" charset="0"/>
+              </a:rPr>
+              <a:t>Sliding a connectivity kernel , row by row ( 2 passes)</a:t>
+            </a:r>
+          </a:p>
+          <a:p>
+            <a:pPr marL="742950" lvl="1" indent="-285750">
+              <a:buFont typeface="Arial" panose="020B0604020202020204" pitchFamily="34" charset="0"/>
+              <a:buChar char="•"/>
+            </a:pPr>
+            <a:r>
+              <a:rPr lang="en-US" dirty="0">
+                <a:latin typeface="Calibri" panose="020F0502020204030204" pitchFamily="34" charset="0"/>
+                <a:cs typeface="Calibri" panose="020F0502020204030204" pitchFamily="34" charset="0"/>
+              </a:rPr>
+              <a:t>If the center falls in a non-zero pixel, label it!</a:t>
+            </a:r>
+          </a:p>
+          <a:p>
+            <a:pPr marL="742950" lvl="1" indent="-285750">
+              <a:buFont typeface="Arial" panose="020B0604020202020204" pitchFamily="34" charset="0"/>
+              <a:buChar char="•"/>
+            </a:pPr>
+            <a:r>
+              <a:rPr lang="en-US" dirty="0">
+                <a:latin typeface="Calibri" panose="020F0502020204030204" pitchFamily="34" charset="0"/>
+                <a:cs typeface="Calibri" panose="020F0502020204030204" pitchFamily="34" charset="0"/>
+              </a:rPr>
+              <a:t>Labeling: </a:t>
+            </a:r>
+          </a:p>
+          <a:p>
+            <a:pPr marL="1200150" lvl="2" indent="-285750">
+              <a:buFont typeface="Arial" panose="020B0604020202020204" pitchFamily="34" charset="0"/>
+              <a:buChar char="•"/>
+            </a:pPr>
+            <a:r>
+              <a:rPr lang="en-US" dirty="0">
+                <a:latin typeface="Calibri" panose="020F0502020204030204" pitchFamily="34" charset="0"/>
+                <a:cs typeface="Calibri" panose="020F0502020204030204" pitchFamily="34" charset="0"/>
+              </a:rPr>
+              <a:t>If there are no labeled pixels connected, attribute a new label</a:t>
+            </a:r>
+          </a:p>
+          <a:p>
+            <a:pPr marL="1200150" lvl="2" indent="-285750">
+              <a:buFont typeface="Arial" panose="020B0604020202020204" pitchFamily="34" charset="0"/>
+              <a:buChar char="•"/>
+            </a:pPr>
+            <a:r>
+              <a:rPr lang="en-US" dirty="0">
+                <a:latin typeface="Calibri" panose="020F0502020204030204" pitchFamily="34" charset="0"/>
+                <a:cs typeface="Calibri" panose="020F0502020204030204" pitchFamily="34" charset="0"/>
+              </a:rPr>
+              <a:t>Otherwise, attribute to it the neighbor´s label.</a:t>
+            </a:r>
+          </a:p>
+          <a:p>
+            <a:pPr marL="1200150" lvl="2" indent="-285750">
+              <a:buFont typeface="Arial" panose="020B0604020202020204" pitchFamily="34" charset="0"/>
+              <a:buChar char="•"/>
+            </a:pPr>
+            <a:r>
+              <a:rPr lang="en-US" dirty="0">
+                <a:latin typeface="Calibri" panose="020F0502020204030204" pitchFamily="34" charset="0"/>
+                <a:cs typeface="Calibri" panose="020F0502020204030204" pitchFamily="34" charset="0"/>
+              </a:rPr>
+              <a:t>A Union-Find structure control adjacent labels (Union-Find)</a:t>
+            </a:r>
+          </a:p>
+          <a:p>
+            <a:pPr marL="285750" indent="-285750">
+              <a:buFont typeface="Arial" panose="020B0604020202020204" pitchFamily="34" charset="0"/>
+              <a:buChar char="•"/>
+            </a:pPr>
+            <a:endParaRPr lang="en-US" b="1" dirty="0">
+              <a:latin typeface="Calibri" panose="020F0502020204030204" pitchFamily="34" charset="0"/>
+              <a:cs typeface="Calibri" panose="020F0502020204030204" pitchFamily="34" charset="0"/>
+            </a:endParaRPr>
+          </a:p>
+          <a:p>
+            <a:pPr marL="285750" indent="-285750">
+              <a:buFont typeface="Arial" panose="020B0604020202020204" pitchFamily="34" charset="0"/>
+              <a:buChar char="•"/>
+            </a:pPr>
+            <a:r>
+              <a:rPr lang="en-US" b="1" dirty="0">
+                <a:latin typeface="Calibri" panose="020F0502020204030204" pitchFamily="34" charset="0"/>
+                <a:cs typeface="Calibri" panose="020F0502020204030204" pitchFamily="34" charset="0"/>
+              </a:rPr>
+              <a:t>Pass #1:</a:t>
+            </a:r>
+          </a:p>
+          <a:p>
+            <a:pPr marL="742950" lvl="1" indent="-285750">
+              <a:buFont typeface="Arial" panose="020B0604020202020204" pitchFamily="34" charset="0"/>
+              <a:buChar char="•"/>
+            </a:pPr>
+            <a:endParaRPr lang="en-US" b="1" dirty="0">
+              <a:latin typeface="Calibri" panose="020F0502020204030204" pitchFamily="34" charset="0"/>
+              <a:cs typeface="Calibri" panose="020F0502020204030204" pitchFamily="34" charset="0"/>
+            </a:endParaRPr>
+          </a:p>
+          <a:p>
+            <a:pPr marL="742950" lvl="1" indent="-285750">
+              <a:buFont typeface="Arial" panose="020B0604020202020204" pitchFamily="34" charset="0"/>
+              <a:buChar char="•"/>
+            </a:pPr>
+            <a:endParaRPr lang="en-US" b="1" dirty="0">
+              <a:latin typeface="Calibri" panose="020F0502020204030204" pitchFamily="34" charset="0"/>
+              <a:cs typeface="Calibri" panose="020F0502020204030204" pitchFamily="34" charset="0"/>
+            </a:endParaRPr>
+          </a:p>
+          <a:p>
+            <a:pPr marL="742950" lvl="1" indent="-285750">
+              <a:buFont typeface="Arial" panose="020B0604020202020204" pitchFamily="34" charset="0"/>
+              <a:buChar char="•"/>
+            </a:pPr>
+            <a:endParaRPr lang="en-US" b="1" dirty="0">
+              <a:latin typeface="Calibri" panose="020F0502020204030204" pitchFamily="34" charset="0"/>
+              <a:cs typeface="Calibri" panose="020F0502020204030204" pitchFamily="34" charset="0"/>
+            </a:endParaRPr>
+          </a:p>
+          <a:p>
+            <a:pPr marL="742950" lvl="1" indent="-285750">
+              <a:buFont typeface="Arial" panose="020B0604020202020204" pitchFamily="34" charset="0"/>
+              <a:buChar char="•"/>
+            </a:pPr>
+            <a:endParaRPr lang="en-US" b="1" dirty="0">
+              <a:latin typeface="Calibri" panose="020F0502020204030204" pitchFamily="34" charset="0"/>
+              <a:cs typeface="Calibri" panose="020F0502020204030204" pitchFamily="34" charset="0"/>
+            </a:endParaRPr>
+          </a:p>
+          <a:p>
+            <a:pPr marL="742950" lvl="1" indent="-285750">
+              <a:buFont typeface="Arial" panose="020B0604020202020204" pitchFamily="34" charset="0"/>
+              <a:buChar char="•"/>
+            </a:pPr>
+            <a:endParaRPr lang="en-US" b="1" dirty="0">
+              <a:latin typeface="Calibri" panose="020F0502020204030204" pitchFamily="34" charset="0"/>
+              <a:cs typeface="Calibri" panose="020F0502020204030204" pitchFamily="34" charset="0"/>
+            </a:endParaRPr>
+          </a:p>
+          <a:p>
+            <a:pPr marL="742950" lvl="1" indent="-285750">
+              <a:buFont typeface="Arial" panose="020B0604020202020204" pitchFamily="34" charset="0"/>
+              <a:buChar char="•"/>
+            </a:pPr>
+            <a:endParaRPr lang="en-US" b="1" dirty="0">
+              <a:latin typeface="Calibri" panose="020F0502020204030204" pitchFamily="34" charset="0"/>
+              <a:cs typeface="Calibri" panose="020F0502020204030204" pitchFamily="34" charset="0"/>
+            </a:endParaRPr>
+          </a:p>
+          <a:p>
+            <a:pPr marL="742950" lvl="1" indent="-285750">
+              <a:buFont typeface="Arial" panose="020B0604020202020204" pitchFamily="34" charset="0"/>
+              <a:buChar char="•"/>
+            </a:pPr>
+            <a:r>
+              <a:rPr lang="en-US" b="1" dirty="0">
+                <a:latin typeface="Calibri" panose="020F0502020204030204" pitchFamily="34" charset="0"/>
+                <a:cs typeface="Calibri" panose="020F0502020204030204" pitchFamily="34" charset="0"/>
+              </a:rPr>
+              <a:t>Row #6</a:t>
+            </a:r>
+          </a:p>
+          <a:p>
+            <a:pPr marL="742950" lvl="1" indent="-285750">
+              <a:buFont typeface="Arial" panose="020B0604020202020204" pitchFamily="34" charset="0"/>
+              <a:buChar char="•"/>
+            </a:pPr>
+            <a:endParaRPr lang="en-US" dirty="0">
+              <a:latin typeface="Calibri" panose="020F0502020204030204" pitchFamily="34" charset="0"/>
+              <a:cs typeface="Calibri" panose="020F0502020204030204" pitchFamily="34" charset="0"/>
+            </a:endParaRPr>
+          </a:p>
+          <a:p>
+            <a:pPr marL="742950" lvl="1" indent="-285750">
+              <a:buFont typeface="Arial" panose="020B0604020202020204" pitchFamily="34" charset="0"/>
+              <a:buChar char="•"/>
+            </a:pPr>
+            <a:endParaRPr lang="en-US" dirty="0">
+              <a:latin typeface="Calibri" panose="020F0502020204030204" pitchFamily="34" charset="0"/>
+              <a:cs typeface="Calibri" panose="020F0502020204030204" pitchFamily="34" charset="0"/>
+            </a:endParaRPr>
+          </a:p>
+          <a:p>
+            <a:endParaRPr lang="en-US" dirty="0">
+              <a:latin typeface="Calibri" panose="020F0502020204030204" pitchFamily="34" charset="0"/>
+              <a:cs typeface="Calibri" panose="020F0502020204030204" pitchFamily="34" charset="0"/>
+            </a:endParaRPr>
           </a:p>
         </p:txBody>
       </p:sp>
@@ -11993,165 +12294,6 @@
           </a:p>
         </p:txBody>
       </p:sp>
-      <p:sp>
-        <p:nvSpPr>
-          <p:cNvPr id="2" name="CaixaDeTexto 1">
-            <a:extLst>
-              <a:ext uri="{FF2B5EF4-FFF2-40B4-BE49-F238E27FC236}">
-                <a16:creationId xmlns:a16="http://schemas.microsoft.com/office/drawing/2014/main" id="{D744B707-1B4A-5A5F-CC17-5C9D8382FBD9}"/>
-              </a:ext>
-            </a:extLst>
-          </p:cNvPr>
-          <p:cNvSpPr txBox="1"/>
-          <p:nvPr/>
-        </p:nvSpPr>
-        <p:spPr>
-          <a:xfrm>
-            <a:off x="200025" y="1689990"/>
-            <a:ext cx="9516375" cy="3139321"/>
-          </a:xfrm>
-          <a:prstGeom prst="rect">
-            <a:avLst/>
-          </a:prstGeom>
-          <a:noFill/>
-        </p:spPr>
-        <p:txBody>
-          <a:bodyPr wrap="square" rtlCol="0">
-            <a:spAutoFit/>
-          </a:bodyPr>
-          <a:lstStyle/>
-          <a:p>
-            <a:pPr marL="285750" indent="-285750">
-              <a:buFont typeface="Arial" panose="020B0604020202020204" pitchFamily="34" charset="0"/>
-              <a:buChar char="•"/>
-            </a:pPr>
-            <a:r>
-              <a:rPr lang="en-US" dirty="0">
-                <a:latin typeface="Calibri" panose="020F0502020204030204" pitchFamily="34" charset="0"/>
-                <a:cs typeface="Calibri" panose="020F0502020204030204" pitchFamily="34" charset="0"/>
-              </a:rPr>
-              <a:t>Sliding a connectivity kernel , row by row ( 2 passes)</a:t>
-            </a:r>
-          </a:p>
-          <a:p>
-            <a:pPr marL="742950" lvl="1" indent="-285750">
-              <a:buFont typeface="Arial" panose="020B0604020202020204" pitchFamily="34" charset="0"/>
-              <a:buChar char="•"/>
-            </a:pPr>
-            <a:r>
-              <a:rPr lang="en-US" dirty="0">
-                <a:latin typeface="Calibri" panose="020F0502020204030204" pitchFamily="34" charset="0"/>
-                <a:cs typeface="Calibri" panose="020F0502020204030204" pitchFamily="34" charset="0"/>
-              </a:rPr>
-              <a:t>If the center falls in a non-zero pixel, label it!</a:t>
-            </a:r>
-          </a:p>
-          <a:p>
-            <a:pPr marL="742950" lvl="1" indent="-285750">
-              <a:buFont typeface="Arial" panose="020B0604020202020204" pitchFamily="34" charset="0"/>
-              <a:buChar char="•"/>
-            </a:pPr>
-            <a:r>
-              <a:rPr lang="en-US" dirty="0">
-                <a:latin typeface="Calibri" panose="020F0502020204030204" pitchFamily="34" charset="0"/>
-                <a:cs typeface="Calibri" panose="020F0502020204030204" pitchFamily="34" charset="0"/>
-              </a:rPr>
-              <a:t>Labelling: </a:t>
-            </a:r>
-          </a:p>
-          <a:p>
-            <a:pPr marL="1200150" lvl="2" indent="-285750">
-              <a:buFont typeface="Arial" panose="020B0604020202020204" pitchFamily="34" charset="0"/>
-              <a:buChar char="•"/>
-            </a:pPr>
-            <a:r>
-              <a:rPr lang="en-US" dirty="0">
-                <a:latin typeface="Calibri" panose="020F0502020204030204" pitchFamily="34" charset="0"/>
-                <a:cs typeface="Calibri" panose="020F0502020204030204" pitchFamily="34" charset="0"/>
-              </a:rPr>
-              <a:t>If there no labeled pixels connected, attribute a new label</a:t>
-            </a:r>
-          </a:p>
-          <a:p>
-            <a:pPr marL="1200150" lvl="2" indent="-285750">
-              <a:buFont typeface="Arial" panose="020B0604020202020204" pitchFamily="34" charset="0"/>
-              <a:buChar char="•"/>
-            </a:pPr>
-            <a:r>
-              <a:rPr lang="en-US" dirty="0">
-                <a:latin typeface="Calibri" panose="020F0502020204030204" pitchFamily="34" charset="0"/>
-                <a:cs typeface="Calibri" panose="020F0502020204030204" pitchFamily="34" charset="0"/>
-              </a:rPr>
-              <a:t>Otherwise, attribute the label of its neighbor</a:t>
-            </a:r>
-          </a:p>
-          <a:p>
-            <a:pPr marL="742950" lvl="1" indent="-285750">
-              <a:buFont typeface="Arial" panose="020B0604020202020204" pitchFamily="34" charset="0"/>
-              <a:buChar char="•"/>
-            </a:pPr>
-            <a:r>
-              <a:rPr lang="en-US" dirty="0">
-                <a:latin typeface="Calibri" panose="020F0502020204030204" pitchFamily="34" charset="0"/>
-                <a:cs typeface="Calibri" panose="020F0502020204030204" pitchFamily="34" charset="0"/>
-              </a:rPr>
-              <a:t>Union-Find structures determines the labels connected</a:t>
-            </a:r>
-          </a:p>
-          <a:p>
-            <a:pPr marL="285750" indent="-285750">
-              <a:buFont typeface="Arial" panose="020B0604020202020204" pitchFamily="34" charset="0"/>
-              <a:buChar char="•"/>
-            </a:pPr>
-            <a:r>
-              <a:rPr lang="en-US" b="1" dirty="0">
-                <a:latin typeface="Calibri" panose="020F0502020204030204" pitchFamily="34" charset="0"/>
-                <a:cs typeface="Calibri" panose="020F0502020204030204" pitchFamily="34" charset="0"/>
-              </a:rPr>
-              <a:t>Pass #1: </a:t>
-            </a:r>
-          </a:p>
-          <a:p>
-            <a:pPr marL="742950" lvl="1" indent="-285750">
-              <a:buFont typeface="Arial" panose="020B0604020202020204" pitchFamily="34" charset="0"/>
-              <a:buChar char="•"/>
-            </a:pPr>
-            <a:r>
-              <a:rPr lang="en-US" b="1" dirty="0">
-                <a:latin typeface="Calibri" panose="020F0502020204030204" pitchFamily="34" charset="0"/>
-                <a:cs typeface="Calibri" panose="020F0502020204030204" pitchFamily="34" charset="0"/>
-              </a:rPr>
-              <a:t>ROW #7</a:t>
-            </a:r>
-          </a:p>
-          <a:p>
-            <a:pPr marL="742950" lvl="1" indent="-285750">
-              <a:buFont typeface="Arial" panose="020B0604020202020204" pitchFamily="34" charset="0"/>
-              <a:buChar char="•"/>
-            </a:pPr>
-            <a:endParaRPr lang="en-US" dirty="0">
-              <a:latin typeface="Calibri" panose="020F0502020204030204" pitchFamily="34" charset="0"/>
-              <a:cs typeface="Calibri" panose="020F0502020204030204" pitchFamily="34" charset="0"/>
-            </a:endParaRPr>
-          </a:p>
-          <a:p>
-            <a:pPr marL="742950" lvl="1" indent="-285750">
-              <a:buFont typeface="Arial" panose="020B0604020202020204" pitchFamily="34" charset="0"/>
-              <a:buChar char="•"/>
-            </a:pPr>
-            <a:endParaRPr lang="en-US" dirty="0">
-              <a:latin typeface="Calibri" panose="020F0502020204030204" pitchFamily="34" charset="0"/>
-              <a:cs typeface="Calibri" panose="020F0502020204030204" pitchFamily="34" charset="0"/>
-            </a:endParaRPr>
-          </a:p>
-          <a:p>
-            <a:endParaRPr lang="en-US" dirty="0">
-              <a:latin typeface="Calibri" panose="020F0502020204030204" pitchFamily="34" charset="0"/>
-              <a:cs typeface="Calibri" panose="020F0502020204030204" pitchFamily="34" charset="0"/>
-            </a:endParaRPr>
-          </a:p>
-        </p:txBody>
-      </p:sp>
       <p:pic>
         <p:nvPicPr>
           <p:cNvPr id="13" name="Picture 8" descr="8-Pixel-Connectivity">
@@ -12515,6 +12657,255 @@
               <a:t>Union-Find</a:t>
             </a:r>
             <a:endParaRPr lang="pt-BR" dirty="0"/>
+          </a:p>
+        </p:txBody>
+      </p:sp>
+      <p:sp>
+        <p:nvSpPr>
+          <p:cNvPr id="18" name="CaixaDeTexto 17">
+            <a:extLst>
+              <a:ext uri="{FF2B5EF4-FFF2-40B4-BE49-F238E27FC236}">
+                <a16:creationId xmlns:a16="http://schemas.microsoft.com/office/drawing/2014/main" id="{AC595765-F85C-F309-FE8A-0EA547D1142A}"/>
+              </a:ext>
+            </a:extLst>
+          </p:cNvPr>
+          <p:cNvSpPr txBox="1"/>
+          <p:nvPr/>
+        </p:nvSpPr>
+        <p:spPr>
+          <a:xfrm>
+            <a:off x="200025" y="1689990"/>
+            <a:ext cx="9516375" cy="5632311"/>
+          </a:xfrm>
+          <a:prstGeom prst="rect">
+            <a:avLst/>
+          </a:prstGeom>
+          <a:noFill/>
+        </p:spPr>
+        <p:txBody>
+          <a:bodyPr wrap="square" rtlCol="0">
+            <a:spAutoFit/>
+          </a:bodyPr>
+          <a:lstStyle/>
+          <a:p>
+            <a:pPr marL="285750" indent="-285750">
+              <a:buFont typeface="Arial" panose="020B0604020202020204" pitchFamily="34" charset="0"/>
+              <a:buChar char="•"/>
+            </a:pPr>
+            <a:r>
+              <a:rPr lang="en-US" dirty="0">
+                <a:latin typeface="Calibri" panose="020F0502020204030204" pitchFamily="34" charset="0"/>
+                <a:cs typeface="Calibri" panose="020F0502020204030204" pitchFamily="34" charset="0"/>
+              </a:rPr>
+              <a:t>Sliding a connectivity kernel , row by row ( 2 passes)</a:t>
+            </a:r>
+          </a:p>
+          <a:p>
+            <a:pPr marL="742950" lvl="1" indent="-285750">
+              <a:buFont typeface="Arial" panose="020B0604020202020204" pitchFamily="34" charset="0"/>
+              <a:buChar char="•"/>
+            </a:pPr>
+            <a:r>
+              <a:rPr lang="en-US" dirty="0">
+                <a:latin typeface="Calibri" panose="020F0502020204030204" pitchFamily="34" charset="0"/>
+                <a:cs typeface="Calibri" panose="020F0502020204030204" pitchFamily="34" charset="0"/>
+              </a:rPr>
+              <a:t>If the center falls in a non-zero pixel, label it!</a:t>
+            </a:r>
+          </a:p>
+          <a:p>
+            <a:pPr marL="742950" lvl="1" indent="-285750">
+              <a:buFont typeface="Arial" panose="020B0604020202020204" pitchFamily="34" charset="0"/>
+              <a:buChar char="•"/>
+            </a:pPr>
+            <a:r>
+              <a:rPr lang="en-US" dirty="0">
+                <a:latin typeface="Calibri" panose="020F0502020204030204" pitchFamily="34" charset="0"/>
+                <a:cs typeface="Calibri" panose="020F0502020204030204" pitchFamily="34" charset="0"/>
+              </a:rPr>
+              <a:t>Labeling: </a:t>
+            </a:r>
+          </a:p>
+          <a:p>
+            <a:pPr marL="1200150" lvl="2" indent="-285750">
+              <a:buFont typeface="Arial" panose="020B0604020202020204" pitchFamily="34" charset="0"/>
+              <a:buChar char="•"/>
+            </a:pPr>
+            <a:r>
+              <a:rPr lang="en-US" dirty="0">
+                <a:latin typeface="Calibri" panose="020F0502020204030204" pitchFamily="34" charset="0"/>
+                <a:cs typeface="Calibri" panose="020F0502020204030204" pitchFamily="34" charset="0"/>
+              </a:rPr>
+              <a:t>If there are no labeled pixels connected, attribute a new label</a:t>
+            </a:r>
+          </a:p>
+          <a:p>
+            <a:pPr marL="1200150" lvl="2" indent="-285750">
+              <a:buFont typeface="Arial" panose="020B0604020202020204" pitchFamily="34" charset="0"/>
+              <a:buChar char="•"/>
+            </a:pPr>
+            <a:r>
+              <a:rPr lang="en-US" dirty="0">
+                <a:latin typeface="Calibri" panose="020F0502020204030204" pitchFamily="34" charset="0"/>
+                <a:cs typeface="Calibri" panose="020F0502020204030204" pitchFamily="34" charset="0"/>
+              </a:rPr>
+              <a:t>Otherwise, attribute to it the neighbor´s label.</a:t>
+            </a:r>
+          </a:p>
+          <a:p>
+            <a:pPr marL="1200150" lvl="2" indent="-285750">
+              <a:buFont typeface="Arial" panose="020B0604020202020204" pitchFamily="34" charset="0"/>
+              <a:buChar char="•"/>
+            </a:pPr>
+            <a:r>
+              <a:rPr lang="en-US" dirty="0">
+                <a:latin typeface="Calibri" panose="020F0502020204030204" pitchFamily="34" charset="0"/>
+                <a:cs typeface="Calibri" panose="020F0502020204030204" pitchFamily="34" charset="0"/>
+              </a:rPr>
+              <a:t>A Union-Find structure control adjacent labels (Union-Find)</a:t>
+            </a:r>
+          </a:p>
+          <a:p>
+            <a:pPr marL="285750" indent="-285750">
+              <a:buFont typeface="Arial" panose="020B0604020202020204" pitchFamily="34" charset="0"/>
+              <a:buChar char="•"/>
+            </a:pPr>
+            <a:endParaRPr lang="en-US" b="1" dirty="0">
+              <a:latin typeface="Calibri" panose="020F0502020204030204" pitchFamily="34" charset="0"/>
+              <a:cs typeface="Calibri" panose="020F0502020204030204" pitchFamily="34" charset="0"/>
+            </a:endParaRPr>
+          </a:p>
+          <a:p>
+            <a:pPr marL="285750" indent="-285750">
+              <a:buFont typeface="Arial" panose="020B0604020202020204" pitchFamily="34" charset="0"/>
+              <a:buChar char="•"/>
+            </a:pPr>
+            <a:r>
+              <a:rPr lang="en-US" b="1" dirty="0">
+                <a:latin typeface="Calibri" panose="020F0502020204030204" pitchFamily="34" charset="0"/>
+                <a:cs typeface="Calibri" panose="020F0502020204030204" pitchFamily="34" charset="0"/>
+              </a:rPr>
+              <a:t>Pass #1:</a:t>
+            </a:r>
+          </a:p>
+          <a:p>
+            <a:pPr marL="742950" lvl="1" indent="-285750">
+              <a:buFont typeface="Arial" panose="020B0604020202020204" pitchFamily="34" charset="0"/>
+              <a:buChar char="•"/>
+            </a:pPr>
+            <a:endParaRPr lang="en-US" b="1" dirty="0">
+              <a:latin typeface="Calibri" panose="020F0502020204030204" pitchFamily="34" charset="0"/>
+              <a:cs typeface="Calibri" panose="020F0502020204030204" pitchFamily="34" charset="0"/>
+            </a:endParaRPr>
+          </a:p>
+          <a:p>
+            <a:pPr marL="742950" lvl="1" indent="-285750">
+              <a:buFont typeface="Arial" panose="020B0604020202020204" pitchFamily="34" charset="0"/>
+              <a:buChar char="•"/>
+            </a:pPr>
+            <a:endParaRPr lang="en-US" b="1" dirty="0">
+              <a:latin typeface="Calibri" panose="020F0502020204030204" pitchFamily="34" charset="0"/>
+              <a:cs typeface="Calibri" panose="020F0502020204030204" pitchFamily="34" charset="0"/>
+            </a:endParaRPr>
+          </a:p>
+          <a:p>
+            <a:pPr marL="742950" lvl="1" indent="-285750">
+              <a:buFont typeface="Arial" panose="020B0604020202020204" pitchFamily="34" charset="0"/>
+              <a:buChar char="•"/>
+            </a:pPr>
+            <a:endParaRPr lang="en-US" b="1" dirty="0">
+              <a:latin typeface="Calibri" panose="020F0502020204030204" pitchFamily="34" charset="0"/>
+              <a:cs typeface="Calibri" panose="020F0502020204030204" pitchFamily="34" charset="0"/>
+            </a:endParaRPr>
+          </a:p>
+          <a:p>
+            <a:pPr marL="742950" lvl="1" indent="-285750">
+              <a:buFont typeface="Arial" panose="020B0604020202020204" pitchFamily="34" charset="0"/>
+              <a:buChar char="•"/>
+            </a:pPr>
+            <a:endParaRPr lang="en-US" b="1" dirty="0">
+              <a:latin typeface="Calibri" panose="020F0502020204030204" pitchFamily="34" charset="0"/>
+              <a:cs typeface="Calibri" panose="020F0502020204030204" pitchFamily="34" charset="0"/>
+            </a:endParaRPr>
+          </a:p>
+          <a:p>
+            <a:pPr marL="742950" lvl="1" indent="-285750">
+              <a:buFont typeface="Arial" panose="020B0604020202020204" pitchFamily="34" charset="0"/>
+              <a:buChar char="•"/>
+            </a:pPr>
+            <a:endParaRPr lang="en-US" b="1" dirty="0">
+              <a:latin typeface="Calibri" panose="020F0502020204030204" pitchFamily="34" charset="0"/>
+              <a:cs typeface="Calibri" panose="020F0502020204030204" pitchFamily="34" charset="0"/>
+            </a:endParaRPr>
+          </a:p>
+          <a:p>
+            <a:pPr marL="742950" lvl="1" indent="-285750">
+              <a:buFont typeface="Arial" panose="020B0604020202020204" pitchFamily="34" charset="0"/>
+              <a:buChar char="•"/>
+            </a:pPr>
+            <a:endParaRPr lang="en-US" b="1" dirty="0">
+              <a:latin typeface="Calibri" panose="020F0502020204030204" pitchFamily="34" charset="0"/>
+              <a:cs typeface="Calibri" panose="020F0502020204030204" pitchFamily="34" charset="0"/>
+            </a:endParaRPr>
+          </a:p>
+          <a:p>
+            <a:pPr marL="742950" lvl="1" indent="-285750">
+              <a:buFont typeface="Arial" panose="020B0604020202020204" pitchFamily="34" charset="0"/>
+              <a:buChar char="•"/>
+            </a:pPr>
+            <a:endParaRPr lang="en-US" b="1" dirty="0">
+              <a:latin typeface="Calibri" panose="020F0502020204030204" pitchFamily="34" charset="0"/>
+              <a:cs typeface="Calibri" panose="020F0502020204030204" pitchFamily="34" charset="0"/>
+            </a:endParaRPr>
+          </a:p>
+          <a:p>
+            <a:pPr marL="742950" lvl="1" indent="-285750">
+              <a:buFont typeface="Arial" panose="020B0604020202020204" pitchFamily="34" charset="0"/>
+              <a:buChar char="•"/>
+            </a:pPr>
+            <a:endParaRPr lang="en-US" b="1" dirty="0">
+              <a:latin typeface="Calibri" panose="020F0502020204030204" pitchFamily="34" charset="0"/>
+              <a:cs typeface="Calibri" panose="020F0502020204030204" pitchFamily="34" charset="0"/>
+            </a:endParaRPr>
+          </a:p>
+          <a:p>
+            <a:pPr marL="742950" lvl="1" indent="-285750">
+              <a:buFont typeface="Arial" panose="020B0604020202020204" pitchFamily="34" charset="0"/>
+              <a:buChar char="•"/>
+            </a:pPr>
+            <a:r>
+              <a:rPr lang="en-US" b="1" dirty="0">
+                <a:latin typeface="Calibri" panose="020F0502020204030204" pitchFamily="34" charset="0"/>
+                <a:cs typeface="Calibri" panose="020F0502020204030204" pitchFamily="34" charset="0"/>
+              </a:rPr>
+              <a:t>Row #7</a:t>
+            </a:r>
+          </a:p>
+          <a:p>
+            <a:pPr marL="742950" lvl="1" indent="-285750">
+              <a:buFont typeface="Arial" panose="020B0604020202020204" pitchFamily="34" charset="0"/>
+              <a:buChar char="•"/>
+            </a:pPr>
+            <a:endParaRPr lang="en-US" dirty="0">
+              <a:latin typeface="Calibri" panose="020F0502020204030204" pitchFamily="34" charset="0"/>
+              <a:cs typeface="Calibri" panose="020F0502020204030204" pitchFamily="34" charset="0"/>
+            </a:endParaRPr>
+          </a:p>
+          <a:p>
+            <a:pPr marL="742950" lvl="1" indent="-285750">
+              <a:buFont typeface="Arial" panose="020B0604020202020204" pitchFamily="34" charset="0"/>
+              <a:buChar char="•"/>
+            </a:pPr>
+            <a:endParaRPr lang="en-US" dirty="0">
+              <a:latin typeface="Calibri" panose="020F0502020204030204" pitchFamily="34" charset="0"/>
+              <a:cs typeface="Calibri" panose="020F0502020204030204" pitchFamily="34" charset="0"/>
+            </a:endParaRPr>
+          </a:p>
+          <a:p>
+            <a:endParaRPr lang="en-US" dirty="0">
+              <a:latin typeface="Calibri" panose="020F0502020204030204" pitchFamily="34" charset="0"/>
+              <a:cs typeface="Calibri" panose="020F0502020204030204" pitchFamily="34" charset="0"/>
+            </a:endParaRPr>
           </a:p>
         </p:txBody>
       </p:sp>
@@ -12769,165 +13160,6 @@
           </a:p>
         </p:txBody>
       </p:sp>
-      <p:sp>
-        <p:nvSpPr>
-          <p:cNvPr id="2" name="CaixaDeTexto 1">
-            <a:extLst>
-              <a:ext uri="{FF2B5EF4-FFF2-40B4-BE49-F238E27FC236}">
-                <a16:creationId xmlns:a16="http://schemas.microsoft.com/office/drawing/2014/main" id="{D744B707-1B4A-5A5F-CC17-5C9D8382FBD9}"/>
-              </a:ext>
-            </a:extLst>
-          </p:cNvPr>
-          <p:cNvSpPr txBox="1"/>
-          <p:nvPr/>
-        </p:nvSpPr>
-        <p:spPr>
-          <a:xfrm>
-            <a:off x="200025" y="1689990"/>
-            <a:ext cx="9516375" cy="3139321"/>
-          </a:xfrm>
-          <a:prstGeom prst="rect">
-            <a:avLst/>
-          </a:prstGeom>
-          <a:noFill/>
-        </p:spPr>
-        <p:txBody>
-          <a:bodyPr wrap="square" rtlCol="0">
-            <a:spAutoFit/>
-          </a:bodyPr>
-          <a:lstStyle/>
-          <a:p>
-            <a:pPr marL="285750" indent="-285750">
-              <a:buFont typeface="Arial" panose="020B0604020202020204" pitchFamily="34" charset="0"/>
-              <a:buChar char="•"/>
-            </a:pPr>
-            <a:r>
-              <a:rPr lang="en-US" dirty="0">
-                <a:latin typeface="Calibri" panose="020F0502020204030204" pitchFamily="34" charset="0"/>
-                <a:cs typeface="Calibri" panose="020F0502020204030204" pitchFamily="34" charset="0"/>
-              </a:rPr>
-              <a:t>Sliding a connectivity kernel , row by row ( 2 passes)</a:t>
-            </a:r>
-          </a:p>
-          <a:p>
-            <a:pPr marL="742950" lvl="1" indent="-285750">
-              <a:buFont typeface="Arial" panose="020B0604020202020204" pitchFamily="34" charset="0"/>
-              <a:buChar char="•"/>
-            </a:pPr>
-            <a:r>
-              <a:rPr lang="en-US" dirty="0">
-                <a:latin typeface="Calibri" panose="020F0502020204030204" pitchFamily="34" charset="0"/>
-                <a:cs typeface="Calibri" panose="020F0502020204030204" pitchFamily="34" charset="0"/>
-              </a:rPr>
-              <a:t>If the center falls in a non-zero pixel, label it!</a:t>
-            </a:r>
-          </a:p>
-          <a:p>
-            <a:pPr marL="742950" lvl="1" indent="-285750">
-              <a:buFont typeface="Arial" panose="020B0604020202020204" pitchFamily="34" charset="0"/>
-              <a:buChar char="•"/>
-            </a:pPr>
-            <a:r>
-              <a:rPr lang="en-US" dirty="0">
-                <a:latin typeface="Calibri" panose="020F0502020204030204" pitchFamily="34" charset="0"/>
-                <a:cs typeface="Calibri" panose="020F0502020204030204" pitchFamily="34" charset="0"/>
-              </a:rPr>
-              <a:t>Labelling: </a:t>
-            </a:r>
-          </a:p>
-          <a:p>
-            <a:pPr marL="1200150" lvl="2" indent="-285750">
-              <a:buFont typeface="Arial" panose="020B0604020202020204" pitchFamily="34" charset="0"/>
-              <a:buChar char="•"/>
-            </a:pPr>
-            <a:r>
-              <a:rPr lang="en-US" dirty="0">
-                <a:latin typeface="Calibri" panose="020F0502020204030204" pitchFamily="34" charset="0"/>
-                <a:cs typeface="Calibri" panose="020F0502020204030204" pitchFamily="34" charset="0"/>
-              </a:rPr>
-              <a:t>If there no labeled pixels connected, attribute a new label</a:t>
-            </a:r>
-          </a:p>
-          <a:p>
-            <a:pPr marL="1200150" lvl="2" indent="-285750">
-              <a:buFont typeface="Arial" panose="020B0604020202020204" pitchFamily="34" charset="0"/>
-              <a:buChar char="•"/>
-            </a:pPr>
-            <a:r>
-              <a:rPr lang="en-US" dirty="0">
-                <a:latin typeface="Calibri" panose="020F0502020204030204" pitchFamily="34" charset="0"/>
-                <a:cs typeface="Calibri" panose="020F0502020204030204" pitchFamily="34" charset="0"/>
-              </a:rPr>
-              <a:t>Otherwise, attribute the label of its neighbor</a:t>
-            </a:r>
-          </a:p>
-          <a:p>
-            <a:pPr marL="742950" lvl="1" indent="-285750">
-              <a:buFont typeface="Arial" panose="020B0604020202020204" pitchFamily="34" charset="0"/>
-              <a:buChar char="•"/>
-            </a:pPr>
-            <a:r>
-              <a:rPr lang="en-US" dirty="0">
-                <a:latin typeface="Calibri" panose="020F0502020204030204" pitchFamily="34" charset="0"/>
-                <a:cs typeface="Calibri" panose="020F0502020204030204" pitchFamily="34" charset="0"/>
-              </a:rPr>
-              <a:t>Union-Find structures determines the labels connected</a:t>
-            </a:r>
-          </a:p>
-          <a:p>
-            <a:pPr marL="285750" indent="-285750">
-              <a:buFont typeface="Arial" panose="020B0604020202020204" pitchFamily="34" charset="0"/>
-              <a:buChar char="•"/>
-            </a:pPr>
-            <a:r>
-              <a:rPr lang="en-US" b="1" dirty="0">
-                <a:latin typeface="Calibri" panose="020F0502020204030204" pitchFamily="34" charset="0"/>
-                <a:cs typeface="Calibri" panose="020F0502020204030204" pitchFamily="34" charset="0"/>
-              </a:rPr>
-              <a:t>Pass #1: </a:t>
-            </a:r>
-          </a:p>
-          <a:p>
-            <a:pPr marL="742950" lvl="1" indent="-285750">
-              <a:buFont typeface="Arial" panose="020B0604020202020204" pitchFamily="34" charset="0"/>
-              <a:buChar char="•"/>
-            </a:pPr>
-            <a:r>
-              <a:rPr lang="en-US" b="1" dirty="0">
-                <a:latin typeface="Calibri" panose="020F0502020204030204" pitchFamily="34" charset="0"/>
-                <a:cs typeface="Calibri" panose="020F0502020204030204" pitchFamily="34" charset="0"/>
-              </a:rPr>
-              <a:t>ROW #8</a:t>
-            </a:r>
-          </a:p>
-          <a:p>
-            <a:pPr marL="742950" lvl="1" indent="-285750">
-              <a:buFont typeface="Arial" panose="020B0604020202020204" pitchFamily="34" charset="0"/>
-              <a:buChar char="•"/>
-            </a:pPr>
-            <a:endParaRPr lang="en-US" dirty="0">
-              <a:latin typeface="Calibri" panose="020F0502020204030204" pitchFamily="34" charset="0"/>
-              <a:cs typeface="Calibri" panose="020F0502020204030204" pitchFamily="34" charset="0"/>
-            </a:endParaRPr>
-          </a:p>
-          <a:p>
-            <a:pPr marL="742950" lvl="1" indent="-285750">
-              <a:buFont typeface="Arial" panose="020B0604020202020204" pitchFamily="34" charset="0"/>
-              <a:buChar char="•"/>
-            </a:pPr>
-            <a:endParaRPr lang="en-US" dirty="0">
-              <a:latin typeface="Calibri" panose="020F0502020204030204" pitchFamily="34" charset="0"/>
-              <a:cs typeface="Calibri" panose="020F0502020204030204" pitchFamily="34" charset="0"/>
-            </a:endParaRPr>
-          </a:p>
-          <a:p>
-            <a:endParaRPr lang="en-US" dirty="0">
-              <a:latin typeface="Calibri" panose="020F0502020204030204" pitchFamily="34" charset="0"/>
-              <a:cs typeface="Calibri" panose="020F0502020204030204" pitchFamily="34" charset="0"/>
-            </a:endParaRPr>
-          </a:p>
-        </p:txBody>
-      </p:sp>
       <p:pic>
         <p:nvPicPr>
           <p:cNvPr id="13" name="Picture 8" descr="8-Pixel-Connectivity">
@@ -13321,6 +13553,265 @@
           <a:p>
             <a:pPr algn="ctr"/>
             <a:endParaRPr lang="pt-BR"/>
+          </a:p>
+        </p:txBody>
+      </p:sp>
+      <p:sp>
+        <p:nvSpPr>
+          <p:cNvPr id="16" name="CaixaDeTexto 15">
+            <a:extLst>
+              <a:ext uri="{FF2B5EF4-FFF2-40B4-BE49-F238E27FC236}">
+                <a16:creationId xmlns:a16="http://schemas.microsoft.com/office/drawing/2014/main" id="{2F2035EB-56FD-CE8D-65BB-7A01A562BF9E}"/>
+              </a:ext>
+            </a:extLst>
+          </p:cNvPr>
+          <p:cNvSpPr txBox="1"/>
+          <p:nvPr/>
+        </p:nvSpPr>
+        <p:spPr>
+          <a:xfrm>
+            <a:off x="200025" y="1689990"/>
+            <a:ext cx="9516375" cy="5909310"/>
+          </a:xfrm>
+          <a:prstGeom prst="rect">
+            <a:avLst/>
+          </a:prstGeom>
+          <a:noFill/>
+        </p:spPr>
+        <p:txBody>
+          <a:bodyPr wrap="square" rtlCol="0">
+            <a:spAutoFit/>
+          </a:bodyPr>
+          <a:lstStyle/>
+          <a:p>
+            <a:pPr marL="285750" indent="-285750">
+              <a:buFont typeface="Arial" panose="020B0604020202020204" pitchFamily="34" charset="0"/>
+              <a:buChar char="•"/>
+            </a:pPr>
+            <a:r>
+              <a:rPr lang="en-US" dirty="0">
+                <a:latin typeface="Calibri" panose="020F0502020204030204" pitchFamily="34" charset="0"/>
+                <a:cs typeface="Calibri" panose="020F0502020204030204" pitchFamily="34" charset="0"/>
+              </a:rPr>
+              <a:t>Sliding a connectivity kernel , row by row ( 2 passes)</a:t>
+            </a:r>
+          </a:p>
+          <a:p>
+            <a:pPr marL="742950" lvl="1" indent="-285750">
+              <a:buFont typeface="Arial" panose="020B0604020202020204" pitchFamily="34" charset="0"/>
+              <a:buChar char="•"/>
+            </a:pPr>
+            <a:r>
+              <a:rPr lang="en-US" dirty="0">
+                <a:latin typeface="Calibri" panose="020F0502020204030204" pitchFamily="34" charset="0"/>
+                <a:cs typeface="Calibri" panose="020F0502020204030204" pitchFamily="34" charset="0"/>
+              </a:rPr>
+              <a:t>If the center falls in a non-zero pixel, label it!</a:t>
+            </a:r>
+          </a:p>
+          <a:p>
+            <a:pPr marL="742950" lvl="1" indent="-285750">
+              <a:buFont typeface="Arial" panose="020B0604020202020204" pitchFamily="34" charset="0"/>
+              <a:buChar char="•"/>
+            </a:pPr>
+            <a:r>
+              <a:rPr lang="en-US" dirty="0">
+                <a:latin typeface="Calibri" panose="020F0502020204030204" pitchFamily="34" charset="0"/>
+                <a:cs typeface="Calibri" panose="020F0502020204030204" pitchFamily="34" charset="0"/>
+              </a:rPr>
+              <a:t>Labeling: </a:t>
+            </a:r>
+          </a:p>
+          <a:p>
+            <a:pPr marL="1200150" lvl="2" indent="-285750">
+              <a:buFont typeface="Arial" panose="020B0604020202020204" pitchFamily="34" charset="0"/>
+              <a:buChar char="•"/>
+            </a:pPr>
+            <a:r>
+              <a:rPr lang="en-US" dirty="0">
+                <a:latin typeface="Calibri" panose="020F0502020204030204" pitchFamily="34" charset="0"/>
+                <a:cs typeface="Calibri" panose="020F0502020204030204" pitchFamily="34" charset="0"/>
+              </a:rPr>
+              <a:t>If there are no labeled pixels connected, attribute a new label</a:t>
+            </a:r>
+          </a:p>
+          <a:p>
+            <a:pPr marL="1200150" lvl="2" indent="-285750">
+              <a:buFont typeface="Arial" panose="020B0604020202020204" pitchFamily="34" charset="0"/>
+              <a:buChar char="•"/>
+            </a:pPr>
+            <a:r>
+              <a:rPr lang="en-US" dirty="0">
+                <a:latin typeface="Calibri" panose="020F0502020204030204" pitchFamily="34" charset="0"/>
+                <a:cs typeface="Calibri" panose="020F0502020204030204" pitchFamily="34" charset="0"/>
+              </a:rPr>
+              <a:t>Otherwise, attribute to it the neighbor´s label.</a:t>
+            </a:r>
+          </a:p>
+          <a:p>
+            <a:pPr marL="1200150" lvl="2" indent="-285750">
+              <a:buFont typeface="Arial" panose="020B0604020202020204" pitchFamily="34" charset="0"/>
+              <a:buChar char="•"/>
+            </a:pPr>
+            <a:r>
+              <a:rPr lang="en-US" dirty="0">
+                <a:latin typeface="Calibri" panose="020F0502020204030204" pitchFamily="34" charset="0"/>
+                <a:cs typeface="Calibri" panose="020F0502020204030204" pitchFamily="34" charset="0"/>
+              </a:rPr>
+              <a:t>A Union-Find structure control adjacent labels (Union-Find)</a:t>
+            </a:r>
+          </a:p>
+          <a:p>
+            <a:pPr marL="285750" indent="-285750">
+              <a:buFont typeface="Arial" panose="020B0604020202020204" pitchFamily="34" charset="0"/>
+              <a:buChar char="•"/>
+            </a:pPr>
+            <a:endParaRPr lang="en-US" b="1" dirty="0">
+              <a:latin typeface="Calibri" panose="020F0502020204030204" pitchFamily="34" charset="0"/>
+              <a:cs typeface="Calibri" panose="020F0502020204030204" pitchFamily="34" charset="0"/>
+            </a:endParaRPr>
+          </a:p>
+          <a:p>
+            <a:pPr marL="285750" indent="-285750">
+              <a:buFont typeface="Arial" panose="020B0604020202020204" pitchFamily="34" charset="0"/>
+              <a:buChar char="•"/>
+            </a:pPr>
+            <a:r>
+              <a:rPr lang="en-US" b="1" dirty="0">
+                <a:latin typeface="Calibri" panose="020F0502020204030204" pitchFamily="34" charset="0"/>
+                <a:cs typeface="Calibri" panose="020F0502020204030204" pitchFamily="34" charset="0"/>
+              </a:rPr>
+              <a:t>Pass #1:</a:t>
+            </a:r>
+          </a:p>
+          <a:p>
+            <a:pPr marL="742950" lvl="1" indent="-285750">
+              <a:buFont typeface="Arial" panose="020B0604020202020204" pitchFamily="34" charset="0"/>
+              <a:buChar char="•"/>
+            </a:pPr>
+            <a:endParaRPr lang="en-US" b="1" dirty="0">
+              <a:latin typeface="Calibri" panose="020F0502020204030204" pitchFamily="34" charset="0"/>
+              <a:cs typeface="Calibri" panose="020F0502020204030204" pitchFamily="34" charset="0"/>
+            </a:endParaRPr>
+          </a:p>
+          <a:p>
+            <a:pPr marL="742950" lvl="1" indent="-285750">
+              <a:buFont typeface="Arial" panose="020B0604020202020204" pitchFamily="34" charset="0"/>
+              <a:buChar char="•"/>
+            </a:pPr>
+            <a:endParaRPr lang="en-US" b="1" dirty="0">
+              <a:latin typeface="Calibri" panose="020F0502020204030204" pitchFamily="34" charset="0"/>
+              <a:cs typeface="Calibri" panose="020F0502020204030204" pitchFamily="34" charset="0"/>
+            </a:endParaRPr>
+          </a:p>
+          <a:p>
+            <a:pPr marL="742950" lvl="1" indent="-285750">
+              <a:buFont typeface="Arial" panose="020B0604020202020204" pitchFamily="34" charset="0"/>
+              <a:buChar char="•"/>
+            </a:pPr>
+            <a:endParaRPr lang="en-US" b="1" dirty="0">
+              <a:latin typeface="Calibri" panose="020F0502020204030204" pitchFamily="34" charset="0"/>
+              <a:cs typeface="Calibri" panose="020F0502020204030204" pitchFamily="34" charset="0"/>
+            </a:endParaRPr>
+          </a:p>
+          <a:p>
+            <a:pPr marL="742950" lvl="1" indent="-285750">
+              <a:buFont typeface="Arial" panose="020B0604020202020204" pitchFamily="34" charset="0"/>
+              <a:buChar char="•"/>
+            </a:pPr>
+            <a:endParaRPr lang="en-US" b="1" dirty="0">
+              <a:latin typeface="Calibri" panose="020F0502020204030204" pitchFamily="34" charset="0"/>
+              <a:cs typeface="Calibri" panose="020F0502020204030204" pitchFamily="34" charset="0"/>
+            </a:endParaRPr>
+          </a:p>
+          <a:p>
+            <a:pPr marL="742950" lvl="1" indent="-285750">
+              <a:buFont typeface="Arial" panose="020B0604020202020204" pitchFamily="34" charset="0"/>
+              <a:buChar char="•"/>
+            </a:pPr>
+            <a:endParaRPr lang="en-US" b="1" dirty="0">
+              <a:latin typeface="Calibri" panose="020F0502020204030204" pitchFamily="34" charset="0"/>
+              <a:cs typeface="Calibri" panose="020F0502020204030204" pitchFamily="34" charset="0"/>
+            </a:endParaRPr>
+          </a:p>
+          <a:p>
+            <a:pPr marL="742950" lvl="1" indent="-285750">
+              <a:buFont typeface="Arial" panose="020B0604020202020204" pitchFamily="34" charset="0"/>
+              <a:buChar char="•"/>
+            </a:pPr>
+            <a:endParaRPr lang="en-US" b="1" dirty="0">
+              <a:latin typeface="Calibri" panose="020F0502020204030204" pitchFamily="34" charset="0"/>
+              <a:cs typeface="Calibri" panose="020F0502020204030204" pitchFamily="34" charset="0"/>
+            </a:endParaRPr>
+          </a:p>
+          <a:p>
+            <a:pPr marL="742950" lvl="1" indent="-285750">
+              <a:buFont typeface="Arial" panose="020B0604020202020204" pitchFamily="34" charset="0"/>
+              <a:buChar char="•"/>
+            </a:pPr>
+            <a:endParaRPr lang="en-US" b="1" dirty="0">
+              <a:latin typeface="Calibri" panose="020F0502020204030204" pitchFamily="34" charset="0"/>
+              <a:cs typeface="Calibri" panose="020F0502020204030204" pitchFamily="34" charset="0"/>
+            </a:endParaRPr>
+          </a:p>
+          <a:p>
+            <a:pPr marL="742950" lvl="1" indent="-285750">
+              <a:buFont typeface="Arial" panose="020B0604020202020204" pitchFamily="34" charset="0"/>
+              <a:buChar char="•"/>
+            </a:pPr>
+            <a:endParaRPr lang="en-US" b="1" dirty="0">
+              <a:latin typeface="Calibri" panose="020F0502020204030204" pitchFamily="34" charset="0"/>
+              <a:cs typeface="Calibri" panose="020F0502020204030204" pitchFamily="34" charset="0"/>
+            </a:endParaRPr>
+          </a:p>
+          <a:p>
+            <a:pPr marL="742950" lvl="1" indent="-285750">
+              <a:buFont typeface="Arial" panose="020B0604020202020204" pitchFamily="34" charset="0"/>
+              <a:buChar char="•"/>
+            </a:pPr>
+            <a:endParaRPr lang="en-US" b="1" dirty="0">
+              <a:latin typeface="Calibri" panose="020F0502020204030204" pitchFamily="34" charset="0"/>
+              <a:cs typeface="Calibri" panose="020F0502020204030204" pitchFamily="34" charset="0"/>
+            </a:endParaRPr>
+          </a:p>
+          <a:p>
+            <a:pPr marL="742950" lvl="1" indent="-285750">
+              <a:buFont typeface="Arial" panose="020B0604020202020204" pitchFamily="34" charset="0"/>
+              <a:buChar char="•"/>
+            </a:pPr>
+            <a:r>
+              <a:rPr lang="en-US" b="1" dirty="0">
+                <a:latin typeface="Calibri" panose="020F0502020204030204" pitchFamily="34" charset="0"/>
+                <a:cs typeface="Calibri" panose="020F0502020204030204" pitchFamily="34" charset="0"/>
+              </a:rPr>
+              <a:t>Row #8</a:t>
+            </a:r>
+          </a:p>
+          <a:p>
+            <a:pPr marL="742950" lvl="1" indent="-285750">
+              <a:buFont typeface="Arial" panose="020B0604020202020204" pitchFamily="34" charset="0"/>
+              <a:buChar char="•"/>
+            </a:pPr>
+            <a:endParaRPr lang="en-US" dirty="0">
+              <a:latin typeface="Calibri" panose="020F0502020204030204" pitchFamily="34" charset="0"/>
+              <a:cs typeface="Calibri" panose="020F0502020204030204" pitchFamily="34" charset="0"/>
+            </a:endParaRPr>
+          </a:p>
+          <a:p>
+            <a:pPr marL="742950" lvl="1" indent="-285750">
+              <a:buFont typeface="Arial" panose="020B0604020202020204" pitchFamily="34" charset="0"/>
+              <a:buChar char="•"/>
+            </a:pPr>
+            <a:endParaRPr lang="en-US" dirty="0">
+              <a:latin typeface="Calibri" panose="020F0502020204030204" pitchFamily="34" charset="0"/>
+              <a:cs typeface="Calibri" panose="020F0502020204030204" pitchFamily="34" charset="0"/>
+            </a:endParaRPr>
+          </a:p>
+          <a:p>
+            <a:endParaRPr lang="en-US" dirty="0">
+              <a:latin typeface="Calibri" panose="020F0502020204030204" pitchFamily="34" charset="0"/>
+              <a:cs typeface="Calibri" panose="020F0502020204030204" pitchFamily="34" charset="0"/>
+            </a:endParaRPr>
           </a:p>
         </p:txBody>
       </p:sp>
@@ -13590,7 +14081,7 @@
         <p:spPr>
           <a:xfrm>
             <a:off x="200025" y="1689990"/>
-            <a:ext cx="9516375" cy="2308324"/>
+            <a:ext cx="9516375" cy="2862322"/>
           </a:xfrm>
           <a:prstGeom prst="rect">
             <a:avLst/>
@@ -13638,7 +14129,7 @@
                 <a:latin typeface="Calibri" panose="020F0502020204030204" pitchFamily="34" charset="0"/>
                 <a:cs typeface="Calibri" panose="020F0502020204030204" pitchFamily="34" charset="0"/>
               </a:rPr>
-              <a:t>Labelling: </a:t>
+              <a:t>Labeling: </a:t>
             </a:r>
           </a:p>
           <a:p>
@@ -13651,7 +14142,7 @@
                 <a:latin typeface="Calibri" panose="020F0502020204030204" pitchFamily="34" charset="0"/>
                 <a:cs typeface="Calibri" panose="020F0502020204030204" pitchFamily="34" charset="0"/>
               </a:rPr>
-              <a:t>If there no labeled pixels connected, attribute a new label</a:t>
+              <a:t>If there are no labeled pixels connected, attribute a new label</a:t>
             </a:r>
           </a:p>
           <a:p>
@@ -13664,11 +14155,11 @@
                 <a:latin typeface="Calibri" panose="020F0502020204030204" pitchFamily="34" charset="0"/>
                 <a:cs typeface="Calibri" panose="020F0502020204030204" pitchFamily="34" charset="0"/>
               </a:rPr>
-              <a:t>Otherwise, attribute the label of its neighbor</a:t>
-            </a:r>
-          </a:p>
-          <a:p>
-            <a:pPr marL="742950" lvl="1" indent="-285750">
+              <a:t>Otherwise, attribute to it the neighbor´s label.</a:t>
+            </a:r>
+          </a:p>
+          <a:p>
+            <a:pPr marL="1200150" lvl="2" indent="-285750">
               <a:buFont typeface="Arial" panose="020B0604020202020204" pitchFamily="34" charset="0"/>
               <a:buChar char="•"/>
             </a:pPr>
@@ -13677,7 +14168,7 @@
                 <a:latin typeface="Calibri" panose="020F0502020204030204" pitchFamily="34" charset="0"/>
                 <a:cs typeface="Calibri" panose="020F0502020204030204" pitchFamily="34" charset="0"/>
               </a:rPr>
-              <a:t>Union-Find structures determines the labels connected</a:t>
+              <a:t>A Union-Find structure control adjacent labels (Union-Find)</a:t>
             </a:r>
           </a:p>
           <a:p>
@@ -13685,6 +14176,16 @@
               <a:buFont typeface="Arial" panose="020B0604020202020204" pitchFamily="34" charset="0"/>
               <a:buChar char="•"/>
             </a:pPr>
+            <a:endParaRPr lang="en-US" b="1" dirty="0">
+              <a:latin typeface="Calibri" panose="020F0502020204030204" pitchFamily="34" charset="0"/>
+              <a:cs typeface="Calibri" panose="020F0502020204030204" pitchFamily="34" charset="0"/>
+            </a:endParaRPr>
+          </a:p>
+          <a:p>
+            <a:pPr marL="285750" indent="-285750">
+              <a:buFont typeface="Arial" panose="020B0604020202020204" pitchFamily="34" charset="0"/>
+              <a:buChar char="•"/>
+            </a:pPr>
             <a:r>
               <a:rPr lang="en-US" b="1" dirty="0">
                 <a:latin typeface="Calibri" panose="020F0502020204030204" pitchFamily="34" charset="0"/>
@@ -13694,7 +14195,17 @@
             </a:r>
           </a:p>
           <a:p>
-            <a:pPr marL="742950" lvl="1" indent="-285750">
+            <a:pPr marL="285750" indent="-285750">
+              <a:buFont typeface="Arial" panose="020B0604020202020204" pitchFamily="34" charset="0"/>
+              <a:buChar char="•"/>
+            </a:pPr>
+            <a:endParaRPr lang="en-US" b="1" dirty="0">
+              <a:latin typeface="Calibri" panose="020F0502020204030204" pitchFamily="34" charset="0"/>
+              <a:cs typeface="Calibri" panose="020F0502020204030204" pitchFamily="34" charset="0"/>
+            </a:endParaRPr>
+          </a:p>
+          <a:p>
+            <a:pPr marL="285750" indent="-285750">
               <a:buFont typeface="Arial" panose="020B0604020202020204" pitchFamily="34" charset="0"/>
               <a:buChar char="•"/>
             </a:pPr>
@@ -13726,7 +14237,7 @@
         </p:nvSpPr>
         <p:spPr>
           <a:xfrm>
-            <a:off x="5174345" y="3623583"/>
+            <a:off x="5428345" y="3461023"/>
             <a:ext cx="1223412" cy="369332"/>
           </a:xfrm>
           <a:prstGeom prst="rect">
@@ -13773,7 +14284,7 @@
         </p:blipFill>
         <p:spPr>
           <a:xfrm>
-            <a:off x="2373154" y="3998314"/>
+            <a:off x="2627154" y="3835754"/>
             <a:ext cx="3491572" cy="2714652"/>
           </a:xfrm>
           <a:prstGeom prst="rect">
@@ -13795,7 +14306,7 @@
         </p:nvSpPr>
         <p:spPr>
           <a:xfrm>
-            <a:off x="5574213" y="4144166"/>
+            <a:off x="5828213" y="3981606"/>
             <a:ext cx="299599" cy="2525038"/>
           </a:xfrm>
           <a:prstGeom prst="rect">
@@ -13862,7 +14373,7 @@
         </p:blipFill>
         <p:spPr>
           <a:xfrm>
-            <a:off x="6397757" y="3954553"/>
+            <a:off x="6651757" y="3791993"/>
             <a:ext cx="2747489" cy="2714651"/>
           </a:xfrm>
           <a:prstGeom prst="rect">
@@ -13884,7 +14395,7 @@
         </p:nvSpPr>
         <p:spPr>
           <a:xfrm>
-            <a:off x="3869634" y="4625701"/>
+            <a:off x="4123634" y="4463141"/>
             <a:ext cx="4068417" cy="1483551"/>
           </a:xfrm>
           <a:prstGeom prst="rightArrow">
@@ -14197,7 +14708,7 @@
         <p:spPr>
           <a:xfrm>
             <a:off x="200025" y="1689990"/>
-            <a:ext cx="9516375" cy="1754326"/>
+            <a:ext cx="9516375" cy="4801314"/>
           </a:xfrm>
           <a:prstGeom prst="rect">
             <a:avLst/>
@@ -14219,51 +14730,31 @@
                 <a:latin typeface="Calibri" panose="020F0502020204030204" pitchFamily="34" charset="0"/>
                 <a:cs typeface="Calibri" panose="020F0502020204030204" pitchFamily="34" charset="0"/>
               </a:rPr>
-              <a:t>In the </a:t>
+              <a:t>In our </a:t>
             </a:r>
             <a:r>
               <a:rPr lang="en-US" dirty="0" err="1">
                 <a:latin typeface="Calibri" panose="020F0502020204030204" pitchFamily="34" charset="0"/>
                 <a:cs typeface="Calibri" panose="020F0502020204030204" pitchFamily="34" charset="0"/>
               </a:rPr>
-              <a:t>opencv</a:t>
+              <a:t>pratice</a:t>
             </a:r>
             <a:r>
               <a:rPr lang="en-US" dirty="0">
                 <a:latin typeface="Calibri" panose="020F0502020204030204" pitchFamily="34" charset="0"/>
                 <a:cs typeface="Calibri" panose="020F0502020204030204" pitchFamily="34" charset="0"/>
               </a:rPr>
-              <a:t> lib, this feature is implemented by  cv2.</a:t>
-            </a:r>
-            <a:r>
-              <a:rPr lang="pt-BR" b="0" i="0" dirty="0" err="1">
-                <a:solidFill>
-                  <a:srgbClr val="000000"/>
-                </a:solidFill>
-                <a:effectLst/>
-                <a:latin typeface="Helvetica" panose="020B0604020202020204" pitchFamily="34" charset="0"/>
-              </a:rPr>
-              <a:t>connectedComponents</a:t>
-            </a:r>
-            <a:endParaRPr lang="pt-BR" b="0" i="0" dirty="0">
-              <a:solidFill>
-                <a:srgbClr val="000000"/>
-              </a:solidFill>
-              <a:effectLst/>
-              <a:latin typeface="Helvetica" panose="020B0604020202020204" pitchFamily="34" charset="0"/>
-            </a:endParaRPr>
+              <a:t>, we will implement an algorithm to segment characters in a license plate. </a:t>
+            </a:r>
           </a:p>
           <a:p>
             <a:pPr marL="285750" indent="-285750">
               <a:buFont typeface="Arial" panose="020B0604020202020204" pitchFamily="34" charset="0"/>
               <a:buChar char="•"/>
             </a:pPr>
-            <a:endParaRPr lang="pt-BR" b="0" i="0" dirty="0">
-              <a:solidFill>
-                <a:srgbClr val="000000"/>
-              </a:solidFill>
-              <a:effectLst/>
-              <a:latin typeface="Helvetica" panose="020B0604020202020204" pitchFamily="34" charset="0"/>
+            <a:endParaRPr lang="en-US" dirty="0">
+              <a:latin typeface="Calibri" panose="020F0502020204030204" pitchFamily="34" charset="0"/>
+              <a:cs typeface="Calibri" panose="020F0502020204030204" pitchFamily="34" charset="0"/>
             </a:endParaRPr>
           </a:p>
           <a:p>
@@ -14277,7 +14768,7 @@
             </a:endParaRPr>
           </a:p>
           <a:p>
-            <a:pPr marL="742950" lvl="1" indent="-285750">
+            <a:pPr marL="285750" indent="-285750">
               <a:buFont typeface="Arial" panose="020B0604020202020204" pitchFamily="34" charset="0"/>
               <a:buChar char="•"/>
             </a:pPr>
@@ -14287,7 +14778,7 @@
             </a:endParaRPr>
           </a:p>
           <a:p>
-            <a:pPr marL="742950" lvl="1" indent="-285750">
+            <a:pPr marL="285750" indent="-285750">
               <a:buFont typeface="Arial" panose="020B0604020202020204" pitchFamily="34" charset="0"/>
               <a:buChar char="•"/>
             </a:pPr>
@@ -14297,10 +14788,322 @@
             </a:endParaRPr>
           </a:p>
           <a:p>
+            <a:pPr marL="285750" indent="-285750">
+              <a:buFont typeface="Arial" panose="020B0604020202020204" pitchFamily="34" charset="0"/>
+              <a:buChar char="•"/>
+            </a:pPr>
             <a:endParaRPr lang="en-US" dirty="0">
               <a:latin typeface="Calibri" panose="020F0502020204030204" pitchFamily="34" charset="0"/>
               <a:cs typeface="Calibri" panose="020F0502020204030204" pitchFamily="34" charset="0"/>
             </a:endParaRPr>
+          </a:p>
+          <a:p>
+            <a:pPr marL="285750" indent="-285750">
+              <a:buFont typeface="Arial" panose="020B0604020202020204" pitchFamily="34" charset="0"/>
+              <a:buChar char="•"/>
+            </a:pPr>
+            <a:endParaRPr lang="en-US" dirty="0">
+              <a:latin typeface="Calibri" panose="020F0502020204030204" pitchFamily="34" charset="0"/>
+              <a:cs typeface="Calibri" panose="020F0502020204030204" pitchFamily="34" charset="0"/>
+            </a:endParaRPr>
+          </a:p>
+          <a:p>
+            <a:pPr marL="285750" indent="-285750">
+              <a:buFont typeface="Arial" panose="020B0604020202020204" pitchFamily="34" charset="0"/>
+              <a:buChar char="•"/>
+            </a:pPr>
+            <a:endParaRPr lang="en-US" dirty="0">
+              <a:latin typeface="Calibri" panose="020F0502020204030204" pitchFamily="34" charset="0"/>
+              <a:cs typeface="Calibri" panose="020F0502020204030204" pitchFamily="34" charset="0"/>
+            </a:endParaRPr>
+          </a:p>
+          <a:p>
+            <a:pPr marL="285750" indent="-285750">
+              <a:buFont typeface="Arial" panose="020B0604020202020204" pitchFamily="34" charset="0"/>
+              <a:buChar char="•"/>
+            </a:pPr>
+            <a:endParaRPr lang="en-US" dirty="0">
+              <a:latin typeface="Calibri" panose="020F0502020204030204" pitchFamily="34" charset="0"/>
+              <a:cs typeface="Calibri" panose="020F0502020204030204" pitchFamily="34" charset="0"/>
+            </a:endParaRPr>
+          </a:p>
+          <a:p>
+            <a:pPr marL="285750" indent="-285750">
+              <a:buFont typeface="Arial" panose="020B0604020202020204" pitchFamily="34" charset="0"/>
+              <a:buChar char="•"/>
+            </a:pPr>
+            <a:endParaRPr lang="en-US" dirty="0">
+              <a:latin typeface="Calibri" panose="020F0502020204030204" pitchFamily="34" charset="0"/>
+              <a:cs typeface="Calibri" panose="020F0502020204030204" pitchFamily="34" charset="0"/>
+            </a:endParaRPr>
+          </a:p>
+          <a:p>
+            <a:pPr marL="285750" indent="-285750">
+              <a:buFont typeface="Arial" panose="020B0604020202020204" pitchFamily="34" charset="0"/>
+              <a:buChar char="•"/>
+            </a:pPr>
+            <a:endParaRPr lang="en-US" dirty="0">
+              <a:latin typeface="Calibri" panose="020F0502020204030204" pitchFamily="34" charset="0"/>
+              <a:cs typeface="Calibri" panose="020F0502020204030204" pitchFamily="34" charset="0"/>
+            </a:endParaRPr>
+          </a:p>
+          <a:p>
+            <a:pPr marL="285750" indent="-285750">
+              <a:buFont typeface="Arial" panose="020B0604020202020204" pitchFamily="34" charset="0"/>
+              <a:buChar char="•"/>
+            </a:pPr>
+            <a:endParaRPr lang="en-US" dirty="0">
+              <a:latin typeface="Calibri" panose="020F0502020204030204" pitchFamily="34" charset="0"/>
+              <a:cs typeface="Calibri" panose="020F0502020204030204" pitchFamily="34" charset="0"/>
+            </a:endParaRPr>
+          </a:p>
+          <a:p>
+            <a:pPr marL="285750" indent="-285750">
+              <a:buFont typeface="Arial" panose="020B0604020202020204" pitchFamily="34" charset="0"/>
+              <a:buChar char="•"/>
+            </a:pPr>
+            <a:endParaRPr lang="en-US" dirty="0">
+              <a:latin typeface="Calibri" panose="020F0502020204030204" pitchFamily="34" charset="0"/>
+              <a:cs typeface="Calibri" panose="020F0502020204030204" pitchFamily="34" charset="0"/>
+            </a:endParaRPr>
+          </a:p>
+          <a:p>
+            <a:pPr marL="285750" indent="-285750">
+              <a:buFont typeface="Arial" panose="020B0604020202020204" pitchFamily="34" charset="0"/>
+              <a:buChar char="•"/>
+            </a:pPr>
+            <a:r>
+              <a:rPr lang="en-US" dirty="0">
+                <a:latin typeface="Calibri" panose="020F0502020204030204" pitchFamily="34" charset="0"/>
+                <a:cs typeface="Calibri" panose="020F0502020204030204" pitchFamily="34" charset="0"/>
+              </a:rPr>
+              <a:t>Besides, we will introduce the cv2.connectedComponent() that implements the component labeling method</a:t>
+            </a:r>
+          </a:p>
+          <a:p>
+            <a:pPr marL="285750" indent="-285750">
+              <a:buFont typeface="Arial" panose="020B0604020202020204" pitchFamily="34" charset="0"/>
+              <a:buChar char="•"/>
+            </a:pPr>
+            <a:endParaRPr lang="en-US" dirty="0">
+              <a:latin typeface="Calibri" panose="020F0502020204030204" pitchFamily="34" charset="0"/>
+              <a:cs typeface="Calibri" panose="020F0502020204030204" pitchFamily="34" charset="0"/>
+            </a:endParaRPr>
+          </a:p>
+          <a:p>
+            <a:pPr marL="285750" indent="-285750">
+              <a:buFont typeface="Arial" panose="020B0604020202020204" pitchFamily="34" charset="0"/>
+              <a:buChar char="•"/>
+            </a:pPr>
+            <a:r>
+              <a:rPr lang="en-US" dirty="0">
+                <a:latin typeface="Calibri" panose="020F0502020204030204" pitchFamily="34" charset="0"/>
+                <a:cs typeface="Calibri" panose="020F0502020204030204" pitchFamily="34" charset="0"/>
+              </a:rPr>
+              <a:t>Checkout it here: </a:t>
+            </a:r>
+            <a:r>
+              <a:rPr lang="en-US" dirty="0">
+                <a:latin typeface="Calibri" panose="020F0502020204030204" pitchFamily="34" charset="0"/>
+                <a:cs typeface="Calibri" panose="020F0502020204030204" pitchFamily="34" charset="0"/>
+                <a:hlinkClick r:id="rId3"/>
+              </a:rPr>
+              <a:t>Lecture 04 - Finding </a:t>
+            </a:r>
+            <a:r>
+              <a:rPr lang="en-US" dirty="0" err="1">
+                <a:latin typeface="Calibri" panose="020F0502020204030204" pitchFamily="34" charset="0"/>
+                <a:cs typeface="Calibri" panose="020F0502020204030204" pitchFamily="34" charset="0"/>
+                <a:hlinkClick r:id="rId3"/>
+              </a:rPr>
+              <a:t>Components.ipynb</a:t>
+            </a:r>
+            <a:endParaRPr lang="en-US" dirty="0">
+              <a:latin typeface="Calibri" panose="020F0502020204030204" pitchFamily="34" charset="0"/>
+              <a:cs typeface="Calibri" panose="020F0502020204030204" pitchFamily="34" charset="0"/>
+            </a:endParaRPr>
+          </a:p>
+        </p:txBody>
+      </p:sp>
+      <p:pic>
+        <p:nvPicPr>
+          <p:cNvPr id="6" name="Imagem 5">
+            <a:extLst>
+              <a:ext uri="{FF2B5EF4-FFF2-40B4-BE49-F238E27FC236}">
+                <a16:creationId xmlns:a16="http://schemas.microsoft.com/office/drawing/2014/main" id="{602C9653-35EC-636D-91ED-EF703B6EB515}"/>
+              </a:ext>
+            </a:extLst>
+          </p:cNvPr>
+          <p:cNvPicPr>
+            <a:picLocks noChangeAspect="1"/>
+          </p:cNvPicPr>
+          <p:nvPr/>
+        </p:nvPicPr>
+        <p:blipFill>
+          <a:blip r:embed="rId4"/>
+          <a:stretch>
+            <a:fillRect/>
+          </a:stretch>
+        </p:blipFill>
+        <p:spPr>
+          <a:xfrm>
+            <a:off x="3236799" y="4493970"/>
+            <a:ext cx="2856092" cy="632421"/>
+          </a:xfrm>
+          <a:prstGeom prst="rect">
+            <a:avLst/>
+          </a:prstGeom>
+        </p:spPr>
+      </p:pic>
+      <p:pic>
+        <p:nvPicPr>
+          <p:cNvPr id="7" name="Imagem 6">
+            <a:extLst>
+              <a:ext uri="{FF2B5EF4-FFF2-40B4-BE49-F238E27FC236}">
+                <a16:creationId xmlns:a16="http://schemas.microsoft.com/office/drawing/2014/main" id="{529ABD7D-AFCF-09D5-B35E-E8C95FC7CC96}"/>
+              </a:ext>
+            </a:extLst>
+          </p:cNvPr>
+          <p:cNvPicPr>
+            <a:picLocks noChangeAspect="1"/>
+          </p:cNvPicPr>
+          <p:nvPr/>
+        </p:nvPicPr>
+        <p:blipFill>
+          <a:blip r:embed="rId5"/>
+          <a:stretch>
+            <a:fillRect/>
+          </a:stretch>
+        </p:blipFill>
+        <p:spPr>
+          <a:xfrm>
+            <a:off x="3172894" y="2122084"/>
+            <a:ext cx="2919997" cy="593898"/>
+          </a:xfrm>
+          <a:prstGeom prst="rect">
+            <a:avLst/>
+          </a:prstGeom>
+        </p:spPr>
+      </p:pic>
+      <p:pic>
+        <p:nvPicPr>
+          <p:cNvPr id="8" name="Imagem 7">
+            <a:extLst>
+              <a:ext uri="{FF2B5EF4-FFF2-40B4-BE49-F238E27FC236}">
+                <a16:creationId xmlns:a16="http://schemas.microsoft.com/office/drawing/2014/main" id="{91BDCFB1-D739-96C5-EF29-0445AD2F6ACD}"/>
+              </a:ext>
+            </a:extLst>
+          </p:cNvPr>
+          <p:cNvPicPr>
+            <a:picLocks noChangeAspect="1"/>
+          </p:cNvPicPr>
+          <p:nvPr/>
+        </p:nvPicPr>
+        <p:blipFill>
+          <a:blip r:embed="rId6"/>
+          <a:stretch>
+            <a:fillRect/>
+          </a:stretch>
+        </p:blipFill>
+        <p:spPr>
+          <a:xfrm>
+            <a:off x="3236799" y="3304453"/>
+            <a:ext cx="2768400" cy="533947"/>
+          </a:xfrm>
+          <a:prstGeom prst="rect">
+            <a:avLst/>
+          </a:prstGeom>
+        </p:spPr>
+      </p:pic>
+      <p:sp>
+        <p:nvSpPr>
+          <p:cNvPr id="12" name="Seta: para Baixo 11">
+            <a:extLst>
+              <a:ext uri="{FF2B5EF4-FFF2-40B4-BE49-F238E27FC236}">
+                <a16:creationId xmlns:a16="http://schemas.microsoft.com/office/drawing/2014/main" id="{45858C10-C9FC-78BF-917D-B5297101F5A7}"/>
+              </a:ext>
+            </a:extLst>
+          </p:cNvPr>
+          <p:cNvSpPr/>
+          <p:nvPr/>
+        </p:nvSpPr>
+        <p:spPr>
+          <a:xfrm>
+            <a:off x="4498961" y="3885182"/>
+            <a:ext cx="220943" cy="523156"/>
+          </a:xfrm>
+          <a:prstGeom prst="downArrow">
+            <a:avLst/>
+          </a:prstGeom>
+        </p:spPr>
+        <p:style>
+          <a:lnRef idx="2">
+            <a:schemeClr val="accent1">
+              <a:shade val="50000"/>
+            </a:schemeClr>
+          </a:lnRef>
+          <a:fillRef idx="1">
+            <a:schemeClr val="accent1"/>
+          </a:fillRef>
+          <a:effectRef idx="0">
+            <a:schemeClr val="accent1"/>
+          </a:effectRef>
+          <a:fontRef idx="minor">
+            <a:schemeClr val="lt1"/>
+          </a:fontRef>
+        </p:style>
+        <p:txBody>
+          <a:bodyPr rtlCol="0" anchor="ctr"/>
+          <a:lstStyle/>
+          <a:p>
+            <a:pPr algn="ctr"/>
+            <a:endParaRPr lang="pt-BR"/>
+          </a:p>
+        </p:txBody>
+      </p:sp>
+      <p:sp>
+        <p:nvSpPr>
+          <p:cNvPr id="13" name="Seta: para Baixo 12">
+            <a:extLst>
+              <a:ext uri="{FF2B5EF4-FFF2-40B4-BE49-F238E27FC236}">
+                <a16:creationId xmlns:a16="http://schemas.microsoft.com/office/drawing/2014/main" id="{5FD540E4-9B2E-2233-5DE3-2085C67BCEB8}"/>
+              </a:ext>
+            </a:extLst>
+          </p:cNvPr>
+          <p:cNvSpPr/>
+          <p:nvPr/>
+        </p:nvSpPr>
+        <p:spPr>
+          <a:xfrm>
+            <a:off x="4502600" y="2734515"/>
+            <a:ext cx="220943" cy="523156"/>
+          </a:xfrm>
+          <a:prstGeom prst="downArrow">
+            <a:avLst/>
+          </a:prstGeom>
+        </p:spPr>
+        <p:style>
+          <a:lnRef idx="2">
+            <a:schemeClr val="accent1">
+              <a:shade val="50000"/>
+            </a:schemeClr>
+          </a:lnRef>
+          <a:fillRef idx="1">
+            <a:schemeClr val="accent1"/>
+          </a:fillRef>
+          <a:effectRef idx="0">
+            <a:schemeClr val="accent1"/>
+          </a:effectRef>
+          <a:fontRef idx="minor">
+            <a:schemeClr val="lt1"/>
+          </a:fontRef>
+        </p:style>
+        <p:txBody>
+          <a:bodyPr rtlCol="0" anchor="ctr"/>
+          <a:lstStyle/>
+          <a:p>
+            <a:pPr algn="ctr"/>
+            <a:endParaRPr lang="pt-BR"/>
           </a:p>
         </p:txBody>
       </p:sp>
@@ -14665,30 +15468,6 @@
               </a:rPr>
               <a:t>Finding Connected Components</a:t>
             </a:r>
-          </a:p>
-          <a:p>
-            <a:pPr marL="673200" lvl="1" indent="-212400">
-              <a:spcAft>
-                <a:spcPts val="1140"/>
-              </a:spcAft>
-              <a:buClr>
-                <a:srgbClr val="000000"/>
-              </a:buClr>
-              <a:buSzPct val="45000"/>
-              <a:buFont typeface="Wingdings" charset="2"/>
-              <a:buChar char=""/>
-            </a:pPr>
-            <a:r>
-              <a:rPr lang="en-US" sz="2000" spc="-1" dirty="0">
-                <a:solidFill>
-                  <a:srgbClr val="1C1C1C"/>
-                </a:solidFill>
-                <a:latin typeface="Calibri" panose="020F0502020204030204" pitchFamily="34" charset="0"/>
-                <a:ea typeface="DejaVu Sans"/>
-                <a:cs typeface="Calibri" panose="020F0502020204030204" pitchFamily="34" charset="0"/>
-              </a:rPr>
-              <a:t>Watershed</a:t>
-            </a:r>
             <a:endParaRPr lang="en-US" sz="2000" strike="noStrike" spc="-1" dirty="0">
               <a:solidFill>
                 <a:srgbClr val="1C1C1C"/>
@@ -14768,7 +15547,7 @@
                 <a:latin typeface="Calibri" panose="020F0502020204030204" pitchFamily="34" charset="0"/>
                 <a:cs typeface="Calibri" panose="020F0502020204030204" pitchFamily="34" charset="0"/>
               </a:rPr>
-              <a:t>Coin Segmentation </a:t>
+              <a:t>License Plate Characters Segmentation </a:t>
             </a:r>
             <a:endParaRPr lang="en-US" sz="2000" strike="noStrike" spc="-1" dirty="0">
               <a:latin typeface="Calibri" panose="020F0502020204030204" pitchFamily="34" charset="0"/>
@@ -15156,8 +15935,8 @@
         </p:blipFill>
         <p:spPr bwMode="auto">
           <a:xfrm>
-            <a:off x="3527856" y="3069664"/>
-            <a:ext cx="3758077" cy="3257000"/>
+            <a:off x="1506607" y="3779837"/>
+            <a:ext cx="2612333" cy="2264022"/>
           </a:xfrm>
           <a:prstGeom prst="rect">
             <a:avLst/>
@@ -15174,6 +15953,188 @@
           </a:extLst>
         </p:spPr>
       </p:pic>
+      <p:pic>
+        <p:nvPicPr>
+          <p:cNvPr id="14" name="Imagem 13">
+            <a:extLst>
+              <a:ext uri="{FF2B5EF4-FFF2-40B4-BE49-F238E27FC236}">
+                <a16:creationId xmlns:a16="http://schemas.microsoft.com/office/drawing/2014/main" id="{84B427BD-2336-DDAC-A5B3-A2615B160415}"/>
+              </a:ext>
+            </a:extLst>
+          </p:cNvPr>
+          <p:cNvPicPr>
+            <a:picLocks noChangeAspect="1"/>
+          </p:cNvPicPr>
+          <p:nvPr/>
+        </p:nvPicPr>
+        <p:blipFill>
+          <a:blip r:embed="rId4"/>
+          <a:stretch>
+            <a:fillRect/>
+          </a:stretch>
+        </p:blipFill>
+        <p:spPr>
+          <a:xfrm>
+            <a:off x="5507990" y="4993781"/>
+            <a:ext cx="4000500" cy="885825"/>
+          </a:xfrm>
+          <a:prstGeom prst="rect">
+            <a:avLst/>
+          </a:prstGeom>
+        </p:spPr>
+      </p:pic>
+      <p:pic>
+        <p:nvPicPr>
+          <p:cNvPr id="16" name="Imagem 15">
+            <a:extLst>
+              <a:ext uri="{FF2B5EF4-FFF2-40B4-BE49-F238E27FC236}">
+                <a16:creationId xmlns:a16="http://schemas.microsoft.com/office/drawing/2014/main" id="{3F7FA454-40F1-D401-25C1-90F1DA1CECFF}"/>
+              </a:ext>
+            </a:extLst>
+          </p:cNvPr>
+          <p:cNvPicPr>
+            <a:picLocks noChangeAspect="1"/>
+          </p:cNvPicPr>
+          <p:nvPr/>
+        </p:nvPicPr>
+        <p:blipFill>
+          <a:blip r:embed="rId5"/>
+          <a:stretch>
+            <a:fillRect/>
+          </a:stretch>
+        </p:blipFill>
+        <p:spPr>
+          <a:xfrm>
+            <a:off x="5220600" y="2109953"/>
+            <a:ext cx="4495800" cy="914400"/>
+          </a:xfrm>
+          <a:prstGeom prst="rect">
+            <a:avLst/>
+          </a:prstGeom>
+        </p:spPr>
+      </p:pic>
+      <p:pic>
+        <p:nvPicPr>
+          <p:cNvPr id="20" name="Imagem 19">
+            <a:extLst>
+              <a:ext uri="{FF2B5EF4-FFF2-40B4-BE49-F238E27FC236}">
+                <a16:creationId xmlns:a16="http://schemas.microsoft.com/office/drawing/2014/main" id="{E1FBE4D0-F07C-E856-C7D1-2134406D301C}"/>
+              </a:ext>
+            </a:extLst>
+          </p:cNvPr>
+          <p:cNvPicPr>
+            <a:picLocks noChangeAspect="1"/>
+          </p:cNvPicPr>
+          <p:nvPr/>
+        </p:nvPicPr>
+        <p:blipFill>
+          <a:blip r:embed="rId6"/>
+          <a:stretch>
+            <a:fillRect/>
+          </a:stretch>
+        </p:blipFill>
+        <p:spPr>
+          <a:xfrm>
+            <a:off x="5220600" y="3538360"/>
+            <a:ext cx="4544059" cy="876422"/>
+          </a:xfrm>
+          <a:prstGeom prst="rect">
+            <a:avLst/>
+          </a:prstGeom>
+        </p:spPr>
+      </p:pic>
+      <p:sp>
+        <p:nvSpPr>
+          <p:cNvPr id="21" name="Seta: para Baixo 20">
+            <a:extLst>
+              <a:ext uri="{FF2B5EF4-FFF2-40B4-BE49-F238E27FC236}">
+                <a16:creationId xmlns:a16="http://schemas.microsoft.com/office/drawing/2014/main" id="{9B792EEF-00E7-9722-D4A0-609BDBEA5A44}"/>
+              </a:ext>
+            </a:extLst>
+          </p:cNvPr>
+          <p:cNvSpPr/>
+          <p:nvPr/>
+        </p:nvSpPr>
+        <p:spPr>
+          <a:xfrm>
+            <a:off x="7386320" y="3066733"/>
+            <a:ext cx="243840" cy="419963"/>
+          </a:xfrm>
+          <a:prstGeom prst="downArrow">
+            <a:avLst/>
+          </a:prstGeom>
+        </p:spPr>
+        <p:style>
+          <a:lnRef idx="2">
+            <a:schemeClr val="accent1">
+              <a:shade val="50000"/>
+            </a:schemeClr>
+          </a:lnRef>
+          <a:fillRef idx="1">
+            <a:schemeClr val="accent1"/>
+          </a:fillRef>
+          <a:effectRef idx="0">
+            <a:schemeClr val="accent1"/>
+          </a:effectRef>
+          <a:fontRef idx="minor">
+            <a:schemeClr val="lt1"/>
+          </a:fontRef>
+        </p:style>
+        <p:txBody>
+          <a:bodyPr rtlCol="0" anchor="ctr"/>
+          <a:lstStyle/>
+          <a:p>
+            <a:pPr algn="ctr"/>
+            <a:endParaRPr lang="pt-BR"/>
+          </a:p>
+        </p:txBody>
+      </p:sp>
+      <p:sp>
+        <p:nvSpPr>
+          <p:cNvPr id="24" name="Seta: para Baixo 23">
+            <a:extLst>
+              <a:ext uri="{FF2B5EF4-FFF2-40B4-BE49-F238E27FC236}">
+                <a16:creationId xmlns:a16="http://schemas.microsoft.com/office/drawing/2014/main" id="{D22861DC-39E8-66F1-C55A-C29341C20A7B}"/>
+              </a:ext>
+            </a:extLst>
+          </p:cNvPr>
+          <p:cNvSpPr/>
+          <p:nvPr/>
+        </p:nvSpPr>
+        <p:spPr>
+          <a:xfrm>
+            <a:off x="7386320" y="4514131"/>
+            <a:ext cx="243840" cy="419963"/>
+          </a:xfrm>
+          <a:prstGeom prst="downArrow">
+            <a:avLst/>
+          </a:prstGeom>
+        </p:spPr>
+        <p:style>
+          <a:lnRef idx="2">
+            <a:schemeClr val="accent1">
+              <a:shade val="50000"/>
+            </a:schemeClr>
+          </a:lnRef>
+          <a:fillRef idx="1">
+            <a:schemeClr val="accent1"/>
+          </a:fillRef>
+          <a:effectRef idx="0">
+            <a:schemeClr val="accent1"/>
+          </a:effectRef>
+          <a:fontRef idx="minor">
+            <a:schemeClr val="lt1"/>
+          </a:fontRef>
+        </p:style>
+        <p:txBody>
+          <a:bodyPr rtlCol="0" anchor="ctr"/>
+          <a:lstStyle/>
+          <a:p>
+            <a:pPr algn="ctr"/>
+            <a:endParaRPr lang="pt-BR"/>
+          </a:p>
+        </p:txBody>
+      </p:sp>
     </p:spTree>
   </p:cSld>
   <p:clrMapOvr>
@@ -16162,165 +17123,6 @@
           </a:p>
         </p:txBody>
       </p:sp>
-      <p:sp>
-        <p:nvSpPr>
-          <p:cNvPr id="2" name="CaixaDeTexto 1">
-            <a:extLst>
-              <a:ext uri="{FF2B5EF4-FFF2-40B4-BE49-F238E27FC236}">
-                <a16:creationId xmlns:a16="http://schemas.microsoft.com/office/drawing/2014/main" id="{D744B707-1B4A-5A5F-CC17-5C9D8382FBD9}"/>
-              </a:ext>
-            </a:extLst>
-          </p:cNvPr>
-          <p:cNvSpPr txBox="1"/>
-          <p:nvPr/>
-        </p:nvSpPr>
-        <p:spPr>
-          <a:xfrm>
-            <a:off x="200025" y="1689990"/>
-            <a:ext cx="9516375" cy="3139321"/>
-          </a:xfrm>
-          <a:prstGeom prst="rect">
-            <a:avLst/>
-          </a:prstGeom>
-          <a:noFill/>
-        </p:spPr>
-        <p:txBody>
-          <a:bodyPr wrap="square" rtlCol="0">
-            <a:spAutoFit/>
-          </a:bodyPr>
-          <a:lstStyle/>
-          <a:p>
-            <a:pPr marL="285750" indent="-285750">
-              <a:buFont typeface="Arial" panose="020B0604020202020204" pitchFamily="34" charset="0"/>
-              <a:buChar char="•"/>
-            </a:pPr>
-            <a:r>
-              <a:rPr lang="en-US" dirty="0">
-                <a:latin typeface="Calibri" panose="020F0502020204030204" pitchFamily="34" charset="0"/>
-                <a:cs typeface="Calibri" panose="020F0502020204030204" pitchFamily="34" charset="0"/>
-              </a:rPr>
-              <a:t>Two passes </a:t>
-            </a:r>
-          </a:p>
-          <a:p>
-            <a:pPr marL="285750" indent="-285750">
-              <a:buFont typeface="Arial" panose="020B0604020202020204" pitchFamily="34" charset="0"/>
-              <a:buChar char="•"/>
-            </a:pPr>
-            <a:r>
-              <a:rPr lang="en-US" dirty="0">
-                <a:latin typeface="Calibri" panose="020F0502020204030204" pitchFamily="34" charset="0"/>
-                <a:cs typeface="Calibri" panose="020F0502020204030204" pitchFamily="34" charset="0"/>
-              </a:rPr>
-              <a:t>For each row:</a:t>
-            </a:r>
-          </a:p>
-          <a:p>
-            <a:pPr marL="742950" lvl="1" indent="-285750">
-              <a:buFont typeface="Arial" panose="020B0604020202020204" pitchFamily="34" charset="0"/>
-              <a:buChar char="•"/>
-            </a:pPr>
-            <a:r>
-              <a:rPr lang="en-US" dirty="0">
-                <a:latin typeface="Calibri" panose="020F0502020204030204" pitchFamily="34" charset="0"/>
-                <a:cs typeface="Calibri" panose="020F0502020204030204" pitchFamily="34" charset="0"/>
-              </a:rPr>
-              <a:t>If the center falls in a non-zero pixel, label it!</a:t>
-            </a:r>
-          </a:p>
-          <a:p>
-            <a:pPr marL="742950" lvl="1" indent="-285750">
-              <a:buFont typeface="Arial" panose="020B0604020202020204" pitchFamily="34" charset="0"/>
-              <a:buChar char="•"/>
-            </a:pPr>
-            <a:r>
-              <a:rPr lang="en-US" dirty="0">
-                <a:latin typeface="Calibri" panose="020F0502020204030204" pitchFamily="34" charset="0"/>
-                <a:cs typeface="Calibri" panose="020F0502020204030204" pitchFamily="34" charset="0"/>
-              </a:rPr>
-              <a:t>Labelling: </a:t>
-            </a:r>
-          </a:p>
-          <a:p>
-            <a:pPr marL="1200150" lvl="2" indent="-285750">
-              <a:buFont typeface="Arial" panose="020B0604020202020204" pitchFamily="34" charset="0"/>
-              <a:buChar char="•"/>
-            </a:pPr>
-            <a:r>
-              <a:rPr lang="en-US" dirty="0">
-                <a:latin typeface="Calibri" panose="020F0502020204030204" pitchFamily="34" charset="0"/>
-                <a:cs typeface="Calibri" panose="020F0502020204030204" pitchFamily="34" charset="0"/>
-              </a:rPr>
-              <a:t>If there no labeled pixels connected, attribute a new label</a:t>
-            </a:r>
-          </a:p>
-          <a:p>
-            <a:pPr marL="1200150" lvl="2" indent="-285750">
-              <a:buFont typeface="Arial" panose="020B0604020202020204" pitchFamily="34" charset="0"/>
-              <a:buChar char="•"/>
-            </a:pPr>
-            <a:r>
-              <a:rPr lang="en-US" dirty="0">
-                <a:latin typeface="Calibri" panose="020F0502020204030204" pitchFamily="34" charset="0"/>
-                <a:cs typeface="Calibri" panose="020F0502020204030204" pitchFamily="34" charset="0"/>
-              </a:rPr>
-              <a:t>Otherwise, attribute the label of its neighbor</a:t>
-            </a:r>
-          </a:p>
-          <a:p>
-            <a:pPr marL="285750" indent="-285750">
-              <a:buFont typeface="Arial" panose="020B0604020202020204" pitchFamily="34" charset="0"/>
-              <a:buChar char="•"/>
-            </a:pPr>
-            <a:r>
-              <a:rPr lang="en-US" b="1" dirty="0">
-                <a:latin typeface="Calibri" panose="020F0502020204030204" pitchFamily="34" charset="0"/>
-                <a:cs typeface="Calibri" panose="020F0502020204030204" pitchFamily="34" charset="0"/>
-              </a:rPr>
-              <a:t>Pass #1: </a:t>
-            </a:r>
-          </a:p>
-          <a:p>
-            <a:pPr marL="742950" lvl="1" indent="-285750">
-              <a:buFont typeface="Arial" panose="020B0604020202020204" pitchFamily="34" charset="0"/>
-              <a:buChar char="•"/>
-            </a:pPr>
-            <a:r>
-              <a:rPr lang="en-US" b="1" dirty="0">
-                <a:latin typeface="Calibri" panose="020F0502020204030204" pitchFamily="34" charset="0"/>
-                <a:cs typeface="Calibri" panose="020F0502020204030204" pitchFamily="34" charset="0"/>
-              </a:rPr>
-              <a:t>ROW #1</a:t>
-            </a:r>
-          </a:p>
-          <a:p>
-            <a:pPr marL="742950" lvl="1" indent="-285750">
-              <a:buFont typeface="Arial" panose="020B0604020202020204" pitchFamily="34" charset="0"/>
-              <a:buChar char="•"/>
-            </a:pPr>
-            <a:endParaRPr lang="en-US" dirty="0">
-              <a:latin typeface="Calibri" panose="020F0502020204030204" pitchFamily="34" charset="0"/>
-              <a:cs typeface="Calibri" panose="020F0502020204030204" pitchFamily="34" charset="0"/>
-            </a:endParaRPr>
-          </a:p>
-          <a:p>
-            <a:pPr marL="742950" lvl="1" indent="-285750">
-              <a:buFont typeface="Arial" panose="020B0604020202020204" pitchFamily="34" charset="0"/>
-              <a:buChar char="•"/>
-            </a:pPr>
-            <a:endParaRPr lang="en-US" dirty="0">
-              <a:latin typeface="Calibri" panose="020F0502020204030204" pitchFamily="34" charset="0"/>
-              <a:cs typeface="Calibri" panose="020F0502020204030204" pitchFamily="34" charset="0"/>
-            </a:endParaRPr>
-          </a:p>
-          <a:p>
-            <a:endParaRPr lang="en-US" dirty="0">
-              <a:latin typeface="Calibri" panose="020F0502020204030204" pitchFamily="34" charset="0"/>
-              <a:cs typeface="Calibri" panose="020F0502020204030204" pitchFamily="34" charset="0"/>
-            </a:endParaRPr>
-          </a:p>
-        </p:txBody>
-      </p:sp>
       <p:pic>
         <p:nvPicPr>
           <p:cNvPr id="1026" name="Picture 2">
@@ -16533,6 +17335,175 @@
           <a:p>
             <a:pPr algn="ctr"/>
             <a:endParaRPr lang="pt-BR"/>
+          </a:p>
+        </p:txBody>
+      </p:sp>
+      <p:sp>
+        <p:nvSpPr>
+          <p:cNvPr id="13" name="CaixaDeTexto 12">
+            <a:extLst>
+              <a:ext uri="{FF2B5EF4-FFF2-40B4-BE49-F238E27FC236}">
+                <a16:creationId xmlns:a16="http://schemas.microsoft.com/office/drawing/2014/main" id="{40B3969A-3478-EBE7-F418-45D528EE10DD}"/>
+              </a:ext>
+            </a:extLst>
+          </p:cNvPr>
+          <p:cNvSpPr txBox="1"/>
+          <p:nvPr/>
+        </p:nvSpPr>
+        <p:spPr>
+          <a:xfrm>
+            <a:off x="200025" y="1689990"/>
+            <a:ext cx="9516375" cy="3416320"/>
+          </a:xfrm>
+          <a:prstGeom prst="rect">
+            <a:avLst/>
+          </a:prstGeom>
+          <a:noFill/>
+        </p:spPr>
+        <p:txBody>
+          <a:bodyPr wrap="square" rtlCol="0">
+            <a:spAutoFit/>
+          </a:bodyPr>
+          <a:lstStyle/>
+          <a:p>
+            <a:pPr marL="285750" indent="-285750">
+              <a:buFont typeface="Arial" panose="020B0604020202020204" pitchFamily="34" charset="0"/>
+              <a:buChar char="•"/>
+            </a:pPr>
+            <a:r>
+              <a:rPr lang="en-US" dirty="0">
+                <a:latin typeface="Calibri" panose="020F0502020204030204" pitchFamily="34" charset="0"/>
+                <a:cs typeface="Calibri" panose="020F0502020204030204" pitchFamily="34" charset="0"/>
+              </a:rPr>
+              <a:t>Sliding a connectivity kernel , row by row ( 2 passes)</a:t>
+            </a:r>
+          </a:p>
+          <a:p>
+            <a:pPr marL="742950" lvl="1" indent="-285750">
+              <a:buFont typeface="Arial" panose="020B0604020202020204" pitchFamily="34" charset="0"/>
+              <a:buChar char="•"/>
+            </a:pPr>
+            <a:r>
+              <a:rPr lang="en-US" dirty="0">
+                <a:latin typeface="Calibri" panose="020F0502020204030204" pitchFamily="34" charset="0"/>
+                <a:cs typeface="Calibri" panose="020F0502020204030204" pitchFamily="34" charset="0"/>
+              </a:rPr>
+              <a:t>If the center falls in a non-zero pixel, label it!</a:t>
+            </a:r>
+          </a:p>
+          <a:p>
+            <a:pPr marL="742950" lvl="1" indent="-285750">
+              <a:buFont typeface="Arial" panose="020B0604020202020204" pitchFamily="34" charset="0"/>
+              <a:buChar char="•"/>
+            </a:pPr>
+            <a:r>
+              <a:rPr lang="en-US" dirty="0">
+                <a:latin typeface="Calibri" panose="020F0502020204030204" pitchFamily="34" charset="0"/>
+                <a:cs typeface="Calibri" panose="020F0502020204030204" pitchFamily="34" charset="0"/>
+              </a:rPr>
+              <a:t>Labeling: </a:t>
+            </a:r>
+          </a:p>
+          <a:p>
+            <a:pPr marL="1200150" lvl="2" indent="-285750">
+              <a:buFont typeface="Arial" panose="020B0604020202020204" pitchFamily="34" charset="0"/>
+              <a:buChar char="•"/>
+            </a:pPr>
+            <a:r>
+              <a:rPr lang="en-US" dirty="0">
+                <a:latin typeface="Calibri" panose="020F0502020204030204" pitchFamily="34" charset="0"/>
+                <a:cs typeface="Calibri" panose="020F0502020204030204" pitchFamily="34" charset="0"/>
+              </a:rPr>
+              <a:t>If there are no labeled pixels connected, attribute a new label</a:t>
+            </a:r>
+          </a:p>
+          <a:p>
+            <a:pPr marL="1200150" lvl="2" indent="-285750">
+              <a:buFont typeface="Arial" panose="020B0604020202020204" pitchFamily="34" charset="0"/>
+              <a:buChar char="•"/>
+            </a:pPr>
+            <a:r>
+              <a:rPr lang="en-US" dirty="0">
+                <a:latin typeface="Calibri" panose="020F0502020204030204" pitchFamily="34" charset="0"/>
+                <a:cs typeface="Calibri" panose="020F0502020204030204" pitchFamily="34" charset="0"/>
+              </a:rPr>
+              <a:t>Otherwise, attribute to it the neighbor´s label.</a:t>
+            </a:r>
+          </a:p>
+          <a:p>
+            <a:pPr marL="1200150" lvl="2" indent="-285750">
+              <a:buFont typeface="Arial" panose="020B0604020202020204" pitchFamily="34" charset="0"/>
+              <a:buChar char="•"/>
+            </a:pPr>
+            <a:r>
+              <a:rPr lang="en-US" dirty="0">
+                <a:latin typeface="Calibri" panose="020F0502020204030204" pitchFamily="34" charset="0"/>
+                <a:cs typeface="Calibri" panose="020F0502020204030204" pitchFamily="34" charset="0"/>
+              </a:rPr>
+              <a:t>A Union-Find structure control adjacent labels (Union-Find)</a:t>
+            </a:r>
+          </a:p>
+          <a:p>
+            <a:pPr marL="285750" indent="-285750">
+              <a:buFont typeface="Arial" panose="020B0604020202020204" pitchFamily="34" charset="0"/>
+              <a:buChar char="•"/>
+            </a:pPr>
+            <a:endParaRPr lang="en-US" b="1" dirty="0">
+              <a:latin typeface="Calibri" panose="020F0502020204030204" pitchFamily="34" charset="0"/>
+              <a:cs typeface="Calibri" panose="020F0502020204030204" pitchFamily="34" charset="0"/>
+            </a:endParaRPr>
+          </a:p>
+          <a:p>
+            <a:pPr marL="285750" indent="-285750">
+              <a:buFont typeface="Arial" panose="020B0604020202020204" pitchFamily="34" charset="0"/>
+              <a:buChar char="•"/>
+            </a:pPr>
+            <a:r>
+              <a:rPr lang="en-US" b="1" dirty="0">
+                <a:latin typeface="Calibri" panose="020F0502020204030204" pitchFamily="34" charset="0"/>
+                <a:cs typeface="Calibri" panose="020F0502020204030204" pitchFamily="34" charset="0"/>
+              </a:rPr>
+              <a:t>Pass #1:</a:t>
+            </a:r>
+          </a:p>
+          <a:p>
+            <a:pPr marL="742950" lvl="1" indent="-285750">
+              <a:buFont typeface="Arial" panose="020B0604020202020204" pitchFamily="34" charset="0"/>
+              <a:buChar char="•"/>
+            </a:pPr>
+            <a:r>
+              <a:rPr lang="en-US" b="1" dirty="0">
+                <a:latin typeface="Calibri" panose="020F0502020204030204" pitchFamily="34" charset="0"/>
+                <a:cs typeface="Calibri" panose="020F0502020204030204" pitchFamily="34" charset="0"/>
+              </a:rPr>
+              <a:t>Row #1</a:t>
+            </a:r>
+          </a:p>
+          <a:p>
+            <a:pPr marL="742950" lvl="1" indent="-285750">
+              <a:buFont typeface="Arial" panose="020B0604020202020204" pitchFamily="34" charset="0"/>
+              <a:buChar char="•"/>
+            </a:pPr>
+            <a:endParaRPr lang="en-US" dirty="0">
+              <a:latin typeface="Calibri" panose="020F0502020204030204" pitchFamily="34" charset="0"/>
+              <a:cs typeface="Calibri" panose="020F0502020204030204" pitchFamily="34" charset="0"/>
+            </a:endParaRPr>
+          </a:p>
+          <a:p>
+            <a:pPr marL="742950" lvl="1" indent="-285750">
+              <a:buFont typeface="Arial" panose="020B0604020202020204" pitchFamily="34" charset="0"/>
+              <a:buChar char="•"/>
+            </a:pPr>
+            <a:endParaRPr lang="en-US" dirty="0">
+              <a:latin typeface="Calibri" panose="020F0502020204030204" pitchFamily="34" charset="0"/>
+              <a:cs typeface="Calibri" panose="020F0502020204030204" pitchFamily="34" charset="0"/>
+            </a:endParaRPr>
+          </a:p>
+          <a:p>
+            <a:endParaRPr lang="en-US" dirty="0">
+              <a:latin typeface="Calibri" panose="020F0502020204030204" pitchFamily="34" charset="0"/>
+              <a:cs typeface="Calibri" panose="020F0502020204030204" pitchFamily="34" charset="0"/>
+            </a:endParaRPr>
           </a:p>
         </p:txBody>
       </p:sp>
@@ -16787,165 +17758,6 @@
           </a:p>
         </p:txBody>
       </p:sp>
-      <p:sp>
-        <p:nvSpPr>
-          <p:cNvPr id="2" name="CaixaDeTexto 1">
-            <a:extLst>
-              <a:ext uri="{FF2B5EF4-FFF2-40B4-BE49-F238E27FC236}">
-                <a16:creationId xmlns:a16="http://schemas.microsoft.com/office/drawing/2014/main" id="{D744B707-1B4A-5A5F-CC17-5C9D8382FBD9}"/>
-              </a:ext>
-            </a:extLst>
-          </p:cNvPr>
-          <p:cNvSpPr txBox="1"/>
-          <p:nvPr/>
-        </p:nvSpPr>
-        <p:spPr>
-          <a:xfrm>
-            <a:off x="200025" y="1703242"/>
-            <a:ext cx="9516375" cy="3139321"/>
-          </a:xfrm>
-          <a:prstGeom prst="rect">
-            <a:avLst/>
-          </a:prstGeom>
-          <a:noFill/>
-        </p:spPr>
-        <p:txBody>
-          <a:bodyPr wrap="square" rtlCol="0">
-            <a:spAutoFit/>
-          </a:bodyPr>
-          <a:lstStyle/>
-          <a:p>
-            <a:pPr marL="285750" indent="-285750">
-              <a:buFont typeface="Arial" panose="020B0604020202020204" pitchFamily="34" charset="0"/>
-              <a:buChar char="•"/>
-            </a:pPr>
-            <a:r>
-              <a:rPr lang="en-US" dirty="0">
-                <a:latin typeface="Calibri" panose="020F0502020204030204" pitchFamily="34" charset="0"/>
-                <a:cs typeface="Calibri" panose="020F0502020204030204" pitchFamily="34" charset="0"/>
-              </a:rPr>
-              <a:t>Two passes </a:t>
-            </a:r>
-          </a:p>
-          <a:p>
-            <a:pPr marL="285750" indent="-285750">
-              <a:buFont typeface="Arial" panose="020B0604020202020204" pitchFamily="34" charset="0"/>
-              <a:buChar char="•"/>
-            </a:pPr>
-            <a:r>
-              <a:rPr lang="en-US" dirty="0">
-                <a:latin typeface="Calibri" panose="020F0502020204030204" pitchFamily="34" charset="0"/>
-                <a:cs typeface="Calibri" panose="020F0502020204030204" pitchFamily="34" charset="0"/>
-              </a:rPr>
-              <a:t>For each row:</a:t>
-            </a:r>
-          </a:p>
-          <a:p>
-            <a:pPr marL="742950" lvl="1" indent="-285750">
-              <a:buFont typeface="Arial" panose="020B0604020202020204" pitchFamily="34" charset="0"/>
-              <a:buChar char="•"/>
-            </a:pPr>
-            <a:r>
-              <a:rPr lang="en-US" dirty="0">
-                <a:latin typeface="Calibri" panose="020F0502020204030204" pitchFamily="34" charset="0"/>
-                <a:cs typeface="Calibri" panose="020F0502020204030204" pitchFamily="34" charset="0"/>
-              </a:rPr>
-              <a:t>If the center falls in a non-zero pixel, label it!</a:t>
-            </a:r>
-          </a:p>
-          <a:p>
-            <a:pPr marL="742950" lvl="1" indent="-285750">
-              <a:buFont typeface="Arial" panose="020B0604020202020204" pitchFamily="34" charset="0"/>
-              <a:buChar char="•"/>
-            </a:pPr>
-            <a:r>
-              <a:rPr lang="en-US" dirty="0">
-                <a:latin typeface="Calibri" panose="020F0502020204030204" pitchFamily="34" charset="0"/>
-                <a:cs typeface="Calibri" panose="020F0502020204030204" pitchFamily="34" charset="0"/>
-              </a:rPr>
-              <a:t>Labelling: </a:t>
-            </a:r>
-          </a:p>
-          <a:p>
-            <a:pPr marL="1200150" lvl="2" indent="-285750">
-              <a:buFont typeface="Arial" panose="020B0604020202020204" pitchFamily="34" charset="0"/>
-              <a:buChar char="•"/>
-            </a:pPr>
-            <a:r>
-              <a:rPr lang="en-US" dirty="0">
-                <a:latin typeface="Calibri" panose="020F0502020204030204" pitchFamily="34" charset="0"/>
-                <a:cs typeface="Calibri" panose="020F0502020204030204" pitchFamily="34" charset="0"/>
-              </a:rPr>
-              <a:t>If there no labeled pixels connected, attribute a new label</a:t>
-            </a:r>
-          </a:p>
-          <a:p>
-            <a:pPr marL="1200150" lvl="2" indent="-285750">
-              <a:buFont typeface="Arial" panose="020B0604020202020204" pitchFamily="34" charset="0"/>
-              <a:buChar char="•"/>
-            </a:pPr>
-            <a:r>
-              <a:rPr lang="en-US" dirty="0">
-                <a:latin typeface="Calibri" panose="020F0502020204030204" pitchFamily="34" charset="0"/>
-                <a:cs typeface="Calibri" panose="020F0502020204030204" pitchFamily="34" charset="0"/>
-              </a:rPr>
-              <a:t>Otherwise, attribute the label of its neighbor</a:t>
-            </a:r>
-          </a:p>
-          <a:p>
-            <a:pPr marL="285750" indent="-285750">
-              <a:buFont typeface="Arial" panose="020B0604020202020204" pitchFamily="34" charset="0"/>
-              <a:buChar char="•"/>
-            </a:pPr>
-            <a:r>
-              <a:rPr lang="en-US" b="1" dirty="0">
-                <a:latin typeface="Calibri" panose="020F0502020204030204" pitchFamily="34" charset="0"/>
-                <a:cs typeface="Calibri" panose="020F0502020204030204" pitchFamily="34" charset="0"/>
-              </a:rPr>
-              <a:t>Pass #1: </a:t>
-            </a:r>
-          </a:p>
-          <a:p>
-            <a:pPr marL="742950" lvl="1" indent="-285750">
-              <a:buFont typeface="Arial" panose="020B0604020202020204" pitchFamily="34" charset="0"/>
-              <a:buChar char="•"/>
-            </a:pPr>
-            <a:r>
-              <a:rPr lang="en-US" b="1" dirty="0">
-                <a:latin typeface="Calibri" panose="020F0502020204030204" pitchFamily="34" charset="0"/>
-                <a:cs typeface="Calibri" panose="020F0502020204030204" pitchFamily="34" charset="0"/>
-              </a:rPr>
-              <a:t>ROW #1</a:t>
-            </a:r>
-          </a:p>
-          <a:p>
-            <a:pPr marL="742950" lvl="1" indent="-285750">
-              <a:buFont typeface="Arial" panose="020B0604020202020204" pitchFamily="34" charset="0"/>
-              <a:buChar char="•"/>
-            </a:pPr>
-            <a:endParaRPr lang="en-US" dirty="0">
-              <a:latin typeface="Calibri" panose="020F0502020204030204" pitchFamily="34" charset="0"/>
-              <a:cs typeface="Calibri" panose="020F0502020204030204" pitchFamily="34" charset="0"/>
-            </a:endParaRPr>
-          </a:p>
-          <a:p>
-            <a:pPr marL="742950" lvl="1" indent="-285750">
-              <a:buFont typeface="Arial" panose="020B0604020202020204" pitchFamily="34" charset="0"/>
-              <a:buChar char="•"/>
-            </a:pPr>
-            <a:endParaRPr lang="en-US" dirty="0">
-              <a:latin typeface="Calibri" panose="020F0502020204030204" pitchFamily="34" charset="0"/>
-              <a:cs typeface="Calibri" panose="020F0502020204030204" pitchFamily="34" charset="0"/>
-            </a:endParaRPr>
-          </a:p>
-          <a:p>
-            <a:endParaRPr lang="en-US" dirty="0">
-              <a:latin typeface="Calibri" panose="020F0502020204030204" pitchFamily="34" charset="0"/>
-              <a:cs typeface="Calibri" panose="020F0502020204030204" pitchFamily="34" charset="0"/>
-            </a:endParaRPr>
-          </a:p>
-        </p:txBody>
-      </p:sp>
       <p:pic>
         <p:nvPicPr>
           <p:cNvPr id="1026" name="Picture 2">
@@ -17161,6 +17973,175 @@
           </a:prstGeom>
         </p:spPr>
       </p:pic>
+      <p:sp>
+        <p:nvSpPr>
+          <p:cNvPr id="16" name="CaixaDeTexto 15">
+            <a:extLst>
+              <a:ext uri="{FF2B5EF4-FFF2-40B4-BE49-F238E27FC236}">
+                <a16:creationId xmlns:a16="http://schemas.microsoft.com/office/drawing/2014/main" id="{89D3A44C-39A6-8F84-190F-8160AAD30B0F}"/>
+              </a:ext>
+            </a:extLst>
+          </p:cNvPr>
+          <p:cNvSpPr txBox="1"/>
+          <p:nvPr/>
+        </p:nvSpPr>
+        <p:spPr>
+          <a:xfrm>
+            <a:off x="200025" y="1689990"/>
+            <a:ext cx="9516375" cy="3416320"/>
+          </a:xfrm>
+          <a:prstGeom prst="rect">
+            <a:avLst/>
+          </a:prstGeom>
+          <a:noFill/>
+        </p:spPr>
+        <p:txBody>
+          <a:bodyPr wrap="square" rtlCol="0">
+            <a:spAutoFit/>
+          </a:bodyPr>
+          <a:lstStyle/>
+          <a:p>
+            <a:pPr marL="285750" indent="-285750">
+              <a:buFont typeface="Arial" panose="020B0604020202020204" pitchFamily="34" charset="0"/>
+              <a:buChar char="•"/>
+            </a:pPr>
+            <a:r>
+              <a:rPr lang="en-US" dirty="0">
+                <a:latin typeface="Calibri" panose="020F0502020204030204" pitchFamily="34" charset="0"/>
+                <a:cs typeface="Calibri" panose="020F0502020204030204" pitchFamily="34" charset="0"/>
+              </a:rPr>
+              <a:t>Sliding a connectivity kernel , row by row ( 2 passes)</a:t>
+            </a:r>
+          </a:p>
+          <a:p>
+            <a:pPr marL="742950" lvl="1" indent="-285750">
+              <a:buFont typeface="Arial" panose="020B0604020202020204" pitchFamily="34" charset="0"/>
+              <a:buChar char="•"/>
+            </a:pPr>
+            <a:r>
+              <a:rPr lang="en-US" dirty="0">
+                <a:latin typeface="Calibri" panose="020F0502020204030204" pitchFamily="34" charset="0"/>
+                <a:cs typeface="Calibri" panose="020F0502020204030204" pitchFamily="34" charset="0"/>
+              </a:rPr>
+              <a:t>If the center falls in a non-zero pixel, label it!</a:t>
+            </a:r>
+          </a:p>
+          <a:p>
+            <a:pPr marL="742950" lvl="1" indent="-285750">
+              <a:buFont typeface="Arial" panose="020B0604020202020204" pitchFamily="34" charset="0"/>
+              <a:buChar char="•"/>
+            </a:pPr>
+            <a:r>
+              <a:rPr lang="en-US" dirty="0">
+                <a:latin typeface="Calibri" panose="020F0502020204030204" pitchFamily="34" charset="0"/>
+                <a:cs typeface="Calibri" panose="020F0502020204030204" pitchFamily="34" charset="0"/>
+              </a:rPr>
+              <a:t>Labeling: </a:t>
+            </a:r>
+          </a:p>
+          <a:p>
+            <a:pPr marL="1200150" lvl="2" indent="-285750">
+              <a:buFont typeface="Arial" panose="020B0604020202020204" pitchFamily="34" charset="0"/>
+              <a:buChar char="•"/>
+            </a:pPr>
+            <a:r>
+              <a:rPr lang="en-US" dirty="0">
+                <a:latin typeface="Calibri" panose="020F0502020204030204" pitchFamily="34" charset="0"/>
+                <a:cs typeface="Calibri" panose="020F0502020204030204" pitchFamily="34" charset="0"/>
+              </a:rPr>
+              <a:t>If there are no labeled pixels connected, attribute a new label</a:t>
+            </a:r>
+          </a:p>
+          <a:p>
+            <a:pPr marL="1200150" lvl="2" indent="-285750">
+              <a:buFont typeface="Arial" panose="020B0604020202020204" pitchFamily="34" charset="0"/>
+              <a:buChar char="•"/>
+            </a:pPr>
+            <a:r>
+              <a:rPr lang="en-US" dirty="0">
+                <a:latin typeface="Calibri" panose="020F0502020204030204" pitchFamily="34" charset="0"/>
+                <a:cs typeface="Calibri" panose="020F0502020204030204" pitchFamily="34" charset="0"/>
+              </a:rPr>
+              <a:t>Otherwise, attribute to it the neighbor´s label.</a:t>
+            </a:r>
+          </a:p>
+          <a:p>
+            <a:pPr marL="1200150" lvl="2" indent="-285750">
+              <a:buFont typeface="Arial" panose="020B0604020202020204" pitchFamily="34" charset="0"/>
+              <a:buChar char="•"/>
+            </a:pPr>
+            <a:r>
+              <a:rPr lang="en-US" dirty="0">
+                <a:latin typeface="Calibri" panose="020F0502020204030204" pitchFamily="34" charset="0"/>
+                <a:cs typeface="Calibri" panose="020F0502020204030204" pitchFamily="34" charset="0"/>
+              </a:rPr>
+              <a:t>A Union-Find structure control adjacent labels (Union-Find)</a:t>
+            </a:r>
+          </a:p>
+          <a:p>
+            <a:pPr marL="285750" indent="-285750">
+              <a:buFont typeface="Arial" panose="020B0604020202020204" pitchFamily="34" charset="0"/>
+              <a:buChar char="•"/>
+            </a:pPr>
+            <a:endParaRPr lang="en-US" b="1" dirty="0">
+              <a:latin typeface="Calibri" panose="020F0502020204030204" pitchFamily="34" charset="0"/>
+              <a:cs typeface="Calibri" panose="020F0502020204030204" pitchFamily="34" charset="0"/>
+            </a:endParaRPr>
+          </a:p>
+          <a:p>
+            <a:pPr marL="285750" indent="-285750">
+              <a:buFont typeface="Arial" panose="020B0604020202020204" pitchFamily="34" charset="0"/>
+              <a:buChar char="•"/>
+            </a:pPr>
+            <a:r>
+              <a:rPr lang="en-US" b="1" dirty="0">
+                <a:latin typeface="Calibri" panose="020F0502020204030204" pitchFamily="34" charset="0"/>
+                <a:cs typeface="Calibri" panose="020F0502020204030204" pitchFamily="34" charset="0"/>
+              </a:rPr>
+              <a:t>Pass #1:</a:t>
+            </a:r>
+          </a:p>
+          <a:p>
+            <a:pPr marL="742950" lvl="1" indent="-285750">
+              <a:buFont typeface="Arial" panose="020B0604020202020204" pitchFamily="34" charset="0"/>
+              <a:buChar char="•"/>
+            </a:pPr>
+            <a:r>
+              <a:rPr lang="en-US" b="1" dirty="0">
+                <a:latin typeface="Calibri" panose="020F0502020204030204" pitchFamily="34" charset="0"/>
+                <a:cs typeface="Calibri" panose="020F0502020204030204" pitchFamily="34" charset="0"/>
+              </a:rPr>
+              <a:t>Row #1</a:t>
+            </a:r>
+          </a:p>
+          <a:p>
+            <a:pPr marL="742950" lvl="1" indent="-285750">
+              <a:buFont typeface="Arial" panose="020B0604020202020204" pitchFamily="34" charset="0"/>
+              <a:buChar char="•"/>
+            </a:pPr>
+            <a:endParaRPr lang="en-US" dirty="0">
+              <a:latin typeface="Calibri" panose="020F0502020204030204" pitchFamily="34" charset="0"/>
+              <a:cs typeface="Calibri" panose="020F0502020204030204" pitchFamily="34" charset="0"/>
+            </a:endParaRPr>
+          </a:p>
+          <a:p>
+            <a:pPr marL="742950" lvl="1" indent="-285750">
+              <a:buFont typeface="Arial" panose="020B0604020202020204" pitchFamily="34" charset="0"/>
+              <a:buChar char="•"/>
+            </a:pPr>
+            <a:endParaRPr lang="en-US" dirty="0">
+              <a:latin typeface="Calibri" panose="020F0502020204030204" pitchFamily="34" charset="0"/>
+              <a:cs typeface="Calibri" panose="020F0502020204030204" pitchFamily="34" charset="0"/>
+            </a:endParaRPr>
+          </a:p>
+          <a:p>
+            <a:endParaRPr lang="en-US" dirty="0">
+              <a:latin typeface="Calibri" panose="020F0502020204030204" pitchFamily="34" charset="0"/>
+              <a:cs typeface="Calibri" panose="020F0502020204030204" pitchFamily="34" charset="0"/>
+            </a:endParaRPr>
+          </a:p>
+        </p:txBody>
+      </p:sp>
     </p:spTree>
     <p:extLst>
       <p:ext uri="{BB962C8B-B14F-4D97-AF65-F5344CB8AC3E}">
@@ -17412,165 +18393,6 @@
           </a:p>
         </p:txBody>
       </p:sp>
-      <p:sp>
-        <p:nvSpPr>
-          <p:cNvPr id="2" name="CaixaDeTexto 1">
-            <a:extLst>
-              <a:ext uri="{FF2B5EF4-FFF2-40B4-BE49-F238E27FC236}">
-                <a16:creationId xmlns:a16="http://schemas.microsoft.com/office/drawing/2014/main" id="{D744B707-1B4A-5A5F-CC17-5C9D8382FBD9}"/>
-              </a:ext>
-            </a:extLst>
-          </p:cNvPr>
-          <p:cNvSpPr txBox="1"/>
-          <p:nvPr/>
-        </p:nvSpPr>
-        <p:spPr>
-          <a:xfrm>
-            <a:off x="200025" y="1703242"/>
-            <a:ext cx="9516375" cy="3139321"/>
-          </a:xfrm>
-          <a:prstGeom prst="rect">
-            <a:avLst/>
-          </a:prstGeom>
-          <a:noFill/>
-        </p:spPr>
-        <p:txBody>
-          <a:bodyPr wrap="square" rtlCol="0">
-            <a:spAutoFit/>
-          </a:bodyPr>
-          <a:lstStyle/>
-          <a:p>
-            <a:pPr marL="285750" indent="-285750">
-              <a:buFont typeface="Arial" panose="020B0604020202020204" pitchFamily="34" charset="0"/>
-              <a:buChar char="•"/>
-            </a:pPr>
-            <a:r>
-              <a:rPr lang="en-US" dirty="0">
-                <a:latin typeface="Calibri" panose="020F0502020204030204" pitchFamily="34" charset="0"/>
-                <a:cs typeface="Calibri" panose="020F0502020204030204" pitchFamily="34" charset="0"/>
-              </a:rPr>
-              <a:t>Two passes </a:t>
-            </a:r>
-          </a:p>
-          <a:p>
-            <a:pPr marL="285750" indent="-285750">
-              <a:buFont typeface="Arial" panose="020B0604020202020204" pitchFamily="34" charset="0"/>
-              <a:buChar char="•"/>
-            </a:pPr>
-            <a:r>
-              <a:rPr lang="en-US" dirty="0">
-                <a:latin typeface="Calibri" panose="020F0502020204030204" pitchFamily="34" charset="0"/>
-                <a:cs typeface="Calibri" panose="020F0502020204030204" pitchFamily="34" charset="0"/>
-              </a:rPr>
-              <a:t>For each row:</a:t>
-            </a:r>
-          </a:p>
-          <a:p>
-            <a:pPr marL="742950" lvl="1" indent="-285750">
-              <a:buFont typeface="Arial" panose="020B0604020202020204" pitchFamily="34" charset="0"/>
-              <a:buChar char="•"/>
-            </a:pPr>
-            <a:r>
-              <a:rPr lang="en-US" dirty="0">
-                <a:latin typeface="Calibri" panose="020F0502020204030204" pitchFamily="34" charset="0"/>
-                <a:cs typeface="Calibri" panose="020F0502020204030204" pitchFamily="34" charset="0"/>
-              </a:rPr>
-              <a:t>If the center falls in a non-zero pixel, label it!</a:t>
-            </a:r>
-          </a:p>
-          <a:p>
-            <a:pPr marL="742950" lvl="1" indent="-285750">
-              <a:buFont typeface="Arial" panose="020B0604020202020204" pitchFamily="34" charset="0"/>
-              <a:buChar char="•"/>
-            </a:pPr>
-            <a:r>
-              <a:rPr lang="en-US" dirty="0">
-                <a:latin typeface="Calibri" panose="020F0502020204030204" pitchFamily="34" charset="0"/>
-                <a:cs typeface="Calibri" panose="020F0502020204030204" pitchFamily="34" charset="0"/>
-              </a:rPr>
-              <a:t>Labelling: </a:t>
-            </a:r>
-          </a:p>
-          <a:p>
-            <a:pPr marL="1200150" lvl="2" indent="-285750">
-              <a:buFont typeface="Arial" panose="020B0604020202020204" pitchFamily="34" charset="0"/>
-              <a:buChar char="•"/>
-            </a:pPr>
-            <a:r>
-              <a:rPr lang="en-US" dirty="0">
-                <a:latin typeface="Calibri" panose="020F0502020204030204" pitchFamily="34" charset="0"/>
-                <a:cs typeface="Calibri" panose="020F0502020204030204" pitchFamily="34" charset="0"/>
-              </a:rPr>
-              <a:t>If there no labeled pixels connected, attribute a new label</a:t>
-            </a:r>
-          </a:p>
-          <a:p>
-            <a:pPr marL="1200150" lvl="2" indent="-285750">
-              <a:buFont typeface="Arial" panose="020B0604020202020204" pitchFamily="34" charset="0"/>
-              <a:buChar char="•"/>
-            </a:pPr>
-            <a:r>
-              <a:rPr lang="en-US" dirty="0">
-                <a:latin typeface="Calibri" panose="020F0502020204030204" pitchFamily="34" charset="0"/>
-                <a:cs typeface="Calibri" panose="020F0502020204030204" pitchFamily="34" charset="0"/>
-              </a:rPr>
-              <a:t>Otherwise, attribute the label of its neighbor</a:t>
-            </a:r>
-          </a:p>
-          <a:p>
-            <a:pPr marL="285750" indent="-285750">
-              <a:buFont typeface="Arial" panose="020B0604020202020204" pitchFamily="34" charset="0"/>
-              <a:buChar char="•"/>
-            </a:pPr>
-            <a:r>
-              <a:rPr lang="en-US" b="1" dirty="0">
-                <a:latin typeface="Calibri" panose="020F0502020204030204" pitchFamily="34" charset="0"/>
-                <a:cs typeface="Calibri" panose="020F0502020204030204" pitchFamily="34" charset="0"/>
-              </a:rPr>
-              <a:t>Pass #1: </a:t>
-            </a:r>
-          </a:p>
-          <a:p>
-            <a:pPr marL="742950" lvl="1" indent="-285750">
-              <a:buFont typeface="Arial" panose="020B0604020202020204" pitchFamily="34" charset="0"/>
-              <a:buChar char="•"/>
-            </a:pPr>
-            <a:r>
-              <a:rPr lang="en-US" b="1" dirty="0">
-                <a:latin typeface="Calibri" panose="020F0502020204030204" pitchFamily="34" charset="0"/>
-                <a:cs typeface="Calibri" panose="020F0502020204030204" pitchFamily="34" charset="0"/>
-              </a:rPr>
-              <a:t>ROW #1</a:t>
-            </a:r>
-          </a:p>
-          <a:p>
-            <a:pPr marL="742950" lvl="1" indent="-285750">
-              <a:buFont typeface="Arial" panose="020B0604020202020204" pitchFamily="34" charset="0"/>
-              <a:buChar char="•"/>
-            </a:pPr>
-            <a:endParaRPr lang="en-US" dirty="0">
-              <a:latin typeface="Calibri" panose="020F0502020204030204" pitchFamily="34" charset="0"/>
-              <a:cs typeface="Calibri" panose="020F0502020204030204" pitchFamily="34" charset="0"/>
-            </a:endParaRPr>
-          </a:p>
-          <a:p>
-            <a:pPr marL="742950" lvl="1" indent="-285750">
-              <a:buFont typeface="Arial" panose="020B0604020202020204" pitchFamily="34" charset="0"/>
-              <a:buChar char="•"/>
-            </a:pPr>
-            <a:endParaRPr lang="en-US" dirty="0">
-              <a:latin typeface="Calibri" panose="020F0502020204030204" pitchFamily="34" charset="0"/>
-              <a:cs typeface="Calibri" panose="020F0502020204030204" pitchFamily="34" charset="0"/>
-            </a:endParaRPr>
-          </a:p>
-          <a:p>
-            <a:endParaRPr lang="en-US" dirty="0">
-              <a:latin typeface="Calibri" panose="020F0502020204030204" pitchFamily="34" charset="0"/>
-              <a:cs typeface="Calibri" panose="020F0502020204030204" pitchFamily="34" charset="0"/>
-            </a:endParaRPr>
-          </a:p>
-        </p:txBody>
-      </p:sp>
       <p:pic>
         <p:nvPicPr>
           <p:cNvPr id="1026" name="Picture 2">
@@ -17687,7 +18509,7 @@
         </p:blipFill>
         <p:spPr>
           <a:xfrm>
-            <a:off x="3046084" y="3416208"/>
+            <a:off x="3046084" y="3436528"/>
             <a:ext cx="778409" cy="767289"/>
           </a:xfrm>
           <a:prstGeom prst="rect">
@@ -17833,6 +18655,175 @@
           </a:extLst>
         </p:spPr>
       </p:pic>
+      <p:sp>
+        <p:nvSpPr>
+          <p:cNvPr id="14" name="CaixaDeTexto 13">
+            <a:extLst>
+              <a:ext uri="{FF2B5EF4-FFF2-40B4-BE49-F238E27FC236}">
+                <a16:creationId xmlns:a16="http://schemas.microsoft.com/office/drawing/2014/main" id="{678A2A22-8FB8-141D-3410-D86611352DBC}"/>
+              </a:ext>
+            </a:extLst>
+          </p:cNvPr>
+          <p:cNvSpPr txBox="1"/>
+          <p:nvPr/>
+        </p:nvSpPr>
+        <p:spPr>
+          <a:xfrm>
+            <a:off x="200025" y="1689990"/>
+            <a:ext cx="9516375" cy="3416320"/>
+          </a:xfrm>
+          <a:prstGeom prst="rect">
+            <a:avLst/>
+          </a:prstGeom>
+          <a:noFill/>
+        </p:spPr>
+        <p:txBody>
+          <a:bodyPr wrap="square" rtlCol="0">
+            <a:spAutoFit/>
+          </a:bodyPr>
+          <a:lstStyle/>
+          <a:p>
+            <a:pPr marL="285750" indent="-285750">
+              <a:buFont typeface="Arial" panose="020B0604020202020204" pitchFamily="34" charset="0"/>
+              <a:buChar char="•"/>
+            </a:pPr>
+            <a:r>
+              <a:rPr lang="en-US" dirty="0">
+                <a:latin typeface="Calibri" panose="020F0502020204030204" pitchFamily="34" charset="0"/>
+                <a:cs typeface="Calibri" panose="020F0502020204030204" pitchFamily="34" charset="0"/>
+              </a:rPr>
+              <a:t>Sliding a connectivity kernel , row by row ( 2 passes)</a:t>
+            </a:r>
+          </a:p>
+          <a:p>
+            <a:pPr marL="742950" lvl="1" indent="-285750">
+              <a:buFont typeface="Arial" panose="020B0604020202020204" pitchFamily="34" charset="0"/>
+              <a:buChar char="•"/>
+            </a:pPr>
+            <a:r>
+              <a:rPr lang="en-US" dirty="0">
+                <a:latin typeface="Calibri" panose="020F0502020204030204" pitchFamily="34" charset="0"/>
+                <a:cs typeface="Calibri" panose="020F0502020204030204" pitchFamily="34" charset="0"/>
+              </a:rPr>
+              <a:t>If the center falls in a non-zero pixel, label it!</a:t>
+            </a:r>
+          </a:p>
+          <a:p>
+            <a:pPr marL="742950" lvl="1" indent="-285750">
+              <a:buFont typeface="Arial" panose="020B0604020202020204" pitchFamily="34" charset="0"/>
+              <a:buChar char="•"/>
+            </a:pPr>
+            <a:r>
+              <a:rPr lang="en-US" dirty="0">
+                <a:latin typeface="Calibri" panose="020F0502020204030204" pitchFamily="34" charset="0"/>
+                <a:cs typeface="Calibri" panose="020F0502020204030204" pitchFamily="34" charset="0"/>
+              </a:rPr>
+              <a:t>Labeling: </a:t>
+            </a:r>
+          </a:p>
+          <a:p>
+            <a:pPr marL="1200150" lvl="2" indent="-285750">
+              <a:buFont typeface="Arial" panose="020B0604020202020204" pitchFamily="34" charset="0"/>
+              <a:buChar char="•"/>
+            </a:pPr>
+            <a:r>
+              <a:rPr lang="en-US" dirty="0">
+                <a:latin typeface="Calibri" panose="020F0502020204030204" pitchFamily="34" charset="0"/>
+                <a:cs typeface="Calibri" panose="020F0502020204030204" pitchFamily="34" charset="0"/>
+              </a:rPr>
+              <a:t>If there are no labeled pixels connected, attribute a new label</a:t>
+            </a:r>
+          </a:p>
+          <a:p>
+            <a:pPr marL="1200150" lvl="2" indent="-285750">
+              <a:buFont typeface="Arial" panose="020B0604020202020204" pitchFamily="34" charset="0"/>
+              <a:buChar char="•"/>
+            </a:pPr>
+            <a:r>
+              <a:rPr lang="en-US" dirty="0">
+                <a:latin typeface="Calibri" panose="020F0502020204030204" pitchFamily="34" charset="0"/>
+                <a:cs typeface="Calibri" panose="020F0502020204030204" pitchFamily="34" charset="0"/>
+              </a:rPr>
+              <a:t>Otherwise, attribute to it the neighbor´s label.</a:t>
+            </a:r>
+          </a:p>
+          <a:p>
+            <a:pPr marL="1200150" lvl="2" indent="-285750">
+              <a:buFont typeface="Arial" panose="020B0604020202020204" pitchFamily="34" charset="0"/>
+              <a:buChar char="•"/>
+            </a:pPr>
+            <a:r>
+              <a:rPr lang="en-US" dirty="0">
+                <a:latin typeface="Calibri" panose="020F0502020204030204" pitchFamily="34" charset="0"/>
+                <a:cs typeface="Calibri" panose="020F0502020204030204" pitchFamily="34" charset="0"/>
+              </a:rPr>
+              <a:t>A Union-Find structure control adjacent labels (Union-Find)</a:t>
+            </a:r>
+          </a:p>
+          <a:p>
+            <a:pPr marL="285750" indent="-285750">
+              <a:buFont typeface="Arial" panose="020B0604020202020204" pitchFamily="34" charset="0"/>
+              <a:buChar char="•"/>
+            </a:pPr>
+            <a:endParaRPr lang="en-US" b="1" dirty="0">
+              <a:latin typeface="Calibri" panose="020F0502020204030204" pitchFamily="34" charset="0"/>
+              <a:cs typeface="Calibri" panose="020F0502020204030204" pitchFamily="34" charset="0"/>
+            </a:endParaRPr>
+          </a:p>
+          <a:p>
+            <a:pPr marL="285750" indent="-285750">
+              <a:buFont typeface="Arial" panose="020B0604020202020204" pitchFamily="34" charset="0"/>
+              <a:buChar char="•"/>
+            </a:pPr>
+            <a:r>
+              <a:rPr lang="en-US" b="1" dirty="0">
+                <a:latin typeface="Calibri" panose="020F0502020204030204" pitchFamily="34" charset="0"/>
+                <a:cs typeface="Calibri" panose="020F0502020204030204" pitchFamily="34" charset="0"/>
+              </a:rPr>
+              <a:t>Pass #1:</a:t>
+            </a:r>
+          </a:p>
+          <a:p>
+            <a:pPr marL="742950" lvl="1" indent="-285750">
+              <a:buFont typeface="Arial" panose="020B0604020202020204" pitchFamily="34" charset="0"/>
+              <a:buChar char="•"/>
+            </a:pPr>
+            <a:r>
+              <a:rPr lang="en-US" b="1" dirty="0">
+                <a:latin typeface="Calibri" panose="020F0502020204030204" pitchFamily="34" charset="0"/>
+                <a:cs typeface="Calibri" panose="020F0502020204030204" pitchFamily="34" charset="0"/>
+              </a:rPr>
+              <a:t>Row #1</a:t>
+            </a:r>
+          </a:p>
+          <a:p>
+            <a:pPr marL="742950" lvl="1" indent="-285750">
+              <a:buFont typeface="Arial" panose="020B0604020202020204" pitchFamily="34" charset="0"/>
+              <a:buChar char="•"/>
+            </a:pPr>
+            <a:endParaRPr lang="en-US" dirty="0">
+              <a:latin typeface="Calibri" panose="020F0502020204030204" pitchFamily="34" charset="0"/>
+              <a:cs typeface="Calibri" panose="020F0502020204030204" pitchFamily="34" charset="0"/>
+            </a:endParaRPr>
+          </a:p>
+          <a:p>
+            <a:pPr marL="742950" lvl="1" indent="-285750">
+              <a:buFont typeface="Arial" panose="020B0604020202020204" pitchFamily="34" charset="0"/>
+              <a:buChar char="•"/>
+            </a:pPr>
+            <a:endParaRPr lang="en-US" dirty="0">
+              <a:latin typeface="Calibri" panose="020F0502020204030204" pitchFamily="34" charset="0"/>
+              <a:cs typeface="Calibri" panose="020F0502020204030204" pitchFamily="34" charset="0"/>
+            </a:endParaRPr>
+          </a:p>
+          <a:p>
+            <a:endParaRPr lang="en-US" dirty="0">
+              <a:latin typeface="Calibri" panose="020F0502020204030204" pitchFamily="34" charset="0"/>
+              <a:cs typeface="Calibri" panose="020F0502020204030204" pitchFamily="34" charset="0"/>
+            </a:endParaRPr>
+          </a:p>
+        </p:txBody>
+      </p:sp>
     </p:spTree>
     <p:extLst>
       <p:ext uri="{BB962C8B-B14F-4D97-AF65-F5344CB8AC3E}">
@@ -18084,165 +19075,6 @@
           </a:p>
         </p:txBody>
       </p:sp>
-      <p:sp>
-        <p:nvSpPr>
-          <p:cNvPr id="2" name="CaixaDeTexto 1">
-            <a:extLst>
-              <a:ext uri="{FF2B5EF4-FFF2-40B4-BE49-F238E27FC236}">
-                <a16:creationId xmlns:a16="http://schemas.microsoft.com/office/drawing/2014/main" id="{D744B707-1B4A-5A5F-CC17-5C9D8382FBD9}"/>
-              </a:ext>
-            </a:extLst>
-          </p:cNvPr>
-          <p:cNvSpPr txBox="1"/>
-          <p:nvPr/>
-        </p:nvSpPr>
-        <p:spPr>
-          <a:xfrm>
-            <a:off x="200025" y="1703242"/>
-            <a:ext cx="9516375" cy="3139321"/>
-          </a:xfrm>
-          <a:prstGeom prst="rect">
-            <a:avLst/>
-          </a:prstGeom>
-          <a:noFill/>
-        </p:spPr>
-        <p:txBody>
-          <a:bodyPr wrap="square" rtlCol="0">
-            <a:spAutoFit/>
-          </a:bodyPr>
-          <a:lstStyle/>
-          <a:p>
-            <a:pPr marL="285750" indent="-285750">
-              <a:buFont typeface="Arial" panose="020B0604020202020204" pitchFamily="34" charset="0"/>
-              <a:buChar char="•"/>
-            </a:pPr>
-            <a:r>
-              <a:rPr lang="en-US" dirty="0">
-                <a:latin typeface="Calibri" panose="020F0502020204030204" pitchFamily="34" charset="0"/>
-                <a:cs typeface="Calibri" panose="020F0502020204030204" pitchFamily="34" charset="0"/>
-              </a:rPr>
-              <a:t>Two passes </a:t>
-            </a:r>
-          </a:p>
-          <a:p>
-            <a:pPr marL="285750" indent="-285750">
-              <a:buFont typeface="Arial" panose="020B0604020202020204" pitchFamily="34" charset="0"/>
-              <a:buChar char="•"/>
-            </a:pPr>
-            <a:r>
-              <a:rPr lang="en-US" dirty="0">
-                <a:latin typeface="Calibri" panose="020F0502020204030204" pitchFamily="34" charset="0"/>
-                <a:cs typeface="Calibri" panose="020F0502020204030204" pitchFamily="34" charset="0"/>
-              </a:rPr>
-              <a:t>For each row:</a:t>
-            </a:r>
-          </a:p>
-          <a:p>
-            <a:pPr marL="742950" lvl="1" indent="-285750">
-              <a:buFont typeface="Arial" panose="020B0604020202020204" pitchFamily="34" charset="0"/>
-              <a:buChar char="•"/>
-            </a:pPr>
-            <a:r>
-              <a:rPr lang="en-US" dirty="0">
-                <a:latin typeface="Calibri" panose="020F0502020204030204" pitchFamily="34" charset="0"/>
-                <a:cs typeface="Calibri" panose="020F0502020204030204" pitchFamily="34" charset="0"/>
-              </a:rPr>
-              <a:t>If the center falls in a non-zero pixel, label it!</a:t>
-            </a:r>
-          </a:p>
-          <a:p>
-            <a:pPr marL="742950" lvl="1" indent="-285750">
-              <a:buFont typeface="Arial" panose="020B0604020202020204" pitchFamily="34" charset="0"/>
-              <a:buChar char="•"/>
-            </a:pPr>
-            <a:r>
-              <a:rPr lang="en-US" dirty="0">
-                <a:latin typeface="Calibri" panose="020F0502020204030204" pitchFamily="34" charset="0"/>
-                <a:cs typeface="Calibri" panose="020F0502020204030204" pitchFamily="34" charset="0"/>
-              </a:rPr>
-              <a:t>Labelling: </a:t>
-            </a:r>
-          </a:p>
-          <a:p>
-            <a:pPr marL="1200150" lvl="2" indent="-285750">
-              <a:buFont typeface="Arial" panose="020B0604020202020204" pitchFamily="34" charset="0"/>
-              <a:buChar char="•"/>
-            </a:pPr>
-            <a:r>
-              <a:rPr lang="en-US" dirty="0">
-                <a:latin typeface="Calibri" panose="020F0502020204030204" pitchFamily="34" charset="0"/>
-                <a:cs typeface="Calibri" panose="020F0502020204030204" pitchFamily="34" charset="0"/>
-              </a:rPr>
-              <a:t>If there no labeled pixels connected, attribute a new label</a:t>
-            </a:r>
-          </a:p>
-          <a:p>
-            <a:pPr marL="1200150" lvl="2" indent="-285750">
-              <a:buFont typeface="Arial" panose="020B0604020202020204" pitchFamily="34" charset="0"/>
-              <a:buChar char="•"/>
-            </a:pPr>
-            <a:r>
-              <a:rPr lang="en-US" dirty="0">
-                <a:latin typeface="Calibri" panose="020F0502020204030204" pitchFamily="34" charset="0"/>
-                <a:cs typeface="Calibri" panose="020F0502020204030204" pitchFamily="34" charset="0"/>
-              </a:rPr>
-              <a:t>Otherwise, attribute the label of its neighbor</a:t>
-            </a:r>
-          </a:p>
-          <a:p>
-            <a:pPr marL="285750" indent="-285750">
-              <a:buFont typeface="Arial" panose="020B0604020202020204" pitchFamily="34" charset="0"/>
-              <a:buChar char="•"/>
-            </a:pPr>
-            <a:r>
-              <a:rPr lang="en-US" b="1" dirty="0">
-                <a:latin typeface="Calibri" panose="020F0502020204030204" pitchFamily="34" charset="0"/>
-                <a:cs typeface="Calibri" panose="020F0502020204030204" pitchFamily="34" charset="0"/>
-              </a:rPr>
-              <a:t>Pass #1: </a:t>
-            </a:r>
-          </a:p>
-          <a:p>
-            <a:pPr marL="742950" lvl="1" indent="-285750">
-              <a:buFont typeface="Arial" panose="020B0604020202020204" pitchFamily="34" charset="0"/>
-              <a:buChar char="•"/>
-            </a:pPr>
-            <a:r>
-              <a:rPr lang="en-US" b="1" dirty="0">
-                <a:latin typeface="Calibri" panose="020F0502020204030204" pitchFamily="34" charset="0"/>
-                <a:cs typeface="Calibri" panose="020F0502020204030204" pitchFamily="34" charset="0"/>
-              </a:rPr>
-              <a:t>ROW #1</a:t>
-            </a:r>
-          </a:p>
-          <a:p>
-            <a:pPr marL="742950" lvl="1" indent="-285750">
-              <a:buFont typeface="Arial" panose="020B0604020202020204" pitchFamily="34" charset="0"/>
-              <a:buChar char="•"/>
-            </a:pPr>
-            <a:endParaRPr lang="en-US" dirty="0">
-              <a:latin typeface="Calibri" panose="020F0502020204030204" pitchFamily="34" charset="0"/>
-              <a:cs typeface="Calibri" panose="020F0502020204030204" pitchFamily="34" charset="0"/>
-            </a:endParaRPr>
-          </a:p>
-          <a:p>
-            <a:pPr marL="742950" lvl="1" indent="-285750">
-              <a:buFont typeface="Arial" panose="020B0604020202020204" pitchFamily="34" charset="0"/>
-              <a:buChar char="•"/>
-            </a:pPr>
-            <a:endParaRPr lang="en-US" dirty="0">
-              <a:latin typeface="Calibri" panose="020F0502020204030204" pitchFamily="34" charset="0"/>
-              <a:cs typeface="Calibri" panose="020F0502020204030204" pitchFamily="34" charset="0"/>
-            </a:endParaRPr>
-          </a:p>
-          <a:p>
-            <a:endParaRPr lang="en-US" dirty="0">
-              <a:latin typeface="Calibri" panose="020F0502020204030204" pitchFamily="34" charset="0"/>
-              <a:cs typeface="Calibri" panose="020F0502020204030204" pitchFamily="34" charset="0"/>
-            </a:endParaRPr>
-          </a:p>
-        </p:txBody>
-      </p:sp>
       <p:pic>
         <p:nvPicPr>
           <p:cNvPr id="1026" name="Picture 2">
@@ -18552,6 +19384,175 @@
           </a:extLst>
         </p:spPr>
       </p:pic>
+      <p:sp>
+        <p:nvSpPr>
+          <p:cNvPr id="17" name="CaixaDeTexto 16">
+            <a:extLst>
+              <a:ext uri="{FF2B5EF4-FFF2-40B4-BE49-F238E27FC236}">
+                <a16:creationId xmlns:a16="http://schemas.microsoft.com/office/drawing/2014/main" id="{8933D1F3-38A7-D1B3-91F1-460C1DF5E2F8}"/>
+              </a:ext>
+            </a:extLst>
+          </p:cNvPr>
+          <p:cNvSpPr txBox="1"/>
+          <p:nvPr/>
+        </p:nvSpPr>
+        <p:spPr>
+          <a:xfrm>
+            <a:off x="200025" y="1689990"/>
+            <a:ext cx="9516375" cy="3416320"/>
+          </a:xfrm>
+          <a:prstGeom prst="rect">
+            <a:avLst/>
+          </a:prstGeom>
+          <a:noFill/>
+        </p:spPr>
+        <p:txBody>
+          <a:bodyPr wrap="square" rtlCol="0">
+            <a:spAutoFit/>
+          </a:bodyPr>
+          <a:lstStyle/>
+          <a:p>
+            <a:pPr marL="285750" indent="-285750">
+              <a:buFont typeface="Arial" panose="020B0604020202020204" pitchFamily="34" charset="0"/>
+              <a:buChar char="•"/>
+            </a:pPr>
+            <a:r>
+              <a:rPr lang="en-US" dirty="0">
+                <a:latin typeface="Calibri" panose="020F0502020204030204" pitchFamily="34" charset="0"/>
+                <a:cs typeface="Calibri" panose="020F0502020204030204" pitchFamily="34" charset="0"/>
+              </a:rPr>
+              <a:t>Sliding a connectivity kernel , row by row ( 2 passes)</a:t>
+            </a:r>
+          </a:p>
+          <a:p>
+            <a:pPr marL="742950" lvl="1" indent="-285750">
+              <a:buFont typeface="Arial" panose="020B0604020202020204" pitchFamily="34" charset="0"/>
+              <a:buChar char="•"/>
+            </a:pPr>
+            <a:r>
+              <a:rPr lang="en-US" dirty="0">
+                <a:latin typeface="Calibri" panose="020F0502020204030204" pitchFamily="34" charset="0"/>
+                <a:cs typeface="Calibri" panose="020F0502020204030204" pitchFamily="34" charset="0"/>
+              </a:rPr>
+              <a:t>If the center falls in a non-zero pixel, label it!</a:t>
+            </a:r>
+          </a:p>
+          <a:p>
+            <a:pPr marL="742950" lvl="1" indent="-285750">
+              <a:buFont typeface="Arial" panose="020B0604020202020204" pitchFamily="34" charset="0"/>
+              <a:buChar char="•"/>
+            </a:pPr>
+            <a:r>
+              <a:rPr lang="en-US" dirty="0">
+                <a:latin typeface="Calibri" panose="020F0502020204030204" pitchFamily="34" charset="0"/>
+                <a:cs typeface="Calibri" panose="020F0502020204030204" pitchFamily="34" charset="0"/>
+              </a:rPr>
+              <a:t>Labeling: </a:t>
+            </a:r>
+          </a:p>
+          <a:p>
+            <a:pPr marL="1200150" lvl="2" indent="-285750">
+              <a:buFont typeface="Arial" panose="020B0604020202020204" pitchFamily="34" charset="0"/>
+              <a:buChar char="•"/>
+            </a:pPr>
+            <a:r>
+              <a:rPr lang="en-US" dirty="0">
+                <a:latin typeface="Calibri" panose="020F0502020204030204" pitchFamily="34" charset="0"/>
+                <a:cs typeface="Calibri" panose="020F0502020204030204" pitchFamily="34" charset="0"/>
+              </a:rPr>
+              <a:t>If there are no labeled pixels connected, attribute a new label</a:t>
+            </a:r>
+          </a:p>
+          <a:p>
+            <a:pPr marL="1200150" lvl="2" indent="-285750">
+              <a:buFont typeface="Arial" panose="020B0604020202020204" pitchFamily="34" charset="0"/>
+              <a:buChar char="•"/>
+            </a:pPr>
+            <a:r>
+              <a:rPr lang="en-US" dirty="0">
+                <a:latin typeface="Calibri" panose="020F0502020204030204" pitchFamily="34" charset="0"/>
+                <a:cs typeface="Calibri" panose="020F0502020204030204" pitchFamily="34" charset="0"/>
+              </a:rPr>
+              <a:t>Otherwise, attribute to it the neighbor´s label.</a:t>
+            </a:r>
+          </a:p>
+          <a:p>
+            <a:pPr marL="1200150" lvl="2" indent="-285750">
+              <a:buFont typeface="Arial" panose="020B0604020202020204" pitchFamily="34" charset="0"/>
+              <a:buChar char="•"/>
+            </a:pPr>
+            <a:r>
+              <a:rPr lang="en-US" dirty="0">
+                <a:latin typeface="Calibri" panose="020F0502020204030204" pitchFamily="34" charset="0"/>
+                <a:cs typeface="Calibri" panose="020F0502020204030204" pitchFamily="34" charset="0"/>
+              </a:rPr>
+              <a:t>A Union-Find structure control adjacent labels (Union-Find)</a:t>
+            </a:r>
+          </a:p>
+          <a:p>
+            <a:pPr marL="285750" indent="-285750">
+              <a:buFont typeface="Arial" panose="020B0604020202020204" pitchFamily="34" charset="0"/>
+              <a:buChar char="•"/>
+            </a:pPr>
+            <a:endParaRPr lang="en-US" b="1" dirty="0">
+              <a:latin typeface="Calibri" panose="020F0502020204030204" pitchFamily="34" charset="0"/>
+              <a:cs typeface="Calibri" panose="020F0502020204030204" pitchFamily="34" charset="0"/>
+            </a:endParaRPr>
+          </a:p>
+          <a:p>
+            <a:pPr marL="285750" indent="-285750">
+              <a:buFont typeface="Arial" panose="020B0604020202020204" pitchFamily="34" charset="0"/>
+              <a:buChar char="•"/>
+            </a:pPr>
+            <a:r>
+              <a:rPr lang="en-US" b="1" dirty="0">
+                <a:latin typeface="Calibri" panose="020F0502020204030204" pitchFamily="34" charset="0"/>
+                <a:cs typeface="Calibri" panose="020F0502020204030204" pitchFamily="34" charset="0"/>
+              </a:rPr>
+              <a:t>Pass #1:</a:t>
+            </a:r>
+          </a:p>
+          <a:p>
+            <a:pPr marL="742950" lvl="1" indent="-285750">
+              <a:buFont typeface="Arial" panose="020B0604020202020204" pitchFamily="34" charset="0"/>
+              <a:buChar char="•"/>
+            </a:pPr>
+            <a:r>
+              <a:rPr lang="en-US" b="1" dirty="0">
+                <a:latin typeface="Calibri" panose="020F0502020204030204" pitchFamily="34" charset="0"/>
+                <a:cs typeface="Calibri" panose="020F0502020204030204" pitchFamily="34" charset="0"/>
+              </a:rPr>
+              <a:t>Row #1</a:t>
+            </a:r>
+          </a:p>
+          <a:p>
+            <a:pPr marL="742950" lvl="1" indent="-285750">
+              <a:buFont typeface="Arial" panose="020B0604020202020204" pitchFamily="34" charset="0"/>
+              <a:buChar char="•"/>
+            </a:pPr>
+            <a:endParaRPr lang="en-US" dirty="0">
+              <a:latin typeface="Calibri" panose="020F0502020204030204" pitchFamily="34" charset="0"/>
+              <a:cs typeface="Calibri" panose="020F0502020204030204" pitchFamily="34" charset="0"/>
+            </a:endParaRPr>
+          </a:p>
+          <a:p>
+            <a:pPr marL="742950" lvl="1" indent="-285750">
+              <a:buFont typeface="Arial" panose="020B0604020202020204" pitchFamily="34" charset="0"/>
+              <a:buChar char="•"/>
+            </a:pPr>
+            <a:endParaRPr lang="en-US" dirty="0">
+              <a:latin typeface="Calibri" panose="020F0502020204030204" pitchFamily="34" charset="0"/>
+              <a:cs typeface="Calibri" panose="020F0502020204030204" pitchFamily="34" charset="0"/>
+            </a:endParaRPr>
+          </a:p>
+          <a:p>
+            <a:endParaRPr lang="en-US" dirty="0">
+              <a:latin typeface="Calibri" panose="020F0502020204030204" pitchFamily="34" charset="0"/>
+              <a:cs typeface="Calibri" panose="020F0502020204030204" pitchFamily="34" charset="0"/>
+            </a:endParaRPr>
+          </a:p>
+        </p:txBody>
+      </p:sp>
     </p:spTree>
     <p:extLst>
       <p:ext uri="{BB962C8B-B14F-4D97-AF65-F5344CB8AC3E}">
@@ -18803,165 +19804,6 @@
           </a:p>
         </p:txBody>
       </p:sp>
-      <p:sp>
-        <p:nvSpPr>
-          <p:cNvPr id="2" name="CaixaDeTexto 1">
-            <a:extLst>
-              <a:ext uri="{FF2B5EF4-FFF2-40B4-BE49-F238E27FC236}">
-                <a16:creationId xmlns:a16="http://schemas.microsoft.com/office/drawing/2014/main" id="{D744B707-1B4A-5A5F-CC17-5C9D8382FBD9}"/>
-              </a:ext>
-            </a:extLst>
-          </p:cNvPr>
-          <p:cNvSpPr txBox="1"/>
-          <p:nvPr/>
-        </p:nvSpPr>
-        <p:spPr>
-          <a:xfrm>
-            <a:off x="200025" y="1689990"/>
-            <a:ext cx="9516375" cy="3139321"/>
-          </a:xfrm>
-          <a:prstGeom prst="rect">
-            <a:avLst/>
-          </a:prstGeom>
-          <a:noFill/>
-        </p:spPr>
-        <p:txBody>
-          <a:bodyPr wrap="square" rtlCol="0">
-            <a:spAutoFit/>
-          </a:bodyPr>
-          <a:lstStyle/>
-          <a:p>
-            <a:pPr marL="285750" indent="-285750">
-              <a:buFont typeface="Arial" panose="020B0604020202020204" pitchFamily="34" charset="0"/>
-              <a:buChar char="•"/>
-            </a:pPr>
-            <a:r>
-              <a:rPr lang="en-US" dirty="0">
-                <a:latin typeface="Calibri" panose="020F0502020204030204" pitchFamily="34" charset="0"/>
-                <a:cs typeface="Calibri" panose="020F0502020204030204" pitchFamily="34" charset="0"/>
-              </a:rPr>
-              <a:t>Sliding a connectivity kernel , row by row ( 2 passes)</a:t>
-            </a:r>
-          </a:p>
-          <a:p>
-            <a:pPr marL="742950" lvl="1" indent="-285750">
-              <a:buFont typeface="Arial" panose="020B0604020202020204" pitchFamily="34" charset="0"/>
-              <a:buChar char="•"/>
-            </a:pPr>
-            <a:r>
-              <a:rPr lang="en-US" dirty="0">
-                <a:latin typeface="Calibri" panose="020F0502020204030204" pitchFamily="34" charset="0"/>
-                <a:cs typeface="Calibri" panose="020F0502020204030204" pitchFamily="34" charset="0"/>
-              </a:rPr>
-              <a:t>If the center falls in a non-zero pixel, label it!</a:t>
-            </a:r>
-          </a:p>
-          <a:p>
-            <a:pPr marL="742950" lvl="1" indent="-285750">
-              <a:buFont typeface="Arial" panose="020B0604020202020204" pitchFamily="34" charset="0"/>
-              <a:buChar char="•"/>
-            </a:pPr>
-            <a:r>
-              <a:rPr lang="en-US" dirty="0">
-                <a:latin typeface="Calibri" panose="020F0502020204030204" pitchFamily="34" charset="0"/>
-                <a:cs typeface="Calibri" panose="020F0502020204030204" pitchFamily="34" charset="0"/>
-              </a:rPr>
-              <a:t>Labelling: </a:t>
-            </a:r>
-          </a:p>
-          <a:p>
-            <a:pPr marL="1200150" lvl="2" indent="-285750">
-              <a:buFont typeface="Arial" panose="020B0604020202020204" pitchFamily="34" charset="0"/>
-              <a:buChar char="•"/>
-            </a:pPr>
-            <a:r>
-              <a:rPr lang="en-US" dirty="0">
-                <a:latin typeface="Calibri" panose="020F0502020204030204" pitchFamily="34" charset="0"/>
-                <a:cs typeface="Calibri" panose="020F0502020204030204" pitchFamily="34" charset="0"/>
-              </a:rPr>
-              <a:t>If there no labeled pixels connected, attribute a new label</a:t>
-            </a:r>
-          </a:p>
-          <a:p>
-            <a:pPr marL="1200150" lvl="2" indent="-285750">
-              <a:buFont typeface="Arial" panose="020B0604020202020204" pitchFamily="34" charset="0"/>
-              <a:buChar char="•"/>
-            </a:pPr>
-            <a:r>
-              <a:rPr lang="en-US" dirty="0">
-                <a:latin typeface="Calibri" panose="020F0502020204030204" pitchFamily="34" charset="0"/>
-                <a:cs typeface="Calibri" panose="020F0502020204030204" pitchFamily="34" charset="0"/>
-              </a:rPr>
-              <a:t>Otherwise, attribute the label of its neighbor</a:t>
-            </a:r>
-          </a:p>
-          <a:p>
-            <a:pPr marL="742950" lvl="1" indent="-285750">
-              <a:buFont typeface="Arial" panose="020B0604020202020204" pitchFamily="34" charset="0"/>
-              <a:buChar char="•"/>
-            </a:pPr>
-            <a:r>
-              <a:rPr lang="en-US" dirty="0">
-                <a:latin typeface="Calibri" panose="020F0502020204030204" pitchFamily="34" charset="0"/>
-                <a:cs typeface="Calibri" panose="020F0502020204030204" pitchFamily="34" charset="0"/>
-              </a:rPr>
-              <a:t>Union-Find structures determines the labels connected</a:t>
-            </a:r>
-          </a:p>
-          <a:p>
-            <a:pPr marL="285750" indent="-285750">
-              <a:buFont typeface="Arial" panose="020B0604020202020204" pitchFamily="34" charset="0"/>
-              <a:buChar char="•"/>
-            </a:pPr>
-            <a:r>
-              <a:rPr lang="en-US" b="1" dirty="0">
-                <a:latin typeface="Calibri" panose="020F0502020204030204" pitchFamily="34" charset="0"/>
-                <a:cs typeface="Calibri" panose="020F0502020204030204" pitchFamily="34" charset="0"/>
-              </a:rPr>
-              <a:t>Pass #1: </a:t>
-            </a:r>
-          </a:p>
-          <a:p>
-            <a:pPr marL="742950" lvl="1" indent="-285750">
-              <a:buFont typeface="Arial" panose="020B0604020202020204" pitchFamily="34" charset="0"/>
-              <a:buChar char="•"/>
-            </a:pPr>
-            <a:r>
-              <a:rPr lang="en-US" b="1" dirty="0">
-                <a:latin typeface="Calibri" panose="020F0502020204030204" pitchFamily="34" charset="0"/>
-                <a:cs typeface="Calibri" panose="020F0502020204030204" pitchFamily="34" charset="0"/>
-              </a:rPr>
-              <a:t>ROW #1</a:t>
-            </a:r>
-          </a:p>
-          <a:p>
-            <a:pPr marL="742950" lvl="1" indent="-285750">
-              <a:buFont typeface="Arial" panose="020B0604020202020204" pitchFamily="34" charset="0"/>
-              <a:buChar char="•"/>
-            </a:pPr>
-            <a:endParaRPr lang="en-US" dirty="0">
-              <a:latin typeface="Calibri" panose="020F0502020204030204" pitchFamily="34" charset="0"/>
-              <a:cs typeface="Calibri" panose="020F0502020204030204" pitchFamily="34" charset="0"/>
-            </a:endParaRPr>
-          </a:p>
-          <a:p>
-            <a:pPr marL="742950" lvl="1" indent="-285750">
-              <a:buFont typeface="Arial" panose="020B0604020202020204" pitchFamily="34" charset="0"/>
-              <a:buChar char="•"/>
-            </a:pPr>
-            <a:endParaRPr lang="en-US" dirty="0">
-              <a:latin typeface="Calibri" panose="020F0502020204030204" pitchFamily="34" charset="0"/>
-              <a:cs typeface="Calibri" panose="020F0502020204030204" pitchFamily="34" charset="0"/>
-            </a:endParaRPr>
-          </a:p>
-          <a:p>
-            <a:endParaRPr lang="en-US" dirty="0">
-              <a:latin typeface="Calibri" panose="020F0502020204030204" pitchFamily="34" charset="0"/>
-              <a:cs typeface="Calibri" panose="020F0502020204030204" pitchFamily="34" charset="0"/>
-            </a:endParaRPr>
-          </a:p>
-        </p:txBody>
-      </p:sp>
       <p:pic>
         <p:nvPicPr>
           <p:cNvPr id="13" name="Picture 8" descr="8-Pixel-Connectivity">
@@ -19077,6 +19919,175 @@
           </a:extLst>
         </p:spPr>
       </p:pic>
+      <p:sp>
+        <p:nvSpPr>
+          <p:cNvPr id="14" name="CaixaDeTexto 13">
+            <a:extLst>
+              <a:ext uri="{FF2B5EF4-FFF2-40B4-BE49-F238E27FC236}">
+                <a16:creationId xmlns:a16="http://schemas.microsoft.com/office/drawing/2014/main" id="{621D3966-299E-5EF2-6DD7-1F47CF31623F}"/>
+              </a:ext>
+            </a:extLst>
+          </p:cNvPr>
+          <p:cNvSpPr txBox="1"/>
+          <p:nvPr/>
+        </p:nvSpPr>
+        <p:spPr>
+          <a:xfrm>
+            <a:off x="200025" y="1689990"/>
+            <a:ext cx="9516375" cy="3416320"/>
+          </a:xfrm>
+          <a:prstGeom prst="rect">
+            <a:avLst/>
+          </a:prstGeom>
+          <a:noFill/>
+        </p:spPr>
+        <p:txBody>
+          <a:bodyPr wrap="square" rtlCol="0">
+            <a:spAutoFit/>
+          </a:bodyPr>
+          <a:lstStyle/>
+          <a:p>
+            <a:pPr marL="285750" indent="-285750">
+              <a:buFont typeface="Arial" panose="020B0604020202020204" pitchFamily="34" charset="0"/>
+              <a:buChar char="•"/>
+            </a:pPr>
+            <a:r>
+              <a:rPr lang="en-US" dirty="0">
+                <a:latin typeface="Calibri" panose="020F0502020204030204" pitchFamily="34" charset="0"/>
+                <a:cs typeface="Calibri" panose="020F0502020204030204" pitchFamily="34" charset="0"/>
+              </a:rPr>
+              <a:t>Sliding a connectivity kernel , row by row ( 2 passes)</a:t>
+            </a:r>
+          </a:p>
+          <a:p>
+            <a:pPr marL="742950" lvl="1" indent="-285750">
+              <a:buFont typeface="Arial" panose="020B0604020202020204" pitchFamily="34" charset="0"/>
+              <a:buChar char="•"/>
+            </a:pPr>
+            <a:r>
+              <a:rPr lang="en-US" dirty="0">
+                <a:latin typeface="Calibri" panose="020F0502020204030204" pitchFamily="34" charset="0"/>
+                <a:cs typeface="Calibri" panose="020F0502020204030204" pitchFamily="34" charset="0"/>
+              </a:rPr>
+              <a:t>If the center falls in a non-zero pixel, label it!</a:t>
+            </a:r>
+          </a:p>
+          <a:p>
+            <a:pPr marL="742950" lvl="1" indent="-285750">
+              <a:buFont typeface="Arial" panose="020B0604020202020204" pitchFamily="34" charset="0"/>
+              <a:buChar char="•"/>
+            </a:pPr>
+            <a:r>
+              <a:rPr lang="en-US" dirty="0">
+                <a:latin typeface="Calibri" panose="020F0502020204030204" pitchFamily="34" charset="0"/>
+                <a:cs typeface="Calibri" panose="020F0502020204030204" pitchFamily="34" charset="0"/>
+              </a:rPr>
+              <a:t>Labeling: </a:t>
+            </a:r>
+          </a:p>
+          <a:p>
+            <a:pPr marL="1200150" lvl="2" indent="-285750">
+              <a:buFont typeface="Arial" panose="020B0604020202020204" pitchFamily="34" charset="0"/>
+              <a:buChar char="•"/>
+            </a:pPr>
+            <a:r>
+              <a:rPr lang="en-US" dirty="0">
+                <a:latin typeface="Calibri" panose="020F0502020204030204" pitchFamily="34" charset="0"/>
+                <a:cs typeface="Calibri" panose="020F0502020204030204" pitchFamily="34" charset="0"/>
+              </a:rPr>
+              <a:t>If there are no labeled pixels connected, attribute a new label</a:t>
+            </a:r>
+          </a:p>
+          <a:p>
+            <a:pPr marL="1200150" lvl="2" indent="-285750">
+              <a:buFont typeface="Arial" panose="020B0604020202020204" pitchFamily="34" charset="0"/>
+              <a:buChar char="•"/>
+            </a:pPr>
+            <a:r>
+              <a:rPr lang="en-US" dirty="0">
+                <a:latin typeface="Calibri" panose="020F0502020204030204" pitchFamily="34" charset="0"/>
+                <a:cs typeface="Calibri" panose="020F0502020204030204" pitchFamily="34" charset="0"/>
+              </a:rPr>
+              <a:t>Otherwise, attribute to it the neighbor´s label.</a:t>
+            </a:r>
+          </a:p>
+          <a:p>
+            <a:pPr marL="1200150" lvl="2" indent="-285750">
+              <a:buFont typeface="Arial" panose="020B0604020202020204" pitchFamily="34" charset="0"/>
+              <a:buChar char="•"/>
+            </a:pPr>
+            <a:r>
+              <a:rPr lang="en-US" dirty="0">
+                <a:latin typeface="Calibri" panose="020F0502020204030204" pitchFamily="34" charset="0"/>
+                <a:cs typeface="Calibri" panose="020F0502020204030204" pitchFamily="34" charset="0"/>
+              </a:rPr>
+              <a:t>A Union-Find structure control adjacent labels (Union-Find)</a:t>
+            </a:r>
+          </a:p>
+          <a:p>
+            <a:pPr marL="285750" indent="-285750">
+              <a:buFont typeface="Arial" panose="020B0604020202020204" pitchFamily="34" charset="0"/>
+              <a:buChar char="•"/>
+            </a:pPr>
+            <a:endParaRPr lang="en-US" b="1" dirty="0">
+              <a:latin typeface="Calibri" panose="020F0502020204030204" pitchFamily="34" charset="0"/>
+              <a:cs typeface="Calibri" panose="020F0502020204030204" pitchFamily="34" charset="0"/>
+            </a:endParaRPr>
+          </a:p>
+          <a:p>
+            <a:pPr marL="285750" indent="-285750">
+              <a:buFont typeface="Arial" panose="020B0604020202020204" pitchFamily="34" charset="0"/>
+              <a:buChar char="•"/>
+            </a:pPr>
+            <a:r>
+              <a:rPr lang="en-US" b="1" dirty="0">
+                <a:latin typeface="Calibri" panose="020F0502020204030204" pitchFamily="34" charset="0"/>
+                <a:cs typeface="Calibri" panose="020F0502020204030204" pitchFamily="34" charset="0"/>
+              </a:rPr>
+              <a:t>Pass #1:</a:t>
+            </a:r>
+          </a:p>
+          <a:p>
+            <a:pPr marL="742950" lvl="1" indent="-285750">
+              <a:buFont typeface="Arial" panose="020B0604020202020204" pitchFamily="34" charset="0"/>
+              <a:buChar char="•"/>
+            </a:pPr>
+            <a:r>
+              <a:rPr lang="en-US" b="1" dirty="0">
+                <a:latin typeface="Calibri" panose="020F0502020204030204" pitchFamily="34" charset="0"/>
+                <a:cs typeface="Calibri" panose="020F0502020204030204" pitchFamily="34" charset="0"/>
+              </a:rPr>
+              <a:t>Row #1</a:t>
+            </a:r>
+          </a:p>
+          <a:p>
+            <a:pPr marL="742950" lvl="1" indent="-285750">
+              <a:buFont typeface="Arial" panose="020B0604020202020204" pitchFamily="34" charset="0"/>
+              <a:buChar char="•"/>
+            </a:pPr>
+            <a:endParaRPr lang="en-US" dirty="0">
+              <a:latin typeface="Calibri" panose="020F0502020204030204" pitchFamily="34" charset="0"/>
+              <a:cs typeface="Calibri" panose="020F0502020204030204" pitchFamily="34" charset="0"/>
+            </a:endParaRPr>
+          </a:p>
+          <a:p>
+            <a:pPr marL="742950" lvl="1" indent="-285750">
+              <a:buFont typeface="Arial" panose="020B0604020202020204" pitchFamily="34" charset="0"/>
+              <a:buChar char="•"/>
+            </a:pPr>
+            <a:endParaRPr lang="en-US" dirty="0">
+              <a:latin typeface="Calibri" panose="020F0502020204030204" pitchFamily="34" charset="0"/>
+              <a:cs typeface="Calibri" panose="020F0502020204030204" pitchFamily="34" charset="0"/>
+            </a:endParaRPr>
+          </a:p>
+          <a:p>
+            <a:endParaRPr lang="en-US" dirty="0">
+              <a:latin typeface="Calibri" panose="020F0502020204030204" pitchFamily="34" charset="0"/>
+              <a:cs typeface="Calibri" panose="020F0502020204030204" pitchFamily="34" charset="0"/>
+            </a:endParaRPr>
+          </a:p>
+        </p:txBody>
+      </p:sp>
     </p:spTree>
     <p:extLst>
       <p:ext uri="{BB962C8B-B14F-4D97-AF65-F5344CB8AC3E}">

--- a/ComputerVision/Lecture 04 - Finding Components/Lecture 04 - Component Segmentation.pptx
+++ b/ComputerVision/Lecture 04 - Finding Components/Lecture 04 - Component Segmentation.pptx
@@ -78,19 +78,16 @@
             <a:noAutofit/>
           </a:bodyPr>
           <a:p>
-            <a:r>
-              <a:rPr b="0" lang="pt-BR" sz="1800" spc="-1" strike="noStrike">
-                <a:solidFill>
-                  <a:srgbClr val="000000"/>
-                </a:solidFill>
+            <a:pPr algn="ctr">
+              <a:buNone/>
+            </a:pPr>
+            <a:r>
+              <a:rPr b="0" lang="pt-BR" sz="4400" spc="-1" strike="noStrike">
                 <a:latin typeface="Arial"/>
               </a:rPr>
               <a:t>Click to move the slide</a:t>
             </a:r>
-            <a:endParaRPr b="0" lang="pt-BR" sz="1800" spc="-1" strike="noStrike">
-              <a:solidFill>
-                <a:srgbClr val="000000"/>
-              </a:solidFill>
+            <a:endParaRPr b="0" lang="pt-BR" sz="4400" spc="-1" strike="noStrike">
               <a:latin typeface="Arial"/>
             </a:endParaRPr>
           </a:p>
@@ -313,7 +310,7 @@
             <a:pPr algn="r">
               <a:buNone/>
             </a:pPr>
-            <a:fld id="{1C67DA23-0E34-45D3-8459-61991C8D49AA}" type="slidenum">
+            <a:fld id="{24C424CE-1675-49DA-B063-771163FD1F7F}" type="slidenum">
               <a:rPr b="0" lang="pt-BR" sz="1400" spc="-1" strike="noStrike">
                 <a:latin typeface="Times New Roman"/>
               </a:rPr>
@@ -361,7 +358,7 @@
         <p:spPr>
           <a:xfrm>
             <a:off x="1376280" y="1336680"/>
-            <a:ext cx="4803480" cy="3603240"/>
+            <a:ext cx="4803120" cy="3602880"/>
           </a:xfrm>
           <a:prstGeom prst="rect">
             <a:avLst/>
@@ -384,7 +381,7 @@
         <p:spPr>
           <a:xfrm>
             <a:off x="756000" y="5145120"/>
-            <a:ext cx="6043680" cy="4205880"/>
+            <a:ext cx="6043320" cy="4205520"/>
           </a:xfrm>
           <a:prstGeom prst="rect">
             <a:avLst/>
@@ -414,7 +411,7 @@
         <p:spPr>
           <a:xfrm>
             <a:off x="0" y="10155240"/>
-            <a:ext cx="3272040" cy="532440"/>
+            <a:ext cx="3271680" cy="532080"/>
           </a:xfrm>
           <a:prstGeom prst="rect">
             <a:avLst/>
@@ -492,7 +489,7 @@
         <p:spPr>
           <a:xfrm>
             <a:off x="1376280" y="1336680"/>
-            <a:ext cx="4803480" cy="3603240"/>
+            <a:ext cx="4803120" cy="3602880"/>
           </a:xfrm>
           <a:prstGeom prst="rect">
             <a:avLst/>
@@ -515,7 +512,7 @@
         <p:spPr>
           <a:xfrm>
             <a:off x="756000" y="5145120"/>
-            <a:ext cx="6043680" cy="4205880"/>
+            <a:ext cx="6043320" cy="4205520"/>
           </a:xfrm>
           <a:prstGeom prst="rect">
             <a:avLst/>
@@ -545,7 +542,7 @@
         <p:spPr>
           <a:xfrm>
             <a:off x="0" y="10155240"/>
-            <a:ext cx="3272040" cy="532440"/>
+            <a:ext cx="3271680" cy="532080"/>
           </a:xfrm>
           <a:prstGeom prst="rect">
             <a:avLst/>
@@ -623,7 +620,7 @@
         <p:spPr>
           <a:xfrm>
             <a:off x="1376280" y="1336680"/>
-            <a:ext cx="4803480" cy="3603240"/>
+            <a:ext cx="4803120" cy="3602880"/>
           </a:xfrm>
           <a:prstGeom prst="rect">
             <a:avLst/>
@@ -646,7 +643,7 @@
         <p:spPr>
           <a:xfrm>
             <a:off x="756000" y="5145120"/>
-            <a:ext cx="6043680" cy="4205880"/>
+            <a:ext cx="6043320" cy="4205520"/>
           </a:xfrm>
           <a:prstGeom prst="rect">
             <a:avLst/>
@@ -676,7 +673,7 @@
         <p:spPr>
           <a:xfrm>
             <a:off x="0" y="10155240"/>
-            <a:ext cx="3272040" cy="532440"/>
+            <a:ext cx="3271680" cy="532080"/>
           </a:xfrm>
           <a:prstGeom prst="rect">
             <a:avLst/>
@@ -754,7 +751,7 @@
         <p:spPr>
           <a:xfrm>
             <a:off x="1376280" y="1336680"/>
-            <a:ext cx="4803480" cy="3603240"/>
+            <a:ext cx="4803120" cy="3602880"/>
           </a:xfrm>
           <a:prstGeom prst="rect">
             <a:avLst/>
@@ -777,7 +774,7 @@
         <p:spPr>
           <a:xfrm>
             <a:off x="756000" y="5145120"/>
-            <a:ext cx="6043680" cy="4205880"/>
+            <a:ext cx="6043320" cy="4205520"/>
           </a:xfrm>
           <a:prstGeom prst="rect">
             <a:avLst/>
@@ -807,7 +804,7 @@
         <p:spPr>
           <a:xfrm>
             <a:off x="0" y="10155240"/>
-            <a:ext cx="3272040" cy="532440"/>
+            <a:ext cx="3271680" cy="532080"/>
           </a:xfrm>
           <a:prstGeom prst="rect">
             <a:avLst/>
@@ -885,7 +882,7 @@
         <p:spPr>
           <a:xfrm>
             <a:off x="1376280" y="1336680"/>
-            <a:ext cx="4803480" cy="3603240"/>
+            <a:ext cx="4803120" cy="3602880"/>
           </a:xfrm>
           <a:prstGeom prst="rect">
             <a:avLst/>
@@ -908,7 +905,7 @@
         <p:spPr>
           <a:xfrm>
             <a:off x="756000" y="5145120"/>
-            <a:ext cx="6043680" cy="4205880"/>
+            <a:ext cx="6043320" cy="4205520"/>
           </a:xfrm>
           <a:prstGeom prst="rect">
             <a:avLst/>
@@ -938,7 +935,7 @@
         <p:spPr>
           <a:xfrm>
             <a:off x="0" y="10155240"/>
-            <a:ext cx="3272040" cy="532440"/>
+            <a:ext cx="3271680" cy="532080"/>
           </a:xfrm>
           <a:prstGeom prst="rect">
             <a:avLst/>
@@ -1016,7 +1013,7 @@
         <p:spPr>
           <a:xfrm>
             <a:off x="1376280" y="1336680"/>
-            <a:ext cx="4803480" cy="3603240"/>
+            <a:ext cx="4803120" cy="3602880"/>
           </a:xfrm>
           <a:prstGeom prst="rect">
             <a:avLst/>
@@ -1039,7 +1036,7 @@
         <p:spPr>
           <a:xfrm>
             <a:off x="756000" y="5145120"/>
-            <a:ext cx="6043680" cy="4205880"/>
+            <a:ext cx="6043320" cy="4205520"/>
           </a:xfrm>
           <a:prstGeom prst="rect">
             <a:avLst/>
@@ -1069,7 +1066,7 @@
         <p:spPr>
           <a:xfrm>
             <a:off x="0" y="10155240"/>
-            <a:ext cx="3272040" cy="532440"/>
+            <a:ext cx="3271680" cy="532080"/>
           </a:xfrm>
           <a:prstGeom prst="rect">
             <a:avLst/>
@@ -1147,7 +1144,7 @@
         <p:spPr>
           <a:xfrm>
             <a:off x="1376280" y="1336680"/>
-            <a:ext cx="4803480" cy="3603240"/>
+            <a:ext cx="4803120" cy="3602880"/>
           </a:xfrm>
           <a:prstGeom prst="rect">
             <a:avLst/>
@@ -1170,7 +1167,7 @@
         <p:spPr>
           <a:xfrm>
             <a:off x="756000" y="5145120"/>
-            <a:ext cx="6043680" cy="4205880"/>
+            <a:ext cx="6043320" cy="4205520"/>
           </a:xfrm>
           <a:prstGeom prst="rect">
             <a:avLst/>
@@ -1200,7 +1197,7 @@
         <p:spPr>
           <a:xfrm>
             <a:off x="0" y="10155240"/>
-            <a:ext cx="3272040" cy="532440"/>
+            <a:ext cx="3271680" cy="532080"/>
           </a:xfrm>
           <a:prstGeom prst="rect">
             <a:avLst/>
@@ -1278,7 +1275,7 @@
         <p:spPr>
           <a:xfrm>
             <a:off x="1376280" y="1336680"/>
-            <a:ext cx="4803480" cy="3603240"/>
+            <a:ext cx="4803120" cy="3602880"/>
           </a:xfrm>
           <a:prstGeom prst="rect">
             <a:avLst/>
@@ -1301,7 +1298,7 @@
         <p:spPr>
           <a:xfrm>
             <a:off x="756000" y="5145120"/>
-            <a:ext cx="6043680" cy="4205880"/>
+            <a:ext cx="6043320" cy="4205520"/>
           </a:xfrm>
           <a:prstGeom prst="rect">
             <a:avLst/>
@@ -1331,7 +1328,7 @@
         <p:spPr>
           <a:xfrm>
             <a:off x="0" y="10155240"/>
-            <a:ext cx="3272040" cy="532440"/>
+            <a:ext cx="3271680" cy="532080"/>
           </a:xfrm>
           <a:prstGeom prst="rect">
             <a:avLst/>
@@ -1409,7 +1406,7 @@
         <p:spPr>
           <a:xfrm>
             <a:off x="1376280" y="1336680"/>
-            <a:ext cx="4803480" cy="3603240"/>
+            <a:ext cx="4803120" cy="3602880"/>
           </a:xfrm>
           <a:prstGeom prst="rect">
             <a:avLst/>
@@ -1432,7 +1429,7 @@
         <p:spPr>
           <a:xfrm>
             <a:off x="756000" y="5145120"/>
-            <a:ext cx="6043680" cy="4205880"/>
+            <a:ext cx="6043320" cy="4205520"/>
           </a:xfrm>
           <a:prstGeom prst="rect">
             <a:avLst/>
@@ -1462,7 +1459,7 @@
         <p:spPr>
           <a:xfrm>
             <a:off x="0" y="10155240"/>
-            <a:ext cx="3272040" cy="532440"/>
+            <a:ext cx="3271680" cy="532080"/>
           </a:xfrm>
           <a:prstGeom prst="rect">
             <a:avLst/>
@@ -1540,7 +1537,7 @@
         <p:spPr>
           <a:xfrm>
             <a:off x="1376280" y="1336680"/>
-            <a:ext cx="4803480" cy="3603240"/>
+            <a:ext cx="4803120" cy="3602880"/>
           </a:xfrm>
           <a:prstGeom prst="rect">
             <a:avLst/>
@@ -1563,7 +1560,7 @@
         <p:spPr>
           <a:xfrm>
             <a:off x="756000" y="5145120"/>
-            <a:ext cx="6043680" cy="4205880"/>
+            <a:ext cx="6043320" cy="4205520"/>
           </a:xfrm>
           <a:prstGeom prst="rect">
             <a:avLst/>
@@ -1593,7 +1590,7 @@
         <p:spPr>
           <a:xfrm>
             <a:off x="0" y="10155240"/>
-            <a:ext cx="3272040" cy="532440"/>
+            <a:ext cx="3271680" cy="532080"/>
           </a:xfrm>
           <a:prstGeom prst="rect">
             <a:avLst/>
@@ -1671,7 +1668,7 @@
         <p:spPr>
           <a:xfrm>
             <a:off x="1376280" y="1336680"/>
-            <a:ext cx="4803480" cy="3603240"/>
+            <a:ext cx="4803120" cy="3602880"/>
           </a:xfrm>
           <a:prstGeom prst="rect">
             <a:avLst/>
@@ -1694,7 +1691,7 @@
         <p:spPr>
           <a:xfrm>
             <a:off x="756000" y="5145120"/>
-            <a:ext cx="6043680" cy="4205880"/>
+            <a:ext cx="6043320" cy="4205520"/>
           </a:xfrm>
           <a:prstGeom prst="rect">
             <a:avLst/>
@@ -1724,7 +1721,7 @@
         <p:spPr>
           <a:xfrm>
             <a:off x="0" y="10155240"/>
-            <a:ext cx="3272040" cy="532440"/>
+            <a:ext cx="3271680" cy="532080"/>
           </a:xfrm>
           <a:prstGeom prst="rect">
             <a:avLst/>
@@ -1802,7 +1799,7 @@
         <p:spPr>
           <a:xfrm>
             <a:off x="1376280" y="1336680"/>
-            <a:ext cx="4803480" cy="3603240"/>
+            <a:ext cx="4803120" cy="3602880"/>
           </a:xfrm>
           <a:prstGeom prst="rect">
             <a:avLst/>
@@ -1825,7 +1822,7 @@
         <p:spPr>
           <a:xfrm>
             <a:off x="756000" y="5145120"/>
-            <a:ext cx="6043680" cy="4205880"/>
+            <a:ext cx="6043320" cy="4205520"/>
           </a:xfrm>
           <a:prstGeom prst="rect">
             <a:avLst/>
@@ -1855,7 +1852,7 @@
         <p:spPr>
           <a:xfrm>
             <a:off x="0" y="10155240"/>
-            <a:ext cx="3272040" cy="532440"/>
+            <a:ext cx="3271680" cy="532080"/>
           </a:xfrm>
           <a:prstGeom prst="rect">
             <a:avLst/>
@@ -1933,7 +1930,7 @@
         <p:spPr>
           <a:xfrm>
             <a:off x="1376280" y="1336680"/>
-            <a:ext cx="4803480" cy="3603240"/>
+            <a:ext cx="4803120" cy="3602880"/>
           </a:xfrm>
           <a:prstGeom prst="rect">
             <a:avLst/>
@@ -1956,7 +1953,7 @@
         <p:spPr>
           <a:xfrm>
             <a:off x="756000" y="5145120"/>
-            <a:ext cx="6043680" cy="4205880"/>
+            <a:ext cx="6043320" cy="4205520"/>
           </a:xfrm>
           <a:prstGeom prst="rect">
             <a:avLst/>
@@ -1986,7 +1983,7 @@
         <p:spPr>
           <a:xfrm>
             <a:off x="0" y="10155240"/>
-            <a:ext cx="3272040" cy="532440"/>
+            <a:ext cx="3271680" cy="532080"/>
           </a:xfrm>
           <a:prstGeom prst="rect">
             <a:avLst/>
@@ -2064,7 +2061,7 @@
         <p:spPr>
           <a:xfrm>
             <a:off x="1376280" y="1336680"/>
-            <a:ext cx="4803480" cy="3603240"/>
+            <a:ext cx="4803120" cy="3602880"/>
           </a:xfrm>
           <a:prstGeom prst="rect">
             <a:avLst/>
@@ -2087,7 +2084,7 @@
         <p:spPr>
           <a:xfrm>
             <a:off x="756000" y="5145120"/>
-            <a:ext cx="6043680" cy="4205880"/>
+            <a:ext cx="6043320" cy="4205520"/>
           </a:xfrm>
           <a:prstGeom prst="rect">
             <a:avLst/>
@@ -2117,7 +2114,7 @@
         <p:spPr>
           <a:xfrm>
             <a:off x="0" y="10155240"/>
-            <a:ext cx="3272040" cy="532440"/>
+            <a:ext cx="3271680" cy="532080"/>
           </a:xfrm>
           <a:prstGeom prst="rect">
             <a:avLst/>
@@ -2195,7 +2192,7 @@
         <p:spPr>
           <a:xfrm>
             <a:off x="1376280" y="1336680"/>
-            <a:ext cx="4803480" cy="3603240"/>
+            <a:ext cx="4803120" cy="3602880"/>
           </a:xfrm>
           <a:prstGeom prst="rect">
             <a:avLst/>
@@ -2218,7 +2215,7 @@
         <p:spPr>
           <a:xfrm>
             <a:off x="756000" y="5145120"/>
-            <a:ext cx="6043680" cy="4205880"/>
+            <a:ext cx="6043320" cy="4205520"/>
           </a:xfrm>
           <a:prstGeom prst="rect">
             <a:avLst/>
@@ -2248,7 +2245,7 @@
         <p:spPr>
           <a:xfrm>
             <a:off x="0" y="10155240"/>
-            <a:ext cx="3272040" cy="532440"/>
+            <a:ext cx="3271680" cy="532080"/>
           </a:xfrm>
           <a:prstGeom prst="rect">
             <a:avLst/>
@@ -2326,7 +2323,7 @@
         <p:spPr>
           <a:xfrm>
             <a:off x="1376280" y="1336680"/>
-            <a:ext cx="4803480" cy="3603240"/>
+            <a:ext cx="4803120" cy="3602880"/>
           </a:xfrm>
           <a:prstGeom prst="rect">
             <a:avLst/>
@@ -2349,7 +2346,7 @@
         <p:spPr>
           <a:xfrm>
             <a:off x="756000" y="5145120"/>
-            <a:ext cx="6043680" cy="4205880"/>
+            <a:ext cx="6043320" cy="4205520"/>
           </a:xfrm>
           <a:prstGeom prst="rect">
             <a:avLst/>
@@ -2379,7 +2376,7 @@
         <p:spPr>
           <a:xfrm>
             <a:off x="0" y="10155240"/>
-            <a:ext cx="3272040" cy="532440"/>
+            <a:ext cx="3271680" cy="532080"/>
           </a:xfrm>
           <a:prstGeom prst="rect">
             <a:avLst/>
@@ -2457,7 +2454,7 @@
         <p:spPr>
           <a:xfrm>
             <a:off x="1376280" y="1336680"/>
-            <a:ext cx="4803480" cy="3603240"/>
+            <a:ext cx="4803120" cy="3602880"/>
           </a:xfrm>
           <a:prstGeom prst="rect">
             <a:avLst/>
@@ -2480,7 +2477,7 @@
         <p:spPr>
           <a:xfrm>
             <a:off x="756000" y="5145120"/>
-            <a:ext cx="6043680" cy="4205880"/>
+            <a:ext cx="6043320" cy="4205520"/>
           </a:xfrm>
           <a:prstGeom prst="rect">
             <a:avLst/>
@@ -2510,7 +2507,7 @@
         <p:spPr>
           <a:xfrm>
             <a:off x="0" y="10155240"/>
-            <a:ext cx="3272040" cy="532440"/>
+            <a:ext cx="3271680" cy="532080"/>
           </a:xfrm>
           <a:prstGeom prst="rect">
             <a:avLst/>
@@ -2588,7 +2585,7 @@
         <p:spPr>
           <a:xfrm>
             <a:off x="1376280" y="1336680"/>
-            <a:ext cx="4803480" cy="3603240"/>
+            <a:ext cx="4803120" cy="3602880"/>
           </a:xfrm>
           <a:prstGeom prst="rect">
             <a:avLst/>
@@ -2611,7 +2608,7 @@
         <p:spPr>
           <a:xfrm>
             <a:off x="756000" y="5145120"/>
-            <a:ext cx="6043680" cy="4205880"/>
+            <a:ext cx="6043320" cy="4205520"/>
           </a:xfrm>
           <a:prstGeom prst="rect">
             <a:avLst/>
@@ -2641,7 +2638,7 @@
         <p:spPr>
           <a:xfrm>
             <a:off x="0" y="10155240"/>
-            <a:ext cx="3272040" cy="532440"/>
+            <a:ext cx="3271680" cy="532080"/>
           </a:xfrm>
           <a:prstGeom prst="rect">
             <a:avLst/>
@@ -2756,10 +2753,10 @@
             <a:noAutofit/>
           </a:bodyPr>
           <a:p>
-            <a:endParaRPr b="0" lang="pt-BR" sz="1800" spc="-1" strike="noStrike">
-              <a:solidFill>
-                <a:srgbClr val="000000"/>
-              </a:solidFill>
+            <a:pPr algn="ctr">
+              <a:buNone/>
+            </a:pPr>
+            <a:endParaRPr b="0" lang="pt-BR" sz="4400" spc="-1" strike="noStrike">
               <a:latin typeface="Arial"/>
             </a:endParaRPr>
           </a:p>
@@ -2793,19 +2790,7 @@
             <a:normAutofit/>
           </a:bodyPr>
           <a:p>
-            <a:pPr>
-              <a:lnSpc>
-                <a:spcPct val="90000"/>
-              </a:lnSpc>
-              <a:spcBef>
-                <a:spcPts val="1417"/>
-              </a:spcBef>
-              <a:buNone/>
-            </a:pPr>
-            <a:endParaRPr b="0" lang="pt-BR" sz="2800" spc="-1" strike="noStrike">
-              <a:solidFill>
-                <a:srgbClr val="000000"/>
-              </a:solidFill>
+            <a:endParaRPr b="0" lang="pt-BR" sz="3200" spc="-1" strike="noStrike">
               <a:latin typeface="Arial"/>
             </a:endParaRPr>
           </a:p>
@@ -2839,19 +2824,7 @@
             <a:normAutofit/>
           </a:bodyPr>
           <a:p>
-            <a:pPr>
-              <a:lnSpc>
-                <a:spcPct val="90000"/>
-              </a:lnSpc>
-              <a:spcBef>
-                <a:spcPts val="1417"/>
-              </a:spcBef>
-              <a:buNone/>
-            </a:pPr>
-            <a:endParaRPr b="0" lang="pt-BR" sz="2800" spc="-1" strike="noStrike">
-              <a:solidFill>
-                <a:srgbClr val="000000"/>
-              </a:solidFill>
+            <a:endParaRPr b="0" lang="pt-BR" sz="3200" spc="-1" strike="noStrike">
               <a:latin typeface="Arial"/>
             </a:endParaRPr>
           </a:p>
@@ -2907,10 +2880,10 @@
             <a:noAutofit/>
           </a:bodyPr>
           <a:p>
-            <a:endParaRPr b="0" lang="pt-BR" sz="1800" spc="-1" strike="noStrike">
-              <a:solidFill>
-                <a:srgbClr val="000000"/>
-              </a:solidFill>
+            <a:pPr algn="ctr">
+              <a:buNone/>
+            </a:pPr>
+            <a:endParaRPr b="0" lang="pt-BR" sz="4400" spc="-1" strike="noStrike">
               <a:latin typeface="Arial"/>
             </a:endParaRPr>
           </a:p>
@@ -2944,19 +2917,7 @@
             <a:normAutofit/>
           </a:bodyPr>
           <a:p>
-            <a:pPr>
-              <a:lnSpc>
-                <a:spcPct val="90000"/>
-              </a:lnSpc>
-              <a:spcBef>
-                <a:spcPts val="1417"/>
-              </a:spcBef>
-              <a:buNone/>
-            </a:pPr>
-            <a:endParaRPr b="0" lang="pt-BR" sz="2800" spc="-1" strike="noStrike">
-              <a:solidFill>
-                <a:srgbClr val="000000"/>
-              </a:solidFill>
+            <a:endParaRPr b="0" lang="pt-BR" sz="3200" spc="-1" strike="noStrike">
               <a:latin typeface="Arial"/>
             </a:endParaRPr>
           </a:p>
@@ -2990,19 +2951,7 @@
             <a:normAutofit/>
           </a:bodyPr>
           <a:p>
-            <a:pPr>
-              <a:lnSpc>
-                <a:spcPct val="90000"/>
-              </a:lnSpc>
-              <a:spcBef>
-                <a:spcPts val="1417"/>
-              </a:spcBef>
-              <a:buNone/>
-            </a:pPr>
-            <a:endParaRPr b="0" lang="pt-BR" sz="2800" spc="-1" strike="noStrike">
-              <a:solidFill>
-                <a:srgbClr val="000000"/>
-              </a:solidFill>
+            <a:endParaRPr b="0" lang="pt-BR" sz="3200" spc="-1" strike="noStrike">
               <a:latin typeface="Arial"/>
             </a:endParaRPr>
           </a:p>
@@ -3036,19 +2985,7 @@
             <a:normAutofit/>
           </a:bodyPr>
           <a:p>
-            <a:pPr>
-              <a:lnSpc>
-                <a:spcPct val="90000"/>
-              </a:lnSpc>
-              <a:spcBef>
-                <a:spcPts val="1417"/>
-              </a:spcBef>
-              <a:buNone/>
-            </a:pPr>
-            <a:endParaRPr b="0" lang="pt-BR" sz="2800" spc="-1" strike="noStrike">
-              <a:solidFill>
-                <a:srgbClr val="000000"/>
-              </a:solidFill>
+            <a:endParaRPr b="0" lang="pt-BR" sz="3200" spc="-1" strike="noStrike">
               <a:latin typeface="Arial"/>
             </a:endParaRPr>
           </a:p>
@@ -3082,19 +3019,7 @@
             <a:normAutofit/>
           </a:bodyPr>
           <a:p>
-            <a:pPr>
-              <a:lnSpc>
-                <a:spcPct val="90000"/>
-              </a:lnSpc>
-              <a:spcBef>
-                <a:spcPts val="1417"/>
-              </a:spcBef>
-              <a:buNone/>
-            </a:pPr>
-            <a:endParaRPr b="0" lang="pt-BR" sz="2800" spc="-1" strike="noStrike">
-              <a:solidFill>
-                <a:srgbClr val="000000"/>
-              </a:solidFill>
+            <a:endParaRPr b="0" lang="pt-BR" sz="3200" spc="-1" strike="noStrike">
               <a:latin typeface="Arial"/>
             </a:endParaRPr>
           </a:p>
@@ -3150,10 +3075,10 @@
             <a:noAutofit/>
           </a:bodyPr>
           <a:p>
-            <a:endParaRPr b="0" lang="pt-BR" sz="1800" spc="-1" strike="noStrike">
-              <a:solidFill>
-                <a:srgbClr val="000000"/>
-              </a:solidFill>
+            <a:pPr algn="ctr">
+              <a:buNone/>
+            </a:pPr>
+            <a:endParaRPr b="0" lang="pt-BR" sz="4400" spc="-1" strike="noStrike">
               <a:latin typeface="Arial"/>
             </a:endParaRPr>
           </a:p>
@@ -3187,19 +3112,7 @@
             <a:normAutofit/>
           </a:bodyPr>
           <a:p>
-            <a:pPr>
-              <a:lnSpc>
-                <a:spcPct val="90000"/>
-              </a:lnSpc>
-              <a:spcBef>
-                <a:spcPts val="1417"/>
-              </a:spcBef>
-              <a:buNone/>
-            </a:pPr>
-            <a:endParaRPr b="0" lang="pt-BR" sz="2800" spc="-1" strike="noStrike">
-              <a:solidFill>
-                <a:srgbClr val="000000"/>
-              </a:solidFill>
+            <a:endParaRPr b="0" lang="pt-BR" sz="3200" spc="-1" strike="noStrike">
               <a:latin typeface="Arial"/>
             </a:endParaRPr>
           </a:p>
@@ -3233,19 +3146,7 @@
             <a:normAutofit/>
           </a:bodyPr>
           <a:p>
-            <a:pPr>
-              <a:lnSpc>
-                <a:spcPct val="90000"/>
-              </a:lnSpc>
-              <a:spcBef>
-                <a:spcPts val="1417"/>
-              </a:spcBef>
-              <a:buNone/>
-            </a:pPr>
-            <a:endParaRPr b="0" lang="pt-BR" sz="2800" spc="-1" strike="noStrike">
-              <a:solidFill>
-                <a:srgbClr val="000000"/>
-              </a:solidFill>
+            <a:endParaRPr b="0" lang="pt-BR" sz="3200" spc="-1" strike="noStrike">
               <a:latin typeface="Arial"/>
             </a:endParaRPr>
           </a:p>
@@ -3279,19 +3180,7 @@
             <a:normAutofit/>
           </a:bodyPr>
           <a:p>
-            <a:pPr>
-              <a:lnSpc>
-                <a:spcPct val="90000"/>
-              </a:lnSpc>
-              <a:spcBef>
-                <a:spcPts val="1417"/>
-              </a:spcBef>
-              <a:buNone/>
-            </a:pPr>
-            <a:endParaRPr b="0" lang="pt-BR" sz="2800" spc="-1" strike="noStrike">
-              <a:solidFill>
-                <a:srgbClr val="000000"/>
-              </a:solidFill>
+            <a:endParaRPr b="0" lang="pt-BR" sz="3200" spc="-1" strike="noStrike">
               <a:latin typeface="Arial"/>
             </a:endParaRPr>
           </a:p>
@@ -3325,19 +3214,7 @@
             <a:normAutofit/>
           </a:bodyPr>
           <a:p>
-            <a:pPr>
-              <a:lnSpc>
-                <a:spcPct val="90000"/>
-              </a:lnSpc>
-              <a:spcBef>
-                <a:spcPts val="1417"/>
-              </a:spcBef>
-              <a:buNone/>
-            </a:pPr>
-            <a:endParaRPr b="0" lang="pt-BR" sz="2800" spc="-1" strike="noStrike">
-              <a:solidFill>
-                <a:srgbClr val="000000"/>
-              </a:solidFill>
+            <a:endParaRPr b="0" lang="pt-BR" sz="3200" spc="-1" strike="noStrike">
               <a:latin typeface="Arial"/>
             </a:endParaRPr>
           </a:p>
@@ -3371,19 +3248,7 @@
             <a:normAutofit/>
           </a:bodyPr>
           <a:p>
-            <a:pPr>
-              <a:lnSpc>
-                <a:spcPct val="90000"/>
-              </a:lnSpc>
-              <a:spcBef>
-                <a:spcPts val="1417"/>
-              </a:spcBef>
-              <a:buNone/>
-            </a:pPr>
-            <a:endParaRPr b="0" lang="pt-BR" sz="2800" spc="-1" strike="noStrike">
-              <a:solidFill>
-                <a:srgbClr val="000000"/>
-              </a:solidFill>
+            <a:endParaRPr b="0" lang="pt-BR" sz="3200" spc="-1" strike="noStrike">
               <a:latin typeface="Arial"/>
             </a:endParaRPr>
           </a:p>
@@ -3417,19 +3282,7 @@
             <a:normAutofit/>
           </a:bodyPr>
           <a:p>
-            <a:pPr>
-              <a:lnSpc>
-                <a:spcPct val="90000"/>
-              </a:lnSpc>
-              <a:spcBef>
-                <a:spcPts val="1417"/>
-              </a:spcBef>
-              <a:buNone/>
-            </a:pPr>
-            <a:endParaRPr b="0" lang="pt-BR" sz="2800" spc="-1" strike="noStrike">
-              <a:solidFill>
-                <a:srgbClr val="000000"/>
-              </a:solidFill>
+            <a:endParaRPr b="0" lang="pt-BR" sz="3200" spc="-1" strike="noStrike">
               <a:latin typeface="Arial"/>
             </a:endParaRPr>
           </a:p>
@@ -3507,10 +3360,10 @@
             <a:noAutofit/>
           </a:bodyPr>
           <a:p>
-            <a:endParaRPr b="0" lang="pt-BR" sz="1800" spc="-1" strike="noStrike">
-              <a:solidFill>
-                <a:srgbClr val="000000"/>
-              </a:solidFill>
+            <a:pPr algn="ctr">
+              <a:buNone/>
+            </a:pPr>
+            <a:endParaRPr b="0" lang="pt-BR" sz="4400" spc="-1" strike="noStrike">
               <a:latin typeface="Arial"/>
             </a:endParaRPr>
           </a:p>
@@ -3603,10 +3456,10 @@
             <a:noAutofit/>
           </a:bodyPr>
           <a:p>
-            <a:endParaRPr b="0" lang="pt-BR" sz="1800" spc="-1" strike="noStrike">
-              <a:solidFill>
-                <a:srgbClr val="000000"/>
-              </a:solidFill>
+            <a:pPr algn="ctr">
+              <a:buNone/>
+            </a:pPr>
+            <a:endParaRPr b="0" lang="pt-BR" sz="4400" spc="-1" strike="noStrike">
               <a:latin typeface="Arial"/>
             </a:endParaRPr>
           </a:p>
@@ -3640,19 +3493,7 @@
             <a:normAutofit/>
           </a:bodyPr>
           <a:p>
-            <a:pPr>
-              <a:lnSpc>
-                <a:spcPct val="90000"/>
-              </a:lnSpc>
-              <a:spcBef>
-                <a:spcPts val="1417"/>
-              </a:spcBef>
-              <a:buNone/>
-            </a:pPr>
-            <a:endParaRPr b="0" lang="pt-BR" sz="2800" spc="-1" strike="noStrike">
-              <a:solidFill>
-                <a:srgbClr val="000000"/>
-              </a:solidFill>
+            <a:endParaRPr b="0" lang="pt-BR" sz="3200" spc="-1" strike="noStrike">
               <a:latin typeface="Arial"/>
             </a:endParaRPr>
           </a:p>
@@ -3708,10 +3549,10 @@
             <a:noAutofit/>
           </a:bodyPr>
           <a:p>
-            <a:endParaRPr b="0" lang="pt-BR" sz="1800" spc="-1" strike="noStrike">
-              <a:solidFill>
-                <a:srgbClr val="000000"/>
-              </a:solidFill>
+            <a:pPr algn="ctr">
+              <a:buNone/>
+            </a:pPr>
+            <a:endParaRPr b="0" lang="pt-BR" sz="4400" spc="-1" strike="noStrike">
               <a:latin typeface="Arial"/>
             </a:endParaRPr>
           </a:p>
@@ -3745,19 +3586,7 @@
             <a:normAutofit/>
           </a:bodyPr>
           <a:p>
-            <a:pPr>
-              <a:lnSpc>
-                <a:spcPct val="90000"/>
-              </a:lnSpc>
-              <a:spcBef>
-                <a:spcPts val="1417"/>
-              </a:spcBef>
-              <a:buNone/>
-            </a:pPr>
-            <a:endParaRPr b="0" lang="pt-BR" sz="2800" spc="-1" strike="noStrike">
-              <a:solidFill>
-                <a:srgbClr val="000000"/>
-              </a:solidFill>
+            <a:endParaRPr b="0" lang="pt-BR" sz="3200" spc="-1" strike="noStrike">
               <a:latin typeface="Arial"/>
             </a:endParaRPr>
           </a:p>
@@ -3791,19 +3620,7 @@
             <a:normAutofit/>
           </a:bodyPr>
           <a:p>
-            <a:pPr>
-              <a:lnSpc>
-                <a:spcPct val="90000"/>
-              </a:lnSpc>
-              <a:spcBef>
-                <a:spcPts val="1417"/>
-              </a:spcBef>
-              <a:buNone/>
-            </a:pPr>
-            <a:endParaRPr b="0" lang="pt-BR" sz="2800" spc="-1" strike="noStrike">
-              <a:solidFill>
-                <a:srgbClr val="000000"/>
-              </a:solidFill>
+            <a:endParaRPr b="0" lang="pt-BR" sz="3200" spc="-1" strike="noStrike">
               <a:latin typeface="Arial"/>
             </a:endParaRPr>
           </a:p>
@@ -3859,10 +3676,10 @@
             <a:noAutofit/>
           </a:bodyPr>
           <a:p>
-            <a:endParaRPr b="0" lang="pt-BR" sz="1800" spc="-1" strike="noStrike">
-              <a:solidFill>
-                <a:srgbClr val="000000"/>
-              </a:solidFill>
+            <a:pPr algn="ctr">
+              <a:buNone/>
+            </a:pPr>
+            <a:endParaRPr b="0" lang="pt-BR" sz="4400" spc="-1" strike="noStrike">
               <a:latin typeface="Arial"/>
             </a:endParaRPr>
           </a:p>
@@ -3977,10 +3794,10 @@
             <a:noAutofit/>
           </a:bodyPr>
           <a:p>
-            <a:endParaRPr b="0" lang="pt-BR" sz="1800" spc="-1" strike="noStrike">
-              <a:solidFill>
-                <a:srgbClr val="000000"/>
-              </a:solidFill>
+            <a:pPr algn="ctr">
+              <a:buNone/>
+            </a:pPr>
+            <a:endParaRPr b="0" lang="pt-BR" sz="4400" spc="-1" strike="noStrike">
               <a:latin typeface="Arial"/>
             </a:endParaRPr>
           </a:p>
@@ -4014,19 +3831,7 @@
             <a:normAutofit/>
           </a:bodyPr>
           <a:p>
-            <a:pPr>
-              <a:lnSpc>
-                <a:spcPct val="90000"/>
-              </a:lnSpc>
-              <a:spcBef>
-                <a:spcPts val="1417"/>
-              </a:spcBef>
-              <a:buNone/>
-            </a:pPr>
-            <a:endParaRPr b="0" lang="pt-BR" sz="2800" spc="-1" strike="noStrike">
-              <a:solidFill>
-                <a:srgbClr val="000000"/>
-              </a:solidFill>
+            <a:endParaRPr b="0" lang="pt-BR" sz="3200" spc="-1" strike="noStrike">
               <a:latin typeface="Arial"/>
             </a:endParaRPr>
           </a:p>
@@ -4060,19 +3865,7 @@
             <a:normAutofit/>
           </a:bodyPr>
           <a:p>
-            <a:pPr>
-              <a:lnSpc>
-                <a:spcPct val="90000"/>
-              </a:lnSpc>
-              <a:spcBef>
-                <a:spcPts val="1417"/>
-              </a:spcBef>
-              <a:buNone/>
-            </a:pPr>
-            <a:endParaRPr b="0" lang="pt-BR" sz="2800" spc="-1" strike="noStrike">
-              <a:solidFill>
-                <a:srgbClr val="000000"/>
-              </a:solidFill>
+            <a:endParaRPr b="0" lang="pt-BR" sz="3200" spc="-1" strike="noStrike">
               <a:latin typeface="Arial"/>
             </a:endParaRPr>
           </a:p>
@@ -4106,19 +3899,7 @@
             <a:normAutofit/>
           </a:bodyPr>
           <a:p>
-            <a:pPr>
-              <a:lnSpc>
-                <a:spcPct val="90000"/>
-              </a:lnSpc>
-              <a:spcBef>
-                <a:spcPts val="1417"/>
-              </a:spcBef>
-              <a:buNone/>
-            </a:pPr>
-            <a:endParaRPr b="0" lang="pt-BR" sz="2800" spc="-1" strike="noStrike">
-              <a:solidFill>
-                <a:srgbClr val="000000"/>
-              </a:solidFill>
+            <a:endParaRPr b="0" lang="pt-BR" sz="3200" spc="-1" strike="noStrike">
               <a:latin typeface="Arial"/>
             </a:endParaRPr>
           </a:p>
@@ -4174,10 +3955,10 @@
             <a:noAutofit/>
           </a:bodyPr>
           <a:p>
-            <a:endParaRPr b="0" lang="pt-BR" sz="1800" spc="-1" strike="noStrike">
-              <a:solidFill>
-                <a:srgbClr val="000000"/>
-              </a:solidFill>
+            <a:pPr algn="ctr">
+              <a:buNone/>
+            </a:pPr>
+            <a:endParaRPr b="0" lang="pt-BR" sz="4400" spc="-1" strike="noStrike">
               <a:latin typeface="Arial"/>
             </a:endParaRPr>
           </a:p>
@@ -4270,10 +4051,10 @@
             <a:noAutofit/>
           </a:bodyPr>
           <a:p>
-            <a:endParaRPr b="0" lang="pt-BR" sz="1800" spc="-1" strike="noStrike">
-              <a:solidFill>
-                <a:srgbClr val="000000"/>
-              </a:solidFill>
+            <a:pPr algn="ctr">
+              <a:buNone/>
+            </a:pPr>
+            <a:endParaRPr b="0" lang="pt-BR" sz="4400" spc="-1" strike="noStrike">
               <a:latin typeface="Arial"/>
             </a:endParaRPr>
           </a:p>
@@ -4307,19 +4088,7 @@
             <a:normAutofit/>
           </a:bodyPr>
           <a:p>
-            <a:pPr>
-              <a:lnSpc>
-                <a:spcPct val="90000"/>
-              </a:lnSpc>
-              <a:spcBef>
-                <a:spcPts val="1417"/>
-              </a:spcBef>
-              <a:buNone/>
-            </a:pPr>
-            <a:endParaRPr b="0" lang="pt-BR" sz="2800" spc="-1" strike="noStrike">
-              <a:solidFill>
-                <a:srgbClr val="000000"/>
-              </a:solidFill>
+            <a:endParaRPr b="0" lang="pt-BR" sz="3200" spc="-1" strike="noStrike">
               <a:latin typeface="Arial"/>
             </a:endParaRPr>
           </a:p>
@@ -4353,19 +4122,7 @@
             <a:normAutofit/>
           </a:bodyPr>
           <a:p>
-            <a:pPr>
-              <a:lnSpc>
-                <a:spcPct val="90000"/>
-              </a:lnSpc>
-              <a:spcBef>
-                <a:spcPts val="1417"/>
-              </a:spcBef>
-              <a:buNone/>
-            </a:pPr>
-            <a:endParaRPr b="0" lang="pt-BR" sz="2800" spc="-1" strike="noStrike">
-              <a:solidFill>
-                <a:srgbClr val="000000"/>
-              </a:solidFill>
+            <a:endParaRPr b="0" lang="pt-BR" sz="3200" spc="-1" strike="noStrike">
               <a:latin typeface="Arial"/>
             </a:endParaRPr>
           </a:p>
@@ -4399,19 +4156,7 @@
             <a:normAutofit/>
           </a:bodyPr>
           <a:p>
-            <a:pPr>
-              <a:lnSpc>
-                <a:spcPct val="90000"/>
-              </a:lnSpc>
-              <a:spcBef>
-                <a:spcPts val="1417"/>
-              </a:spcBef>
-              <a:buNone/>
-            </a:pPr>
-            <a:endParaRPr b="0" lang="pt-BR" sz="2800" spc="-1" strike="noStrike">
-              <a:solidFill>
-                <a:srgbClr val="000000"/>
-              </a:solidFill>
+            <a:endParaRPr b="0" lang="pt-BR" sz="3200" spc="-1" strike="noStrike">
               <a:latin typeface="Arial"/>
             </a:endParaRPr>
           </a:p>
@@ -4467,10 +4212,10 @@
             <a:noAutofit/>
           </a:bodyPr>
           <a:p>
-            <a:endParaRPr b="0" lang="pt-BR" sz="1800" spc="-1" strike="noStrike">
-              <a:solidFill>
-                <a:srgbClr val="000000"/>
-              </a:solidFill>
+            <a:pPr algn="ctr">
+              <a:buNone/>
+            </a:pPr>
+            <a:endParaRPr b="0" lang="pt-BR" sz="4400" spc="-1" strike="noStrike">
               <a:latin typeface="Arial"/>
             </a:endParaRPr>
           </a:p>
@@ -4504,19 +4249,7 @@
             <a:normAutofit/>
           </a:bodyPr>
           <a:p>
-            <a:pPr>
-              <a:lnSpc>
-                <a:spcPct val="90000"/>
-              </a:lnSpc>
-              <a:spcBef>
-                <a:spcPts val="1417"/>
-              </a:spcBef>
-              <a:buNone/>
-            </a:pPr>
-            <a:endParaRPr b="0" lang="pt-BR" sz="2800" spc="-1" strike="noStrike">
-              <a:solidFill>
-                <a:srgbClr val="000000"/>
-              </a:solidFill>
+            <a:endParaRPr b="0" lang="pt-BR" sz="3200" spc="-1" strike="noStrike">
               <a:latin typeface="Arial"/>
             </a:endParaRPr>
           </a:p>
@@ -4550,19 +4283,7 @@
             <a:normAutofit/>
           </a:bodyPr>
           <a:p>
-            <a:pPr>
-              <a:lnSpc>
-                <a:spcPct val="90000"/>
-              </a:lnSpc>
-              <a:spcBef>
-                <a:spcPts val="1417"/>
-              </a:spcBef>
-              <a:buNone/>
-            </a:pPr>
-            <a:endParaRPr b="0" lang="pt-BR" sz="2800" spc="-1" strike="noStrike">
-              <a:solidFill>
-                <a:srgbClr val="000000"/>
-              </a:solidFill>
+            <a:endParaRPr b="0" lang="pt-BR" sz="3200" spc="-1" strike="noStrike">
               <a:latin typeface="Arial"/>
             </a:endParaRPr>
           </a:p>
@@ -4596,19 +4317,7 @@
             <a:normAutofit/>
           </a:bodyPr>
           <a:p>
-            <a:pPr>
-              <a:lnSpc>
-                <a:spcPct val="90000"/>
-              </a:lnSpc>
-              <a:spcBef>
-                <a:spcPts val="1417"/>
-              </a:spcBef>
-              <a:buNone/>
-            </a:pPr>
-            <a:endParaRPr b="0" lang="pt-BR" sz="2800" spc="-1" strike="noStrike">
-              <a:solidFill>
-                <a:srgbClr val="000000"/>
-              </a:solidFill>
+            <a:endParaRPr b="0" lang="pt-BR" sz="3200" spc="-1" strike="noStrike">
               <a:latin typeface="Arial"/>
             </a:endParaRPr>
           </a:p>
@@ -4664,10 +4373,10 @@
             <a:noAutofit/>
           </a:bodyPr>
           <a:p>
-            <a:endParaRPr b="0" lang="pt-BR" sz="1800" spc="-1" strike="noStrike">
-              <a:solidFill>
-                <a:srgbClr val="000000"/>
-              </a:solidFill>
+            <a:pPr algn="ctr">
+              <a:buNone/>
+            </a:pPr>
+            <a:endParaRPr b="0" lang="pt-BR" sz="4400" spc="-1" strike="noStrike">
               <a:latin typeface="Arial"/>
             </a:endParaRPr>
           </a:p>
@@ -4701,19 +4410,7 @@
             <a:normAutofit/>
           </a:bodyPr>
           <a:p>
-            <a:pPr>
-              <a:lnSpc>
-                <a:spcPct val="90000"/>
-              </a:lnSpc>
-              <a:spcBef>
-                <a:spcPts val="1417"/>
-              </a:spcBef>
-              <a:buNone/>
-            </a:pPr>
-            <a:endParaRPr b="0" lang="pt-BR" sz="2800" spc="-1" strike="noStrike">
-              <a:solidFill>
-                <a:srgbClr val="000000"/>
-              </a:solidFill>
+            <a:endParaRPr b="0" lang="pt-BR" sz="3200" spc="-1" strike="noStrike">
               <a:latin typeface="Arial"/>
             </a:endParaRPr>
           </a:p>
@@ -4747,19 +4444,7 @@
             <a:normAutofit/>
           </a:bodyPr>
           <a:p>
-            <a:pPr>
-              <a:lnSpc>
-                <a:spcPct val="90000"/>
-              </a:lnSpc>
-              <a:spcBef>
-                <a:spcPts val="1417"/>
-              </a:spcBef>
-              <a:buNone/>
-            </a:pPr>
-            <a:endParaRPr b="0" lang="pt-BR" sz="2800" spc="-1" strike="noStrike">
-              <a:solidFill>
-                <a:srgbClr val="000000"/>
-              </a:solidFill>
+            <a:endParaRPr b="0" lang="pt-BR" sz="3200" spc="-1" strike="noStrike">
               <a:latin typeface="Arial"/>
             </a:endParaRPr>
           </a:p>
@@ -4815,10 +4500,10 @@
             <a:noAutofit/>
           </a:bodyPr>
           <a:p>
-            <a:endParaRPr b="0" lang="pt-BR" sz="1800" spc="-1" strike="noStrike">
-              <a:solidFill>
-                <a:srgbClr val="000000"/>
-              </a:solidFill>
+            <a:pPr algn="ctr">
+              <a:buNone/>
+            </a:pPr>
+            <a:endParaRPr b="0" lang="pt-BR" sz="4400" spc="-1" strike="noStrike">
               <a:latin typeface="Arial"/>
             </a:endParaRPr>
           </a:p>
@@ -4852,19 +4537,7 @@
             <a:normAutofit/>
           </a:bodyPr>
           <a:p>
-            <a:pPr>
-              <a:lnSpc>
-                <a:spcPct val="90000"/>
-              </a:lnSpc>
-              <a:spcBef>
-                <a:spcPts val="1417"/>
-              </a:spcBef>
-              <a:buNone/>
-            </a:pPr>
-            <a:endParaRPr b="0" lang="pt-BR" sz="2800" spc="-1" strike="noStrike">
-              <a:solidFill>
-                <a:srgbClr val="000000"/>
-              </a:solidFill>
+            <a:endParaRPr b="0" lang="pt-BR" sz="3200" spc="-1" strike="noStrike">
               <a:latin typeface="Arial"/>
             </a:endParaRPr>
           </a:p>
@@ -4898,19 +4571,7 @@
             <a:normAutofit/>
           </a:bodyPr>
           <a:p>
-            <a:pPr>
-              <a:lnSpc>
-                <a:spcPct val="90000"/>
-              </a:lnSpc>
-              <a:spcBef>
-                <a:spcPts val="1417"/>
-              </a:spcBef>
-              <a:buNone/>
-            </a:pPr>
-            <a:endParaRPr b="0" lang="pt-BR" sz="2800" spc="-1" strike="noStrike">
-              <a:solidFill>
-                <a:srgbClr val="000000"/>
-              </a:solidFill>
+            <a:endParaRPr b="0" lang="pt-BR" sz="3200" spc="-1" strike="noStrike">
               <a:latin typeface="Arial"/>
             </a:endParaRPr>
           </a:p>
@@ -4944,19 +4605,7 @@
             <a:normAutofit/>
           </a:bodyPr>
           <a:p>
-            <a:pPr>
-              <a:lnSpc>
-                <a:spcPct val="90000"/>
-              </a:lnSpc>
-              <a:spcBef>
-                <a:spcPts val="1417"/>
-              </a:spcBef>
-              <a:buNone/>
-            </a:pPr>
-            <a:endParaRPr b="0" lang="pt-BR" sz="2800" spc="-1" strike="noStrike">
-              <a:solidFill>
-                <a:srgbClr val="000000"/>
-              </a:solidFill>
+            <a:endParaRPr b="0" lang="pt-BR" sz="3200" spc="-1" strike="noStrike">
               <a:latin typeface="Arial"/>
             </a:endParaRPr>
           </a:p>
@@ -4990,19 +4639,7 @@
             <a:normAutofit/>
           </a:bodyPr>
           <a:p>
-            <a:pPr>
-              <a:lnSpc>
-                <a:spcPct val="90000"/>
-              </a:lnSpc>
-              <a:spcBef>
-                <a:spcPts val="1417"/>
-              </a:spcBef>
-              <a:buNone/>
-            </a:pPr>
-            <a:endParaRPr b="0" lang="pt-BR" sz="2800" spc="-1" strike="noStrike">
-              <a:solidFill>
-                <a:srgbClr val="000000"/>
-              </a:solidFill>
+            <a:endParaRPr b="0" lang="pt-BR" sz="3200" spc="-1" strike="noStrike">
               <a:latin typeface="Arial"/>
             </a:endParaRPr>
           </a:p>
@@ -5058,10 +4695,10 @@
             <a:noAutofit/>
           </a:bodyPr>
           <a:p>
-            <a:endParaRPr b="0" lang="pt-BR" sz="1800" spc="-1" strike="noStrike">
-              <a:solidFill>
-                <a:srgbClr val="000000"/>
-              </a:solidFill>
+            <a:pPr algn="ctr">
+              <a:buNone/>
+            </a:pPr>
+            <a:endParaRPr b="0" lang="pt-BR" sz="4400" spc="-1" strike="noStrike">
               <a:latin typeface="Arial"/>
             </a:endParaRPr>
           </a:p>
@@ -5095,19 +4732,7 @@
             <a:normAutofit/>
           </a:bodyPr>
           <a:p>
-            <a:pPr>
-              <a:lnSpc>
-                <a:spcPct val="90000"/>
-              </a:lnSpc>
-              <a:spcBef>
-                <a:spcPts val="1417"/>
-              </a:spcBef>
-              <a:buNone/>
-            </a:pPr>
-            <a:endParaRPr b="0" lang="pt-BR" sz="2800" spc="-1" strike="noStrike">
-              <a:solidFill>
-                <a:srgbClr val="000000"/>
-              </a:solidFill>
+            <a:endParaRPr b="0" lang="pt-BR" sz="3200" spc="-1" strike="noStrike">
               <a:latin typeface="Arial"/>
             </a:endParaRPr>
           </a:p>
@@ -5141,19 +4766,7 @@
             <a:normAutofit/>
           </a:bodyPr>
           <a:p>
-            <a:pPr>
-              <a:lnSpc>
-                <a:spcPct val="90000"/>
-              </a:lnSpc>
-              <a:spcBef>
-                <a:spcPts val="1417"/>
-              </a:spcBef>
-              <a:buNone/>
-            </a:pPr>
-            <a:endParaRPr b="0" lang="pt-BR" sz="2800" spc="-1" strike="noStrike">
-              <a:solidFill>
-                <a:srgbClr val="000000"/>
-              </a:solidFill>
+            <a:endParaRPr b="0" lang="pt-BR" sz="3200" spc="-1" strike="noStrike">
               <a:latin typeface="Arial"/>
             </a:endParaRPr>
           </a:p>
@@ -5187,19 +4800,7 @@
             <a:normAutofit/>
           </a:bodyPr>
           <a:p>
-            <a:pPr>
-              <a:lnSpc>
-                <a:spcPct val="90000"/>
-              </a:lnSpc>
-              <a:spcBef>
-                <a:spcPts val="1417"/>
-              </a:spcBef>
-              <a:buNone/>
-            </a:pPr>
-            <a:endParaRPr b="0" lang="pt-BR" sz="2800" spc="-1" strike="noStrike">
-              <a:solidFill>
-                <a:srgbClr val="000000"/>
-              </a:solidFill>
+            <a:endParaRPr b="0" lang="pt-BR" sz="3200" spc="-1" strike="noStrike">
               <a:latin typeface="Arial"/>
             </a:endParaRPr>
           </a:p>
@@ -5233,19 +4834,7 @@
             <a:normAutofit/>
           </a:bodyPr>
           <a:p>
-            <a:pPr>
-              <a:lnSpc>
-                <a:spcPct val="90000"/>
-              </a:lnSpc>
-              <a:spcBef>
-                <a:spcPts val="1417"/>
-              </a:spcBef>
-              <a:buNone/>
-            </a:pPr>
-            <a:endParaRPr b="0" lang="pt-BR" sz="2800" spc="-1" strike="noStrike">
-              <a:solidFill>
-                <a:srgbClr val="000000"/>
-              </a:solidFill>
+            <a:endParaRPr b="0" lang="pt-BR" sz="3200" spc="-1" strike="noStrike">
               <a:latin typeface="Arial"/>
             </a:endParaRPr>
           </a:p>
@@ -5279,19 +4868,7 @@
             <a:normAutofit/>
           </a:bodyPr>
           <a:p>
-            <a:pPr>
-              <a:lnSpc>
-                <a:spcPct val="90000"/>
-              </a:lnSpc>
-              <a:spcBef>
-                <a:spcPts val="1417"/>
-              </a:spcBef>
-              <a:buNone/>
-            </a:pPr>
-            <a:endParaRPr b="0" lang="pt-BR" sz="2800" spc="-1" strike="noStrike">
-              <a:solidFill>
-                <a:srgbClr val="000000"/>
-              </a:solidFill>
+            <a:endParaRPr b="0" lang="pt-BR" sz="3200" spc="-1" strike="noStrike">
               <a:latin typeface="Arial"/>
             </a:endParaRPr>
           </a:p>
@@ -5325,19 +4902,7 @@
             <a:normAutofit/>
           </a:bodyPr>
           <a:p>
-            <a:pPr>
-              <a:lnSpc>
-                <a:spcPct val="90000"/>
-              </a:lnSpc>
-              <a:spcBef>
-                <a:spcPts val="1417"/>
-              </a:spcBef>
-              <a:buNone/>
-            </a:pPr>
-            <a:endParaRPr b="0" lang="pt-BR" sz="2800" spc="-1" strike="noStrike">
-              <a:solidFill>
-                <a:srgbClr val="000000"/>
-              </a:solidFill>
+            <a:endParaRPr b="0" lang="pt-BR" sz="3200" spc="-1" strike="noStrike">
               <a:latin typeface="Arial"/>
             </a:endParaRPr>
           </a:p>
@@ -5393,10 +4958,10 @@
             <a:noAutofit/>
           </a:bodyPr>
           <a:p>
-            <a:endParaRPr b="0" lang="pt-BR" sz="1800" spc="-1" strike="noStrike">
-              <a:solidFill>
-                <a:srgbClr val="000000"/>
-              </a:solidFill>
+            <a:pPr algn="ctr">
+              <a:buNone/>
+            </a:pPr>
+            <a:endParaRPr b="0" lang="pt-BR" sz="4400" spc="-1" strike="noStrike">
               <a:latin typeface="Arial"/>
             </a:endParaRPr>
           </a:p>
@@ -5430,19 +4995,7 @@
             <a:normAutofit/>
           </a:bodyPr>
           <a:p>
-            <a:pPr>
-              <a:lnSpc>
-                <a:spcPct val="90000"/>
-              </a:lnSpc>
-              <a:spcBef>
-                <a:spcPts val="1417"/>
-              </a:spcBef>
-              <a:buNone/>
-            </a:pPr>
-            <a:endParaRPr b="0" lang="pt-BR" sz="2800" spc="-1" strike="noStrike">
-              <a:solidFill>
-                <a:srgbClr val="000000"/>
-              </a:solidFill>
+            <a:endParaRPr b="0" lang="pt-BR" sz="3200" spc="-1" strike="noStrike">
               <a:latin typeface="Arial"/>
             </a:endParaRPr>
           </a:p>
@@ -5498,10 +5051,10 @@
             <a:noAutofit/>
           </a:bodyPr>
           <a:p>
-            <a:endParaRPr b="0" lang="pt-BR" sz="1800" spc="-1" strike="noStrike">
-              <a:solidFill>
-                <a:srgbClr val="000000"/>
-              </a:solidFill>
+            <a:pPr algn="ctr">
+              <a:buNone/>
+            </a:pPr>
+            <a:endParaRPr b="0" lang="pt-BR" sz="4400" spc="-1" strike="noStrike">
               <a:latin typeface="Arial"/>
             </a:endParaRPr>
           </a:p>
@@ -5535,19 +5088,7 @@
             <a:normAutofit/>
           </a:bodyPr>
           <a:p>
-            <a:pPr>
-              <a:lnSpc>
-                <a:spcPct val="90000"/>
-              </a:lnSpc>
-              <a:spcBef>
-                <a:spcPts val="1417"/>
-              </a:spcBef>
-              <a:buNone/>
-            </a:pPr>
-            <a:endParaRPr b="0" lang="pt-BR" sz="2800" spc="-1" strike="noStrike">
-              <a:solidFill>
-                <a:srgbClr val="000000"/>
-              </a:solidFill>
+            <a:endParaRPr b="0" lang="pt-BR" sz="3200" spc="-1" strike="noStrike">
               <a:latin typeface="Arial"/>
             </a:endParaRPr>
           </a:p>
@@ -5581,19 +5122,7 @@
             <a:normAutofit/>
           </a:bodyPr>
           <a:p>
-            <a:pPr>
-              <a:lnSpc>
-                <a:spcPct val="90000"/>
-              </a:lnSpc>
-              <a:spcBef>
-                <a:spcPts val="1417"/>
-              </a:spcBef>
-              <a:buNone/>
-            </a:pPr>
-            <a:endParaRPr b="0" lang="pt-BR" sz="2800" spc="-1" strike="noStrike">
-              <a:solidFill>
-                <a:srgbClr val="000000"/>
-              </a:solidFill>
+            <a:endParaRPr b="0" lang="pt-BR" sz="3200" spc="-1" strike="noStrike">
               <a:latin typeface="Arial"/>
             </a:endParaRPr>
           </a:p>
@@ -5649,10 +5178,10 @@
             <a:noAutofit/>
           </a:bodyPr>
           <a:p>
-            <a:endParaRPr b="0" lang="pt-BR" sz="1800" spc="-1" strike="noStrike">
-              <a:solidFill>
-                <a:srgbClr val="000000"/>
-              </a:solidFill>
+            <a:pPr algn="ctr">
+              <a:buNone/>
+            </a:pPr>
+            <a:endParaRPr b="0" lang="pt-BR" sz="4400" spc="-1" strike="noStrike">
               <a:latin typeface="Arial"/>
             </a:endParaRPr>
           </a:p>
@@ -5767,10 +5296,10 @@
             <a:noAutofit/>
           </a:bodyPr>
           <a:p>
-            <a:endParaRPr b="0" lang="pt-BR" sz="1800" spc="-1" strike="noStrike">
-              <a:solidFill>
-                <a:srgbClr val="000000"/>
-              </a:solidFill>
+            <a:pPr algn="ctr">
+              <a:buNone/>
+            </a:pPr>
+            <a:endParaRPr b="0" lang="pt-BR" sz="4400" spc="-1" strike="noStrike">
               <a:latin typeface="Arial"/>
             </a:endParaRPr>
           </a:p>
@@ -5804,19 +5333,7 @@
             <a:normAutofit/>
           </a:bodyPr>
           <a:p>
-            <a:pPr>
-              <a:lnSpc>
-                <a:spcPct val="90000"/>
-              </a:lnSpc>
-              <a:spcBef>
-                <a:spcPts val="1417"/>
-              </a:spcBef>
-              <a:buNone/>
-            </a:pPr>
-            <a:endParaRPr b="0" lang="pt-BR" sz="2800" spc="-1" strike="noStrike">
-              <a:solidFill>
-                <a:srgbClr val="000000"/>
-              </a:solidFill>
+            <a:endParaRPr b="0" lang="pt-BR" sz="3200" spc="-1" strike="noStrike">
               <a:latin typeface="Arial"/>
             </a:endParaRPr>
           </a:p>
@@ -5850,19 +5367,7 @@
             <a:normAutofit/>
           </a:bodyPr>
           <a:p>
-            <a:pPr>
-              <a:lnSpc>
-                <a:spcPct val="90000"/>
-              </a:lnSpc>
-              <a:spcBef>
-                <a:spcPts val="1417"/>
-              </a:spcBef>
-              <a:buNone/>
-            </a:pPr>
-            <a:endParaRPr b="0" lang="pt-BR" sz="2800" spc="-1" strike="noStrike">
-              <a:solidFill>
-                <a:srgbClr val="000000"/>
-              </a:solidFill>
+            <a:endParaRPr b="0" lang="pt-BR" sz="3200" spc="-1" strike="noStrike">
               <a:latin typeface="Arial"/>
             </a:endParaRPr>
           </a:p>
@@ -5896,19 +5401,7 @@
             <a:normAutofit/>
           </a:bodyPr>
           <a:p>
-            <a:pPr>
-              <a:lnSpc>
-                <a:spcPct val="90000"/>
-              </a:lnSpc>
-              <a:spcBef>
-                <a:spcPts val="1417"/>
-              </a:spcBef>
-              <a:buNone/>
-            </a:pPr>
-            <a:endParaRPr b="0" lang="pt-BR" sz="2800" spc="-1" strike="noStrike">
-              <a:solidFill>
-                <a:srgbClr val="000000"/>
-              </a:solidFill>
+            <a:endParaRPr b="0" lang="pt-BR" sz="3200" spc="-1" strike="noStrike">
               <a:latin typeface="Arial"/>
             </a:endParaRPr>
           </a:p>
@@ -5964,10 +5457,10 @@
             <a:noAutofit/>
           </a:bodyPr>
           <a:p>
-            <a:endParaRPr b="0" lang="pt-BR" sz="1800" spc="-1" strike="noStrike">
-              <a:solidFill>
-                <a:srgbClr val="000000"/>
-              </a:solidFill>
+            <a:pPr algn="ctr">
+              <a:buNone/>
+            </a:pPr>
+            <a:endParaRPr b="0" lang="pt-BR" sz="4400" spc="-1" strike="noStrike">
               <a:latin typeface="Arial"/>
             </a:endParaRPr>
           </a:p>
@@ -6001,19 +5494,7 @@
             <a:normAutofit/>
           </a:bodyPr>
           <a:p>
-            <a:pPr>
-              <a:lnSpc>
-                <a:spcPct val="90000"/>
-              </a:lnSpc>
-              <a:spcBef>
-                <a:spcPts val="1417"/>
-              </a:spcBef>
-              <a:buNone/>
-            </a:pPr>
-            <a:endParaRPr b="0" lang="pt-BR" sz="2800" spc="-1" strike="noStrike">
-              <a:solidFill>
-                <a:srgbClr val="000000"/>
-              </a:solidFill>
+            <a:endParaRPr b="0" lang="pt-BR" sz="3200" spc="-1" strike="noStrike">
               <a:latin typeface="Arial"/>
             </a:endParaRPr>
           </a:p>
@@ -6047,19 +5528,7 @@
             <a:normAutofit/>
           </a:bodyPr>
           <a:p>
-            <a:pPr>
-              <a:lnSpc>
-                <a:spcPct val="90000"/>
-              </a:lnSpc>
-              <a:spcBef>
-                <a:spcPts val="1417"/>
-              </a:spcBef>
-              <a:buNone/>
-            </a:pPr>
-            <a:endParaRPr b="0" lang="pt-BR" sz="2800" spc="-1" strike="noStrike">
-              <a:solidFill>
-                <a:srgbClr val="000000"/>
-              </a:solidFill>
+            <a:endParaRPr b="0" lang="pt-BR" sz="3200" spc="-1" strike="noStrike">
               <a:latin typeface="Arial"/>
             </a:endParaRPr>
           </a:p>
@@ -6093,19 +5562,7 @@
             <a:normAutofit/>
           </a:bodyPr>
           <a:p>
-            <a:pPr>
-              <a:lnSpc>
-                <a:spcPct val="90000"/>
-              </a:lnSpc>
-              <a:spcBef>
-                <a:spcPts val="1417"/>
-              </a:spcBef>
-              <a:buNone/>
-            </a:pPr>
-            <a:endParaRPr b="0" lang="pt-BR" sz="2800" spc="-1" strike="noStrike">
-              <a:solidFill>
-                <a:srgbClr val="000000"/>
-              </a:solidFill>
+            <a:endParaRPr b="0" lang="pt-BR" sz="3200" spc="-1" strike="noStrike">
               <a:latin typeface="Arial"/>
             </a:endParaRPr>
           </a:p>
@@ -6161,10 +5618,10 @@
             <a:noAutofit/>
           </a:bodyPr>
           <a:p>
-            <a:endParaRPr b="0" lang="pt-BR" sz="1800" spc="-1" strike="noStrike">
-              <a:solidFill>
-                <a:srgbClr val="000000"/>
-              </a:solidFill>
+            <a:pPr algn="ctr">
+              <a:buNone/>
+            </a:pPr>
+            <a:endParaRPr b="0" lang="pt-BR" sz="4400" spc="-1" strike="noStrike">
               <a:latin typeface="Arial"/>
             </a:endParaRPr>
           </a:p>
@@ -6198,19 +5655,7 @@
             <a:normAutofit/>
           </a:bodyPr>
           <a:p>
-            <a:pPr>
-              <a:lnSpc>
-                <a:spcPct val="90000"/>
-              </a:lnSpc>
-              <a:spcBef>
-                <a:spcPts val="1417"/>
-              </a:spcBef>
-              <a:buNone/>
-            </a:pPr>
-            <a:endParaRPr b="0" lang="pt-BR" sz="2800" spc="-1" strike="noStrike">
-              <a:solidFill>
-                <a:srgbClr val="000000"/>
-              </a:solidFill>
+            <a:endParaRPr b="0" lang="pt-BR" sz="3200" spc="-1" strike="noStrike">
               <a:latin typeface="Arial"/>
             </a:endParaRPr>
           </a:p>
@@ -6244,19 +5689,7 @@
             <a:normAutofit/>
           </a:bodyPr>
           <a:p>
-            <a:pPr>
-              <a:lnSpc>
-                <a:spcPct val="90000"/>
-              </a:lnSpc>
-              <a:spcBef>
-                <a:spcPts val="1417"/>
-              </a:spcBef>
-              <a:buNone/>
-            </a:pPr>
-            <a:endParaRPr b="0" lang="pt-BR" sz="2800" spc="-1" strike="noStrike">
-              <a:solidFill>
-                <a:srgbClr val="000000"/>
-              </a:solidFill>
+            <a:endParaRPr b="0" lang="pt-BR" sz="3200" spc="-1" strike="noStrike">
               <a:latin typeface="Arial"/>
             </a:endParaRPr>
           </a:p>
@@ -6290,19 +5723,7 @@
             <a:normAutofit/>
           </a:bodyPr>
           <a:p>
-            <a:pPr>
-              <a:lnSpc>
-                <a:spcPct val="90000"/>
-              </a:lnSpc>
-              <a:spcBef>
-                <a:spcPts val="1417"/>
-              </a:spcBef>
-              <a:buNone/>
-            </a:pPr>
-            <a:endParaRPr b="0" lang="pt-BR" sz="2800" spc="-1" strike="noStrike">
-              <a:solidFill>
-                <a:srgbClr val="000000"/>
-              </a:solidFill>
+            <a:endParaRPr b="0" lang="pt-BR" sz="3200" spc="-1" strike="noStrike">
               <a:latin typeface="Arial"/>
             </a:endParaRPr>
           </a:p>
@@ -6346,7 +5767,7 @@
         <p:spPr>
           <a:xfrm>
             <a:off x="0" y="3150000"/>
-            <a:ext cx="9716040" cy="1256040"/>
+            <a:ext cx="9715680" cy="1255680"/>
           </a:xfrm>
           <a:prstGeom prst="rect">
             <a:avLst/>
@@ -6393,19 +5814,16 @@
             <a:noAutofit/>
           </a:bodyPr>
           <a:p>
-            <a:r>
-              <a:rPr b="0" lang="pt-BR" sz="1800" spc="-1" strike="noStrike">
-                <a:solidFill>
-                  <a:srgbClr val="000000"/>
-                </a:solidFill>
+            <a:pPr algn="ctr">
+              <a:buNone/>
+            </a:pPr>
+            <a:r>
+              <a:rPr b="0" lang="pt-BR" sz="4400" spc="-1" strike="noStrike">
                 <a:latin typeface="Arial"/>
               </a:rPr>
               <a:t>Click to edit the title text format</a:t>
             </a:r>
-            <a:endParaRPr b="0" lang="pt-BR" sz="1800" spc="-1" strike="noStrike">
-              <a:solidFill>
-                <a:srgbClr val="000000"/>
-              </a:solidFill>
+            <a:endParaRPr b="0" lang="pt-BR" sz="4400" spc="-1" strike="noStrike">
               <a:latin typeface="Arial"/>
             </a:endParaRPr>
           </a:p>
@@ -6440,9 +5858,6 @@
           </a:bodyPr>
           <a:p>
             <a:pPr marL="432000" indent="-324000">
-              <a:lnSpc>
-                <a:spcPct val="90000"/>
-              </a:lnSpc>
               <a:spcBef>
                 <a:spcPts val="1417"/>
               </a:spcBef>
@@ -6454,26 +5869,17 @@
               <a:buChar char=""/>
             </a:pPr>
             <a:r>
-              <a:rPr b="0" lang="pt-BR" sz="2800" spc="-1" strike="noStrike">
-                <a:solidFill>
-                  <a:srgbClr val="000000"/>
-                </a:solidFill>
+              <a:rPr b="0" lang="pt-BR" sz="3200" spc="-1" strike="noStrike">
                 <a:latin typeface="Arial"/>
               </a:rPr>
               <a:t>Click to edit the outline text format</a:t>
             </a:r>
-            <a:endParaRPr b="0" lang="pt-BR" sz="2800" spc="-1" strike="noStrike">
-              <a:solidFill>
-                <a:srgbClr val="000000"/>
-              </a:solidFill>
+            <a:endParaRPr b="0" lang="pt-BR" sz="3200" spc="-1" strike="noStrike">
               <a:latin typeface="Arial"/>
             </a:endParaRPr>
           </a:p>
           <a:p>
             <a:pPr lvl="1" marL="864000" indent="-324000">
-              <a:lnSpc>
-                <a:spcPct val="90000"/>
-              </a:lnSpc>
               <a:spcBef>
                 <a:spcPts val="1134"/>
               </a:spcBef>
@@ -6485,26 +5891,17 @@
               <a:buChar char=""/>
             </a:pPr>
             <a:r>
-              <a:rPr b="0" lang="pt-BR" sz="2000" spc="-1" strike="noStrike">
-                <a:solidFill>
-                  <a:srgbClr val="000000"/>
-                </a:solidFill>
+              <a:rPr b="0" lang="pt-BR" sz="2800" spc="-1" strike="noStrike">
                 <a:latin typeface="Arial"/>
               </a:rPr>
               <a:t>Second Outline Level</a:t>
             </a:r>
-            <a:endParaRPr b="0" lang="pt-BR" sz="2000" spc="-1" strike="noStrike">
-              <a:solidFill>
-                <a:srgbClr val="000000"/>
-              </a:solidFill>
+            <a:endParaRPr b="0" lang="pt-BR" sz="2800" spc="-1" strike="noStrike">
               <a:latin typeface="Arial"/>
             </a:endParaRPr>
           </a:p>
           <a:p>
             <a:pPr lvl="2" marL="1296000" indent="-288000">
-              <a:lnSpc>
-                <a:spcPct val="90000"/>
-              </a:lnSpc>
               <a:spcBef>
                 <a:spcPts val="850"/>
               </a:spcBef>
@@ -6516,26 +5913,17 @@
               <a:buChar char=""/>
             </a:pPr>
             <a:r>
-              <a:rPr b="0" lang="pt-BR" sz="1800" spc="-1" strike="noStrike">
-                <a:solidFill>
-                  <a:srgbClr val="000000"/>
-                </a:solidFill>
+              <a:rPr b="0" lang="pt-BR" sz="2400" spc="-1" strike="noStrike">
                 <a:latin typeface="Arial"/>
               </a:rPr>
               <a:t>Third Outline Level</a:t>
             </a:r>
-            <a:endParaRPr b="0" lang="pt-BR" sz="1800" spc="-1" strike="noStrike">
-              <a:solidFill>
-                <a:srgbClr val="000000"/>
-              </a:solidFill>
+            <a:endParaRPr b="0" lang="pt-BR" sz="2400" spc="-1" strike="noStrike">
               <a:latin typeface="Arial"/>
             </a:endParaRPr>
           </a:p>
           <a:p>
             <a:pPr lvl="3" marL="1728000" indent="-216000">
-              <a:lnSpc>
-                <a:spcPct val="90000"/>
-              </a:lnSpc>
               <a:spcBef>
                 <a:spcPts val="567"/>
               </a:spcBef>
@@ -6547,26 +5935,17 @@
               <a:buChar char=""/>
             </a:pPr>
             <a:r>
-              <a:rPr b="0" lang="pt-BR" sz="1800" spc="-1" strike="noStrike">
-                <a:solidFill>
-                  <a:srgbClr val="000000"/>
-                </a:solidFill>
+              <a:rPr b="0" lang="pt-BR" sz="2000" spc="-1" strike="noStrike">
                 <a:latin typeface="Arial"/>
               </a:rPr>
               <a:t>Fourth Outline Level</a:t>
             </a:r>
-            <a:endParaRPr b="0" lang="pt-BR" sz="1800" spc="-1" strike="noStrike">
-              <a:solidFill>
-                <a:srgbClr val="000000"/>
-              </a:solidFill>
+            <a:endParaRPr b="0" lang="pt-BR" sz="2000" spc="-1" strike="noStrike">
               <a:latin typeface="Arial"/>
             </a:endParaRPr>
           </a:p>
           <a:p>
             <a:pPr lvl="4" marL="2160000" indent="-216000">
-              <a:lnSpc>
-                <a:spcPct val="90000"/>
-              </a:lnSpc>
               <a:spcBef>
                 <a:spcPts val="283"/>
               </a:spcBef>
@@ -6579,25 +5958,16 @@
             </a:pPr>
             <a:r>
               <a:rPr b="0" lang="pt-BR" sz="2000" spc="-1" strike="noStrike">
-                <a:solidFill>
-                  <a:srgbClr val="000000"/>
-                </a:solidFill>
                 <a:latin typeface="Arial"/>
               </a:rPr>
               <a:t>Fifth Outline Level</a:t>
             </a:r>
             <a:endParaRPr b="0" lang="pt-BR" sz="2000" spc="-1" strike="noStrike">
-              <a:solidFill>
-                <a:srgbClr val="000000"/>
-              </a:solidFill>
               <a:latin typeface="Arial"/>
             </a:endParaRPr>
           </a:p>
           <a:p>
             <a:pPr lvl="5" marL="2592000" indent="-216000">
-              <a:lnSpc>
-                <a:spcPct val="90000"/>
-              </a:lnSpc>
               <a:spcBef>
                 <a:spcPts val="283"/>
               </a:spcBef>
@@ -6610,25 +5980,16 @@
             </a:pPr>
             <a:r>
               <a:rPr b="0" lang="pt-BR" sz="2000" spc="-1" strike="noStrike">
-                <a:solidFill>
-                  <a:srgbClr val="000000"/>
-                </a:solidFill>
                 <a:latin typeface="Arial"/>
               </a:rPr>
               <a:t>Sixth Outline Level</a:t>
             </a:r>
             <a:endParaRPr b="0" lang="pt-BR" sz="2000" spc="-1" strike="noStrike">
-              <a:solidFill>
-                <a:srgbClr val="000000"/>
-              </a:solidFill>
               <a:latin typeface="Arial"/>
             </a:endParaRPr>
           </a:p>
           <a:p>
             <a:pPr lvl="6" marL="3024000" indent="-216000">
-              <a:lnSpc>
-                <a:spcPct val="90000"/>
-              </a:lnSpc>
               <a:spcBef>
                 <a:spcPts val="283"/>
               </a:spcBef>
@@ -6641,17 +6002,11 @@
             </a:pPr>
             <a:r>
               <a:rPr b="0" lang="pt-BR" sz="2000" spc="-1" strike="noStrike">
-                <a:solidFill>
-                  <a:srgbClr val="000000"/>
-                </a:solidFill>
                 <a:latin typeface="Arial"/>
               </a:rPr>
               <a:t>Seventh Outline Level</a:t>
             </a:r>
             <a:endParaRPr b="0" lang="pt-BR" sz="2000" spc="-1" strike="noStrike">
-              <a:solidFill>
-                <a:srgbClr val="000000"/>
-              </a:solidFill>
               <a:latin typeface="Arial"/>
             </a:endParaRPr>
           </a:p>
@@ -6710,7 +6065,7 @@
         <p:spPr>
           <a:xfrm>
             <a:off x="0" y="180000"/>
-            <a:ext cx="9716040" cy="1256040"/>
+            <a:ext cx="9715680" cy="1255680"/>
           </a:xfrm>
           <a:prstGeom prst="rect">
             <a:avLst/>
@@ -6738,7 +6093,7 @@
         <p:spPr>
           <a:xfrm>
             <a:off x="7560000" y="6840000"/>
-            <a:ext cx="2516040" cy="536040"/>
+            <a:ext cx="2515680" cy="535680"/>
           </a:xfrm>
           <a:prstGeom prst="rect">
             <a:avLst/>
@@ -6766,7 +6121,7 @@
         <p:spPr>
           <a:xfrm>
             <a:off x="900000" y="6840000"/>
-            <a:ext cx="6476040" cy="536040"/>
+            <a:ext cx="6475680" cy="535680"/>
           </a:xfrm>
           <a:prstGeom prst="rect">
             <a:avLst/>
@@ -6794,7 +6149,7 @@
         <p:spPr>
           <a:xfrm>
             <a:off x="180000" y="6840000"/>
-            <a:ext cx="536040" cy="536040"/>
+            <a:ext cx="535680" cy="535680"/>
           </a:xfrm>
           <a:prstGeom prst="rect">
             <a:avLst/>
@@ -6839,19 +6194,16 @@
             <a:noAutofit/>
           </a:bodyPr>
           <a:p>
-            <a:r>
-              <a:rPr b="0" lang="pt-BR" sz="1800" spc="-1" strike="noStrike">
-                <a:solidFill>
-                  <a:srgbClr val="000000"/>
-                </a:solidFill>
+            <a:pPr algn="ctr">
+              <a:buNone/>
+            </a:pPr>
+            <a:r>
+              <a:rPr b="0" lang="pt-BR" sz="4400" spc="-1" strike="noStrike">
                 <a:latin typeface="Arial"/>
               </a:rPr>
               <a:t>Click to edit the title text format</a:t>
             </a:r>
-            <a:endParaRPr b="0" lang="pt-BR" sz="1800" spc="-1" strike="noStrike">
-              <a:solidFill>
-                <a:srgbClr val="000000"/>
-              </a:solidFill>
+            <a:endParaRPr b="0" lang="pt-BR" sz="4400" spc="-1" strike="noStrike">
               <a:latin typeface="Arial"/>
             </a:endParaRPr>
           </a:p>
@@ -6886,9 +6238,6 @@
           </a:bodyPr>
           <a:p>
             <a:pPr marL="432000" indent="-324000">
-              <a:lnSpc>
-                <a:spcPct val="90000"/>
-              </a:lnSpc>
               <a:spcBef>
                 <a:spcPts val="1417"/>
               </a:spcBef>
@@ -6900,26 +6249,17 @@
               <a:buChar char=""/>
             </a:pPr>
             <a:r>
-              <a:rPr b="0" lang="pt-BR" sz="2800" spc="-1" strike="noStrike">
-                <a:solidFill>
-                  <a:srgbClr val="000000"/>
-                </a:solidFill>
+              <a:rPr b="0" lang="pt-BR" sz="3200" spc="-1" strike="noStrike">
                 <a:latin typeface="Arial"/>
               </a:rPr>
               <a:t>Click to edit the outline text format</a:t>
             </a:r>
-            <a:endParaRPr b="0" lang="pt-BR" sz="2800" spc="-1" strike="noStrike">
-              <a:solidFill>
-                <a:srgbClr val="000000"/>
-              </a:solidFill>
+            <a:endParaRPr b="0" lang="pt-BR" sz="3200" spc="-1" strike="noStrike">
               <a:latin typeface="Arial"/>
             </a:endParaRPr>
           </a:p>
           <a:p>
             <a:pPr lvl="1" marL="864000" indent="-324000">
-              <a:lnSpc>
-                <a:spcPct val="90000"/>
-              </a:lnSpc>
               <a:spcBef>
                 <a:spcPts val="1134"/>
               </a:spcBef>
@@ -6931,26 +6271,17 @@
               <a:buChar char=""/>
             </a:pPr>
             <a:r>
-              <a:rPr b="0" lang="pt-BR" sz="2000" spc="-1" strike="noStrike">
-                <a:solidFill>
-                  <a:srgbClr val="000000"/>
-                </a:solidFill>
+              <a:rPr b="0" lang="pt-BR" sz="2800" spc="-1" strike="noStrike">
                 <a:latin typeface="Arial"/>
               </a:rPr>
               <a:t>Second Outline Level</a:t>
             </a:r>
-            <a:endParaRPr b="0" lang="pt-BR" sz="2000" spc="-1" strike="noStrike">
-              <a:solidFill>
-                <a:srgbClr val="000000"/>
-              </a:solidFill>
+            <a:endParaRPr b="0" lang="pt-BR" sz="2800" spc="-1" strike="noStrike">
               <a:latin typeface="Arial"/>
             </a:endParaRPr>
           </a:p>
           <a:p>
             <a:pPr lvl="2" marL="1296000" indent="-288000">
-              <a:lnSpc>
-                <a:spcPct val="90000"/>
-              </a:lnSpc>
               <a:spcBef>
                 <a:spcPts val="850"/>
               </a:spcBef>
@@ -6962,26 +6293,17 @@
               <a:buChar char=""/>
             </a:pPr>
             <a:r>
-              <a:rPr b="0" lang="pt-BR" sz="1800" spc="-1" strike="noStrike">
-                <a:solidFill>
-                  <a:srgbClr val="000000"/>
-                </a:solidFill>
+              <a:rPr b="0" lang="pt-BR" sz="2400" spc="-1" strike="noStrike">
                 <a:latin typeface="Arial"/>
               </a:rPr>
               <a:t>Third Outline Level</a:t>
             </a:r>
-            <a:endParaRPr b="0" lang="pt-BR" sz="1800" spc="-1" strike="noStrike">
-              <a:solidFill>
-                <a:srgbClr val="000000"/>
-              </a:solidFill>
+            <a:endParaRPr b="0" lang="pt-BR" sz="2400" spc="-1" strike="noStrike">
               <a:latin typeface="Arial"/>
             </a:endParaRPr>
           </a:p>
           <a:p>
             <a:pPr lvl="3" marL="1728000" indent="-216000">
-              <a:lnSpc>
-                <a:spcPct val="90000"/>
-              </a:lnSpc>
               <a:spcBef>
                 <a:spcPts val="567"/>
               </a:spcBef>
@@ -6993,26 +6315,17 @@
               <a:buChar char=""/>
             </a:pPr>
             <a:r>
-              <a:rPr b="0" lang="pt-BR" sz="1800" spc="-1" strike="noStrike">
-                <a:solidFill>
-                  <a:srgbClr val="000000"/>
-                </a:solidFill>
+              <a:rPr b="0" lang="pt-BR" sz="2000" spc="-1" strike="noStrike">
                 <a:latin typeface="Arial"/>
               </a:rPr>
               <a:t>Fourth Outline Level</a:t>
             </a:r>
-            <a:endParaRPr b="0" lang="pt-BR" sz="1800" spc="-1" strike="noStrike">
-              <a:solidFill>
-                <a:srgbClr val="000000"/>
-              </a:solidFill>
+            <a:endParaRPr b="0" lang="pt-BR" sz="2000" spc="-1" strike="noStrike">
               <a:latin typeface="Arial"/>
             </a:endParaRPr>
           </a:p>
           <a:p>
             <a:pPr lvl="4" marL="2160000" indent="-216000">
-              <a:lnSpc>
-                <a:spcPct val="90000"/>
-              </a:lnSpc>
               <a:spcBef>
                 <a:spcPts val="283"/>
               </a:spcBef>
@@ -7025,25 +6338,16 @@
             </a:pPr>
             <a:r>
               <a:rPr b="0" lang="pt-BR" sz="2000" spc="-1" strike="noStrike">
-                <a:solidFill>
-                  <a:srgbClr val="000000"/>
-                </a:solidFill>
                 <a:latin typeface="Arial"/>
               </a:rPr>
               <a:t>Fifth Outline Level</a:t>
             </a:r>
             <a:endParaRPr b="0" lang="pt-BR" sz="2000" spc="-1" strike="noStrike">
-              <a:solidFill>
-                <a:srgbClr val="000000"/>
-              </a:solidFill>
               <a:latin typeface="Arial"/>
             </a:endParaRPr>
           </a:p>
           <a:p>
             <a:pPr lvl="5" marL="2592000" indent="-216000">
-              <a:lnSpc>
-                <a:spcPct val="90000"/>
-              </a:lnSpc>
               <a:spcBef>
                 <a:spcPts val="283"/>
               </a:spcBef>
@@ -7056,25 +6360,16 @@
             </a:pPr>
             <a:r>
               <a:rPr b="0" lang="pt-BR" sz="2000" spc="-1" strike="noStrike">
-                <a:solidFill>
-                  <a:srgbClr val="000000"/>
-                </a:solidFill>
                 <a:latin typeface="Arial"/>
               </a:rPr>
               <a:t>Sixth Outline Level</a:t>
             </a:r>
             <a:endParaRPr b="0" lang="pt-BR" sz="2000" spc="-1" strike="noStrike">
-              <a:solidFill>
-                <a:srgbClr val="000000"/>
-              </a:solidFill>
               <a:latin typeface="Arial"/>
             </a:endParaRPr>
           </a:p>
           <a:p>
             <a:pPr lvl="6" marL="3024000" indent="-216000">
-              <a:lnSpc>
-                <a:spcPct val="90000"/>
-              </a:lnSpc>
               <a:spcBef>
                 <a:spcPts val="283"/>
               </a:spcBef>
@@ -7087,17 +6382,11 @@
             </a:pPr>
             <a:r>
               <a:rPr b="0" lang="pt-BR" sz="2000" spc="-1" strike="noStrike">
-                <a:solidFill>
-                  <a:srgbClr val="000000"/>
-                </a:solidFill>
                 <a:latin typeface="Arial"/>
               </a:rPr>
               <a:t>Seventh Outline Level</a:t>
             </a:r>
             <a:endParaRPr b="0" lang="pt-BR" sz="2000" spc="-1" strike="noStrike">
-              <a:solidFill>
-                <a:srgbClr val="000000"/>
-              </a:solidFill>
               <a:latin typeface="Arial"/>
             </a:endParaRPr>
           </a:p>
@@ -7149,7 +6438,7 @@
         <p:spPr>
           <a:xfrm>
             <a:off x="360000" y="3330000"/>
-            <a:ext cx="9356040" cy="896040"/>
+            <a:ext cx="9355680" cy="895680"/>
           </a:xfrm>
           <a:prstGeom prst="rect">
             <a:avLst/>
@@ -7201,7 +6490,7 @@
         <p:spPr>
           <a:xfrm>
             <a:off x="540000" y="4680000"/>
-            <a:ext cx="9176040" cy="2516040"/>
+            <a:ext cx="9175680" cy="2515680"/>
           </a:xfrm>
           <a:prstGeom prst="rect">
             <a:avLst/>
@@ -7406,7 +6695,7 @@
         <p:spPr>
           <a:xfrm>
             <a:off x="360000" y="360000"/>
-            <a:ext cx="9356040" cy="896040"/>
+            <a:ext cx="9355680" cy="895680"/>
           </a:xfrm>
           <a:prstGeom prst="rect">
             <a:avLst/>
@@ -7458,7 +6747,7 @@
         <p:spPr>
           <a:xfrm>
             <a:off x="897120" y="6886080"/>
-            <a:ext cx="6443280" cy="361080"/>
+            <a:ext cx="6442920" cy="360720"/>
           </a:xfrm>
           <a:prstGeom prst="rect">
             <a:avLst/>
@@ -7510,7 +6799,7 @@
         <p:spPr>
           <a:xfrm>
             <a:off x="7608600" y="6886080"/>
-            <a:ext cx="2281320" cy="361080"/>
+            <a:ext cx="2280960" cy="360720"/>
           </a:xfrm>
           <a:prstGeom prst="rect">
             <a:avLst/>
@@ -7576,7 +6865,7 @@
         <p:spPr>
           <a:xfrm>
             <a:off x="2678760" y="3921840"/>
-            <a:ext cx="669960" cy="660960"/>
+            <a:ext cx="669600" cy="660600"/>
           </a:xfrm>
           <a:prstGeom prst="rect">
             <a:avLst/>
@@ -7602,7 +6891,7 @@
         <p:spPr>
           <a:xfrm>
             <a:off x="3349080" y="3577680"/>
-            <a:ext cx="3138840" cy="3138840"/>
+            <a:ext cx="3138480" cy="3138480"/>
           </a:xfrm>
           <a:prstGeom prst="rect">
             <a:avLst/>
@@ -7625,7 +6914,7 @@
         <p:spPr>
           <a:xfrm>
             <a:off x="3349080" y="3577680"/>
-            <a:ext cx="3138840" cy="3138840"/>
+            <a:ext cx="3138480" cy="3138480"/>
           </a:xfrm>
           <a:prstGeom prst="rect">
             <a:avLst/>
@@ -7644,7 +6933,7 @@
         <p:spPr>
           <a:xfrm>
             <a:off x="200160" y="1689840"/>
-            <a:ext cx="9515880" cy="3655800"/>
+            <a:ext cx="9515520" cy="3655800"/>
           </a:xfrm>
           <a:prstGeom prst="rect">
             <a:avLst/>
@@ -7960,7 +7249,7 @@
         <p:spPr>
           <a:xfrm>
             <a:off x="360000" y="360000"/>
-            <a:ext cx="9356040" cy="896040"/>
+            <a:ext cx="9355680" cy="895680"/>
           </a:xfrm>
           <a:prstGeom prst="rect">
             <a:avLst/>
@@ -8012,7 +7301,7 @@
         <p:spPr>
           <a:xfrm>
             <a:off x="897120" y="6886080"/>
-            <a:ext cx="6443280" cy="361080"/>
+            <a:ext cx="6442920" cy="360720"/>
           </a:xfrm>
           <a:prstGeom prst="rect">
             <a:avLst/>
@@ -8064,7 +7353,7 @@
         <p:spPr>
           <a:xfrm>
             <a:off x="7608600" y="6886080"/>
-            <a:ext cx="2281320" cy="361080"/>
+            <a:ext cx="2280960" cy="360720"/>
           </a:xfrm>
           <a:prstGeom prst="rect">
             <a:avLst/>
@@ -8130,7 +7419,7 @@
         <p:spPr>
           <a:xfrm>
             <a:off x="2678760" y="4199400"/>
-            <a:ext cx="669960" cy="660960"/>
+            <a:ext cx="669600" cy="660600"/>
           </a:xfrm>
           <a:prstGeom prst="rect">
             <a:avLst/>
@@ -8156,7 +7445,7 @@
         <p:spPr>
           <a:xfrm>
             <a:off x="3349080" y="3577680"/>
-            <a:ext cx="3138840" cy="3138840"/>
+            <a:ext cx="3138480" cy="3138480"/>
           </a:xfrm>
           <a:prstGeom prst="rect">
             <a:avLst/>
@@ -8179,7 +7468,7 @@
         <p:spPr>
           <a:xfrm>
             <a:off x="3380040" y="3577680"/>
-            <a:ext cx="4690080" cy="3126600"/>
+            <a:ext cx="4689720" cy="3126240"/>
           </a:xfrm>
           <a:prstGeom prst="rect">
             <a:avLst/>
@@ -8198,7 +7487,7 @@
         <p:spPr>
           <a:xfrm>
             <a:off x="6811560" y="3565440"/>
-            <a:ext cx="2424960" cy="3126600"/>
+            <a:ext cx="2424600" cy="3126240"/>
           </a:xfrm>
           <a:prstGeom prst="rect">
             <a:avLst/>
@@ -8210,8 +7499,7 @@
           </a:solidFill>
           <a:ln>
             <a:solidFill>
-              <a:srgbClr val="4f81bd">
-                <a:shade val="50000"/>
+              <a:srgbClr val="3a5f8b">
                 <a:alpha val="40000"/>
               </a:srgbClr>
             </a:solidFill>
@@ -8294,7 +7582,7 @@
         <p:spPr>
           <a:xfrm>
             <a:off x="7691040" y="4030920"/>
-            <a:ext cx="820440" cy="335880"/>
+            <a:ext cx="820080" cy="335520"/>
           </a:xfrm>
           <a:prstGeom prst="leftArrow">
             <a:avLst>
@@ -8336,7 +7624,7 @@
         <p:spPr>
           <a:xfrm>
             <a:off x="7971120" y="2885760"/>
-            <a:ext cx="260280" cy="369000"/>
+            <a:ext cx="259920" cy="368640"/>
           </a:xfrm>
           <a:prstGeom prst="downArrow">
             <a:avLst>
@@ -8378,7 +7666,7 @@
         <p:spPr>
           <a:xfrm>
             <a:off x="7176960" y="2358360"/>
-            <a:ext cx="1848600" cy="363960"/>
+            <a:ext cx="1848240" cy="363960"/>
           </a:xfrm>
           <a:prstGeom prst="rect">
             <a:avLst/>
@@ -8430,7 +7718,7 @@
         <p:spPr>
           <a:xfrm>
             <a:off x="200160" y="1689840"/>
-            <a:ext cx="9515880" cy="3930120"/>
+            <a:ext cx="9515520" cy="3930120"/>
           </a:xfrm>
           <a:prstGeom prst="rect">
             <a:avLst/>
@@ -8757,7 +8045,7 @@
         <p:spPr>
           <a:xfrm>
             <a:off x="360000" y="360000"/>
-            <a:ext cx="9356040" cy="896040"/>
+            <a:ext cx="9355680" cy="895680"/>
           </a:xfrm>
           <a:prstGeom prst="rect">
             <a:avLst/>
@@ -8809,7 +8097,7 @@
         <p:spPr>
           <a:xfrm>
             <a:off x="897120" y="6886080"/>
-            <a:ext cx="6443280" cy="361080"/>
+            <a:ext cx="6442920" cy="360720"/>
           </a:xfrm>
           <a:prstGeom prst="rect">
             <a:avLst/>
@@ -8861,7 +8149,7 @@
         <p:spPr>
           <a:xfrm>
             <a:off x="7608600" y="6886080"/>
-            <a:ext cx="2281320" cy="361080"/>
+            <a:ext cx="2280960" cy="360720"/>
           </a:xfrm>
           <a:prstGeom prst="rect">
             <a:avLst/>
@@ -8927,7 +8215,7 @@
         <p:spPr>
           <a:xfrm>
             <a:off x="2678760" y="4601520"/>
-            <a:ext cx="669960" cy="660960"/>
+            <a:ext cx="669600" cy="660600"/>
           </a:xfrm>
           <a:prstGeom prst="rect">
             <a:avLst/>
@@ -8953,7 +8241,7 @@
         <p:spPr>
           <a:xfrm>
             <a:off x="3349080" y="3577680"/>
-            <a:ext cx="3138840" cy="3138840"/>
+            <a:ext cx="3138480" cy="3138480"/>
           </a:xfrm>
           <a:prstGeom prst="rect">
             <a:avLst/>
@@ -8976,7 +8264,7 @@
         <p:spPr>
           <a:xfrm>
             <a:off x="3349080" y="3593160"/>
-            <a:ext cx="4087080" cy="3123360"/>
+            <a:ext cx="4086720" cy="3123000"/>
           </a:xfrm>
           <a:prstGeom prst="rect">
             <a:avLst/>
@@ -8995,7 +8283,7 @@
         <p:spPr>
           <a:xfrm>
             <a:off x="6811560" y="3565440"/>
-            <a:ext cx="2424960" cy="3126600"/>
+            <a:ext cx="2424600" cy="3126240"/>
           </a:xfrm>
           <a:prstGeom prst="rect">
             <a:avLst/>
@@ -9007,8 +8295,7 @@
           </a:solidFill>
           <a:ln>
             <a:solidFill>
-              <a:srgbClr val="4f81bd">
-                <a:shade val="50000"/>
+              <a:srgbClr val="3a5f8b">
                 <a:alpha val="40000"/>
               </a:srgbClr>
             </a:solidFill>
@@ -9091,7 +8378,7 @@
         <p:spPr>
           <a:xfrm>
             <a:off x="200160" y="1689840"/>
-            <a:ext cx="9515880" cy="4204440"/>
+            <a:ext cx="9515520" cy="4204440"/>
           </a:xfrm>
           <a:prstGeom prst="rect">
             <a:avLst/>
@@ -9429,7 +8716,7 @@
         <p:spPr>
           <a:xfrm>
             <a:off x="360000" y="360000"/>
-            <a:ext cx="9356040" cy="896040"/>
+            <a:ext cx="9355680" cy="895680"/>
           </a:xfrm>
           <a:prstGeom prst="rect">
             <a:avLst/>
@@ -9481,7 +8768,7 @@
         <p:spPr>
           <a:xfrm>
             <a:off x="897120" y="6886080"/>
-            <a:ext cx="6443280" cy="361080"/>
+            <a:ext cx="6442920" cy="360720"/>
           </a:xfrm>
           <a:prstGeom prst="rect">
             <a:avLst/>
@@ -9533,7 +8820,7 @@
         <p:spPr>
           <a:xfrm>
             <a:off x="7608600" y="6886080"/>
-            <a:ext cx="2281320" cy="361080"/>
+            <a:ext cx="2280960" cy="360720"/>
           </a:xfrm>
           <a:prstGeom prst="rect">
             <a:avLst/>
@@ -9599,7 +8886,7 @@
         <p:spPr>
           <a:xfrm>
             <a:off x="2678760" y="4998240"/>
-            <a:ext cx="669960" cy="660960"/>
+            <a:ext cx="669600" cy="660600"/>
           </a:xfrm>
           <a:prstGeom prst="rect">
             <a:avLst/>
@@ -9625,7 +8912,7 @@
         <p:spPr>
           <a:xfrm>
             <a:off x="3349080" y="3577680"/>
-            <a:ext cx="3138840" cy="3138840"/>
+            <a:ext cx="3138480" cy="3138480"/>
           </a:xfrm>
           <a:prstGeom prst="rect">
             <a:avLst/>
@@ -9648,7 +8935,7 @@
         <p:spPr>
           <a:xfrm>
             <a:off x="3349080" y="3593160"/>
-            <a:ext cx="4087080" cy="3123360"/>
+            <a:ext cx="4086720" cy="3123000"/>
           </a:xfrm>
           <a:prstGeom prst="rect">
             <a:avLst/>
@@ -9671,7 +8958,7 @@
         <p:spPr>
           <a:xfrm>
             <a:off x="3349080" y="3596400"/>
-            <a:ext cx="4087080" cy="3169080"/>
+            <a:ext cx="4086720" cy="3168720"/>
           </a:xfrm>
           <a:prstGeom prst="rect">
             <a:avLst/>
@@ -9690,7 +8977,7 @@
         <p:spPr>
           <a:xfrm>
             <a:off x="6811560" y="3565440"/>
-            <a:ext cx="2424960" cy="3126600"/>
+            <a:ext cx="2424600" cy="3126240"/>
           </a:xfrm>
           <a:prstGeom prst="rect">
             <a:avLst/>
@@ -9702,8 +8989,7 @@
           </a:solidFill>
           <a:ln>
             <a:solidFill>
-              <a:srgbClr val="4f81bd">
-                <a:shade val="50000"/>
+              <a:srgbClr val="3a5f8b">
                 <a:alpha val="40000"/>
               </a:srgbClr>
             </a:solidFill>
@@ -9786,7 +9072,7 @@
         <p:spPr>
           <a:xfrm>
             <a:off x="200160" y="1689840"/>
-            <a:ext cx="9515880" cy="4753080"/>
+            <a:ext cx="9515520" cy="4753080"/>
           </a:xfrm>
           <a:prstGeom prst="rect">
             <a:avLst/>
@@ -10146,7 +9432,7 @@
         <p:spPr>
           <a:xfrm>
             <a:off x="360000" y="360000"/>
-            <a:ext cx="9356040" cy="896040"/>
+            <a:ext cx="9355680" cy="895680"/>
           </a:xfrm>
           <a:prstGeom prst="rect">
             <a:avLst/>
@@ -10198,7 +9484,7 @@
         <p:spPr>
           <a:xfrm>
             <a:off x="897120" y="6886080"/>
-            <a:ext cx="6443280" cy="361080"/>
+            <a:ext cx="6442920" cy="360720"/>
           </a:xfrm>
           <a:prstGeom prst="rect">
             <a:avLst/>
@@ -10250,7 +9536,7 @@
         <p:spPr>
           <a:xfrm>
             <a:off x="7608600" y="6886080"/>
-            <a:ext cx="2281320" cy="361080"/>
+            <a:ext cx="2280960" cy="360720"/>
           </a:xfrm>
           <a:prstGeom prst="rect">
             <a:avLst/>
@@ -10316,7 +9602,7 @@
         <p:spPr>
           <a:xfrm>
             <a:off x="2678760" y="5430240"/>
-            <a:ext cx="669960" cy="660960"/>
+            <a:ext cx="669600" cy="660600"/>
           </a:xfrm>
           <a:prstGeom prst="rect">
             <a:avLst/>
@@ -10342,7 +9628,7 @@
         <p:spPr>
           <a:xfrm>
             <a:off x="3349080" y="3577680"/>
-            <a:ext cx="3138840" cy="3138840"/>
+            <a:ext cx="3138480" cy="3138480"/>
           </a:xfrm>
           <a:prstGeom prst="rect">
             <a:avLst/>
@@ -10365,7 +9651,7 @@
         <p:spPr>
           <a:xfrm>
             <a:off x="3349080" y="3593160"/>
-            <a:ext cx="4087080" cy="3123360"/>
+            <a:ext cx="4086720" cy="3123000"/>
           </a:xfrm>
           <a:prstGeom prst="rect">
             <a:avLst/>
@@ -10388,7 +9674,7 @@
         <p:spPr>
           <a:xfrm>
             <a:off x="3349080" y="3596400"/>
-            <a:ext cx="4087080" cy="3169080"/>
+            <a:ext cx="4086720" cy="3168720"/>
           </a:xfrm>
           <a:prstGeom prst="rect">
             <a:avLst/>
@@ -10411,7 +9697,7 @@
         <p:spPr>
           <a:xfrm>
             <a:off x="3349080" y="3593160"/>
-            <a:ext cx="3179880" cy="3169080"/>
+            <a:ext cx="3179520" cy="3168720"/>
           </a:xfrm>
           <a:prstGeom prst="rect">
             <a:avLst/>
@@ -10430,7 +9716,7 @@
         <p:spPr>
           <a:xfrm>
             <a:off x="6811560" y="3565440"/>
-            <a:ext cx="2424960" cy="3126600"/>
+            <a:ext cx="2424600" cy="3126240"/>
           </a:xfrm>
           <a:prstGeom prst="rect">
             <a:avLst/>
@@ -10442,8 +9728,7 @@
           </a:solidFill>
           <a:ln>
             <a:solidFill>
-              <a:srgbClr val="4f81bd">
-                <a:shade val="50000"/>
+              <a:srgbClr val="3a5f8b">
                 <a:alpha val="40000"/>
               </a:srgbClr>
             </a:solidFill>
@@ -10526,7 +9811,7 @@
         <p:spPr>
           <a:xfrm>
             <a:off x="200160" y="1689840"/>
-            <a:ext cx="9515880" cy="5027400"/>
+            <a:ext cx="9515520" cy="5027400"/>
           </a:xfrm>
           <a:prstGeom prst="rect">
             <a:avLst/>
@@ -10897,7 +10182,7 @@
         <p:spPr>
           <a:xfrm>
             <a:off x="360000" y="360000"/>
-            <a:ext cx="9356040" cy="896040"/>
+            <a:ext cx="9355680" cy="895680"/>
           </a:xfrm>
           <a:prstGeom prst="rect">
             <a:avLst/>
@@ -10949,7 +10234,7 @@
         <p:spPr>
           <a:xfrm>
             <a:off x="897120" y="6886080"/>
-            <a:ext cx="6443280" cy="361080"/>
+            <a:ext cx="6442920" cy="360720"/>
           </a:xfrm>
           <a:prstGeom prst="rect">
             <a:avLst/>
@@ -11001,7 +10286,7 @@
         <p:spPr>
           <a:xfrm>
             <a:off x="7608600" y="6886080"/>
-            <a:ext cx="2281320" cy="361080"/>
+            <a:ext cx="2280960" cy="360720"/>
           </a:xfrm>
           <a:prstGeom prst="rect">
             <a:avLst/>
@@ -11067,7 +10352,7 @@
         <p:spPr>
           <a:xfrm>
             <a:off x="2671920" y="5869800"/>
-            <a:ext cx="669960" cy="660960"/>
+            <a:ext cx="669600" cy="660600"/>
           </a:xfrm>
           <a:prstGeom prst="rect">
             <a:avLst/>
@@ -11093,7 +10378,7 @@
         <p:spPr>
           <a:xfrm>
             <a:off x="3349080" y="3577680"/>
-            <a:ext cx="3138840" cy="3138840"/>
+            <a:ext cx="3138480" cy="3138480"/>
           </a:xfrm>
           <a:prstGeom prst="rect">
             <a:avLst/>
@@ -11116,7 +10401,7 @@
         <p:spPr>
           <a:xfrm>
             <a:off x="3349080" y="3593160"/>
-            <a:ext cx="4087080" cy="3123360"/>
+            <a:ext cx="4086720" cy="3123000"/>
           </a:xfrm>
           <a:prstGeom prst="rect">
             <a:avLst/>
@@ -11139,7 +10424,7 @@
         <p:spPr>
           <a:xfrm>
             <a:off x="3349080" y="3596400"/>
-            <a:ext cx="4087080" cy="3169080"/>
+            <a:ext cx="4086720" cy="3168720"/>
           </a:xfrm>
           <a:prstGeom prst="rect">
             <a:avLst/>
@@ -11162,7 +10447,7 @@
         <p:spPr>
           <a:xfrm>
             <a:off x="3342240" y="3593160"/>
-            <a:ext cx="4807440" cy="3205080"/>
+            <a:ext cx="4807080" cy="3204720"/>
           </a:xfrm>
           <a:prstGeom prst="rect">
             <a:avLst/>
@@ -11181,7 +10466,7 @@
         <p:spPr>
           <a:xfrm>
             <a:off x="7739640" y="5198400"/>
-            <a:ext cx="820440" cy="335880"/>
+            <a:ext cx="820080" cy="335520"/>
           </a:xfrm>
           <a:prstGeom prst="leftArrow">
             <a:avLst>
@@ -11223,7 +10508,7 @@
         <p:spPr>
           <a:xfrm>
             <a:off x="6811560" y="3565440"/>
-            <a:ext cx="2424960" cy="3126600"/>
+            <a:ext cx="2424600" cy="3126240"/>
           </a:xfrm>
           <a:prstGeom prst="rect">
             <a:avLst/>
@@ -11235,8 +10520,7 @@
           </a:solidFill>
           <a:ln>
             <a:solidFill>
-              <a:srgbClr val="4f81bd">
-                <a:shade val="50000"/>
+              <a:srgbClr val="3a5f8b">
                 <a:alpha val="40000"/>
               </a:srgbClr>
             </a:solidFill>
@@ -11319,7 +10603,7 @@
         <p:spPr>
           <a:xfrm>
             <a:off x="200160" y="1689840"/>
-            <a:ext cx="9515880" cy="5576040"/>
+            <a:ext cx="9515520" cy="5576040"/>
           </a:xfrm>
           <a:prstGeom prst="rect">
             <a:avLst/>
@@ -11712,7 +10996,7 @@
         <p:spPr>
           <a:xfrm>
             <a:off x="360000" y="360000"/>
-            <a:ext cx="9356040" cy="896040"/>
+            <a:ext cx="9355680" cy="895680"/>
           </a:xfrm>
           <a:prstGeom prst="rect">
             <a:avLst/>
@@ -11764,7 +11048,7 @@
         <p:spPr>
           <a:xfrm>
             <a:off x="897120" y="6886080"/>
-            <a:ext cx="6443280" cy="361080"/>
+            <a:ext cx="6442920" cy="360720"/>
           </a:xfrm>
           <a:prstGeom prst="rect">
             <a:avLst/>
@@ -11816,7 +11100,7 @@
         <p:spPr>
           <a:xfrm>
             <a:off x="7608600" y="6886080"/>
-            <a:ext cx="2281320" cy="361080"/>
+            <a:ext cx="2280960" cy="360720"/>
           </a:xfrm>
           <a:prstGeom prst="rect">
             <a:avLst/>
@@ -11882,7 +11166,7 @@
         <p:spPr>
           <a:xfrm>
             <a:off x="2690640" y="6193440"/>
-            <a:ext cx="669960" cy="660960"/>
+            <a:ext cx="669600" cy="660600"/>
           </a:xfrm>
           <a:prstGeom prst="rect">
             <a:avLst/>
@@ -11908,7 +11192,7 @@
         <p:spPr>
           <a:xfrm>
             <a:off x="3349080" y="3577680"/>
-            <a:ext cx="3138840" cy="3138840"/>
+            <a:ext cx="3138480" cy="3138480"/>
           </a:xfrm>
           <a:prstGeom prst="rect">
             <a:avLst/>
@@ -11931,7 +11215,7 @@
         <p:spPr>
           <a:xfrm>
             <a:off x="3349080" y="3593160"/>
-            <a:ext cx="4087080" cy="3123360"/>
+            <a:ext cx="4086720" cy="3123000"/>
           </a:xfrm>
           <a:prstGeom prst="rect">
             <a:avLst/>
@@ -11954,7 +11238,7 @@
         <p:spPr>
           <a:xfrm>
             <a:off x="3349080" y="3596400"/>
-            <a:ext cx="4087080" cy="3169080"/>
+            <a:ext cx="4086720" cy="3168720"/>
           </a:xfrm>
           <a:prstGeom prst="rect">
             <a:avLst/>
@@ -11977,7 +11261,7 @@
         <p:spPr>
           <a:xfrm>
             <a:off x="3342240" y="3593160"/>
-            <a:ext cx="4807440" cy="3205080"/>
+            <a:ext cx="4807080" cy="3204720"/>
           </a:xfrm>
           <a:prstGeom prst="rect">
             <a:avLst/>
@@ -11996,7 +11280,7 @@
         <p:spPr>
           <a:xfrm>
             <a:off x="7581240" y="6025320"/>
-            <a:ext cx="820440" cy="335880"/>
+            <a:ext cx="820080" cy="335520"/>
           </a:xfrm>
           <a:prstGeom prst="leftArrow">
             <a:avLst>
@@ -12094,7 +11378,7 @@
         <p:spPr>
           <a:xfrm>
             <a:off x="3351960" y="3591720"/>
-            <a:ext cx="4078080" cy="3170520"/>
+            <a:ext cx="4077720" cy="3170160"/>
           </a:xfrm>
           <a:prstGeom prst="rect">
             <a:avLst/>
@@ -12113,7 +11397,7 @@
         <p:spPr>
           <a:xfrm>
             <a:off x="6811560" y="3565440"/>
-            <a:ext cx="2424960" cy="3126600"/>
+            <a:ext cx="2424600" cy="3126240"/>
           </a:xfrm>
           <a:prstGeom prst="rect">
             <a:avLst/>
@@ -12125,8 +11409,7 @@
           </a:solidFill>
           <a:ln>
             <a:solidFill>
-              <a:srgbClr val="4f81bd">
-                <a:shade val="50000"/>
+              <a:srgbClr val="3a5f8b">
                 <a:alpha val="40000"/>
               </a:srgbClr>
             </a:solidFill>
@@ -12157,7 +11440,7 @@
         <p:spPr>
           <a:xfrm>
             <a:off x="200160" y="1689840"/>
-            <a:ext cx="9515880" cy="5850360"/>
+            <a:ext cx="9515520" cy="5850360"/>
           </a:xfrm>
           <a:prstGeom prst="rect">
             <a:avLst/>
@@ -12561,7 +11844,7 @@
         <p:spPr>
           <a:xfrm>
             <a:off x="360000" y="360000"/>
-            <a:ext cx="9356040" cy="896040"/>
+            <a:ext cx="9355680" cy="895680"/>
           </a:xfrm>
           <a:prstGeom prst="rect">
             <a:avLst/>
@@ -12613,7 +11896,7 @@
         <p:spPr>
           <a:xfrm>
             <a:off x="897120" y="6886080"/>
-            <a:ext cx="6443280" cy="361080"/>
+            <a:ext cx="6442920" cy="360720"/>
           </a:xfrm>
           <a:prstGeom prst="rect">
             <a:avLst/>
@@ -12665,7 +11948,7 @@
         <p:spPr>
           <a:xfrm>
             <a:off x="7608600" y="6886080"/>
-            <a:ext cx="2281320" cy="361080"/>
+            <a:ext cx="2280960" cy="360720"/>
           </a:xfrm>
           <a:prstGeom prst="rect">
             <a:avLst/>
@@ -12727,7 +12010,7 @@
         <p:spPr>
           <a:xfrm>
             <a:off x="200160" y="1689840"/>
-            <a:ext cx="9515880" cy="2832840"/>
+            <a:ext cx="9515520" cy="2832840"/>
           </a:xfrm>
           <a:prstGeom prst="rect">
             <a:avLst/>
@@ -13036,7 +12319,7 @@
         <p:spPr>
           <a:xfrm>
             <a:off x="2627280" y="3835800"/>
-            <a:ext cx="3491280" cy="2714400"/>
+            <a:ext cx="3490920" cy="2714040"/>
           </a:xfrm>
           <a:prstGeom prst="rect">
             <a:avLst/>
@@ -13055,7 +12338,7 @@
         <p:spPr>
           <a:xfrm>
             <a:off x="5828040" y="3981600"/>
-            <a:ext cx="299160" cy="2524680"/>
+            <a:ext cx="298800" cy="2524320"/>
           </a:xfrm>
           <a:prstGeom prst="rect">
             <a:avLst/>
@@ -13067,8 +12350,7 @@
           </a:solidFill>
           <a:ln>
             <a:solidFill>
-              <a:srgbClr val="4f81bd">
-                <a:shade val="50000"/>
+              <a:srgbClr val="3a5f8b">
                 <a:alpha val="40000"/>
               </a:srgbClr>
             </a:solidFill>
@@ -13103,7 +12385,7 @@
         <p:spPr>
           <a:xfrm>
             <a:off x="6651720" y="3791880"/>
-            <a:ext cx="2747160" cy="2714400"/>
+            <a:ext cx="2746800" cy="2714040"/>
           </a:xfrm>
           <a:prstGeom prst="rect">
             <a:avLst/>
@@ -13122,7 +12404,7 @@
         <p:spPr>
           <a:xfrm>
             <a:off x="4123800" y="4463280"/>
-            <a:ext cx="4068000" cy="1483200"/>
+            <a:ext cx="4067640" cy="1482840"/>
           </a:xfrm>
           <a:prstGeom prst="rightArrow">
             <a:avLst>
@@ -13201,7 +12483,7 @@
         <p:spPr>
           <a:xfrm>
             <a:off x="360000" y="360000"/>
-            <a:ext cx="9356040" cy="896040"/>
+            <a:ext cx="9355680" cy="895680"/>
           </a:xfrm>
           <a:prstGeom prst="rect">
             <a:avLst/>
@@ -13253,7 +12535,7 @@
         <p:spPr>
           <a:xfrm>
             <a:off x="897120" y="6886080"/>
-            <a:ext cx="6443280" cy="361080"/>
+            <a:ext cx="6442920" cy="360720"/>
           </a:xfrm>
           <a:prstGeom prst="rect">
             <a:avLst/>
@@ -13305,7 +12587,7 @@
         <p:spPr>
           <a:xfrm>
             <a:off x="7608600" y="6886080"/>
-            <a:ext cx="2281320" cy="361080"/>
+            <a:ext cx="2280960" cy="360720"/>
           </a:xfrm>
           <a:prstGeom prst="rect">
             <a:avLst/>
@@ -13367,7 +12649,7 @@
         <p:spPr>
           <a:xfrm>
             <a:off x="200160" y="1689840"/>
-            <a:ext cx="9515880" cy="5027400"/>
+            <a:ext cx="9515520" cy="5027400"/>
           </a:xfrm>
           <a:prstGeom prst="rect">
             <a:avLst/>
@@ -13644,7 +12926,7 @@
         <p:spPr>
           <a:xfrm>
             <a:off x="3236760" y="4493880"/>
-            <a:ext cx="2855880" cy="632160"/>
+            <a:ext cx="2855520" cy="631800"/>
           </a:xfrm>
           <a:prstGeom prst="rect">
             <a:avLst/>
@@ -13667,7 +12949,7 @@
         <p:spPr>
           <a:xfrm>
             <a:off x="3173040" y="2122200"/>
-            <a:ext cx="2919600" cy="593640"/>
+            <a:ext cx="2919240" cy="593280"/>
           </a:xfrm>
           <a:prstGeom prst="rect">
             <a:avLst/>
@@ -13690,7 +12972,7 @@
         <p:spPr>
           <a:xfrm>
             <a:off x="3236760" y="3304440"/>
-            <a:ext cx="2768040" cy="533520"/>
+            <a:ext cx="2767680" cy="533160"/>
           </a:xfrm>
           <a:prstGeom prst="rect">
             <a:avLst/>
@@ -13709,7 +12991,7 @@
         <p:spPr>
           <a:xfrm>
             <a:off x="4498920" y="3885120"/>
-            <a:ext cx="220680" cy="522720"/>
+            <a:ext cx="220320" cy="522360"/>
           </a:xfrm>
           <a:prstGeom prst="downArrow">
             <a:avLst>
@@ -13751,7 +13033,7 @@
         <p:spPr>
           <a:xfrm>
             <a:off x="4502520" y="2734560"/>
-            <a:ext cx="220680" cy="522720"/>
+            <a:ext cx="220320" cy="522360"/>
           </a:xfrm>
           <a:prstGeom prst="downArrow">
             <a:avLst>
@@ -13823,7 +13105,7 @@
         <p:spPr>
           <a:xfrm>
             <a:off x="360000" y="360000"/>
-            <a:ext cx="9356040" cy="896040"/>
+            <a:ext cx="9355680" cy="895680"/>
           </a:xfrm>
           <a:prstGeom prst="rect">
             <a:avLst/>
@@ -13875,7 +13157,7 @@
         <p:spPr>
           <a:xfrm>
             <a:off x="897120" y="6886080"/>
-            <a:ext cx="6443280" cy="361080"/>
+            <a:ext cx="6442920" cy="360720"/>
           </a:xfrm>
           <a:prstGeom prst="rect">
             <a:avLst/>
@@ -13927,7 +13209,7 @@
         <p:spPr>
           <a:xfrm>
             <a:off x="7608600" y="6886080"/>
-            <a:ext cx="2281320" cy="361080"/>
+            <a:ext cx="2280960" cy="360720"/>
           </a:xfrm>
           <a:prstGeom prst="rect">
             <a:avLst/>
@@ -13989,7 +13271,7 @@
         <p:spPr>
           <a:xfrm>
             <a:off x="360000" y="1980000"/>
-            <a:ext cx="9176040" cy="4676040"/>
+            <a:ext cx="9175680" cy="4675680"/>
           </a:xfrm>
           <a:prstGeom prst="rect">
             <a:avLst/>
@@ -14025,7 +13307,7 @@
               <a:buChar char=""/>
             </a:pPr>
             <a:r>
-              <a:rPr b="0" lang="en-US" sz="2000" spc="-1" strike="noStrike">
+              <a:rPr b="0" lang="en-US" sz="1800" spc="-1" strike="noStrike">
                 <a:solidFill>
                   <a:srgbClr val="1c1c1c"/>
                 </a:solidFill>
@@ -14034,7 +13316,7 @@
               </a:rPr>
               <a:t>Discussion of Practice 03</a:t>
             </a:r>
-            <a:endParaRPr b="0" lang="pt-BR" sz="2000" spc="-1" strike="noStrike">
+            <a:endParaRPr b="0" lang="pt-BR" sz="1800" spc="-1" strike="noStrike">
               <a:latin typeface="Arial"/>
             </a:endParaRPr>
           </a:p>
@@ -14054,7 +13336,7 @@
               <a:buChar char=""/>
             </a:pPr>
             <a:r>
-              <a:rPr b="0" lang="en-US" sz="2000" spc="-1" strike="noStrike">
+              <a:rPr b="0" lang="en-US" sz="1800" spc="-1" strike="noStrike">
                 <a:solidFill>
                   <a:srgbClr val="1c1c1c"/>
                 </a:solidFill>
@@ -14063,7 +13345,7 @@
               </a:rPr>
               <a:t>Component Segmentation</a:t>
             </a:r>
-            <a:endParaRPr b="0" lang="pt-BR" sz="2000" spc="-1" strike="noStrike">
+            <a:endParaRPr b="0" lang="pt-BR" sz="1800" spc="-1" strike="noStrike">
               <a:latin typeface="Arial"/>
             </a:endParaRPr>
           </a:p>
@@ -14083,7 +13365,7 @@
               <a:buChar char=""/>
             </a:pPr>
             <a:r>
-              <a:rPr b="0" lang="en-US" sz="2000" spc="-1" strike="noStrike">
+              <a:rPr b="0" lang="en-US" sz="1800" spc="-1" strike="noStrike">
                 <a:solidFill>
                   <a:srgbClr val="1c1c1c"/>
                 </a:solidFill>
@@ -14092,7 +13374,7 @@
               </a:rPr>
               <a:t>Finding Connected Components</a:t>
             </a:r>
-            <a:endParaRPr b="0" lang="pt-BR" sz="2000" spc="-1" strike="noStrike">
+            <a:endParaRPr b="0" lang="pt-BR" sz="1800" spc="-1" strike="noStrike">
               <a:latin typeface="Arial"/>
             </a:endParaRPr>
           </a:p>
@@ -14112,7 +13394,7 @@
               <a:buChar char=""/>
             </a:pPr>
             <a:r>
-              <a:rPr b="0" lang="en-US" sz="2000" spc="-1" strike="noStrike">
+              <a:rPr b="0" lang="en-US" sz="1800" spc="-1" strike="noStrike">
                 <a:solidFill>
                   <a:srgbClr val="1c1c1c"/>
                 </a:solidFill>
@@ -14121,7 +13403,7 @@
               </a:rPr>
               <a:t>Filtering Components</a:t>
             </a:r>
-            <a:endParaRPr b="0" lang="pt-BR" sz="2000" spc="-1" strike="noStrike">
+            <a:endParaRPr b="0" lang="pt-BR" sz="1800" spc="-1" strike="noStrike">
               <a:latin typeface="Arial"/>
             </a:endParaRPr>
           </a:p>
@@ -14141,7 +13423,7 @@
               <a:buChar char=""/>
             </a:pPr>
             <a:r>
-              <a:rPr b="0" lang="en-US" sz="2000" spc="-1" strike="noStrike">
+              <a:rPr b="0" lang="en-US" sz="1800" spc="-1" strike="noStrike">
                 <a:solidFill>
                   <a:srgbClr val="1c1c1c"/>
                 </a:solidFill>
@@ -14150,7 +13432,7 @@
               </a:rPr>
               <a:t>Practice</a:t>
             </a:r>
-            <a:endParaRPr b="0" lang="pt-BR" sz="2000" spc="-1" strike="noStrike">
+            <a:endParaRPr b="0" lang="pt-BR" sz="1800" spc="-1" strike="noStrike">
               <a:latin typeface="Arial"/>
             </a:endParaRPr>
           </a:p>
@@ -14170,6 +13452,16 @@
               <a:buChar char=""/>
             </a:pPr>
             <a:r>
+              <a:rPr b="0" lang="en-US" sz="1800" spc="-1" strike="noStrike">
+                <a:solidFill>
+                  <a:srgbClr val="1c1c1c"/>
+                </a:solidFill>
+                <a:latin typeface="Calibri"/>
+                <a:ea typeface="DejaVu Sans"/>
+              </a:rPr>
+              <a:t>License Plate Characters Segmentation</a:t>
+            </a:r>
+            <a:r>
               <a:rPr b="0" lang="en-US" sz="2000" spc="-1" strike="noStrike">
                 <a:solidFill>
                   <a:srgbClr val="1c1c1c"/>
@@ -14177,7 +13469,7 @@
                 <a:latin typeface="Calibri"/>
                 <a:ea typeface="DejaVu Sans"/>
               </a:rPr>
-              <a:t>License Plate Characters Segmentation </a:t>
+              <a:t> </a:t>
             </a:r>
             <a:endParaRPr b="0" lang="pt-BR" sz="2000" spc="-1" strike="noStrike">
               <a:latin typeface="Arial"/>
@@ -14198,7 +13490,7 @@
         <p:spPr>
           <a:xfrm>
             <a:off x="2124000" y="4627440"/>
-            <a:ext cx="6219720" cy="2104560"/>
+            <a:ext cx="6219360" cy="2104200"/>
           </a:xfrm>
           <a:prstGeom prst="rect">
             <a:avLst/>
@@ -14217,7 +13509,7 @@
         <p:spPr>
           <a:xfrm>
             <a:off x="2124000" y="6444000"/>
-            <a:ext cx="234000" cy="234000"/>
+            <a:ext cx="233640" cy="233640"/>
           </a:xfrm>
           <a:prstGeom prst="ellipse">
             <a:avLst/>
@@ -14247,7 +13539,7 @@
         <p:spPr>
           <a:xfrm>
             <a:off x="2592360" y="6444360"/>
-            <a:ext cx="234000" cy="234000"/>
+            <a:ext cx="233640" cy="233640"/>
           </a:xfrm>
           <a:prstGeom prst="ellipse">
             <a:avLst/>
@@ -14277,7 +13569,7 @@
         <p:spPr>
           <a:xfrm>
             <a:off x="3024720" y="6444720"/>
-            <a:ext cx="234000" cy="234000"/>
+            <a:ext cx="233640" cy="233640"/>
           </a:xfrm>
           <a:prstGeom prst="ellipse">
             <a:avLst/>
@@ -14337,7 +13629,7 @@
         <p:spPr>
           <a:xfrm>
             <a:off x="360000" y="360000"/>
-            <a:ext cx="9356040" cy="896040"/>
+            <a:ext cx="9355680" cy="895680"/>
           </a:xfrm>
           <a:prstGeom prst="rect">
             <a:avLst/>
@@ -14389,7 +13681,7 @@
         <p:spPr>
           <a:xfrm>
             <a:off x="897120" y="6886080"/>
-            <a:ext cx="6443280" cy="361080"/>
+            <a:ext cx="6442920" cy="360720"/>
           </a:xfrm>
           <a:prstGeom prst="rect">
             <a:avLst/>
@@ -14441,7 +13733,7 @@
         <p:spPr>
           <a:xfrm>
             <a:off x="7608600" y="6886080"/>
-            <a:ext cx="2281320" cy="361080"/>
+            <a:ext cx="2280960" cy="360720"/>
           </a:xfrm>
           <a:prstGeom prst="rect">
             <a:avLst/>
@@ -14503,7 +13795,7 @@
         <p:spPr>
           <a:xfrm>
             <a:off x="200160" y="1689840"/>
-            <a:ext cx="9515880" cy="1735560"/>
+            <a:ext cx="9515520" cy="1735560"/>
           </a:xfrm>
           <a:prstGeom prst="rect">
             <a:avLst/>
@@ -14674,7 +13966,7 @@
         <p:spPr>
           <a:xfrm>
             <a:off x="1506600" y="3780000"/>
-            <a:ext cx="2611800" cy="2263680"/>
+            <a:ext cx="2611440" cy="2263320"/>
           </a:xfrm>
           <a:prstGeom prst="rect">
             <a:avLst/>
@@ -14696,8 +13988,8 @@
         </p:blipFill>
         <p:spPr>
           <a:xfrm>
-            <a:off x="5508000" y="4993920"/>
-            <a:ext cx="4000320" cy="885600"/>
+            <a:off x="5930280" y="5444280"/>
+            <a:ext cx="3375000" cy="821520"/>
           </a:xfrm>
           <a:prstGeom prst="rect">
             <a:avLst/>
@@ -14719,8 +14011,8 @@
         </p:blipFill>
         <p:spPr>
           <a:xfrm>
-            <a:off x="5220720" y="2109960"/>
-            <a:ext cx="4495320" cy="914040"/>
+            <a:off x="5796000" y="2768040"/>
+            <a:ext cx="3792600" cy="847800"/>
           </a:xfrm>
           <a:prstGeom prst="rect">
             <a:avLst/>
@@ -14742,8 +14034,8 @@
         </p:blipFill>
         <p:spPr>
           <a:xfrm>
-            <a:off x="5220720" y="3538440"/>
-            <a:ext cx="4543560" cy="876240"/>
+            <a:off x="5724000" y="4093560"/>
+            <a:ext cx="3833280" cy="812880"/>
           </a:xfrm>
           <a:prstGeom prst="rect">
             <a:avLst/>
@@ -14761,8 +14053,8 @@
         </p:nvSpPr>
         <p:spPr>
           <a:xfrm>
-            <a:off x="7386480" y="3066840"/>
-            <a:ext cx="243360" cy="419760"/>
+            <a:off x="7467480" y="3650760"/>
+            <a:ext cx="243000" cy="419400"/>
           </a:xfrm>
           <a:prstGeom prst="downArrow">
             <a:avLst>
@@ -14803,8 +14095,8 @@
         </p:nvSpPr>
         <p:spPr>
           <a:xfrm>
-            <a:off x="7386480" y="4514040"/>
-            <a:ext cx="243360" cy="419760"/>
+            <a:off x="7503480" y="4989960"/>
+            <a:ext cx="243000" cy="419400"/>
           </a:xfrm>
           <a:prstGeom prst="downArrow">
             <a:avLst>
@@ -14876,7 +14168,7 @@
         <p:spPr>
           <a:xfrm>
             <a:off x="360000" y="360000"/>
-            <a:ext cx="9356040" cy="896040"/>
+            <a:ext cx="9355680" cy="895680"/>
           </a:xfrm>
           <a:prstGeom prst="rect">
             <a:avLst/>
@@ -14928,7 +14220,7 @@
         <p:spPr>
           <a:xfrm>
             <a:off x="897120" y="6886080"/>
-            <a:ext cx="6443280" cy="361080"/>
+            <a:ext cx="6442920" cy="360720"/>
           </a:xfrm>
           <a:prstGeom prst="rect">
             <a:avLst/>
@@ -14980,7 +14272,7 @@
         <p:spPr>
           <a:xfrm>
             <a:off x="7608600" y="6886080"/>
-            <a:ext cx="2281320" cy="361080"/>
+            <a:ext cx="2280960" cy="360720"/>
           </a:xfrm>
           <a:prstGeom prst="rect">
             <a:avLst/>
@@ -15042,7 +14334,7 @@
         <p:spPr>
           <a:xfrm>
             <a:off x="200160" y="1689840"/>
-            <a:ext cx="9515880" cy="1461240"/>
+            <a:ext cx="9515520" cy="1461240"/>
           </a:xfrm>
           <a:prstGeom prst="rect">
             <a:avLst/>
@@ -15174,7 +14466,7 @@
         <p:spPr>
           <a:xfrm>
             <a:off x="2684880" y="4089240"/>
-            <a:ext cx="2352960" cy="2352960"/>
+            <a:ext cx="2352600" cy="2352600"/>
           </a:xfrm>
           <a:prstGeom prst="rect">
             <a:avLst/>
@@ -15197,7 +14489,7 @@
         <p:spPr>
           <a:xfrm>
             <a:off x="6324480" y="4074480"/>
-            <a:ext cx="2352960" cy="2352960"/>
+            <a:ext cx="2352600" cy="2352600"/>
           </a:xfrm>
           <a:prstGeom prst="rect">
             <a:avLst/>
@@ -15220,7 +14512,7 @@
         <p:spPr>
           <a:xfrm>
             <a:off x="1672560" y="2622960"/>
-            <a:ext cx="685440" cy="704520"/>
+            <a:ext cx="685080" cy="704160"/>
           </a:xfrm>
           <a:prstGeom prst="rect">
             <a:avLst/>
@@ -15243,7 +14535,7 @@
         <p:spPr>
           <a:xfrm>
             <a:off x="3395160" y="2613240"/>
-            <a:ext cx="723600" cy="713880"/>
+            <a:ext cx="723240" cy="713520"/>
           </a:xfrm>
           <a:prstGeom prst="rect">
             <a:avLst/>
@@ -15262,7 +14554,7 @@
         <p:spPr>
           <a:xfrm>
             <a:off x="1262160" y="3361680"/>
-            <a:ext cx="1506960" cy="638280"/>
+            <a:ext cx="1506600" cy="638280"/>
           </a:xfrm>
           <a:prstGeom prst="rect">
             <a:avLst/>
@@ -15314,7 +14606,7 @@
         <p:spPr>
           <a:xfrm>
             <a:off x="3003480" y="3358800"/>
-            <a:ext cx="1506960" cy="638280"/>
+            <a:ext cx="1506600" cy="638280"/>
           </a:xfrm>
           <a:prstGeom prst="rect">
             <a:avLst/>
@@ -15366,7 +14658,7 @@
         <p:spPr>
           <a:xfrm>
             <a:off x="5247720" y="5327280"/>
-            <a:ext cx="754920" cy="209520"/>
+            <a:ext cx="754560" cy="209160"/>
           </a:xfrm>
           <a:prstGeom prst="rightArrow">
             <a:avLst>
@@ -15412,7 +14704,7 @@
         <p:spPr>
           <a:xfrm>
             <a:off x="900000" y="5084640"/>
-            <a:ext cx="723600" cy="713880"/>
+            <a:ext cx="723240" cy="713520"/>
           </a:xfrm>
           <a:prstGeom prst="rect">
             <a:avLst/>
@@ -15431,7 +14723,7 @@
         <p:spPr>
           <a:xfrm flipV="1">
             <a:off x="1748880" y="5291640"/>
-            <a:ext cx="723600" cy="244440"/>
+            <a:ext cx="723240" cy="244080"/>
           </a:xfrm>
           <a:prstGeom prst="rightArrow">
             <a:avLst>
@@ -15503,7 +14795,7 @@
         <p:spPr>
           <a:xfrm>
             <a:off x="360000" y="360000"/>
-            <a:ext cx="9356040" cy="896040"/>
+            <a:ext cx="9355680" cy="895680"/>
           </a:xfrm>
           <a:prstGeom prst="rect">
             <a:avLst/>
@@ -15555,7 +14847,7 @@
         <p:spPr>
           <a:xfrm>
             <a:off x="897120" y="6886080"/>
-            <a:ext cx="6443280" cy="361080"/>
+            <a:ext cx="6442920" cy="360720"/>
           </a:xfrm>
           <a:prstGeom prst="rect">
             <a:avLst/>
@@ -15607,7 +14899,7 @@
         <p:spPr>
           <a:xfrm>
             <a:off x="7608600" y="6886080"/>
-            <a:ext cx="2281320" cy="361080"/>
+            <a:ext cx="2280960" cy="360720"/>
           </a:xfrm>
           <a:prstGeom prst="rect">
             <a:avLst/>
@@ -15673,7 +14965,7 @@
         <p:spPr>
           <a:xfrm>
             <a:off x="2088360" y="3618000"/>
-            <a:ext cx="3066120" cy="3066120"/>
+            <a:ext cx="3065760" cy="3065760"/>
           </a:xfrm>
           <a:prstGeom prst="rect">
             <a:avLst/>
@@ -15696,7 +14988,7 @@
         <p:spPr>
           <a:xfrm>
             <a:off x="6050880" y="3610080"/>
-            <a:ext cx="3066120" cy="3066120"/>
+            <a:ext cx="3065760" cy="3065760"/>
           </a:xfrm>
           <a:prstGeom prst="rect">
             <a:avLst/>
@@ -15719,7 +15011,7 @@
         <p:spPr>
           <a:xfrm>
             <a:off x="6069960" y="3618720"/>
-            <a:ext cx="414360" cy="429840"/>
+            <a:ext cx="414000" cy="429480"/>
           </a:xfrm>
           <a:prstGeom prst="rect">
             <a:avLst/>
@@ -15742,7 +15034,7 @@
         <p:spPr>
           <a:xfrm>
             <a:off x="1939320" y="3474360"/>
-            <a:ext cx="777960" cy="766800"/>
+            <a:ext cx="777600" cy="766440"/>
           </a:xfrm>
           <a:prstGeom prst="rect">
             <a:avLst/>
@@ -15773,7 +15065,7 @@
         <p:spPr>
           <a:xfrm>
             <a:off x="5262480" y="5015160"/>
-            <a:ext cx="680400" cy="271800"/>
+            <a:ext cx="680040" cy="271440"/>
           </a:xfrm>
           <a:prstGeom prst="rightArrow">
             <a:avLst>
@@ -15814,8 +15106,8 @@
         </p:nvSpPr>
         <p:spPr>
           <a:xfrm>
-            <a:off x="200160" y="1689840"/>
-            <a:ext cx="9515880" cy="3381480"/>
+            <a:off x="200160" y="1473840"/>
+            <a:ext cx="9515520" cy="3381480"/>
           </a:xfrm>
           <a:prstGeom prst="rect">
             <a:avLst/>
@@ -16120,7 +15412,7 @@
         <p:spPr>
           <a:xfrm>
             <a:off x="360000" y="360000"/>
-            <a:ext cx="9356040" cy="896040"/>
+            <a:ext cx="9355680" cy="895680"/>
           </a:xfrm>
           <a:prstGeom prst="rect">
             <a:avLst/>
@@ -16172,7 +15464,7 @@
         <p:spPr>
           <a:xfrm>
             <a:off x="897120" y="6886080"/>
-            <a:ext cx="6443280" cy="361080"/>
+            <a:ext cx="6442920" cy="360720"/>
           </a:xfrm>
           <a:prstGeom prst="rect">
             <a:avLst/>
@@ -16224,7 +15516,7 @@
         <p:spPr>
           <a:xfrm>
             <a:off x="7608600" y="6886080"/>
-            <a:ext cx="2281320" cy="361080"/>
+            <a:ext cx="2280960" cy="360720"/>
           </a:xfrm>
           <a:prstGeom prst="rect">
             <a:avLst/>
@@ -16290,7 +15582,7 @@
         <p:spPr>
           <a:xfrm>
             <a:off x="2088360" y="3618000"/>
-            <a:ext cx="3066120" cy="3066120"/>
+            <a:ext cx="3065760" cy="3065760"/>
           </a:xfrm>
           <a:prstGeom prst="rect">
             <a:avLst/>
@@ -16313,7 +15605,7 @@
         <p:spPr>
           <a:xfrm>
             <a:off x="6050880" y="3610080"/>
-            <a:ext cx="3066120" cy="3066120"/>
+            <a:ext cx="3065760" cy="3065760"/>
           </a:xfrm>
           <a:prstGeom prst="rect">
             <a:avLst/>
@@ -16336,7 +15628,7 @@
         <p:spPr>
           <a:xfrm>
             <a:off x="2336760" y="3474360"/>
-            <a:ext cx="777960" cy="766800"/>
+            <a:ext cx="777600" cy="766440"/>
           </a:xfrm>
           <a:prstGeom prst="rect">
             <a:avLst/>
@@ -16367,7 +15659,7 @@
         <p:spPr>
           <a:xfrm>
             <a:off x="5262480" y="5015160"/>
-            <a:ext cx="680400" cy="271800"/>
+            <a:ext cx="680040" cy="271440"/>
           </a:xfrm>
           <a:prstGeom prst="rightArrow">
             <a:avLst>
@@ -16413,7 +15705,7 @@
         <p:spPr>
           <a:xfrm>
             <a:off x="6066000" y="3624840"/>
-            <a:ext cx="824760" cy="435960"/>
+            <a:ext cx="824400" cy="435600"/>
           </a:xfrm>
           <a:prstGeom prst="rect">
             <a:avLst/>
@@ -16431,8 +15723,8 @@
         </p:nvSpPr>
         <p:spPr>
           <a:xfrm>
-            <a:off x="200160" y="1689840"/>
-            <a:ext cx="9515880" cy="3381480"/>
+            <a:off x="200160" y="1437840"/>
+            <a:ext cx="9515520" cy="3381480"/>
           </a:xfrm>
           <a:prstGeom prst="rect">
             <a:avLst/>
@@ -16737,7 +16029,7 @@
         <p:spPr>
           <a:xfrm>
             <a:off x="360000" y="360000"/>
-            <a:ext cx="9356040" cy="896040"/>
+            <a:ext cx="9355680" cy="895680"/>
           </a:xfrm>
           <a:prstGeom prst="rect">
             <a:avLst/>
@@ -16789,7 +16081,7 @@
         <p:spPr>
           <a:xfrm>
             <a:off x="897120" y="6886080"/>
-            <a:ext cx="6443280" cy="361080"/>
+            <a:ext cx="6442920" cy="360720"/>
           </a:xfrm>
           <a:prstGeom prst="rect">
             <a:avLst/>
@@ -16841,7 +16133,7 @@
         <p:spPr>
           <a:xfrm>
             <a:off x="7608600" y="6886080"/>
-            <a:ext cx="2281320" cy="361080"/>
+            <a:ext cx="2280960" cy="360720"/>
           </a:xfrm>
           <a:prstGeom prst="rect">
             <a:avLst/>
@@ -16907,7 +16199,7 @@
         <p:spPr>
           <a:xfrm>
             <a:off x="2088360" y="3618000"/>
-            <a:ext cx="3066120" cy="3066120"/>
+            <a:ext cx="3065760" cy="3065760"/>
           </a:xfrm>
           <a:prstGeom prst="rect">
             <a:avLst/>
@@ -16930,7 +16222,7 @@
         <p:spPr>
           <a:xfrm>
             <a:off x="6050880" y="3610080"/>
-            <a:ext cx="3066120" cy="3066120"/>
+            <a:ext cx="3065760" cy="3065760"/>
           </a:xfrm>
           <a:prstGeom prst="rect">
             <a:avLst/>
@@ -16953,7 +16245,7 @@
         <p:spPr>
           <a:xfrm>
             <a:off x="3045960" y="3436560"/>
-            <a:ext cx="777960" cy="766800"/>
+            <a:ext cx="777600" cy="766440"/>
           </a:xfrm>
           <a:prstGeom prst="rect">
             <a:avLst/>
@@ -16984,7 +16276,7 @@
         <p:spPr>
           <a:xfrm>
             <a:off x="5262480" y="5015160"/>
-            <a:ext cx="680400" cy="271800"/>
+            <a:ext cx="680040" cy="271440"/>
           </a:xfrm>
           <a:prstGeom prst="rightArrow">
             <a:avLst>
@@ -17030,7 +16322,7 @@
         <p:spPr>
           <a:xfrm>
             <a:off x="6066000" y="3624840"/>
-            <a:ext cx="824760" cy="435960"/>
+            <a:ext cx="824400" cy="435600"/>
           </a:xfrm>
           <a:prstGeom prst="rect">
             <a:avLst/>
@@ -17053,7 +16345,7 @@
         <p:spPr>
           <a:xfrm>
             <a:off x="6066000" y="3624840"/>
-            <a:ext cx="3051000" cy="3051000"/>
+            <a:ext cx="3050640" cy="3050640"/>
           </a:xfrm>
           <a:prstGeom prst="rect">
             <a:avLst/>
@@ -17071,8 +16363,8 @@
         </p:nvSpPr>
         <p:spPr>
           <a:xfrm>
-            <a:off x="200160" y="1689840"/>
-            <a:ext cx="9515880" cy="3381480"/>
+            <a:off x="200160" y="1509840"/>
+            <a:ext cx="9515520" cy="3381480"/>
           </a:xfrm>
           <a:prstGeom prst="rect">
             <a:avLst/>
@@ -17377,7 +16669,7 @@
         <p:spPr>
           <a:xfrm>
             <a:off x="360000" y="360000"/>
-            <a:ext cx="9356040" cy="896040"/>
+            <a:ext cx="9355680" cy="895680"/>
           </a:xfrm>
           <a:prstGeom prst="rect">
             <a:avLst/>
@@ -17429,7 +16721,7 @@
         <p:spPr>
           <a:xfrm>
             <a:off x="897120" y="6886080"/>
-            <a:ext cx="6443280" cy="361080"/>
+            <a:ext cx="6442920" cy="360720"/>
           </a:xfrm>
           <a:prstGeom prst="rect">
             <a:avLst/>
@@ -17481,7 +16773,7 @@
         <p:spPr>
           <a:xfrm>
             <a:off x="7608600" y="6886080"/>
-            <a:ext cx="2281320" cy="361080"/>
+            <a:ext cx="2280960" cy="360720"/>
           </a:xfrm>
           <a:prstGeom prst="rect">
             <a:avLst/>
@@ -17547,7 +16839,7 @@
         <p:spPr>
           <a:xfrm>
             <a:off x="2088360" y="3618000"/>
-            <a:ext cx="3066120" cy="3066120"/>
+            <a:ext cx="3065760" cy="3065760"/>
           </a:xfrm>
           <a:prstGeom prst="rect">
             <a:avLst/>
@@ -17570,7 +16862,7 @@
         <p:spPr>
           <a:xfrm>
             <a:off x="6050880" y="3610080"/>
-            <a:ext cx="3066120" cy="3066120"/>
+            <a:ext cx="3065760" cy="3065760"/>
           </a:xfrm>
           <a:prstGeom prst="rect">
             <a:avLst/>
@@ -17593,7 +16885,7 @@
         <p:spPr>
           <a:xfrm>
             <a:off x="4569120" y="3459600"/>
-            <a:ext cx="777960" cy="766800"/>
+            <a:ext cx="777600" cy="766440"/>
           </a:xfrm>
           <a:prstGeom prst="rect">
             <a:avLst/>
@@ -17624,7 +16916,7 @@
         <p:spPr>
           <a:xfrm>
             <a:off x="5262480" y="5015160"/>
-            <a:ext cx="680400" cy="271800"/>
+            <a:ext cx="680040" cy="271440"/>
           </a:xfrm>
           <a:prstGeom prst="rightArrow">
             <a:avLst>
@@ -17670,7 +16962,7 @@
         <p:spPr>
           <a:xfrm>
             <a:off x="6066000" y="3624840"/>
-            <a:ext cx="824760" cy="435960"/>
+            <a:ext cx="824400" cy="435600"/>
           </a:xfrm>
           <a:prstGeom prst="rect">
             <a:avLst/>
@@ -17693,7 +16985,7 @@
         <p:spPr>
           <a:xfrm>
             <a:off x="6066000" y="3624840"/>
-            <a:ext cx="3051000" cy="3051000"/>
+            <a:ext cx="3050640" cy="3050640"/>
           </a:xfrm>
           <a:prstGeom prst="rect">
             <a:avLst/>
@@ -17716,7 +17008,7 @@
         <p:spPr>
           <a:xfrm>
             <a:off x="6104160" y="3634920"/>
-            <a:ext cx="3013200" cy="3013200"/>
+            <a:ext cx="3012840" cy="3012840"/>
           </a:xfrm>
           <a:prstGeom prst="rect">
             <a:avLst/>
@@ -17734,8 +17026,8 @@
         </p:nvSpPr>
         <p:spPr>
           <a:xfrm>
-            <a:off x="200160" y="1689840"/>
-            <a:ext cx="9515880" cy="3381480"/>
+            <a:off x="200160" y="1473840"/>
+            <a:ext cx="9515520" cy="3381480"/>
           </a:xfrm>
           <a:prstGeom prst="rect">
             <a:avLst/>
@@ -18040,7 +17332,7 @@
         <p:spPr>
           <a:xfrm>
             <a:off x="360000" y="360000"/>
-            <a:ext cx="9356040" cy="896040"/>
+            <a:ext cx="9355680" cy="895680"/>
           </a:xfrm>
           <a:prstGeom prst="rect">
             <a:avLst/>
@@ -18092,7 +17384,7 @@
         <p:spPr>
           <a:xfrm>
             <a:off x="897120" y="6886080"/>
-            <a:ext cx="6443280" cy="361080"/>
+            <a:ext cx="6442920" cy="360720"/>
           </a:xfrm>
           <a:prstGeom prst="rect">
             <a:avLst/>
@@ -18144,7 +17436,7 @@
         <p:spPr>
           <a:xfrm>
             <a:off x="7608600" y="6886080"/>
-            <a:ext cx="2281320" cy="361080"/>
+            <a:ext cx="2280960" cy="360720"/>
           </a:xfrm>
           <a:prstGeom prst="rect">
             <a:avLst/>
@@ -18210,7 +17502,7 @@
         <p:spPr>
           <a:xfrm>
             <a:off x="2678760" y="3449160"/>
-            <a:ext cx="669960" cy="660960"/>
+            <a:ext cx="669600" cy="660600"/>
           </a:xfrm>
           <a:prstGeom prst="rect">
             <a:avLst/>
@@ -18236,7 +17528,7 @@
         <p:spPr>
           <a:xfrm>
             <a:off x="3349080" y="3577680"/>
-            <a:ext cx="3138840" cy="3138840"/>
+            <a:ext cx="3138480" cy="3138480"/>
           </a:xfrm>
           <a:prstGeom prst="rect">
             <a:avLst/>
@@ -18254,8 +17546,8 @@
         </p:nvSpPr>
         <p:spPr>
           <a:xfrm>
-            <a:off x="200160" y="1689840"/>
-            <a:ext cx="9515880" cy="3381480"/>
+            <a:off x="200160" y="1581840"/>
+            <a:ext cx="9515520" cy="3381480"/>
           </a:xfrm>
           <a:prstGeom prst="rect">
             <a:avLst/>

--- a/ComputerVision/Lecture 04 - Finding Components/Lecture 04 - Component Segmentation.pptx
+++ b/ComputerVision/Lecture 04 - Finding Components/Lecture 04 - Component Segmentation.pptx
@@ -85,7 +85,7 @@
               <a:rPr b="0" lang="pt-BR" sz="4400" spc="-1" strike="noStrike">
                 <a:latin typeface="Arial"/>
               </a:rPr>
-              <a:t>Click to move the slide</a:t>
+              <a:t>Clique para mover o slide</a:t>
             </a:r>
             <a:endParaRPr b="0" lang="pt-BR" sz="4400" spc="-1" strike="noStrike">
               <a:latin typeface="Arial"/>
@@ -125,7 +125,7 @@
               <a:rPr b="0" lang="pt-BR" sz="2000" spc="-1" strike="noStrike">
                 <a:latin typeface="Arial"/>
               </a:rPr>
-              <a:t>Click to edit the notes format</a:t>
+              <a:t>Clique para editar o formato de notas</a:t>
             </a:r>
             <a:endParaRPr b="0" lang="pt-BR" sz="2000" spc="-1" strike="noStrike">
               <a:latin typeface="Arial"/>
@@ -165,7 +165,7 @@
               <a:rPr b="0" lang="pt-BR" sz="1400" spc="-1" strike="noStrike">
                 <a:latin typeface="Times New Roman"/>
               </a:rPr>
-              <a:t>&lt;header&gt;</a:t>
+              <a:t>&lt;cabeçalho&gt;</a:t>
             </a:r>
             <a:endParaRPr b="0" lang="pt-BR" sz="1400" spc="-1" strike="noStrike">
               <a:latin typeface="Times New Roman"/>
@@ -216,7 +216,7 @@
               <a:rPr b="0" lang="pt-BR" sz="1400" spc="-1" strike="noStrike">
                 <a:latin typeface="Times New Roman"/>
               </a:rPr>
-              <a:t>&lt;date/time&gt;</a:t>
+              <a:t>&lt;data/hora&gt;</a:t>
             </a:r>
             <a:endParaRPr b="0" lang="pt-BR" sz="1400" spc="-1" strike="noStrike">
               <a:latin typeface="Times New Roman"/>
@@ -263,7 +263,7 @@
               <a:rPr b="0" lang="pt-BR" sz="1400" spc="-1" strike="noStrike">
                 <a:latin typeface="Times New Roman"/>
               </a:rPr>
-              <a:t>&lt;footer&gt;</a:t>
+              <a:t>&lt;rodapé&gt;</a:t>
             </a:r>
             <a:endParaRPr b="0" lang="pt-BR" sz="1400" spc="-1" strike="noStrike">
               <a:latin typeface="Times New Roman"/>
@@ -310,11 +310,11 @@
             <a:pPr algn="r">
               <a:buNone/>
             </a:pPr>
-            <a:fld id="{24C424CE-1675-49DA-B063-771163FD1F7F}" type="slidenum">
+            <a:fld id="{5E84D70E-2E85-4B21-A76F-CB249366AC6F}" type="slidenum">
               <a:rPr b="0" lang="pt-BR" sz="1400" spc="-1" strike="noStrike">
                 <a:latin typeface="Times New Roman"/>
               </a:rPr>
-              <a:t>&lt;number&gt;</a:t>
+              <a:t>&lt;número&gt;</a:t>
             </a:fld>
             <a:endParaRPr b="0" lang="pt-BR" sz="1400" spc="-1" strike="noStrike">
               <a:latin typeface="Times New Roman"/>
@@ -358,7 +358,7 @@
         <p:spPr>
           <a:xfrm>
             <a:off x="1376280" y="1336680"/>
-            <a:ext cx="4803120" cy="3602880"/>
+            <a:ext cx="4802760" cy="3602520"/>
           </a:xfrm>
           <a:prstGeom prst="rect">
             <a:avLst/>
@@ -381,7 +381,7 @@
         <p:spPr>
           <a:xfrm>
             <a:off x="756000" y="5145120"/>
-            <a:ext cx="6043320" cy="4205520"/>
+            <a:ext cx="6042960" cy="4205160"/>
           </a:xfrm>
           <a:prstGeom prst="rect">
             <a:avLst/>
@@ -411,7 +411,7 @@
         <p:spPr>
           <a:xfrm>
             <a:off x="0" y="10155240"/>
-            <a:ext cx="3271680" cy="532080"/>
+            <a:ext cx="3271320" cy="531720"/>
           </a:xfrm>
           <a:prstGeom prst="rect">
             <a:avLst/>
@@ -489,7 +489,7 @@
         <p:spPr>
           <a:xfrm>
             <a:off x="1376280" y="1336680"/>
-            <a:ext cx="4803120" cy="3602880"/>
+            <a:ext cx="4802760" cy="3602520"/>
           </a:xfrm>
           <a:prstGeom prst="rect">
             <a:avLst/>
@@ -512,7 +512,7 @@
         <p:spPr>
           <a:xfrm>
             <a:off x="756000" y="5145120"/>
-            <a:ext cx="6043320" cy="4205520"/>
+            <a:ext cx="6042960" cy="4205160"/>
           </a:xfrm>
           <a:prstGeom prst="rect">
             <a:avLst/>
@@ -542,7 +542,7 @@
         <p:spPr>
           <a:xfrm>
             <a:off x="0" y="10155240"/>
-            <a:ext cx="3271680" cy="532080"/>
+            <a:ext cx="3271320" cy="531720"/>
           </a:xfrm>
           <a:prstGeom prst="rect">
             <a:avLst/>
@@ -620,7 +620,7 @@
         <p:spPr>
           <a:xfrm>
             <a:off x="1376280" y="1336680"/>
-            <a:ext cx="4803120" cy="3602880"/>
+            <a:ext cx="4802760" cy="3602520"/>
           </a:xfrm>
           <a:prstGeom prst="rect">
             <a:avLst/>
@@ -643,7 +643,7 @@
         <p:spPr>
           <a:xfrm>
             <a:off x="756000" y="5145120"/>
-            <a:ext cx="6043320" cy="4205520"/>
+            <a:ext cx="6042960" cy="4205160"/>
           </a:xfrm>
           <a:prstGeom prst="rect">
             <a:avLst/>
@@ -673,7 +673,7 @@
         <p:spPr>
           <a:xfrm>
             <a:off x="0" y="10155240"/>
-            <a:ext cx="3271680" cy="532080"/>
+            <a:ext cx="3271320" cy="531720"/>
           </a:xfrm>
           <a:prstGeom prst="rect">
             <a:avLst/>
@@ -751,7 +751,7 @@
         <p:spPr>
           <a:xfrm>
             <a:off x="1376280" y="1336680"/>
-            <a:ext cx="4803120" cy="3602880"/>
+            <a:ext cx="4802760" cy="3602520"/>
           </a:xfrm>
           <a:prstGeom prst="rect">
             <a:avLst/>
@@ -774,7 +774,7 @@
         <p:spPr>
           <a:xfrm>
             <a:off x="756000" y="5145120"/>
-            <a:ext cx="6043320" cy="4205520"/>
+            <a:ext cx="6042960" cy="4205160"/>
           </a:xfrm>
           <a:prstGeom prst="rect">
             <a:avLst/>
@@ -804,7 +804,7 @@
         <p:spPr>
           <a:xfrm>
             <a:off x="0" y="10155240"/>
-            <a:ext cx="3271680" cy="532080"/>
+            <a:ext cx="3271320" cy="531720"/>
           </a:xfrm>
           <a:prstGeom prst="rect">
             <a:avLst/>
@@ -882,7 +882,7 @@
         <p:spPr>
           <a:xfrm>
             <a:off x="1376280" y="1336680"/>
-            <a:ext cx="4803120" cy="3602880"/>
+            <a:ext cx="4802760" cy="3602520"/>
           </a:xfrm>
           <a:prstGeom prst="rect">
             <a:avLst/>
@@ -905,7 +905,7 @@
         <p:spPr>
           <a:xfrm>
             <a:off x="756000" y="5145120"/>
-            <a:ext cx="6043320" cy="4205520"/>
+            <a:ext cx="6042960" cy="4205160"/>
           </a:xfrm>
           <a:prstGeom prst="rect">
             <a:avLst/>
@@ -935,7 +935,7 @@
         <p:spPr>
           <a:xfrm>
             <a:off x="0" y="10155240"/>
-            <a:ext cx="3271680" cy="532080"/>
+            <a:ext cx="3271320" cy="531720"/>
           </a:xfrm>
           <a:prstGeom prst="rect">
             <a:avLst/>
@@ -1013,7 +1013,7 @@
         <p:spPr>
           <a:xfrm>
             <a:off x="1376280" y="1336680"/>
-            <a:ext cx="4803120" cy="3602880"/>
+            <a:ext cx="4802760" cy="3602520"/>
           </a:xfrm>
           <a:prstGeom prst="rect">
             <a:avLst/>
@@ -1036,7 +1036,7 @@
         <p:spPr>
           <a:xfrm>
             <a:off x="756000" y="5145120"/>
-            <a:ext cx="6043320" cy="4205520"/>
+            <a:ext cx="6042960" cy="4205160"/>
           </a:xfrm>
           <a:prstGeom prst="rect">
             <a:avLst/>
@@ -1066,7 +1066,7 @@
         <p:spPr>
           <a:xfrm>
             <a:off x="0" y="10155240"/>
-            <a:ext cx="3271680" cy="532080"/>
+            <a:ext cx="3271320" cy="531720"/>
           </a:xfrm>
           <a:prstGeom prst="rect">
             <a:avLst/>
@@ -1144,7 +1144,7 @@
         <p:spPr>
           <a:xfrm>
             <a:off x="1376280" y="1336680"/>
-            <a:ext cx="4803120" cy="3602880"/>
+            <a:ext cx="4802760" cy="3602520"/>
           </a:xfrm>
           <a:prstGeom prst="rect">
             <a:avLst/>
@@ -1167,7 +1167,7 @@
         <p:spPr>
           <a:xfrm>
             <a:off x="756000" y="5145120"/>
-            <a:ext cx="6043320" cy="4205520"/>
+            <a:ext cx="6042960" cy="4205160"/>
           </a:xfrm>
           <a:prstGeom prst="rect">
             <a:avLst/>
@@ -1197,7 +1197,7 @@
         <p:spPr>
           <a:xfrm>
             <a:off x="0" y="10155240"/>
-            <a:ext cx="3271680" cy="532080"/>
+            <a:ext cx="3271320" cy="531720"/>
           </a:xfrm>
           <a:prstGeom prst="rect">
             <a:avLst/>
@@ -1275,7 +1275,7 @@
         <p:spPr>
           <a:xfrm>
             <a:off x="1376280" y="1336680"/>
-            <a:ext cx="4803120" cy="3602880"/>
+            <a:ext cx="4802760" cy="3602520"/>
           </a:xfrm>
           <a:prstGeom prst="rect">
             <a:avLst/>
@@ -1298,7 +1298,7 @@
         <p:spPr>
           <a:xfrm>
             <a:off x="756000" y="5145120"/>
-            <a:ext cx="6043320" cy="4205520"/>
+            <a:ext cx="6042960" cy="4205160"/>
           </a:xfrm>
           <a:prstGeom prst="rect">
             <a:avLst/>
@@ -1328,7 +1328,7 @@
         <p:spPr>
           <a:xfrm>
             <a:off x="0" y="10155240"/>
-            <a:ext cx="3271680" cy="532080"/>
+            <a:ext cx="3271320" cy="531720"/>
           </a:xfrm>
           <a:prstGeom prst="rect">
             <a:avLst/>
@@ -1406,7 +1406,7 @@
         <p:spPr>
           <a:xfrm>
             <a:off x="1376280" y="1336680"/>
-            <a:ext cx="4803120" cy="3602880"/>
+            <a:ext cx="4802760" cy="3602520"/>
           </a:xfrm>
           <a:prstGeom prst="rect">
             <a:avLst/>
@@ -1429,7 +1429,7 @@
         <p:spPr>
           <a:xfrm>
             <a:off x="756000" y="5145120"/>
-            <a:ext cx="6043320" cy="4205520"/>
+            <a:ext cx="6042960" cy="4205160"/>
           </a:xfrm>
           <a:prstGeom prst="rect">
             <a:avLst/>
@@ -1459,7 +1459,7 @@
         <p:spPr>
           <a:xfrm>
             <a:off x="0" y="10155240"/>
-            <a:ext cx="3271680" cy="532080"/>
+            <a:ext cx="3271320" cy="531720"/>
           </a:xfrm>
           <a:prstGeom prst="rect">
             <a:avLst/>
@@ -1537,7 +1537,7 @@
         <p:spPr>
           <a:xfrm>
             <a:off x="1376280" y="1336680"/>
-            <a:ext cx="4803120" cy="3602880"/>
+            <a:ext cx="4802760" cy="3602520"/>
           </a:xfrm>
           <a:prstGeom prst="rect">
             <a:avLst/>
@@ -1560,7 +1560,7 @@
         <p:spPr>
           <a:xfrm>
             <a:off x="756000" y="5145120"/>
-            <a:ext cx="6043320" cy="4205520"/>
+            <a:ext cx="6042960" cy="4205160"/>
           </a:xfrm>
           <a:prstGeom prst="rect">
             <a:avLst/>
@@ -1590,7 +1590,7 @@
         <p:spPr>
           <a:xfrm>
             <a:off x="0" y="10155240"/>
-            <a:ext cx="3271680" cy="532080"/>
+            <a:ext cx="3271320" cy="531720"/>
           </a:xfrm>
           <a:prstGeom prst="rect">
             <a:avLst/>
@@ -1668,7 +1668,7 @@
         <p:spPr>
           <a:xfrm>
             <a:off x="1376280" y="1336680"/>
-            <a:ext cx="4803120" cy="3602880"/>
+            <a:ext cx="4802760" cy="3602520"/>
           </a:xfrm>
           <a:prstGeom prst="rect">
             <a:avLst/>
@@ -1691,7 +1691,7 @@
         <p:spPr>
           <a:xfrm>
             <a:off x="756000" y="5145120"/>
-            <a:ext cx="6043320" cy="4205520"/>
+            <a:ext cx="6042960" cy="4205160"/>
           </a:xfrm>
           <a:prstGeom prst="rect">
             <a:avLst/>
@@ -1721,7 +1721,7 @@
         <p:spPr>
           <a:xfrm>
             <a:off x="0" y="10155240"/>
-            <a:ext cx="3271680" cy="532080"/>
+            <a:ext cx="3271320" cy="531720"/>
           </a:xfrm>
           <a:prstGeom prst="rect">
             <a:avLst/>
@@ -1799,7 +1799,7 @@
         <p:spPr>
           <a:xfrm>
             <a:off x="1376280" y="1336680"/>
-            <a:ext cx="4803120" cy="3602880"/>
+            <a:ext cx="4802760" cy="3602520"/>
           </a:xfrm>
           <a:prstGeom prst="rect">
             <a:avLst/>
@@ -1822,7 +1822,7 @@
         <p:spPr>
           <a:xfrm>
             <a:off x="756000" y="5145120"/>
-            <a:ext cx="6043320" cy="4205520"/>
+            <a:ext cx="6042960" cy="4205160"/>
           </a:xfrm>
           <a:prstGeom prst="rect">
             <a:avLst/>
@@ -1852,7 +1852,7 @@
         <p:spPr>
           <a:xfrm>
             <a:off x="0" y="10155240"/>
-            <a:ext cx="3271680" cy="532080"/>
+            <a:ext cx="3271320" cy="531720"/>
           </a:xfrm>
           <a:prstGeom prst="rect">
             <a:avLst/>
@@ -1930,7 +1930,7 @@
         <p:spPr>
           <a:xfrm>
             <a:off x="1376280" y="1336680"/>
-            <a:ext cx="4803120" cy="3602880"/>
+            <a:ext cx="4802760" cy="3602520"/>
           </a:xfrm>
           <a:prstGeom prst="rect">
             <a:avLst/>
@@ -1953,7 +1953,7 @@
         <p:spPr>
           <a:xfrm>
             <a:off x="756000" y="5145120"/>
-            <a:ext cx="6043320" cy="4205520"/>
+            <a:ext cx="6042960" cy="4205160"/>
           </a:xfrm>
           <a:prstGeom prst="rect">
             <a:avLst/>
@@ -1983,7 +1983,7 @@
         <p:spPr>
           <a:xfrm>
             <a:off x="0" y="10155240"/>
-            <a:ext cx="3271680" cy="532080"/>
+            <a:ext cx="3271320" cy="531720"/>
           </a:xfrm>
           <a:prstGeom prst="rect">
             <a:avLst/>
@@ -2061,7 +2061,7 @@
         <p:spPr>
           <a:xfrm>
             <a:off x="1376280" y="1336680"/>
-            <a:ext cx="4803120" cy="3602880"/>
+            <a:ext cx="4802760" cy="3602520"/>
           </a:xfrm>
           <a:prstGeom prst="rect">
             <a:avLst/>
@@ -2084,7 +2084,7 @@
         <p:spPr>
           <a:xfrm>
             <a:off x="756000" y="5145120"/>
-            <a:ext cx="6043320" cy="4205520"/>
+            <a:ext cx="6042960" cy="4205160"/>
           </a:xfrm>
           <a:prstGeom prst="rect">
             <a:avLst/>
@@ -2114,7 +2114,7 @@
         <p:spPr>
           <a:xfrm>
             <a:off x="0" y="10155240"/>
-            <a:ext cx="3271680" cy="532080"/>
+            <a:ext cx="3271320" cy="531720"/>
           </a:xfrm>
           <a:prstGeom prst="rect">
             <a:avLst/>
@@ -2192,7 +2192,7 @@
         <p:spPr>
           <a:xfrm>
             <a:off x="1376280" y="1336680"/>
-            <a:ext cx="4803120" cy="3602880"/>
+            <a:ext cx="4802760" cy="3602520"/>
           </a:xfrm>
           <a:prstGeom prst="rect">
             <a:avLst/>
@@ -2215,7 +2215,7 @@
         <p:spPr>
           <a:xfrm>
             <a:off x="756000" y="5145120"/>
-            <a:ext cx="6043320" cy="4205520"/>
+            <a:ext cx="6042960" cy="4205160"/>
           </a:xfrm>
           <a:prstGeom prst="rect">
             <a:avLst/>
@@ -2245,7 +2245,7 @@
         <p:spPr>
           <a:xfrm>
             <a:off x="0" y="10155240"/>
-            <a:ext cx="3271680" cy="532080"/>
+            <a:ext cx="3271320" cy="531720"/>
           </a:xfrm>
           <a:prstGeom prst="rect">
             <a:avLst/>
@@ -2323,7 +2323,7 @@
         <p:spPr>
           <a:xfrm>
             <a:off x="1376280" y="1336680"/>
-            <a:ext cx="4803120" cy="3602880"/>
+            <a:ext cx="4802760" cy="3602520"/>
           </a:xfrm>
           <a:prstGeom prst="rect">
             <a:avLst/>
@@ -2346,7 +2346,7 @@
         <p:spPr>
           <a:xfrm>
             <a:off x="756000" y="5145120"/>
-            <a:ext cx="6043320" cy="4205520"/>
+            <a:ext cx="6042960" cy="4205160"/>
           </a:xfrm>
           <a:prstGeom prst="rect">
             <a:avLst/>
@@ -2376,7 +2376,7 @@
         <p:spPr>
           <a:xfrm>
             <a:off x="0" y="10155240"/>
-            <a:ext cx="3271680" cy="532080"/>
+            <a:ext cx="3271320" cy="531720"/>
           </a:xfrm>
           <a:prstGeom prst="rect">
             <a:avLst/>
@@ -2454,7 +2454,7 @@
         <p:spPr>
           <a:xfrm>
             <a:off x="1376280" y="1336680"/>
-            <a:ext cx="4803120" cy="3602880"/>
+            <a:ext cx="4802760" cy="3602520"/>
           </a:xfrm>
           <a:prstGeom prst="rect">
             <a:avLst/>
@@ -2477,7 +2477,7 @@
         <p:spPr>
           <a:xfrm>
             <a:off x="756000" y="5145120"/>
-            <a:ext cx="6043320" cy="4205520"/>
+            <a:ext cx="6042960" cy="4205160"/>
           </a:xfrm>
           <a:prstGeom prst="rect">
             <a:avLst/>
@@ -2507,7 +2507,7 @@
         <p:spPr>
           <a:xfrm>
             <a:off x="0" y="10155240"/>
-            <a:ext cx="3271680" cy="532080"/>
+            <a:ext cx="3271320" cy="531720"/>
           </a:xfrm>
           <a:prstGeom prst="rect">
             <a:avLst/>
@@ -2585,7 +2585,7 @@
         <p:spPr>
           <a:xfrm>
             <a:off x="1376280" y="1336680"/>
-            <a:ext cx="4803120" cy="3602880"/>
+            <a:ext cx="4802760" cy="3602520"/>
           </a:xfrm>
           <a:prstGeom prst="rect">
             <a:avLst/>
@@ -2608,7 +2608,7 @@
         <p:spPr>
           <a:xfrm>
             <a:off x="756000" y="5145120"/>
-            <a:ext cx="6043320" cy="4205520"/>
+            <a:ext cx="6042960" cy="4205160"/>
           </a:xfrm>
           <a:prstGeom prst="rect">
             <a:avLst/>
@@ -2638,7 +2638,7 @@
         <p:spPr>
           <a:xfrm>
             <a:off x="0" y="10155240"/>
-            <a:ext cx="3271680" cy="532080"/>
+            <a:ext cx="3271320" cy="531720"/>
           </a:xfrm>
           <a:prstGeom prst="rect">
             <a:avLst/>
@@ -5767,7 +5767,7 @@
         <p:spPr>
           <a:xfrm>
             <a:off x="0" y="3150000"/>
-            <a:ext cx="9715680" cy="1255680"/>
+            <a:ext cx="9715320" cy="1255320"/>
           </a:xfrm>
           <a:prstGeom prst="rect">
             <a:avLst/>
@@ -5821,7 +5821,7 @@
               <a:rPr b="0" lang="pt-BR" sz="4400" spc="-1" strike="noStrike">
                 <a:latin typeface="Arial"/>
               </a:rPr>
-              <a:t>Click to edit the title text format</a:t>
+              <a:t>Clique para editar o formato do texto do título</a:t>
             </a:r>
             <a:endParaRPr b="0" lang="pt-BR" sz="4400" spc="-1" strike="noStrike">
               <a:latin typeface="Arial"/>
@@ -5872,7 +5872,7 @@
               <a:rPr b="0" lang="pt-BR" sz="3200" spc="-1" strike="noStrike">
                 <a:latin typeface="Arial"/>
               </a:rPr>
-              <a:t>Click to edit the outline text format</a:t>
+              <a:t>Clique para editar o formato do texto da estrutura de tópicos</a:t>
             </a:r>
             <a:endParaRPr b="0" lang="pt-BR" sz="3200" spc="-1" strike="noStrike">
               <a:latin typeface="Arial"/>
@@ -5894,7 +5894,7 @@
               <a:rPr b="0" lang="pt-BR" sz="2800" spc="-1" strike="noStrike">
                 <a:latin typeface="Arial"/>
               </a:rPr>
-              <a:t>Second Outline Level</a:t>
+              <a:t>2.º nível da estrutura de tópicos</a:t>
             </a:r>
             <a:endParaRPr b="0" lang="pt-BR" sz="2800" spc="-1" strike="noStrike">
               <a:latin typeface="Arial"/>
@@ -5916,7 +5916,7 @@
               <a:rPr b="0" lang="pt-BR" sz="2400" spc="-1" strike="noStrike">
                 <a:latin typeface="Arial"/>
               </a:rPr>
-              <a:t>Third Outline Level</a:t>
+              <a:t>3.º nível da estrutura de tópicos</a:t>
             </a:r>
             <a:endParaRPr b="0" lang="pt-BR" sz="2400" spc="-1" strike="noStrike">
               <a:latin typeface="Arial"/>
@@ -5938,7 +5938,7 @@
               <a:rPr b="0" lang="pt-BR" sz="2000" spc="-1" strike="noStrike">
                 <a:latin typeface="Arial"/>
               </a:rPr>
-              <a:t>Fourth Outline Level</a:t>
+              <a:t>4.º nível da estrutura de tópicos</a:t>
             </a:r>
             <a:endParaRPr b="0" lang="pt-BR" sz="2000" spc="-1" strike="noStrike">
               <a:latin typeface="Arial"/>
@@ -5960,7 +5960,7 @@
               <a:rPr b="0" lang="pt-BR" sz="2000" spc="-1" strike="noStrike">
                 <a:latin typeface="Arial"/>
               </a:rPr>
-              <a:t>Fifth Outline Level</a:t>
+              <a:t>5.º nível da estrutura de tópicos</a:t>
             </a:r>
             <a:endParaRPr b="0" lang="pt-BR" sz="2000" spc="-1" strike="noStrike">
               <a:latin typeface="Arial"/>
@@ -5982,7 +5982,7 @@
               <a:rPr b="0" lang="pt-BR" sz="2000" spc="-1" strike="noStrike">
                 <a:latin typeface="Arial"/>
               </a:rPr>
-              <a:t>Sixth Outline Level</a:t>
+              <a:t>6.º nível da estrutura de tópicos</a:t>
             </a:r>
             <a:endParaRPr b="0" lang="pt-BR" sz="2000" spc="-1" strike="noStrike">
               <a:latin typeface="Arial"/>
@@ -6004,7 +6004,7 @@
               <a:rPr b="0" lang="pt-BR" sz="2000" spc="-1" strike="noStrike">
                 <a:latin typeface="Arial"/>
               </a:rPr>
-              <a:t>Seventh Outline Level</a:t>
+              <a:t>7.º nível da estrutura de tópicos</a:t>
             </a:r>
             <a:endParaRPr b="0" lang="pt-BR" sz="2000" spc="-1" strike="noStrike">
               <a:latin typeface="Arial"/>
@@ -6065,7 +6065,7 @@
         <p:spPr>
           <a:xfrm>
             <a:off x="0" y="180000"/>
-            <a:ext cx="9715680" cy="1255680"/>
+            <a:ext cx="9715320" cy="1255320"/>
           </a:xfrm>
           <a:prstGeom prst="rect">
             <a:avLst/>
@@ -6093,7 +6093,7 @@
         <p:spPr>
           <a:xfrm>
             <a:off x="7560000" y="6840000"/>
-            <a:ext cx="2515680" cy="535680"/>
+            <a:ext cx="2515320" cy="535320"/>
           </a:xfrm>
           <a:prstGeom prst="rect">
             <a:avLst/>
@@ -6121,7 +6121,7 @@
         <p:spPr>
           <a:xfrm>
             <a:off x="900000" y="6840000"/>
-            <a:ext cx="6475680" cy="535680"/>
+            <a:ext cx="6475320" cy="535320"/>
           </a:xfrm>
           <a:prstGeom prst="rect">
             <a:avLst/>
@@ -6149,7 +6149,7 @@
         <p:spPr>
           <a:xfrm>
             <a:off x="180000" y="6840000"/>
-            <a:ext cx="535680" cy="535680"/>
+            <a:ext cx="535320" cy="535320"/>
           </a:xfrm>
           <a:prstGeom prst="rect">
             <a:avLst/>
@@ -6201,7 +6201,7 @@
               <a:rPr b="0" lang="pt-BR" sz="4400" spc="-1" strike="noStrike">
                 <a:latin typeface="Arial"/>
               </a:rPr>
-              <a:t>Click to edit the title text format</a:t>
+              <a:t>Clique para editar o formato do texto do título</a:t>
             </a:r>
             <a:endParaRPr b="0" lang="pt-BR" sz="4400" spc="-1" strike="noStrike">
               <a:latin typeface="Arial"/>
@@ -6252,7 +6252,7 @@
               <a:rPr b="0" lang="pt-BR" sz="3200" spc="-1" strike="noStrike">
                 <a:latin typeface="Arial"/>
               </a:rPr>
-              <a:t>Click to edit the outline text format</a:t>
+              <a:t>Clique para editar o formato do texto da estrutura de tópicos</a:t>
             </a:r>
             <a:endParaRPr b="0" lang="pt-BR" sz="3200" spc="-1" strike="noStrike">
               <a:latin typeface="Arial"/>
@@ -6274,7 +6274,7 @@
               <a:rPr b="0" lang="pt-BR" sz="2800" spc="-1" strike="noStrike">
                 <a:latin typeface="Arial"/>
               </a:rPr>
-              <a:t>Second Outline Level</a:t>
+              <a:t>2.º nível da estrutura de tópicos</a:t>
             </a:r>
             <a:endParaRPr b="0" lang="pt-BR" sz="2800" spc="-1" strike="noStrike">
               <a:latin typeface="Arial"/>
@@ -6296,7 +6296,7 @@
               <a:rPr b="0" lang="pt-BR" sz="2400" spc="-1" strike="noStrike">
                 <a:latin typeface="Arial"/>
               </a:rPr>
-              <a:t>Third Outline Level</a:t>
+              <a:t>3.º nível da estrutura de tópicos</a:t>
             </a:r>
             <a:endParaRPr b="0" lang="pt-BR" sz="2400" spc="-1" strike="noStrike">
               <a:latin typeface="Arial"/>
@@ -6318,7 +6318,7 @@
               <a:rPr b="0" lang="pt-BR" sz="2000" spc="-1" strike="noStrike">
                 <a:latin typeface="Arial"/>
               </a:rPr>
-              <a:t>Fourth Outline Level</a:t>
+              <a:t>4.º nível da estrutura de tópicos</a:t>
             </a:r>
             <a:endParaRPr b="0" lang="pt-BR" sz="2000" spc="-1" strike="noStrike">
               <a:latin typeface="Arial"/>
@@ -6340,7 +6340,7 @@
               <a:rPr b="0" lang="pt-BR" sz="2000" spc="-1" strike="noStrike">
                 <a:latin typeface="Arial"/>
               </a:rPr>
-              <a:t>Fifth Outline Level</a:t>
+              <a:t>5.º nível da estrutura de tópicos</a:t>
             </a:r>
             <a:endParaRPr b="0" lang="pt-BR" sz="2000" spc="-1" strike="noStrike">
               <a:latin typeface="Arial"/>
@@ -6362,7 +6362,7 @@
               <a:rPr b="0" lang="pt-BR" sz="2000" spc="-1" strike="noStrike">
                 <a:latin typeface="Arial"/>
               </a:rPr>
-              <a:t>Sixth Outline Level</a:t>
+              <a:t>6.º nível da estrutura de tópicos</a:t>
             </a:r>
             <a:endParaRPr b="0" lang="pt-BR" sz="2000" spc="-1" strike="noStrike">
               <a:latin typeface="Arial"/>
@@ -6384,7 +6384,7 @@
               <a:rPr b="0" lang="pt-BR" sz="2000" spc="-1" strike="noStrike">
                 <a:latin typeface="Arial"/>
               </a:rPr>
-              <a:t>Seventh Outline Level</a:t>
+              <a:t>7.º nível da estrutura de tópicos</a:t>
             </a:r>
             <a:endParaRPr b="0" lang="pt-BR" sz="2000" spc="-1" strike="noStrike">
               <a:latin typeface="Arial"/>
@@ -6438,7 +6438,7 @@
         <p:spPr>
           <a:xfrm>
             <a:off x="360000" y="3330000"/>
-            <a:ext cx="9355680" cy="895680"/>
+            <a:ext cx="9355320" cy="895320"/>
           </a:xfrm>
           <a:prstGeom prst="rect">
             <a:avLst/>
@@ -6490,7 +6490,7 @@
         <p:spPr>
           <a:xfrm>
             <a:off x="540000" y="4680000"/>
-            <a:ext cx="9175680" cy="2515680"/>
+            <a:ext cx="9175320" cy="2515320"/>
           </a:xfrm>
           <a:prstGeom prst="rect">
             <a:avLst/>
@@ -6695,7 +6695,7 @@
         <p:spPr>
           <a:xfrm>
             <a:off x="360000" y="360000"/>
-            <a:ext cx="9355680" cy="895680"/>
+            <a:ext cx="9355320" cy="895320"/>
           </a:xfrm>
           <a:prstGeom prst="rect">
             <a:avLst/>
@@ -6747,7 +6747,7 @@
         <p:spPr>
           <a:xfrm>
             <a:off x="897120" y="6886080"/>
-            <a:ext cx="6442920" cy="360720"/>
+            <a:ext cx="6442560" cy="360360"/>
           </a:xfrm>
           <a:prstGeom prst="rect">
             <a:avLst/>
@@ -6799,7 +6799,7 @@
         <p:spPr>
           <a:xfrm>
             <a:off x="7608600" y="6886080"/>
-            <a:ext cx="2280960" cy="360720"/>
+            <a:ext cx="2280600" cy="360360"/>
           </a:xfrm>
           <a:prstGeom prst="rect">
             <a:avLst/>
@@ -6865,7 +6865,7 @@
         <p:spPr>
           <a:xfrm>
             <a:off x="2678760" y="3921840"/>
-            <a:ext cx="669600" cy="660600"/>
+            <a:ext cx="669240" cy="660240"/>
           </a:xfrm>
           <a:prstGeom prst="rect">
             <a:avLst/>
@@ -6891,7 +6891,7 @@
         <p:spPr>
           <a:xfrm>
             <a:off x="3349080" y="3577680"/>
-            <a:ext cx="3138480" cy="3138480"/>
+            <a:ext cx="3138120" cy="3138120"/>
           </a:xfrm>
           <a:prstGeom prst="rect">
             <a:avLst/>
@@ -6914,7 +6914,7 @@
         <p:spPr>
           <a:xfrm>
             <a:off x="3349080" y="3577680"/>
-            <a:ext cx="3138480" cy="3138480"/>
+            <a:ext cx="3138120" cy="3138120"/>
           </a:xfrm>
           <a:prstGeom prst="rect">
             <a:avLst/>
@@ -6933,7 +6933,7 @@
         <p:spPr>
           <a:xfrm>
             <a:off x="200160" y="1689840"/>
-            <a:ext cx="9515520" cy="3655800"/>
+            <a:ext cx="9515160" cy="3655800"/>
           </a:xfrm>
           <a:prstGeom prst="rect">
             <a:avLst/>
@@ -7249,7 +7249,7 @@
         <p:spPr>
           <a:xfrm>
             <a:off x="360000" y="360000"/>
-            <a:ext cx="9355680" cy="895680"/>
+            <a:ext cx="9355320" cy="895320"/>
           </a:xfrm>
           <a:prstGeom prst="rect">
             <a:avLst/>
@@ -7301,7 +7301,7 @@
         <p:spPr>
           <a:xfrm>
             <a:off x="897120" y="6886080"/>
-            <a:ext cx="6442920" cy="360720"/>
+            <a:ext cx="6442560" cy="360360"/>
           </a:xfrm>
           <a:prstGeom prst="rect">
             <a:avLst/>
@@ -7353,7 +7353,7 @@
         <p:spPr>
           <a:xfrm>
             <a:off x="7608600" y="6886080"/>
-            <a:ext cx="2280960" cy="360720"/>
+            <a:ext cx="2280600" cy="360360"/>
           </a:xfrm>
           <a:prstGeom prst="rect">
             <a:avLst/>
@@ -7419,7 +7419,7 @@
         <p:spPr>
           <a:xfrm>
             <a:off x="2678760" y="4199400"/>
-            <a:ext cx="669600" cy="660600"/>
+            <a:ext cx="669240" cy="660240"/>
           </a:xfrm>
           <a:prstGeom prst="rect">
             <a:avLst/>
@@ -7445,7 +7445,7 @@
         <p:spPr>
           <a:xfrm>
             <a:off x="3349080" y="3577680"/>
-            <a:ext cx="3138480" cy="3138480"/>
+            <a:ext cx="3138120" cy="3138120"/>
           </a:xfrm>
           <a:prstGeom prst="rect">
             <a:avLst/>
@@ -7468,7 +7468,7 @@
         <p:spPr>
           <a:xfrm>
             <a:off x="3380040" y="3577680"/>
-            <a:ext cx="4689720" cy="3126240"/>
+            <a:ext cx="4689360" cy="3125880"/>
           </a:xfrm>
           <a:prstGeom prst="rect">
             <a:avLst/>
@@ -7487,7 +7487,7 @@
         <p:spPr>
           <a:xfrm>
             <a:off x="6811560" y="3565440"/>
-            <a:ext cx="2424600" cy="3126240"/>
+            <a:ext cx="2424240" cy="3125880"/>
           </a:xfrm>
           <a:prstGeom prst="rect">
             <a:avLst/>
@@ -7582,7 +7582,7 @@
         <p:spPr>
           <a:xfrm>
             <a:off x="7691040" y="4030920"/>
-            <a:ext cx="820080" cy="335520"/>
+            <a:ext cx="819720" cy="335160"/>
           </a:xfrm>
           <a:prstGeom prst="leftArrow">
             <a:avLst>
@@ -7624,7 +7624,7 @@
         <p:spPr>
           <a:xfrm>
             <a:off x="7971120" y="2885760"/>
-            <a:ext cx="259920" cy="368640"/>
+            <a:ext cx="259560" cy="368280"/>
           </a:xfrm>
           <a:prstGeom prst="downArrow">
             <a:avLst>
@@ -7666,7 +7666,7 @@
         <p:spPr>
           <a:xfrm>
             <a:off x="7176960" y="2358360"/>
-            <a:ext cx="1848240" cy="363960"/>
+            <a:ext cx="1847880" cy="363960"/>
           </a:xfrm>
           <a:prstGeom prst="rect">
             <a:avLst/>
@@ -7718,7 +7718,7 @@
         <p:spPr>
           <a:xfrm>
             <a:off x="200160" y="1689840"/>
-            <a:ext cx="9515520" cy="3930120"/>
+            <a:ext cx="9515160" cy="3930120"/>
           </a:xfrm>
           <a:prstGeom prst="rect">
             <a:avLst/>
@@ -8045,7 +8045,7 @@
         <p:spPr>
           <a:xfrm>
             <a:off x="360000" y="360000"/>
-            <a:ext cx="9355680" cy="895680"/>
+            <a:ext cx="9355320" cy="895320"/>
           </a:xfrm>
           <a:prstGeom prst="rect">
             <a:avLst/>
@@ -8097,7 +8097,7 @@
         <p:spPr>
           <a:xfrm>
             <a:off x="897120" y="6886080"/>
-            <a:ext cx="6442920" cy="360720"/>
+            <a:ext cx="6442560" cy="360360"/>
           </a:xfrm>
           <a:prstGeom prst="rect">
             <a:avLst/>
@@ -8149,7 +8149,7 @@
         <p:spPr>
           <a:xfrm>
             <a:off x="7608600" y="6886080"/>
-            <a:ext cx="2280960" cy="360720"/>
+            <a:ext cx="2280600" cy="360360"/>
           </a:xfrm>
           <a:prstGeom prst="rect">
             <a:avLst/>
@@ -8215,7 +8215,7 @@
         <p:spPr>
           <a:xfrm>
             <a:off x="2678760" y="4601520"/>
-            <a:ext cx="669600" cy="660600"/>
+            <a:ext cx="669240" cy="660240"/>
           </a:xfrm>
           <a:prstGeom prst="rect">
             <a:avLst/>
@@ -8241,7 +8241,7 @@
         <p:spPr>
           <a:xfrm>
             <a:off x="3349080" y="3577680"/>
-            <a:ext cx="3138480" cy="3138480"/>
+            <a:ext cx="3138120" cy="3138120"/>
           </a:xfrm>
           <a:prstGeom prst="rect">
             <a:avLst/>
@@ -8264,7 +8264,7 @@
         <p:spPr>
           <a:xfrm>
             <a:off x="3349080" y="3593160"/>
-            <a:ext cx="4086720" cy="3123000"/>
+            <a:ext cx="4086360" cy="3122640"/>
           </a:xfrm>
           <a:prstGeom prst="rect">
             <a:avLst/>
@@ -8283,7 +8283,7 @@
         <p:spPr>
           <a:xfrm>
             <a:off x="6811560" y="3565440"/>
-            <a:ext cx="2424600" cy="3126240"/>
+            <a:ext cx="2424240" cy="3125880"/>
           </a:xfrm>
           <a:prstGeom prst="rect">
             <a:avLst/>
@@ -8378,7 +8378,7 @@
         <p:spPr>
           <a:xfrm>
             <a:off x="200160" y="1689840"/>
-            <a:ext cx="9515520" cy="4204440"/>
+            <a:ext cx="9515160" cy="4204440"/>
           </a:xfrm>
           <a:prstGeom prst="rect">
             <a:avLst/>
@@ -8716,7 +8716,7 @@
         <p:spPr>
           <a:xfrm>
             <a:off x="360000" y="360000"/>
-            <a:ext cx="9355680" cy="895680"/>
+            <a:ext cx="9355320" cy="895320"/>
           </a:xfrm>
           <a:prstGeom prst="rect">
             <a:avLst/>
@@ -8768,7 +8768,7 @@
         <p:spPr>
           <a:xfrm>
             <a:off x="897120" y="6886080"/>
-            <a:ext cx="6442920" cy="360720"/>
+            <a:ext cx="6442560" cy="360360"/>
           </a:xfrm>
           <a:prstGeom prst="rect">
             <a:avLst/>
@@ -8820,7 +8820,7 @@
         <p:spPr>
           <a:xfrm>
             <a:off x="7608600" y="6886080"/>
-            <a:ext cx="2280960" cy="360720"/>
+            <a:ext cx="2280600" cy="360360"/>
           </a:xfrm>
           <a:prstGeom prst="rect">
             <a:avLst/>
@@ -8886,7 +8886,7 @@
         <p:spPr>
           <a:xfrm>
             <a:off x="2678760" y="4998240"/>
-            <a:ext cx="669600" cy="660600"/>
+            <a:ext cx="669240" cy="660240"/>
           </a:xfrm>
           <a:prstGeom prst="rect">
             <a:avLst/>
@@ -8912,7 +8912,7 @@
         <p:spPr>
           <a:xfrm>
             <a:off x="3349080" y="3577680"/>
-            <a:ext cx="3138480" cy="3138480"/>
+            <a:ext cx="3138120" cy="3138120"/>
           </a:xfrm>
           <a:prstGeom prst="rect">
             <a:avLst/>
@@ -8935,7 +8935,7 @@
         <p:spPr>
           <a:xfrm>
             <a:off x="3349080" y="3593160"/>
-            <a:ext cx="4086720" cy="3123000"/>
+            <a:ext cx="4086360" cy="3122640"/>
           </a:xfrm>
           <a:prstGeom prst="rect">
             <a:avLst/>
@@ -8958,7 +8958,7 @@
         <p:spPr>
           <a:xfrm>
             <a:off x="3349080" y="3596400"/>
-            <a:ext cx="4086720" cy="3168720"/>
+            <a:ext cx="4086360" cy="3168360"/>
           </a:xfrm>
           <a:prstGeom prst="rect">
             <a:avLst/>
@@ -8977,7 +8977,7 @@
         <p:spPr>
           <a:xfrm>
             <a:off x="6811560" y="3565440"/>
-            <a:ext cx="2424600" cy="3126240"/>
+            <a:ext cx="2424240" cy="3125880"/>
           </a:xfrm>
           <a:prstGeom prst="rect">
             <a:avLst/>
@@ -9072,7 +9072,7 @@
         <p:spPr>
           <a:xfrm>
             <a:off x="200160" y="1689840"/>
-            <a:ext cx="9515520" cy="4753080"/>
+            <a:ext cx="9515160" cy="4753080"/>
           </a:xfrm>
           <a:prstGeom prst="rect">
             <a:avLst/>
@@ -9432,7 +9432,7 @@
         <p:spPr>
           <a:xfrm>
             <a:off x="360000" y="360000"/>
-            <a:ext cx="9355680" cy="895680"/>
+            <a:ext cx="9355320" cy="895320"/>
           </a:xfrm>
           <a:prstGeom prst="rect">
             <a:avLst/>
@@ -9484,7 +9484,7 @@
         <p:spPr>
           <a:xfrm>
             <a:off x="897120" y="6886080"/>
-            <a:ext cx="6442920" cy="360720"/>
+            <a:ext cx="6442560" cy="360360"/>
           </a:xfrm>
           <a:prstGeom prst="rect">
             <a:avLst/>
@@ -9536,7 +9536,7 @@
         <p:spPr>
           <a:xfrm>
             <a:off x="7608600" y="6886080"/>
-            <a:ext cx="2280960" cy="360720"/>
+            <a:ext cx="2280600" cy="360360"/>
           </a:xfrm>
           <a:prstGeom prst="rect">
             <a:avLst/>
@@ -9602,7 +9602,7 @@
         <p:spPr>
           <a:xfrm>
             <a:off x="2678760" y="5430240"/>
-            <a:ext cx="669600" cy="660600"/>
+            <a:ext cx="669240" cy="660240"/>
           </a:xfrm>
           <a:prstGeom prst="rect">
             <a:avLst/>
@@ -9628,7 +9628,7 @@
         <p:spPr>
           <a:xfrm>
             <a:off x="3349080" y="3577680"/>
-            <a:ext cx="3138480" cy="3138480"/>
+            <a:ext cx="3138120" cy="3138120"/>
           </a:xfrm>
           <a:prstGeom prst="rect">
             <a:avLst/>
@@ -9651,7 +9651,7 @@
         <p:spPr>
           <a:xfrm>
             <a:off x="3349080" y="3593160"/>
-            <a:ext cx="4086720" cy="3123000"/>
+            <a:ext cx="4086360" cy="3122640"/>
           </a:xfrm>
           <a:prstGeom prst="rect">
             <a:avLst/>
@@ -9674,7 +9674,7 @@
         <p:spPr>
           <a:xfrm>
             <a:off x="3349080" y="3596400"/>
-            <a:ext cx="4086720" cy="3168720"/>
+            <a:ext cx="4086360" cy="3168360"/>
           </a:xfrm>
           <a:prstGeom prst="rect">
             <a:avLst/>
@@ -9697,7 +9697,7 @@
         <p:spPr>
           <a:xfrm>
             <a:off x="3349080" y="3593160"/>
-            <a:ext cx="3179520" cy="3168720"/>
+            <a:ext cx="3179160" cy="3168360"/>
           </a:xfrm>
           <a:prstGeom prst="rect">
             <a:avLst/>
@@ -9716,7 +9716,7 @@
         <p:spPr>
           <a:xfrm>
             <a:off x="6811560" y="3565440"/>
-            <a:ext cx="2424600" cy="3126240"/>
+            <a:ext cx="2424240" cy="3125880"/>
           </a:xfrm>
           <a:prstGeom prst="rect">
             <a:avLst/>
@@ -9811,7 +9811,7 @@
         <p:spPr>
           <a:xfrm>
             <a:off x="200160" y="1689840"/>
-            <a:ext cx="9515520" cy="5027400"/>
+            <a:ext cx="9515160" cy="5027400"/>
           </a:xfrm>
           <a:prstGeom prst="rect">
             <a:avLst/>
@@ -10182,7 +10182,7 @@
         <p:spPr>
           <a:xfrm>
             <a:off x="360000" y="360000"/>
-            <a:ext cx="9355680" cy="895680"/>
+            <a:ext cx="9355320" cy="895320"/>
           </a:xfrm>
           <a:prstGeom prst="rect">
             <a:avLst/>
@@ -10234,7 +10234,7 @@
         <p:spPr>
           <a:xfrm>
             <a:off x="897120" y="6886080"/>
-            <a:ext cx="6442920" cy="360720"/>
+            <a:ext cx="6442560" cy="360360"/>
           </a:xfrm>
           <a:prstGeom prst="rect">
             <a:avLst/>
@@ -10286,7 +10286,7 @@
         <p:spPr>
           <a:xfrm>
             <a:off x="7608600" y="6886080"/>
-            <a:ext cx="2280960" cy="360720"/>
+            <a:ext cx="2280600" cy="360360"/>
           </a:xfrm>
           <a:prstGeom prst="rect">
             <a:avLst/>
@@ -10352,7 +10352,7 @@
         <p:spPr>
           <a:xfrm>
             <a:off x="2671920" y="5869800"/>
-            <a:ext cx="669600" cy="660600"/>
+            <a:ext cx="669240" cy="660240"/>
           </a:xfrm>
           <a:prstGeom prst="rect">
             <a:avLst/>
@@ -10378,7 +10378,7 @@
         <p:spPr>
           <a:xfrm>
             <a:off x="3349080" y="3577680"/>
-            <a:ext cx="3138480" cy="3138480"/>
+            <a:ext cx="3138120" cy="3138120"/>
           </a:xfrm>
           <a:prstGeom prst="rect">
             <a:avLst/>
@@ -10401,7 +10401,7 @@
         <p:spPr>
           <a:xfrm>
             <a:off x="3349080" y="3593160"/>
-            <a:ext cx="4086720" cy="3123000"/>
+            <a:ext cx="4086360" cy="3122640"/>
           </a:xfrm>
           <a:prstGeom prst="rect">
             <a:avLst/>
@@ -10424,7 +10424,7 @@
         <p:spPr>
           <a:xfrm>
             <a:off x="3349080" y="3596400"/>
-            <a:ext cx="4086720" cy="3168720"/>
+            <a:ext cx="4086360" cy="3168360"/>
           </a:xfrm>
           <a:prstGeom prst="rect">
             <a:avLst/>
@@ -10447,7 +10447,7 @@
         <p:spPr>
           <a:xfrm>
             <a:off x="3342240" y="3593160"/>
-            <a:ext cx="4807080" cy="3204720"/>
+            <a:ext cx="4806720" cy="3204360"/>
           </a:xfrm>
           <a:prstGeom prst="rect">
             <a:avLst/>
@@ -10466,7 +10466,7 @@
         <p:spPr>
           <a:xfrm>
             <a:off x="7739640" y="5198400"/>
-            <a:ext cx="820080" cy="335520"/>
+            <a:ext cx="819720" cy="335160"/>
           </a:xfrm>
           <a:prstGeom prst="leftArrow">
             <a:avLst>
@@ -10508,7 +10508,7 @@
         <p:spPr>
           <a:xfrm>
             <a:off x="6811560" y="3565440"/>
-            <a:ext cx="2424600" cy="3126240"/>
+            <a:ext cx="2424240" cy="3125880"/>
           </a:xfrm>
           <a:prstGeom prst="rect">
             <a:avLst/>
@@ -10603,7 +10603,7 @@
         <p:spPr>
           <a:xfrm>
             <a:off x="200160" y="1689840"/>
-            <a:ext cx="9515520" cy="5576040"/>
+            <a:ext cx="9515160" cy="5576040"/>
           </a:xfrm>
           <a:prstGeom prst="rect">
             <a:avLst/>
@@ -10996,7 +10996,7 @@
         <p:spPr>
           <a:xfrm>
             <a:off x="360000" y="360000"/>
-            <a:ext cx="9355680" cy="895680"/>
+            <a:ext cx="9355320" cy="895320"/>
           </a:xfrm>
           <a:prstGeom prst="rect">
             <a:avLst/>
@@ -11048,7 +11048,7 @@
         <p:spPr>
           <a:xfrm>
             <a:off x="897120" y="6886080"/>
-            <a:ext cx="6442920" cy="360720"/>
+            <a:ext cx="6442560" cy="360360"/>
           </a:xfrm>
           <a:prstGeom prst="rect">
             <a:avLst/>
@@ -11100,7 +11100,7 @@
         <p:spPr>
           <a:xfrm>
             <a:off x="7608600" y="6886080"/>
-            <a:ext cx="2280960" cy="360720"/>
+            <a:ext cx="2280600" cy="360360"/>
           </a:xfrm>
           <a:prstGeom prst="rect">
             <a:avLst/>
@@ -11166,7 +11166,7 @@
         <p:spPr>
           <a:xfrm>
             <a:off x="2690640" y="6193440"/>
-            <a:ext cx="669600" cy="660600"/>
+            <a:ext cx="669240" cy="660240"/>
           </a:xfrm>
           <a:prstGeom prst="rect">
             <a:avLst/>
@@ -11192,7 +11192,7 @@
         <p:spPr>
           <a:xfrm>
             <a:off x="3349080" y="3577680"/>
-            <a:ext cx="3138480" cy="3138480"/>
+            <a:ext cx="3138120" cy="3138120"/>
           </a:xfrm>
           <a:prstGeom prst="rect">
             <a:avLst/>
@@ -11215,7 +11215,7 @@
         <p:spPr>
           <a:xfrm>
             <a:off x="3349080" y="3593160"/>
-            <a:ext cx="4086720" cy="3123000"/>
+            <a:ext cx="4086360" cy="3122640"/>
           </a:xfrm>
           <a:prstGeom prst="rect">
             <a:avLst/>
@@ -11238,7 +11238,7 @@
         <p:spPr>
           <a:xfrm>
             <a:off x="3349080" y="3596400"/>
-            <a:ext cx="4086720" cy="3168720"/>
+            <a:ext cx="4086360" cy="3168360"/>
           </a:xfrm>
           <a:prstGeom prst="rect">
             <a:avLst/>
@@ -11261,7 +11261,7 @@
         <p:spPr>
           <a:xfrm>
             <a:off x="3342240" y="3593160"/>
-            <a:ext cx="4807080" cy="3204720"/>
+            <a:ext cx="4806720" cy="3204360"/>
           </a:xfrm>
           <a:prstGeom prst="rect">
             <a:avLst/>
@@ -11280,7 +11280,7 @@
         <p:spPr>
           <a:xfrm>
             <a:off x="7581240" y="6025320"/>
-            <a:ext cx="820080" cy="335520"/>
+            <a:ext cx="819720" cy="335160"/>
           </a:xfrm>
           <a:prstGeom prst="leftArrow">
             <a:avLst>
@@ -11378,7 +11378,7 @@
         <p:spPr>
           <a:xfrm>
             <a:off x="3351960" y="3591720"/>
-            <a:ext cx="4077720" cy="3170160"/>
+            <a:ext cx="4077360" cy="3169800"/>
           </a:xfrm>
           <a:prstGeom prst="rect">
             <a:avLst/>
@@ -11397,7 +11397,7 @@
         <p:spPr>
           <a:xfrm>
             <a:off x="6811560" y="3565440"/>
-            <a:ext cx="2424600" cy="3126240"/>
+            <a:ext cx="2424240" cy="3125880"/>
           </a:xfrm>
           <a:prstGeom prst="rect">
             <a:avLst/>
@@ -11440,7 +11440,7 @@
         <p:spPr>
           <a:xfrm>
             <a:off x="200160" y="1689840"/>
-            <a:ext cx="9515520" cy="5850360"/>
+            <a:ext cx="9515160" cy="5850360"/>
           </a:xfrm>
           <a:prstGeom prst="rect">
             <a:avLst/>
@@ -11844,7 +11844,7 @@
         <p:spPr>
           <a:xfrm>
             <a:off x="360000" y="360000"/>
-            <a:ext cx="9355680" cy="895680"/>
+            <a:ext cx="9355320" cy="895320"/>
           </a:xfrm>
           <a:prstGeom prst="rect">
             <a:avLst/>
@@ -11896,7 +11896,7 @@
         <p:spPr>
           <a:xfrm>
             <a:off x="897120" y="6886080"/>
-            <a:ext cx="6442920" cy="360720"/>
+            <a:ext cx="6442560" cy="360360"/>
           </a:xfrm>
           <a:prstGeom prst="rect">
             <a:avLst/>
@@ -11948,7 +11948,7 @@
         <p:spPr>
           <a:xfrm>
             <a:off x="7608600" y="6886080"/>
-            <a:ext cx="2280960" cy="360720"/>
+            <a:ext cx="2280600" cy="360360"/>
           </a:xfrm>
           <a:prstGeom prst="rect">
             <a:avLst/>
@@ -12010,7 +12010,7 @@
         <p:spPr>
           <a:xfrm>
             <a:off x="200160" y="1689840"/>
-            <a:ext cx="9515520" cy="2832840"/>
+            <a:ext cx="9515160" cy="2832840"/>
           </a:xfrm>
           <a:prstGeom prst="rect">
             <a:avLst/>
@@ -12319,7 +12319,7 @@
         <p:spPr>
           <a:xfrm>
             <a:off x="2627280" y="3835800"/>
-            <a:ext cx="3490920" cy="2714040"/>
+            <a:ext cx="3490560" cy="2713680"/>
           </a:xfrm>
           <a:prstGeom prst="rect">
             <a:avLst/>
@@ -12338,7 +12338,7 @@
         <p:spPr>
           <a:xfrm>
             <a:off x="5828040" y="3981600"/>
-            <a:ext cx="298800" cy="2524320"/>
+            <a:ext cx="298440" cy="2523960"/>
           </a:xfrm>
           <a:prstGeom prst="rect">
             <a:avLst/>
@@ -12385,7 +12385,7 @@
         <p:spPr>
           <a:xfrm>
             <a:off x="6651720" y="3791880"/>
-            <a:ext cx="2746800" cy="2714040"/>
+            <a:ext cx="2746440" cy="2713680"/>
           </a:xfrm>
           <a:prstGeom prst="rect">
             <a:avLst/>
@@ -12404,7 +12404,7 @@
         <p:spPr>
           <a:xfrm>
             <a:off x="4123800" y="4463280"/>
-            <a:ext cx="4067640" cy="1482840"/>
+            <a:ext cx="4067280" cy="1482480"/>
           </a:xfrm>
           <a:prstGeom prst="rightArrow">
             <a:avLst>
@@ -12483,7 +12483,7 @@
         <p:spPr>
           <a:xfrm>
             <a:off x="360000" y="360000"/>
-            <a:ext cx="9355680" cy="895680"/>
+            <a:ext cx="9355320" cy="895320"/>
           </a:xfrm>
           <a:prstGeom prst="rect">
             <a:avLst/>
@@ -12535,7 +12535,7 @@
         <p:spPr>
           <a:xfrm>
             <a:off x="897120" y="6886080"/>
-            <a:ext cx="6442920" cy="360720"/>
+            <a:ext cx="6442560" cy="360360"/>
           </a:xfrm>
           <a:prstGeom prst="rect">
             <a:avLst/>
@@ -12587,7 +12587,7 @@
         <p:spPr>
           <a:xfrm>
             <a:off x="7608600" y="6886080"/>
-            <a:ext cx="2280960" cy="360720"/>
+            <a:ext cx="2280600" cy="360360"/>
           </a:xfrm>
           <a:prstGeom prst="rect">
             <a:avLst/>
@@ -12649,7 +12649,7 @@
         <p:spPr>
           <a:xfrm>
             <a:off x="200160" y="1689840"/>
-            <a:ext cx="9515520" cy="5027400"/>
+            <a:ext cx="9515160" cy="5027400"/>
           </a:xfrm>
           <a:prstGeom prst="rect">
             <a:avLst/>
@@ -12926,7 +12926,7 @@
         <p:spPr>
           <a:xfrm>
             <a:off x="3236760" y="4493880"/>
-            <a:ext cx="2855520" cy="631800"/>
+            <a:ext cx="2855160" cy="631440"/>
           </a:xfrm>
           <a:prstGeom prst="rect">
             <a:avLst/>
@@ -12949,7 +12949,7 @@
         <p:spPr>
           <a:xfrm>
             <a:off x="3173040" y="2122200"/>
-            <a:ext cx="2919240" cy="593280"/>
+            <a:ext cx="2918880" cy="592920"/>
           </a:xfrm>
           <a:prstGeom prst="rect">
             <a:avLst/>
@@ -12972,7 +12972,7 @@
         <p:spPr>
           <a:xfrm>
             <a:off x="3236760" y="3304440"/>
-            <a:ext cx="2767680" cy="533160"/>
+            <a:ext cx="2767320" cy="532800"/>
           </a:xfrm>
           <a:prstGeom prst="rect">
             <a:avLst/>
@@ -12991,7 +12991,7 @@
         <p:spPr>
           <a:xfrm>
             <a:off x="4498920" y="3885120"/>
-            <a:ext cx="220320" cy="522360"/>
+            <a:ext cx="219960" cy="522000"/>
           </a:xfrm>
           <a:prstGeom prst="downArrow">
             <a:avLst>
@@ -13033,7 +13033,7 @@
         <p:spPr>
           <a:xfrm>
             <a:off x="4502520" y="2734560"/>
-            <a:ext cx="220320" cy="522360"/>
+            <a:ext cx="219960" cy="522000"/>
           </a:xfrm>
           <a:prstGeom prst="downArrow">
             <a:avLst>
@@ -13105,7 +13105,7 @@
         <p:spPr>
           <a:xfrm>
             <a:off x="360000" y="360000"/>
-            <a:ext cx="9355680" cy="895680"/>
+            <a:ext cx="9355320" cy="895320"/>
           </a:xfrm>
           <a:prstGeom prst="rect">
             <a:avLst/>
@@ -13157,7 +13157,7 @@
         <p:spPr>
           <a:xfrm>
             <a:off x="897120" y="6886080"/>
-            <a:ext cx="6442920" cy="360720"/>
+            <a:ext cx="6442560" cy="360360"/>
           </a:xfrm>
           <a:prstGeom prst="rect">
             <a:avLst/>
@@ -13209,7 +13209,7 @@
         <p:spPr>
           <a:xfrm>
             <a:off x="7608600" y="6886080"/>
-            <a:ext cx="2280960" cy="360720"/>
+            <a:ext cx="2280600" cy="360360"/>
           </a:xfrm>
           <a:prstGeom prst="rect">
             <a:avLst/>
@@ -13271,7 +13271,7 @@
         <p:spPr>
           <a:xfrm>
             <a:off x="360000" y="1980000"/>
-            <a:ext cx="9175680" cy="4675680"/>
+            <a:ext cx="9175320" cy="4675320"/>
           </a:xfrm>
           <a:prstGeom prst="rect">
             <a:avLst/>
@@ -13490,7 +13490,7 @@
         <p:spPr>
           <a:xfrm>
             <a:off x="2124000" y="4627440"/>
-            <a:ext cx="6219360" cy="2104200"/>
+            <a:ext cx="6219000" cy="2103840"/>
           </a:xfrm>
           <a:prstGeom prst="rect">
             <a:avLst/>
@@ -13509,7 +13509,7 @@
         <p:spPr>
           <a:xfrm>
             <a:off x="2124000" y="6444000"/>
-            <a:ext cx="233640" cy="233640"/>
+            <a:ext cx="233280" cy="233280"/>
           </a:xfrm>
           <a:prstGeom prst="ellipse">
             <a:avLst/>
@@ -13539,7 +13539,7 @@
         <p:spPr>
           <a:xfrm>
             <a:off x="2592360" y="6444360"/>
-            <a:ext cx="233640" cy="233640"/>
+            <a:ext cx="233280" cy="233280"/>
           </a:xfrm>
           <a:prstGeom prst="ellipse">
             <a:avLst/>
@@ -13569,7 +13569,7 @@
         <p:spPr>
           <a:xfrm>
             <a:off x="3024720" y="6444720"/>
-            <a:ext cx="233640" cy="233640"/>
+            <a:ext cx="233280" cy="233280"/>
           </a:xfrm>
           <a:prstGeom prst="ellipse">
             <a:avLst/>
@@ -13629,7 +13629,7 @@
         <p:spPr>
           <a:xfrm>
             <a:off x="360000" y="360000"/>
-            <a:ext cx="9355680" cy="895680"/>
+            <a:ext cx="9355320" cy="895320"/>
           </a:xfrm>
           <a:prstGeom prst="rect">
             <a:avLst/>
@@ -13681,7 +13681,7 @@
         <p:spPr>
           <a:xfrm>
             <a:off x="897120" y="6886080"/>
-            <a:ext cx="6442920" cy="360720"/>
+            <a:ext cx="6442560" cy="360360"/>
           </a:xfrm>
           <a:prstGeom prst="rect">
             <a:avLst/>
@@ -13733,7 +13733,7 @@
         <p:spPr>
           <a:xfrm>
             <a:off x="7608600" y="6886080"/>
-            <a:ext cx="2280960" cy="360720"/>
+            <a:ext cx="2280600" cy="360360"/>
           </a:xfrm>
           <a:prstGeom prst="rect">
             <a:avLst/>
@@ -13795,7 +13795,7 @@
         <p:spPr>
           <a:xfrm>
             <a:off x="200160" y="1689840"/>
-            <a:ext cx="9515520" cy="1735560"/>
+            <a:ext cx="9515160" cy="1735560"/>
           </a:xfrm>
           <a:prstGeom prst="rect">
             <a:avLst/>
@@ -13966,7 +13966,7 @@
         <p:spPr>
           <a:xfrm>
             <a:off x="1506600" y="3780000"/>
-            <a:ext cx="2611440" cy="2263320"/>
+            <a:ext cx="2611080" cy="2262960"/>
           </a:xfrm>
           <a:prstGeom prst="rect">
             <a:avLst/>
@@ -13989,7 +13989,7 @@
         <p:spPr>
           <a:xfrm>
             <a:off x="5930280" y="5444280"/>
-            <a:ext cx="3375000" cy="821520"/>
+            <a:ext cx="3374640" cy="821160"/>
           </a:xfrm>
           <a:prstGeom prst="rect">
             <a:avLst/>
@@ -14012,7 +14012,7 @@
         <p:spPr>
           <a:xfrm>
             <a:off x="5796000" y="2768040"/>
-            <a:ext cx="3792600" cy="847800"/>
+            <a:ext cx="3792240" cy="847440"/>
           </a:xfrm>
           <a:prstGeom prst="rect">
             <a:avLst/>
@@ -14035,7 +14035,7 @@
         <p:spPr>
           <a:xfrm>
             <a:off x="5724000" y="4093560"/>
-            <a:ext cx="3833280" cy="812880"/>
+            <a:ext cx="3832920" cy="812520"/>
           </a:xfrm>
           <a:prstGeom prst="rect">
             <a:avLst/>
@@ -14054,7 +14054,7 @@
         <p:spPr>
           <a:xfrm>
             <a:off x="7467480" y="3650760"/>
-            <a:ext cx="243000" cy="419400"/>
+            <a:ext cx="242640" cy="419040"/>
           </a:xfrm>
           <a:prstGeom prst="downArrow">
             <a:avLst>
@@ -14096,7 +14096,7 @@
         <p:spPr>
           <a:xfrm>
             <a:off x="7503480" y="4989960"/>
-            <a:ext cx="243000" cy="419400"/>
+            <a:ext cx="242640" cy="419040"/>
           </a:xfrm>
           <a:prstGeom prst="downArrow">
             <a:avLst>
@@ -14168,7 +14168,7 @@
         <p:spPr>
           <a:xfrm>
             <a:off x="360000" y="360000"/>
-            <a:ext cx="9355680" cy="895680"/>
+            <a:ext cx="9355320" cy="895320"/>
           </a:xfrm>
           <a:prstGeom prst="rect">
             <a:avLst/>
@@ -14220,7 +14220,7 @@
         <p:spPr>
           <a:xfrm>
             <a:off x="897120" y="6886080"/>
-            <a:ext cx="6442920" cy="360720"/>
+            <a:ext cx="6442560" cy="360360"/>
           </a:xfrm>
           <a:prstGeom prst="rect">
             <a:avLst/>
@@ -14272,7 +14272,7 @@
         <p:spPr>
           <a:xfrm>
             <a:off x="7608600" y="6886080"/>
-            <a:ext cx="2280960" cy="360720"/>
+            <a:ext cx="2280600" cy="360360"/>
           </a:xfrm>
           <a:prstGeom prst="rect">
             <a:avLst/>
@@ -14334,7 +14334,7 @@
         <p:spPr>
           <a:xfrm>
             <a:off x="200160" y="1689840"/>
-            <a:ext cx="9515520" cy="1461240"/>
+            <a:ext cx="9515160" cy="1461240"/>
           </a:xfrm>
           <a:prstGeom prst="rect">
             <a:avLst/>
@@ -14466,7 +14466,7 @@
         <p:spPr>
           <a:xfrm>
             <a:off x="2684880" y="4089240"/>
-            <a:ext cx="2352600" cy="2352600"/>
+            <a:ext cx="2352240" cy="2352240"/>
           </a:xfrm>
           <a:prstGeom prst="rect">
             <a:avLst/>
@@ -14489,7 +14489,7 @@
         <p:spPr>
           <a:xfrm>
             <a:off x="6324480" y="4074480"/>
-            <a:ext cx="2352600" cy="2352600"/>
+            <a:ext cx="2352240" cy="2352240"/>
           </a:xfrm>
           <a:prstGeom prst="rect">
             <a:avLst/>
@@ -14512,7 +14512,7 @@
         <p:spPr>
           <a:xfrm>
             <a:off x="1672560" y="2622960"/>
-            <a:ext cx="685080" cy="704160"/>
+            <a:ext cx="684720" cy="703800"/>
           </a:xfrm>
           <a:prstGeom prst="rect">
             <a:avLst/>
@@ -14535,7 +14535,7 @@
         <p:spPr>
           <a:xfrm>
             <a:off x="3395160" y="2613240"/>
-            <a:ext cx="723240" cy="713520"/>
+            <a:ext cx="722880" cy="713160"/>
           </a:xfrm>
           <a:prstGeom prst="rect">
             <a:avLst/>
@@ -14554,7 +14554,7 @@
         <p:spPr>
           <a:xfrm>
             <a:off x="1262160" y="3361680"/>
-            <a:ext cx="1506600" cy="638280"/>
+            <a:ext cx="1506240" cy="638280"/>
           </a:xfrm>
           <a:prstGeom prst="rect">
             <a:avLst/>
@@ -14606,7 +14606,7 @@
         <p:spPr>
           <a:xfrm>
             <a:off x="3003480" y="3358800"/>
-            <a:ext cx="1506600" cy="638280"/>
+            <a:ext cx="1506240" cy="638280"/>
           </a:xfrm>
           <a:prstGeom prst="rect">
             <a:avLst/>
@@ -14658,7 +14658,7 @@
         <p:spPr>
           <a:xfrm>
             <a:off x="5247720" y="5327280"/>
-            <a:ext cx="754560" cy="209160"/>
+            <a:ext cx="754200" cy="208800"/>
           </a:xfrm>
           <a:prstGeom prst="rightArrow">
             <a:avLst>
@@ -14704,7 +14704,7 @@
         <p:spPr>
           <a:xfrm>
             <a:off x="900000" y="5084640"/>
-            <a:ext cx="723240" cy="713520"/>
+            <a:ext cx="722880" cy="713160"/>
           </a:xfrm>
           <a:prstGeom prst="rect">
             <a:avLst/>
@@ -14722,8 +14722,8 @@
         </p:nvSpPr>
         <p:spPr>
           <a:xfrm flipV="1">
-            <a:off x="1748880" y="5291640"/>
-            <a:ext cx="723240" cy="244080"/>
+            <a:off x="1748880" y="5290920"/>
+            <a:ext cx="722880" cy="243720"/>
           </a:xfrm>
           <a:prstGeom prst="rightArrow">
             <a:avLst>
@@ -14795,7 +14795,7 @@
         <p:spPr>
           <a:xfrm>
             <a:off x="360000" y="360000"/>
-            <a:ext cx="9355680" cy="895680"/>
+            <a:ext cx="9355320" cy="895320"/>
           </a:xfrm>
           <a:prstGeom prst="rect">
             <a:avLst/>
@@ -14847,7 +14847,7 @@
         <p:spPr>
           <a:xfrm>
             <a:off x="897120" y="6886080"/>
-            <a:ext cx="6442920" cy="360720"/>
+            <a:ext cx="6442560" cy="360360"/>
           </a:xfrm>
           <a:prstGeom prst="rect">
             <a:avLst/>
@@ -14899,7 +14899,7 @@
         <p:spPr>
           <a:xfrm>
             <a:off x="7608600" y="6886080"/>
-            <a:ext cx="2280960" cy="360720"/>
+            <a:ext cx="2280600" cy="360360"/>
           </a:xfrm>
           <a:prstGeom prst="rect">
             <a:avLst/>
@@ -14965,7 +14965,7 @@
         <p:spPr>
           <a:xfrm>
             <a:off x="2088360" y="3618000"/>
-            <a:ext cx="3065760" cy="3065760"/>
+            <a:ext cx="3065400" cy="3065400"/>
           </a:xfrm>
           <a:prstGeom prst="rect">
             <a:avLst/>
@@ -14988,7 +14988,7 @@
         <p:spPr>
           <a:xfrm>
             <a:off x="6050880" y="3610080"/>
-            <a:ext cx="3065760" cy="3065760"/>
+            <a:ext cx="3065400" cy="3065400"/>
           </a:xfrm>
           <a:prstGeom prst="rect">
             <a:avLst/>
@@ -15011,7 +15011,7 @@
         <p:spPr>
           <a:xfrm>
             <a:off x="6069960" y="3618720"/>
-            <a:ext cx="414000" cy="429480"/>
+            <a:ext cx="413640" cy="429120"/>
           </a:xfrm>
           <a:prstGeom prst="rect">
             <a:avLst/>
@@ -15034,7 +15034,7 @@
         <p:spPr>
           <a:xfrm>
             <a:off x="1939320" y="3474360"/>
-            <a:ext cx="777600" cy="766440"/>
+            <a:ext cx="777240" cy="766080"/>
           </a:xfrm>
           <a:prstGeom prst="rect">
             <a:avLst/>
@@ -15065,7 +15065,7 @@
         <p:spPr>
           <a:xfrm>
             <a:off x="5262480" y="5015160"/>
-            <a:ext cx="680040" cy="271440"/>
+            <a:ext cx="679680" cy="271080"/>
           </a:xfrm>
           <a:prstGeom prst="rightArrow">
             <a:avLst>
@@ -15107,7 +15107,7 @@
         <p:spPr>
           <a:xfrm>
             <a:off x="200160" y="1473840"/>
-            <a:ext cx="9515520" cy="3381480"/>
+            <a:ext cx="9515160" cy="3381480"/>
           </a:xfrm>
           <a:prstGeom prst="rect">
             <a:avLst/>
@@ -15412,7 +15412,7 @@
         <p:spPr>
           <a:xfrm>
             <a:off x="360000" y="360000"/>
-            <a:ext cx="9355680" cy="895680"/>
+            <a:ext cx="9355320" cy="895320"/>
           </a:xfrm>
           <a:prstGeom prst="rect">
             <a:avLst/>
@@ -15464,7 +15464,7 @@
         <p:spPr>
           <a:xfrm>
             <a:off x="897120" y="6886080"/>
-            <a:ext cx="6442920" cy="360720"/>
+            <a:ext cx="6442560" cy="360360"/>
           </a:xfrm>
           <a:prstGeom prst="rect">
             <a:avLst/>
@@ -15516,7 +15516,7 @@
         <p:spPr>
           <a:xfrm>
             <a:off x="7608600" y="6886080"/>
-            <a:ext cx="2280960" cy="360720"/>
+            <a:ext cx="2280600" cy="360360"/>
           </a:xfrm>
           <a:prstGeom prst="rect">
             <a:avLst/>
@@ -15582,7 +15582,7 @@
         <p:spPr>
           <a:xfrm>
             <a:off x="2088360" y="3618000"/>
-            <a:ext cx="3065760" cy="3065760"/>
+            <a:ext cx="3065400" cy="3065400"/>
           </a:xfrm>
           <a:prstGeom prst="rect">
             <a:avLst/>
@@ -15605,7 +15605,7 @@
         <p:spPr>
           <a:xfrm>
             <a:off x="6050880" y="3610080"/>
-            <a:ext cx="3065760" cy="3065760"/>
+            <a:ext cx="3065400" cy="3065400"/>
           </a:xfrm>
           <a:prstGeom prst="rect">
             <a:avLst/>
@@ -15628,7 +15628,7 @@
         <p:spPr>
           <a:xfrm>
             <a:off x="2336760" y="3474360"/>
-            <a:ext cx="777600" cy="766440"/>
+            <a:ext cx="777240" cy="766080"/>
           </a:xfrm>
           <a:prstGeom prst="rect">
             <a:avLst/>
@@ -15659,7 +15659,7 @@
         <p:spPr>
           <a:xfrm>
             <a:off x="5262480" y="5015160"/>
-            <a:ext cx="680040" cy="271440"/>
+            <a:ext cx="679680" cy="271080"/>
           </a:xfrm>
           <a:prstGeom prst="rightArrow">
             <a:avLst>
@@ -15705,7 +15705,7 @@
         <p:spPr>
           <a:xfrm>
             <a:off x="6066000" y="3624840"/>
-            <a:ext cx="824400" cy="435600"/>
+            <a:ext cx="824040" cy="435240"/>
           </a:xfrm>
           <a:prstGeom prst="rect">
             <a:avLst/>
@@ -15724,7 +15724,7 @@
         <p:spPr>
           <a:xfrm>
             <a:off x="200160" y="1437840"/>
-            <a:ext cx="9515520" cy="3381480"/>
+            <a:ext cx="9515160" cy="3381480"/>
           </a:xfrm>
           <a:prstGeom prst="rect">
             <a:avLst/>
@@ -16029,7 +16029,7 @@
         <p:spPr>
           <a:xfrm>
             <a:off x="360000" y="360000"/>
-            <a:ext cx="9355680" cy="895680"/>
+            <a:ext cx="9355320" cy="895320"/>
           </a:xfrm>
           <a:prstGeom prst="rect">
             <a:avLst/>
@@ -16081,7 +16081,7 @@
         <p:spPr>
           <a:xfrm>
             <a:off x="897120" y="6886080"/>
-            <a:ext cx="6442920" cy="360720"/>
+            <a:ext cx="6442560" cy="360360"/>
           </a:xfrm>
           <a:prstGeom prst="rect">
             <a:avLst/>
@@ -16133,7 +16133,7 @@
         <p:spPr>
           <a:xfrm>
             <a:off x="7608600" y="6886080"/>
-            <a:ext cx="2280960" cy="360720"/>
+            <a:ext cx="2280600" cy="360360"/>
           </a:xfrm>
           <a:prstGeom prst="rect">
             <a:avLst/>
@@ -16199,7 +16199,7 @@
         <p:spPr>
           <a:xfrm>
             <a:off x="2088360" y="3618000"/>
-            <a:ext cx="3065760" cy="3065760"/>
+            <a:ext cx="3065400" cy="3065400"/>
           </a:xfrm>
           <a:prstGeom prst="rect">
             <a:avLst/>
@@ -16222,7 +16222,7 @@
         <p:spPr>
           <a:xfrm>
             <a:off x="6050880" y="3610080"/>
-            <a:ext cx="3065760" cy="3065760"/>
+            <a:ext cx="3065400" cy="3065400"/>
           </a:xfrm>
           <a:prstGeom prst="rect">
             <a:avLst/>
@@ -16245,7 +16245,7 @@
         <p:spPr>
           <a:xfrm>
             <a:off x="3045960" y="3436560"/>
-            <a:ext cx="777600" cy="766440"/>
+            <a:ext cx="777240" cy="766080"/>
           </a:xfrm>
           <a:prstGeom prst="rect">
             <a:avLst/>
@@ -16276,7 +16276,7 @@
         <p:spPr>
           <a:xfrm>
             <a:off x="5262480" y="5015160"/>
-            <a:ext cx="680040" cy="271440"/>
+            <a:ext cx="679680" cy="271080"/>
           </a:xfrm>
           <a:prstGeom prst="rightArrow">
             <a:avLst>
@@ -16322,7 +16322,7 @@
         <p:spPr>
           <a:xfrm>
             <a:off x="6066000" y="3624840"/>
-            <a:ext cx="824400" cy="435600"/>
+            <a:ext cx="824040" cy="435240"/>
           </a:xfrm>
           <a:prstGeom prst="rect">
             <a:avLst/>
@@ -16345,7 +16345,7 @@
         <p:spPr>
           <a:xfrm>
             <a:off x="6066000" y="3624840"/>
-            <a:ext cx="3050640" cy="3050640"/>
+            <a:ext cx="3050280" cy="3050280"/>
           </a:xfrm>
           <a:prstGeom prst="rect">
             <a:avLst/>
@@ -16364,7 +16364,7 @@
         <p:spPr>
           <a:xfrm>
             <a:off x="200160" y="1509840"/>
-            <a:ext cx="9515520" cy="3381480"/>
+            <a:ext cx="9515160" cy="3381480"/>
           </a:xfrm>
           <a:prstGeom prst="rect">
             <a:avLst/>
@@ -16669,7 +16669,7 @@
         <p:spPr>
           <a:xfrm>
             <a:off x="360000" y="360000"/>
-            <a:ext cx="9355680" cy="895680"/>
+            <a:ext cx="9355320" cy="895320"/>
           </a:xfrm>
           <a:prstGeom prst="rect">
             <a:avLst/>
@@ -16721,7 +16721,7 @@
         <p:spPr>
           <a:xfrm>
             <a:off x="897120" y="6886080"/>
-            <a:ext cx="6442920" cy="360720"/>
+            <a:ext cx="6442560" cy="360360"/>
           </a:xfrm>
           <a:prstGeom prst="rect">
             <a:avLst/>
@@ -16773,7 +16773,7 @@
         <p:spPr>
           <a:xfrm>
             <a:off x="7608600" y="6886080"/>
-            <a:ext cx="2280960" cy="360720"/>
+            <a:ext cx="2280600" cy="360360"/>
           </a:xfrm>
           <a:prstGeom prst="rect">
             <a:avLst/>
@@ -16839,7 +16839,7 @@
         <p:spPr>
           <a:xfrm>
             <a:off x="2088360" y="3618000"/>
-            <a:ext cx="3065760" cy="3065760"/>
+            <a:ext cx="3065400" cy="3065400"/>
           </a:xfrm>
           <a:prstGeom prst="rect">
             <a:avLst/>
@@ -16862,7 +16862,7 @@
         <p:spPr>
           <a:xfrm>
             <a:off x="6050880" y="3610080"/>
-            <a:ext cx="3065760" cy="3065760"/>
+            <a:ext cx="3065400" cy="3065400"/>
           </a:xfrm>
           <a:prstGeom prst="rect">
             <a:avLst/>
@@ -16885,7 +16885,7 @@
         <p:spPr>
           <a:xfrm>
             <a:off x="4569120" y="3459600"/>
-            <a:ext cx="777600" cy="766440"/>
+            <a:ext cx="777240" cy="766080"/>
           </a:xfrm>
           <a:prstGeom prst="rect">
             <a:avLst/>
@@ -16916,7 +16916,7 @@
         <p:spPr>
           <a:xfrm>
             <a:off x="5262480" y="5015160"/>
-            <a:ext cx="680040" cy="271440"/>
+            <a:ext cx="679680" cy="271080"/>
           </a:xfrm>
           <a:prstGeom prst="rightArrow">
             <a:avLst>
@@ -16962,7 +16962,7 @@
         <p:spPr>
           <a:xfrm>
             <a:off x="6066000" y="3624840"/>
-            <a:ext cx="824400" cy="435600"/>
+            <a:ext cx="824040" cy="435240"/>
           </a:xfrm>
           <a:prstGeom prst="rect">
             <a:avLst/>
@@ -16985,7 +16985,7 @@
         <p:spPr>
           <a:xfrm>
             <a:off x="6066000" y="3624840"/>
-            <a:ext cx="3050640" cy="3050640"/>
+            <a:ext cx="3050280" cy="3050280"/>
           </a:xfrm>
           <a:prstGeom prst="rect">
             <a:avLst/>
@@ -17008,7 +17008,7 @@
         <p:spPr>
           <a:xfrm>
             <a:off x="6104160" y="3634920"/>
-            <a:ext cx="3012840" cy="3012840"/>
+            <a:ext cx="3012480" cy="3012480"/>
           </a:xfrm>
           <a:prstGeom prst="rect">
             <a:avLst/>
@@ -17027,7 +17027,7 @@
         <p:spPr>
           <a:xfrm>
             <a:off x="200160" y="1473840"/>
-            <a:ext cx="9515520" cy="3381480"/>
+            <a:ext cx="9515160" cy="3381480"/>
           </a:xfrm>
           <a:prstGeom prst="rect">
             <a:avLst/>
@@ -17332,7 +17332,7 @@
         <p:spPr>
           <a:xfrm>
             <a:off x="360000" y="360000"/>
-            <a:ext cx="9355680" cy="895680"/>
+            <a:ext cx="9355320" cy="895320"/>
           </a:xfrm>
           <a:prstGeom prst="rect">
             <a:avLst/>
@@ -17384,7 +17384,7 @@
         <p:spPr>
           <a:xfrm>
             <a:off x="897120" y="6886080"/>
-            <a:ext cx="6442920" cy="360720"/>
+            <a:ext cx="6442560" cy="360360"/>
           </a:xfrm>
           <a:prstGeom prst="rect">
             <a:avLst/>
@@ -17436,7 +17436,7 @@
         <p:spPr>
           <a:xfrm>
             <a:off x="7608600" y="6886080"/>
-            <a:ext cx="2280960" cy="360720"/>
+            <a:ext cx="2280600" cy="360360"/>
           </a:xfrm>
           <a:prstGeom prst="rect">
             <a:avLst/>
@@ -17502,7 +17502,7 @@
         <p:spPr>
           <a:xfrm>
             <a:off x="2678760" y="3449160"/>
-            <a:ext cx="669600" cy="660600"/>
+            <a:ext cx="669240" cy="660240"/>
           </a:xfrm>
           <a:prstGeom prst="rect">
             <a:avLst/>
@@ -17528,7 +17528,7 @@
         <p:spPr>
           <a:xfrm>
             <a:off x="3349080" y="3577680"/>
-            <a:ext cx="3138480" cy="3138480"/>
+            <a:ext cx="3138120" cy="3138120"/>
           </a:xfrm>
           <a:prstGeom prst="rect">
             <a:avLst/>
@@ -17547,7 +17547,7 @@
         <p:spPr>
           <a:xfrm>
             <a:off x="200160" y="1581840"/>
-            <a:ext cx="9515520" cy="3381480"/>
+            <a:ext cx="9515160" cy="3381480"/>
           </a:xfrm>
           <a:prstGeom prst="rect">
             <a:avLst/>

--- a/ComputerVision/Lecture 04 - Finding Components/Lecture 04 - Component Segmentation.pptx
+++ b/ComputerVision/Lecture 04 - Finding Components/Lecture 04 - Component Segmentation.pptx
@@ -125,6 +125,11 @@
       </a:defRPr>
     </a:lvl9pPr>
   </p:defaultTextStyle>
+  <p:extLst>
+    <p:ext uri="{EFAFB233-063F-42B5-8137-9DF3F51BA10A}">
+      <p15:sldGuideLst xmlns:p15="http://schemas.microsoft.com/office/powerpoint/2012/main"/>
+    </p:ext>
+  </p:extLst>
 </p:presentation>
 </file>
 
@@ -14324,19 +14329,7 @@
                 <a:ea typeface="DejaVu Sans"/>
                 <a:hlinkClick r:id="rId3"/>
               </a:rPr>
-              <a:t>Lecture 04 - Finding </a:t>
-            </a:r>
-            <a:r>
-              <a:rPr lang="en-US" sz="1800" b="0" u="sng" strike="noStrike" spc="-1">
-                <a:solidFill>
-                  <a:srgbClr val="0000FF"/>
-                </a:solidFill>
-                <a:uFillTx/>
-                <a:latin typeface="Calibri"/>
-                <a:ea typeface="DejaVu Sans"/>
-                <a:hlinkClick r:id="rId3"/>
-              </a:rPr>
-              <a:t>Components.ipynb</a:t>
+              <a:t>Lecture 04 - Finding Components.ipynb</a:t>
             </a:r>
             <a:endParaRPr lang="pt-BR" sz="1800" b="0" strike="noStrike" spc="-1">
               <a:latin typeface="Arial"/>
@@ -14639,7 +14632,7 @@
               <a:buNone/>
             </a:pPr>
             <a:r>
-              <a:rPr lang="pt-BR" sz="1800" b="0" strike="noStrike" spc="-1">
+              <a:rPr lang="pt-BR" sz="1800" b="0" strike="noStrike" spc="-1" dirty="0">
                 <a:solidFill>
                   <a:srgbClr val="000000"/>
                 </a:solidFill>
@@ -14648,7 +14641,7 @@
               </a:rPr>
               <a:t>Computer Vision - Prof. André Hochuli</a:t>
             </a:r>
-            <a:endParaRPr lang="pt-BR" sz="1800" b="0" strike="noStrike" spc="-1">
+            <a:endParaRPr lang="pt-BR" sz="1800" b="0" strike="noStrike" spc="-1" dirty="0">
               <a:latin typeface="Arial"/>
             </a:endParaRPr>
           </a:p>
@@ -14947,10 +14940,10 @@
       </p:sp>
       <p:pic>
         <p:nvPicPr>
-          <p:cNvPr id="5" name="Picture 4">
+          <p:cNvPr id="2" name="Picture 1">
             <a:extLst>
               <a:ext uri="{FF2B5EF4-FFF2-40B4-BE49-F238E27FC236}">
-                <a16:creationId xmlns:a16="http://schemas.microsoft.com/office/drawing/2014/main" id="{178A04C7-0A2F-DB26-731C-480FD72B34C5}"/>
+                <a16:creationId xmlns:a16="http://schemas.microsoft.com/office/drawing/2014/main" id="{189166E7-01F4-795D-6CA5-AFF040833B05}"/>
               </a:ext>
             </a:extLst>
           </p:cNvPr>
@@ -14967,8 +14960,8 @@
         </p:blipFill>
         <p:spPr>
           <a:xfrm>
-            <a:off x="2316465" y="4046654"/>
-            <a:ext cx="5789485" cy="2757365"/>
+            <a:off x="2264888" y="4058407"/>
+            <a:ext cx="5958037" cy="2763432"/>
           </a:xfrm>
           <a:prstGeom prst="rect">
             <a:avLst/>
@@ -14977,10 +14970,10 @@
       </p:pic>
       <p:sp>
         <p:nvSpPr>
-          <p:cNvPr id="6" name="Oval 5">
+          <p:cNvPr id="3" name="Oval 2">
             <a:extLst>
               <a:ext uri="{FF2B5EF4-FFF2-40B4-BE49-F238E27FC236}">
-                <a16:creationId xmlns:a16="http://schemas.microsoft.com/office/drawing/2014/main" id="{E66D9ADC-E451-A09F-4874-9B0151E0F242}"/>
+                <a16:creationId xmlns:a16="http://schemas.microsoft.com/office/drawing/2014/main" id="{6E7559A4-C365-6310-4C44-9EC061E1B98C}"/>
               </a:ext>
             </a:extLst>
           </p:cNvPr>
@@ -14989,8 +14982,8 @@
         </p:nvSpPr>
         <p:spPr>
           <a:xfrm>
-            <a:off x="2809996" y="6476842"/>
-            <a:ext cx="236823" cy="243401"/>
+            <a:off x="2359428" y="6476712"/>
+            <a:ext cx="274234" cy="230825"/>
           </a:xfrm>
           <a:prstGeom prst="ellipse">
             <a:avLst/>
@@ -14998,23 +14991,18 @@
           <a:solidFill>
             <a:srgbClr val="00B050"/>
           </a:solidFill>
-          <a:ln>
-            <a:solidFill>
-              <a:srgbClr val="00B050"/>
-            </a:solidFill>
-          </a:ln>
         </p:spPr>
         <p:style>
           <a:lnRef idx="2">
-            <a:schemeClr val="accent3">
+            <a:schemeClr val="accent1">
               <a:shade val="15000"/>
             </a:schemeClr>
           </a:lnRef>
           <a:fillRef idx="1">
-            <a:schemeClr val="accent3"/>
+            <a:schemeClr val="accent1"/>
           </a:fillRef>
           <a:effectRef idx="0">
-            <a:schemeClr val="accent3"/>
+            <a:schemeClr val="accent1"/>
           </a:effectRef>
           <a:fontRef idx="minor">
             <a:schemeClr val="lt1"/>
@@ -15031,10 +15019,10 @@
       </p:sp>
       <p:sp>
         <p:nvSpPr>
-          <p:cNvPr id="7" name="Oval 6">
+          <p:cNvPr id="4" name="Oval 3">
             <a:extLst>
               <a:ext uri="{FF2B5EF4-FFF2-40B4-BE49-F238E27FC236}">
-                <a16:creationId xmlns:a16="http://schemas.microsoft.com/office/drawing/2014/main" id="{E58B512E-BECC-EDE2-4F35-B5A8B3130FDE}"/>
+                <a16:creationId xmlns:a16="http://schemas.microsoft.com/office/drawing/2014/main" id="{7992B899-D53C-C188-EB14-0F1B42606685}"/>
               </a:ext>
             </a:extLst>
           </p:cNvPr>
@@ -15043,8 +15031,8 @@
         </p:nvSpPr>
         <p:spPr>
           <a:xfrm>
-            <a:off x="2411929" y="6468519"/>
-            <a:ext cx="236823" cy="243401"/>
+            <a:off x="2741550" y="6485339"/>
+            <a:ext cx="274234" cy="230825"/>
           </a:xfrm>
           <a:prstGeom prst="ellipse">
             <a:avLst/>
@@ -15052,23 +15040,18 @@
           <a:solidFill>
             <a:srgbClr val="00B050"/>
           </a:solidFill>
-          <a:ln>
-            <a:solidFill>
-              <a:srgbClr val="00B050"/>
-            </a:solidFill>
-          </a:ln>
         </p:spPr>
         <p:style>
           <a:lnRef idx="2">
-            <a:schemeClr val="accent3">
+            <a:schemeClr val="accent1">
               <a:shade val="15000"/>
             </a:schemeClr>
           </a:lnRef>
           <a:fillRef idx="1">
-            <a:schemeClr val="accent3"/>
+            <a:schemeClr val="accent1"/>
           </a:fillRef>
           <a:effectRef idx="0">
-            <a:schemeClr val="accent3"/>
+            <a:schemeClr val="accent1"/>
           </a:effectRef>
           <a:fontRef idx="minor">
             <a:schemeClr val="lt1"/>
@@ -15085,10 +15068,10 @@
       </p:sp>
       <p:sp>
         <p:nvSpPr>
-          <p:cNvPr id="8" name="Oval 7">
+          <p:cNvPr id="9" name="Oval 8">
             <a:extLst>
               <a:ext uri="{FF2B5EF4-FFF2-40B4-BE49-F238E27FC236}">
-                <a16:creationId xmlns:a16="http://schemas.microsoft.com/office/drawing/2014/main" id="{C3C23B85-7B89-9F42-5251-C4AFDBF0C4F6}"/>
+                <a16:creationId xmlns:a16="http://schemas.microsoft.com/office/drawing/2014/main" id="{A7052389-1D54-886C-4AE3-77FCEF956C2C}"/>
               </a:ext>
             </a:extLst>
           </p:cNvPr>
@@ -15097,8 +15080,8 @@
         </p:nvSpPr>
         <p:spPr>
           <a:xfrm>
-            <a:off x="3219786" y="6442010"/>
-            <a:ext cx="236823" cy="243401"/>
+            <a:off x="3155976" y="6476711"/>
+            <a:ext cx="274234" cy="230825"/>
           </a:xfrm>
           <a:prstGeom prst="ellipse">
             <a:avLst/>
@@ -15106,23 +15089,18 @@
           <a:solidFill>
             <a:srgbClr val="00B050"/>
           </a:solidFill>
-          <a:ln>
-            <a:solidFill>
-              <a:srgbClr val="00B050"/>
-            </a:solidFill>
-          </a:ln>
         </p:spPr>
         <p:style>
           <a:lnRef idx="2">
-            <a:schemeClr val="accent3">
+            <a:schemeClr val="accent1">
               <a:shade val="15000"/>
             </a:schemeClr>
           </a:lnRef>
           <a:fillRef idx="1">
-            <a:schemeClr val="accent3"/>
+            <a:schemeClr val="accent1"/>
           </a:fillRef>
           <a:effectRef idx="0">
-            <a:schemeClr val="accent3"/>
+            <a:schemeClr val="accent1"/>
           </a:effectRef>
           <a:fontRef idx="minor">
             <a:schemeClr val="lt1"/>
